--- a/SIE_mockups.pptx
+++ b/SIE_mockups.pptx
@@ -8,11 +8,11 @@
     <p:sldId id="256" r:id="rId2"/>
     <p:sldId id="269" r:id="rId3"/>
     <p:sldId id="257" r:id="rId4"/>
-    <p:sldId id="260" r:id="rId5"/>
-    <p:sldId id="261" r:id="rId6"/>
-    <p:sldId id="263" r:id="rId7"/>
-    <p:sldId id="262" r:id="rId8"/>
-    <p:sldId id="258" r:id="rId9"/>
+    <p:sldId id="258" r:id="rId5"/>
+    <p:sldId id="260" r:id="rId6"/>
+    <p:sldId id="261" r:id="rId7"/>
+    <p:sldId id="263" r:id="rId8"/>
+    <p:sldId id="262" r:id="rId9"/>
     <p:sldId id="259" r:id="rId10"/>
     <p:sldId id="266" r:id="rId11"/>
     <p:sldId id="265" r:id="rId12"/>
@@ -128,7 +128,7 @@
 <file path=ppt/revisionInfo.xml><?xml version="1.0" encoding="utf-8"?>
 <p1510:revInfo xmlns:a="http://schemas.openxmlformats.org/drawingml/2006/main" xmlns:r="http://schemas.openxmlformats.org/officeDocument/2006/relationships" xmlns:p1510="http://schemas.microsoft.com/office/powerpoint/2015/10/main">
   <p1510:revLst>
-    <p1510:client id="{C3DFBA2C-0EB0-922D-BA91-67E470F1D73E}" v="394" dt="2025-11-10T11:26:51.125"/>
+    <p1510:client id="{6C7F1163-5F63-11B6-8390-0D6F219B05EE}" v="64" dt="2025-11-12T18:06:05.327"/>
     <p1510:client id="{CB21DA63-8453-8F06-287E-A0B6CCE3EFA8}" v="425" dt="2025-11-10T18:14:34.405"/>
   </p1510:revLst>
 </p1510:revInfo>
@@ -149,14 +149,6 @@
           <pc:docMk/>
           <pc:sldMk cId="988977761" sldId="256"/>
         </pc:sldMkLst>
-        <pc:spChg chg="del">
-          <ac:chgData name="Diogo da Silva Guedes Tavares" userId="S::up201706336@up.pt::0082672e-caf2-4cb6-be9b-91bd92c527f4" providerId="AD" clId="Web-{C3DFBA2C-0EB0-922D-BA91-67E470F1D73E}" dt="2025-11-10T11:15:56.410" v="73"/>
-          <ac:spMkLst>
-            <pc:docMk/>
-            <pc:sldMk cId="988977761" sldId="256"/>
-            <ac:spMk id="2" creationId="{4F61DE93-D7EE-B4BB-00FC-43E2EF97DE5B}"/>
-          </ac:spMkLst>
-        </pc:spChg>
         <pc:spChg chg="add mod">
           <ac:chgData name="Diogo da Silva Guedes Tavares" userId="S::up201706336@up.pt::0082672e-caf2-4cb6-be9b-91bd92c527f4" providerId="AD" clId="Web-{C3DFBA2C-0EB0-922D-BA91-67E470F1D73E}" dt="2025-11-10T11:17:12.588" v="128" actId="1076"/>
           <ac:spMkLst>
@@ -181,22 +173,6 @@
             <ac:spMk id="6" creationId="{73394B3C-6BB1-BF62-3C32-339E30EB303A}"/>
           </ac:spMkLst>
         </pc:spChg>
-        <pc:spChg chg="add del">
-          <ac:chgData name="Diogo da Silva Guedes Tavares" userId="S::up201706336@up.pt::0082672e-caf2-4cb6-be9b-91bd92c527f4" providerId="AD" clId="Web-{C3DFBA2C-0EB0-922D-BA91-67E470F1D73E}" dt="2025-11-10T11:11:56.907" v="5"/>
-          <ac:spMkLst>
-            <pc:docMk/>
-            <pc:sldMk cId="988977761" sldId="256"/>
-            <ac:spMk id="7" creationId="{5F96B4FB-7F93-7036-6B39-D799303C31EB}"/>
-          </ac:spMkLst>
-        </pc:spChg>
-        <pc:spChg chg="del mod">
-          <ac:chgData name="Diogo da Silva Guedes Tavares" userId="S::up201706336@up.pt::0082672e-caf2-4cb6-be9b-91bd92c527f4" providerId="AD" clId="Web-{C3DFBA2C-0EB0-922D-BA91-67E470F1D73E}" dt="2025-11-10T11:14:12.017" v="38"/>
-          <ac:spMkLst>
-            <pc:docMk/>
-            <pc:sldMk cId="988977761" sldId="256"/>
-            <ac:spMk id="8" creationId="{E2F7B492-E8BA-1685-BFC4-7A5E2835CA79}"/>
-          </ac:spMkLst>
-        </pc:spChg>
         <pc:spChg chg="add mod">
           <ac:chgData name="Diogo da Silva Guedes Tavares" userId="S::up201706336@up.pt::0082672e-caf2-4cb6-be9b-91bd92c527f4" providerId="AD" clId="Web-{C3DFBA2C-0EB0-922D-BA91-67E470F1D73E}" dt="2025-11-10T11:16:29.694" v="81" actId="1076"/>
           <ac:spMkLst>
@@ -211,14 +187,6 @@
             <pc:docMk/>
             <pc:sldMk cId="988977761" sldId="256"/>
             <ac:spMk id="10" creationId="{80A7370E-020D-E32F-ABD8-B5D9B546BB93}"/>
-          </ac:spMkLst>
-        </pc:spChg>
-        <pc:spChg chg="del">
-          <ac:chgData name="Diogo da Silva Guedes Tavares" userId="S::up201706336@up.pt::0082672e-caf2-4cb6-be9b-91bd92c527f4" providerId="AD" clId="Web-{C3DFBA2C-0EB0-922D-BA91-67E470F1D73E}" dt="2025-11-10T11:11:40.951" v="2"/>
-          <ac:spMkLst>
-            <pc:docMk/>
-            <pc:sldMk cId="988977761" sldId="256"/>
-            <ac:spMk id="11" creationId="{E3FBD514-2A22-267C-C5C8-5D35B3684C68}"/>
           </ac:spMkLst>
         </pc:spChg>
         <pc:spChg chg="add mod">
@@ -315,13 +283,6 @@
           </ac:spMkLst>
         </pc:spChg>
       </pc:sldChg>
-      <pc:sldChg chg="new del">
-        <pc:chgData name="Diogo da Silva Guedes Tavares" userId="S::up201706336@up.pt::0082672e-caf2-4cb6-be9b-91bd92c527f4" providerId="AD" clId="Web-{C3DFBA2C-0EB0-922D-BA91-67E470F1D73E}" dt="2025-11-10T11:14:29.346" v="41"/>
-        <pc:sldMkLst>
-          <pc:docMk/>
-          <pc:sldMk cId="3313345083" sldId="266"/>
-        </pc:sldMkLst>
-      </pc:sldChg>
     </pc:docChg>
   </pc:docChgLst>
   <pc:docChgLst>
@@ -406,14 +367,6 @@
           <pc:docMk/>
           <pc:sldMk cId="2752986164" sldId="266"/>
         </pc:sldMkLst>
-        <pc:spChg chg="del">
-          <ac:chgData name="Diogo da Silva Guedes Tavares" userId="S::up201706336@up.pt::0082672e-caf2-4cb6-be9b-91bd92c527f4" providerId="AD" clId="Web-{CB21DA63-8453-8F06-287E-A0B6CCE3EFA8}" dt="2025-11-10T17:58:38.167" v="68"/>
-          <ac:spMkLst>
-            <pc:docMk/>
-            <pc:sldMk cId="2752986164" sldId="266"/>
-            <ac:spMk id="3" creationId="{13557E0F-35D9-ED35-CBDF-DF03E822A8ED}"/>
-          </ac:spMkLst>
-        </pc:spChg>
         <pc:spChg chg="mod">
           <ac:chgData name="Diogo da Silva Guedes Tavares" userId="S::up201706336@up.pt::0082672e-caf2-4cb6-be9b-91bd92c527f4" providerId="AD" clId="Web-{CB21DA63-8453-8F06-287E-A0B6CCE3EFA8}" dt="2025-11-10T17:56:18.212" v="1" actId="20577"/>
           <ac:spMkLst>
@@ -428,14 +381,6 @@
             <pc:docMk/>
             <pc:sldMk cId="2752986164" sldId="266"/>
             <ac:spMk id="8" creationId="{6480F665-AABD-0E46-5A16-B06077B323C8}"/>
-          </ac:spMkLst>
-        </pc:spChg>
-        <pc:spChg chg="del">
-          <ac:chgData name="Diogo da Silva Guedes Tavares" userId="S::up201706336@up.pt::0082672e-caf2-4cb6-be9b-91bd92c527f4" providerId="AD" clId="Web-{CB21DA63-8453-8F06-287E-A0B6CCE3EFA8}" dt="2025-11-10T17:58:35.135" v="67"/>
-          <ac:spMkLst>
-            <pc:docMk/>
-            <pc:sldMk cId="2752986164" sldId="266"/>
-            <ac:spMk id="9" creationId="{34F01C35-851B-D482-8BE8-B35FA3E26A0B}"/>
           </ac:spMkLst>
         </pc:spChg>
         <pc:spChg chg="mod">
@@ -476,14 +421,6 @@
             <pc:docMk/>
             <pc:sldMk cId="2752986164" sldId="266"/>
             <ac:spMk id="15" creationId="{F543D9BB-A50D-7936-73A2-D80AE0F2EF51}"/>
-          </ac:spMkLst>
-        </pc:spChg>
-        <pc:spChg chg="add del mod">
-          <ac:chgData name="Diogo da Silva Guedes Tavares" userId="S::up201706336@up.pt::0082672e-caf2-4cb6-be9b-91bd92c527f4" providerId="AD" clId="Web-{CB21DA63-8453-8F06-287E-A0B6CCE3EFA8}" dt="2025-11-10T17:58:21.604" v="61"/>
-          <ac:spMkLst>
-            <pc:docMk/>
-            <pc:sldMk cId="2752986164" sldId="266"/>
-            <ac:spMk id="16" creationId="{8D00FD04-6FFC-C039-DFA2-503B0BAA4AFB}"/>
           </ac:spMkLst>
         </pc:spChg>
       </pc:sldChg>
@@ -675,12 +612,59 @@
             <ac:spMk id="10" creationId="{1950D19B-7161-F155-D929-908DB82F3B1C}"/>
           </ac:spMkLst>
         </pc:spChg>
-        <pc:spChg chg="del">
-          <ac:chgData name="Diogo da Silva Guedes Tavares" userId="S::up201706336@up.pt::0082672e-caf2-4cb6-be9b-91bd92c527f4" providerId="AD" clId="Web-{CB21DA63-8453-8F06-287E-A0B6CCE3EFA8}" dt="2025-11-10T18:06:15.904" v="188"/>
+      </pc:sldChg>
+    </pc:docChg>
+  </pc:docChgLst>
+  <pc:docChgLst>
+    <pc:chgData name="Diogo da Silva Guedes Tavares" userId="S::up201706336@up.pt::0082672e-caf2-4cb6-be9b-91bd92c527f4" providerId="AD" clId="Web-{6C7F1163-5F63-11B6-8390-0D6F219B05EE}"/>
+    <pc:docChg chg="modSld sldOrd">
+      <pc:chgData name="Diogo da Silva Guedes Tavares" userId="S::up201706336@up.pt::0082672e-caf2-4cb6-be9b-91bd92c527f4" providerId="AD" clId="Web-{6C7F1163-5F63-11B6-8390-0D6F219B05EE}" dt="2025-11-12T18:06:02.264" v="30" actId="20577"/>
+      <pc:docMkLst>
+        <pc:docMk/>
+      </pc:docMkLst>
+      <pc:sldChg chg="ord">
+        <pc:chgData name="Diogo da Silva Guedes Tavares" userId="S::up201706336@up.pt::0082672e-caf2-4cb6-be9b-91bd92c527f4" providerId="AD" clId="Web-{6C7F1163-5F63-11B6-8390-0D6F219B05EE}" dt="2025-11-12T15:29:53.026" v="0"/>
+        <pc:sldMkLst>
+          <pc:docMk/>
+          <pc:sldMk cId="2010659919" sldId="258"/>
+        </pc:sldMkLst>
+      </pc:sldChg>
+      <pc:sldChg chg="addSp modSp">
+        <pc:chgData name="Diogo da Silva Guedes Tavares" userId="S::up201706336@up.pt::0082672e-caf2-4cb6-be9b-91bd92c527f4" providerId="AD" clId="Web-{6C7F1163-5F63-11B6-8390-0D6F219B05EE}" dt="2025-11-12T18:06:02.264" v="30" actId="20577"/>
+        <pc:sldMkLst>
+          <pc:docMk/>
+          <pc:sldMk cId="2332653092" sldId="263"/>
+        </pc:sldMkLst>
+        <pc:spChg chg="add mod">
+          <ac:chgData name="Diogo da Silva Guedes Tavares" userId="S::up201706336@up.pt::0082672e-caf2-4cb6-be9b-91bd92c527f4" providerId="AD" clId="Web-{6C7F1163-5F63-11B6-8390-0D6F219B05EE}" dt="2025-11-12T18:05:36.731" v="16" actId="20577"/>
           <ac:spMkLst>
             <pc:docMk/>
-            <pc:sldMk cId="1373032526" sldId="269"/>
-            <ac:spMk id="14" creationId="{E24CEDE5-3D1B-5482-3F2C-FD0B2EE152D9}"/>
+            <pc:sldMk cId="2332653092" sldId="263"/>
+            <ac:spMk id="3" creationId="{7C7132DD-F921-A6C1-7A8B-4A578598DC32}"/>
+          </ac:spMkLst>
+        </pc:spChg>
+        <pc:spChg chg="add mod">
+          <ac:chgData name="Diogo da Silva Guedes Tavares" userId="S::up201706336@up.pt::0082672e-caf2-4cb6-be9b-91bd92c527f4" providerId="AD" clId="Web-{6C7F1163-5F63-11B6-8390-0D6F219B05EE}" dt="2025-11-12T18:05:54.451" v="22" actId="20577"/>
+          <ac:spMkLst>
+            <pc:docMk/>
+            <pc:sldMk cId="2332653092" sldId="263"/>
+            <ac:spMk id="8" creationId="{13890C7E-5E0F-A3C1-6D27-899955C86E56}"/>
+          </ac:spMkLst>
+        </pc:spChg>
+        <pc:spChg chg="mod">
+          <ac:chgData name="Diogo da Silva Guedes Tavares" userId="S::up201706336@up.pt::0082672e-caf2-4cb6-be9b-91bd92c527f4" providerId="AD" clId="Web-{6C7F1163-5F63-11B6-8390-0D6F219B05EE}" dt="2025-11-12T18:05:30.231" v="13" actId="20577"/>
+          <ac:spMkLst>
+            <pc:docMk/>
+            <pc:sldMk cId="2332653092" sldId="263"/>
+            <ac:spMk id="10" creationId="{AA46A4DE-2D45-A258-489B-BB42C0ACED7C}"/>
+          </ac:spMkLst>
+        </pc:spChg>
+        <pc:spChg chg="mod">
+          <ac:chgData name="Diogo da Silva Guedes Tavares" userId="S::up201706336@up.pt::0082672e-caf2-4cb6-be9b-91bd92c527f4" providerId="AD" clId="Web-{6C7F1163-5F63-11B6-8390-0D6F219B05EE}" dt="2025-11-12T18:06:02.264" v="30" actId="20577"/>
+          <ac:spMkLst>
+            <pc:docMk/>
+            <pc:sldMk cId="2332653092" sldId="263"/>
+            <ac:spMk id="16" creationId="{014011CE-A87A-F3EB-B2DD-A9445131FEFE}"/>
           </ac:spMkLst>
         </pc:spChg>
       </pc:sldChg>
@@ -818,7 +802,7 @@
           <a:p>
             <a:fld id="{E431C0BB-DC71-4713-A787-95011EDB8CA8}" type="datetimeFigureOut">
               <a:rPr lang="pt-PT" smtClean="0"/>
-              <a:t>10/11/2025</a:t>
+              <a:t>12/11/2025</a:t>
             </a:fld>
             <a:endParaRPr lang="pt-PT"/>
           </a:p>
@@ -986,7 +970,7 @@
           <a:p>
             <a:fld id="{E431C0BB-DC71-4713-A787-95011EDB8CA8}" type="datetimeFigureOut">
               <a:rPr lang="pt-PT" smtClean="0"/>
-              <a:t>10/11/2025</a:t>
+              <a:t>12/11/2025</a:t>
             </a:fld>
             <a:endParaRPr lang="pt-PT"/>
           </a:p>
@@ -1164,7 +1148,7 @@
           <a:p>
             <a:fld id="{E431C0BB-DC71-4713-A787-95011EDB8CA8}" type="datetimeFigureOut">
               <a:rPr lang="pt-PT" smtClean="0"/>
-              <a:t>10/11/2025</a:t>
+              <a:t>12/11/2025</a:t>
             </a:fld>
             <a:endParaRPr lang="pt-PT"/>
           </a:p>
@@ -1332,7 +1316,7 @@
           <a:p>
             <a:fld id="{E431C0BB-DC71-4713-A787-95011EDB8CA8}" type="datetimeFigureOut">
               <a:rPr lang="pt-PT" smtClean="0"/>
-              <a:t>10/11/2025</a:t>
+              <a:t>12/11/2025</a:t>
             </a:fld>
             <a:endParaRPr lang="pt-PT"/>
           </a:p>
@@ -1577,7 +1561,7 @@
           <a:p>
             <a:fld id="{E431C0BB-DC71-4713-A787-95011EDB8CA8}" type="datetimeFigureOut">
               <a:rPr lang="pt-PT" smtClean="0"/>
-              <a:t>10/11/2025</a:t>
+              <a:t>12/11/2025</a:t>
             </a:fld>
             <a:endParaRPr lang="pt-PT"/>
           </a:p>
@@ -1806,7 +1790,7 @@
           <a:p>
             <a:fld id="{E431C0BB-DC71-4713-A787-95011EDB8CA8}" type="datetimeFigureOut">
               <a:rPr lang="pt-PT" smtClean="0"/>
-              <a:t>10/11/2025</a:t>
+              <a:t>12/11/2025</a:t>
             </a:fld>
             <a:endParaRPr lang="pt-PT"/>
           </a:p>
@@ -2170,7 +2154,7 @@
           <a:p>
             <a:fld id="{E431C0BB-DC71-4713-A787-95011EDB8CA8}" type="datetimeFigureOut">
               <a:rPr lang="pt-PT" smtClean="0"/>
-              <a:t>10/11/2025</a:t>
+              <a:t>12/11/2025</a:t>
             </a:fld>
             <a:endParaRPr lang="pt-PT"/>
           </a:p>
@@ -2287,7 +2271,7 @@
           <a:p>
             <a:fld id="{E431C0BB-DC71-4713-A787-95011EDB8CA8}" type="datetimeFigureOut">
               <a:rPr lang="pt-PT" smtClean="0"/>
-              <a:t>10/11/2025</a:t>
+              <a:t>12/11/2025</a:t>
             </a:fld>
             <a:endParaRPr lang="pt-PT"/>
           </a:p>
@@ -2382,7 +2366,7 @@
           <a:p>
             <a:fld id="{E431C0BB-DC71-4713-A787-95011EDB8CA8}" type="datetimeFigureOut">
               <a:rPr lang="pt-PT" smtClean="0"/>
-              <a:t>10/11/2025</a:t>
+              <a:t>12/11/2025</a:t>
             </a:fld>
             <a:endParaRPr lang="pt-PT"/>
           </a:p>
@@ -2657,7 +2641,7 @@
           <a:p>
             <a:fld id="{E431C0BB-DC71-4713-A787-95011EDB8CA8}" type="datetimeFigureOut">
               <a:rPr lang="pt-PT" smtClean="0"/>
-              <a:t>10/11/2025</a:t>
+              <a:t>12/11/2025</a:t>
             </a:fld>
             <a:endParaRPr lang="pt-PT"/>
           </a:p>
@@ -2909,7 +2893,7 @@
           <a:p>
             <a:fld id="{E431C0BB-DC71-4713-A787-95011EDB8CA8}" type="datetimeFigureOut">
               <a:rPr lang="pt-PT" smtClean="0"/>
-              <a:t>10/11/2025</a:t>
+              <a:t>12/11/2025</a:t>
             </a:fld>
             <a:endParaRPr lang="pt-PT"/>
           </a:p>
@@ -3120,7 +3104,7 @@
           <a:p>
             <a:fld id="{E431C0BB-DC71-4713-A787-95011EDB8CA8}" type="datetimeFigureOut">
               <a:rPr lang="pt-PT" smtClean="0"/>
-              <a:t>10/11/2025</a:t>
+              <a:t>12/11/2025</a:t>
             </a:fld>
             <a:endParaRPr lang="pt-PT"/>
           </a:p>
@@ -8247,6 +8231,460 @@
         <p:cNvPr id="1" name="">
           <a:extLst>
             <a:ext uri="{FF2B5EF4-FFF2-40B4-BE49-F238E27FC236}">
+              <a16:creationId xmlns:a16="http://schemas.microsoft.com/office/drawing/2014/main" id="{DC151DDD-2BEE-99FA-FE0E-B1F566E12701}"/>
+            </a:ext>
+          </a:extLst>
+        </p:cNvPr>
+        <p:cNvGrpSpPr/>
+        <p:nvPr/>
+      </p:nvGrpSpPr>
+      <p:grpSpPr>
+        <a:xfrm>
+          <a:off x="0" y="0"/>
+          <a:ext cx="0" cy="0"/>
+          <a:chOff x="0" y="0"/>
+          <a:chExt cx="0" cy="0"/>
+        </a:xfrm>
+      </p:grpSpPr>
+      <p:sp>
+        <p:nvSpPr>
+          <p:cNvPr id="2" name="CaixaDeTexto 1">
+            <a:extLst>
+              <a:ext uri="{FF2B5EF4-FFF2-40B4-BE49-F238E27FC236}">
+                <a16:creationId xmlns:a16="http://schemas.microsoft.com/office/drawing/2014/main" id="{E802E166-17DE-1148-6E08-8874B557EAFE}"/>
+              </a:ext>
+            </a:extLst>
+          </p:cNvPr>
+          <p:cNvSpPr txBox="1"/>
+          <p:nvPr/>
+        </p:nvSpPr>
+        <p:spPr>
+          <a:xfrm>
+            <a:off x="0" y="13418"/>
+            <a:ext cx="12170530" cy="1784653"/>
+          </a:xfrm>
+          <a:prstGeom prst="rect">
+            <a:avLst/>
+          </a:prstGeom>
+          <a:noFill/>
+        </p:spPr>
+        <p:txBody>
+          <a:bodyPr rot="0" spcFirstLastPara="0" vertOverflow="overflow" horzOverflow="overflow" vert="horz" wrap="square" lIns="91440" tIns="45720" rIns="91440" bIns="45720" numCol="1" spcCol="0" rtlCol="0" fromWordArt="0" anchor="t" anchorCtr="0" forceAA="0" compatLnSpc="1">
+            <a:prstTxWarp prst="textNoShape">
+              <a:avLst/>
+            </a:prstTxWarp>
+            <a:spAutoFit/>
+          </a:bodyPr>
+          <a:lstStyle/>
+          <a:p>
+            <a:pPr algn="l"/>
+            <a:endParaRPr lang="pt-PT"/>
+          </a:p>
+        </p:txBody>
+      </p:sp>
+      <p:sp>
+        <p:nvSpPr>
+          <p:cNvPr id="4" name="CaixaDeTexto 3">
+            <a:extLst>
+              <a:ext uri="{FF2B5EF4-FFF2-40B4-BE49-F238E27FC236}">
+                <a16:creationId xmlns:a16="http://schemas.microsoft.com/office/drawing/2014/main" id="{AE2D646B-65C4-71AF-D909-7F8C9BBCDEA6}"/>
+              </a:ext>
+            </a:extLst>
+          </p:cNvPr>
+          <p:cNvSpPr txBox="1"/>
+          <p:nvPr/>
+        </p:nvSpPr>
+        <p:spPr>
+          <a:xfrm>
+            <a:off x="1392115" y="1143000"/>
+            <a:ext cx="3839307" cy="1055076"/>
+          </a:xfrm>
+          <a:prstGeom prst="rect">
+            <a:avLst/>
+          </a:prstGeom>
+          <a:noFill/>
+        </p:spPr>
+        <p:txBody>
+          <a:bodyPr rot="0" spcFirstLastPara="0" vertOverflow="overflow" horzOverflow="overflow" vert="horz" wrap="square" lIns="91440" tIns="45720" rIns="91440" bIns="45720" numCol="1" spcCol="0" rtlCol="0" fromWordArt="0" anchor="t" anchorCtr="0" forceAA="0" compatLnSpc="1">
+            <a:prstTxWarp prst="textNoShape">
+              <a:avLst/>
+            </a:prstTxWarp>
+            <a:spAutoFit/>
+          </a:bodyPr>
+          <a:lstStyle/>
+          <a:p>
+            <a:pPr algn="l"/>
+            <a:endParaRPr lang="pt-PT"/>
+          </a:p>
+        </p:txBody>
+      </p:sp>
+      <p:sp>
+        <p:nvSpPr>
+          <p:cNvPr id="6" name="CaixaDeTexto 5">
+            <a:extLst>
+              <a:ext uri="{FF2B5EF4-FFF2-40B4-BE49-F238E27FC236}">
+                <a16:creationId xmlns:a16="http://schemas.microsoft.com/office/drawing/2014/main" id="{DD0450DB-CE43-CDD6-F05D-DB54B187B990}"/>
+              </a:ext>
+            </a:extLst>
+          </p:cNvPr>
+          <p:cNvSpPr txBox="1"/>
+          <p:nvPr/>
+        </p:nvSpPr>
+        <p:spPr>
+          <a:xfrm>
+            <a:off x="-5861" y="14653"/>
+            <a:ext cx="12171483" cy="1107996"/>
+          </a:xfrm>
+          <a:prstGeom prst="rect">
+            <a:avLst/>
+          </a:prstGeom>
+        </p:spPr>
+        <p:style>
+          <a:lnRef idx="2">
+            <a:schemeClr val="dk1"/>
+          </a:lnRef>
+          <a:fillRef idx="1">
+            <a:schemeClr val="lt1"/>
+          </a:fillRef>
+          <a:effectRef idx="0">
+            <a:schemeClr val="dk1"/>
+          </a:effectRef>
+          <a:fontRef idx="minor">
+            <a:schemeClr val="dk1"/>
+          </a:fontRef>
+        </p:style>
+        <p:txBody>
+          <a:bodyPr rot="0" spcFirstLastPara="0" vertOverflow="overflow" horzOverflow="overflow" vert="horz" wrap="square" lIns="91440" tIns="45720" rIns="91440" bIns="45720" numCol="1" spcCol="0" rtlCol="0" fromWordArt="0" anchor="t" anchorCtr="0" forceAA="0" compatLnSpc="1">
+            <a:prstTxWarp prst="textNoShape">
+              <a:avLst/>
+            </a:prstTxWarp>
+            <a:spAutoFit/>
+          </a:bodyPr>
+          <a:lstStyle/>
+          <a:p>
+            <a:endParaRPr lang="pt-PT" sz="2400" dirty="0"/>
+          </a:p>
+          <a:p>
+            <a:r>
+              <a:rPr lang="pt-PT" sz="2400" dirty="0"/>
+              <a:t>   LOGO   BARRA DE PESQUISA   PERFIL/INICIAR SESSAO/REGISTAR</a:t>
+            </a:r>
+            <a:endParaRPr lang="pt-PT" dirty="0"/>
+          </a:p>
+          <a:p>
+            <a:endParaRPr lang="pt-PT" dirty="0"/>
+          </a:p>
+        </p:txBody>
+      </p:sp>
+      <p:sp>
+        <p:nvSpPr>
+          <p:cNvPr id="7" name="CaixaDeTexto 6">
+            <a:extLst>
+              <a:ext uri="{FF2B5EF4-FFF2-40B4-BE49-F238E27FC236}">
+                <a16:creationId xmlns:a16="http://schemas.microsoft.com/office/drawing/2014/main" id="{05F25C75-3705-BDBC-38C3-6EFE96DC112C}"/>
+              </a:ext>
+            </a:extLst>
+          </p:cNvPr>
+          <p:cNvSpPr txBox="1"/>
+          <p:nvPr/>
+        </p:nvSpPr>
+        <p:spPr>
+          <a:xfrm>
+            <a:off x="674076" y="1530699"/>
+            <a:ext cx="5275384" cy="369332"/>
+          </a:xfrm>
+          <a:prstGeom prst="rect">
+            <a:avLst/>
+          </a:prstGeom>
+          <a:noFill/>
+        </p:spPr>
+        <p:txBody>
+          <a:bodyPr rot="0" spcFirstLastPara="0" vertOverflow="overflow" horzOverflow="overflow" vert="horz" wrap="square" lIns="91440" tIns="45720" rIns="91440" bIns="45720" numCol="1" spcCol="0" rtlCol="0" fromWordArt="0" anchor="t" anchorCtr="0" forceAA="0" compatLnSpc="1">
+            <a:prstTxWarp prst="textNoShape">
+              <a:avLst/>
+            </a:prstTxWarp>
+            <a:spAutoFit/>
+          </a:bodyPr>
+          <a:lstStyle/>
+          <a:p>
+            <a:r>
+              <a:rPr lang="pt-PT" dirty="0"/>
+              <a:t>Desenvolvedores:</a:t>
+            </a:r>
+          </a:p>
+        </p:txBody>
+      </p:sp>
+      <p:sp>
+        <p:nvSpPr>
+          <p:cNvPr id="8" name="CaixaDeTexto 7">
+            <a:extLst>
+              <a:ext uri="{FF2B5EF4-FFF2-40B4-BE49-F238E27FC236}">
+                <a16:creationId xmlns:a16="http://schemas.microsoft.com/office/drawing/2014/main" id="{AE7C3B73-5DAA-7494-72F5-DE452C907435}"/>
+              </a:ext>
+            </a:extLst>
+          </p:cNvPr>
+          <p:cNvSpPr txBox="1"/>
+          <p:nvPr/>
+        </p:nvSpPr>
+        <p:spPr>
+          <a:xfrm>
+            <a:off x="669471" y="2003707"/>
+            <a:ext cx="7819292" cy="5078313"/>
+          </a:xfrm>
+          <a:prstGeom prst="rect">
+            <a:avLst/>
+          </a:prstGeom>
+          <a:noFill/>
+        </p:spPr>
+        <p:txBody>
+          <a:bodyPr rot="0" spcFirstLastPara="0" vertOverflow="overflow" horzOverflow="overflow" vert="horz" wrap="square" lIns="91440" tIns="45720" rIns="91440" bIns="45720" numCol="1" spcCol="0" rtlCol="0" fromWordArt="0" anchor="t" anchorCtr="0" forceAA="0" compatLnSpc="1">
+            <a:prstTxWarp prst="textNoShape">
+              <a:avLst/>
+            </a:prstTxWarp>
+            <a:spAutoFit/>
+          </a:bodyPr>
+          <a:lstStyle/>
+          <a:p>
+            <a:r>
+              <a:rPr lang="pt-PT" dirty="0"/>
+              <a:t> Desenvolvedor 1:</a:t>
+            </a:r>
+          </a:p>
+          <a:p>
+            <a:endParaRPr lang="pt-PT" dirty="0"/>
+          </a:p>
+          <a:p>
+            <a:endParaRPr lang="pt-PT" dirty="0"/>
+          </a:p>
+          <a:p>
+            <a:endParaRPr lang="pt-PT" dirty="0"/>
+          </a:p>
+          <a:p>
+            <a:endParaRPr lang="pt-PT" dirty="0"/>
+          </a:p>
+          <a:p>
+            <a:endParaRPr lang="pt-PT" dirty="0"/>
+          </a:p>
+          <a:p>
+            <a:endParaRPr lang="pt-PT" dirty="0"/>
+          </a:p>
+          <a:p>
+            <a:endParaRPr lang="pt-PT" dirty="0"/>
+          </a:p>
+          <a:p>
+            <a:endParaRPr lang="pt-PT" dirty="0"/>
+          </a:p>
+          <a:p>
+            <a:endParaRPr lang="pt-PT" dirty="0"/>
+          </a:p>
+          <a:p>
+            <a:endParaRPr lang="pt-PT" dirty="0"/>
+          </a:p>
+          <a:p>
+            <a:r>
+              <a:rPr lang="pt-PT" dirty="0"/>
+              <a:t> Desenvolvedor 2:</a:t>
+            </a:r>
+          </a:p>
+          <a:p>
+            <a:endParaRPr lang="pt-PT" dirty="0"/>
+          </a:p>
+          <a:p>
+            <a:r>
+              <a:rPr lang="pt-PT" dirty="0"/>
+              <a:t> Desenvolvedor 3:</a:t>
+            </a:r>
+          </a:p>
+          <a:p>
+            <a:endParaRPr lang="pt-PT" dirty="0"/>
+          </a:p>
+          <a:p>
+            <a:r>
+              <a:rPr lang="pt-PT" dirty="0"/>
+              <a:t> Desenvolvedor 4:</a:t>
+            </a:r>
+          </a:p>
+          <a:p>
+            <a:endParaRPr lang="pt-PT" dirty="0"/>
+          </a:p>
+          <a:p>
+            <a:endParaRPr lang="pt-PT" dirty="0"/>
+          </a:p>
+        </p:txBody>
+      </p:sp>
+      <p:sp>
+        <p:nvSpPr>
+          <p:cNvPr id="5" name="CaixaDeTexto 4">
+            <a:extLst>
+              <a:ext uri="{FF2B5EF4-FFF2-40B4-BE49-F238E27FC236}">
+                <a16:creationId xmlns:a16="http://schemas.microsoft.com/office/drawing/2014/main" id="{AC60F33D-3A98-0DEB-6B67-5FB9A15E86DB}"/>
+              </a:ext>
+            </a:extLst>
+          </p:cNvPr>
+          <p:cNvSpPr txBox="1"/>
+          <p:nvPr/>
+        </p:nvSpPr>
+        <p:spPr>
+          <a:xfrm>
+            <a:off x="-3769" y="6490817"/>
+            <a:ext cx="12181115" cy="369332"/>
+          </a:xfrm>
+          <a:prstGeom prst="rect">
+            <a:avLst/>
+          </a:prstGeom>
+        </p:spPr>
+        <p:style>
+          <a:lnRef idx="2">
+            <a:schemeClr val="dk1"/>
+          </a:lnRef>
+          <a:fillRef idx="1">
+            <a:schemeClr val="lt1"/>
+          </a:fillRef>
+          <a:effectRef idx="0">
+            <a:schemeClr val="dk1"/>
+          </a:effectRef>
+          <a:fontRef idx="minor">
+            <a:schemeClr val="dk1"/>
+          </a:fontRef>
+        </p:style>
+        <p:txBody>
+          <a:bodyPr rot="0" spcFirstLastPara="0" vertOverflow="overflow" horzOverflow="overflow" vert="horz" wrap="square" lIns="91440" tIns="45720" rIns="91440" bIns="45720" numCol="1" spcCol="0" rtlCol="0" fromWordArt="0" anchor="t" anchorCtr="0" forceAA="0" compatLnSpc="1">
+            <a:prstTxWarp prst="textNoShape">
+              <a:avLst/>
+            </a:prstTxWarp>
+            <a:spAutoFit/>
+          </a:bodyPr>
+          <a:lstStyle/>
+          <a:p>
+            <a:pPr algn="ctr"/>
+            <a:r>
+              <a:rPr lang="pt-PT" dirty="0"/>
+              <a:t>Desenvolvedores</a:t>
+            </a:r>
+          </a:p>
+        </p:txBody>
+      </p:sp>
+      <p:pic>
+        <p:nvPicPr>
+          <p:cNvPr id="9" name="Imagem 8" descr="Profile Icon Vector Art, Icons, and Graphics for Free Download">
+            <a:extLst>
+              <a:ext uri="{FF2B5EF4-FFF2-40B4-BE49-F238E27FC236}">
+                <a16:creationId xmlns:a16="http://schemas.microsoft.com/office/drawing/2014/main" id="{F7ACA970-3872-30DF-41D9-477FACDA9BE9}"/>
+              </a:ext>
+            </a:extLst>
+          </p:cNvPr>
+          <p:cNvPicPr>
+            <a:picLocks noChangeAspect="1"/>
+          </p:cNvPicPr>
+          <p:nvPr/>
+        </p:nvPicPr>
+        <p:blipFill>
+          <a:blip r:embed="rId2"/>
+          <a:stretch>
+            <a:fillRect/>
+          </a:stretch>
+        </p:blipFill>
+        <p:spPr>
+          <a:xfrm>
+            <a:off x="1009459" y="2470749"/>
+            <a:ext cx="2231572" cy="2275115"/>
+          </a:xfrm>
+          <a:prstGeom prst="rect">
+            <a:avLst/>
+          </a:prstGeom>
+          <a:ln w="38100" cap="sq">
+            <a:solidFill>
+              <a:srgbClr val="000000"/>
+            </a:solidFill>
+            <a:prstDash val="solid"/>
+            <a:miter lim="800000"/>
+          </a:ln>
+          <a:effectLst>
+            <a:outerShdw blurRad="50800" dist="38100" dir="2700000" algn="tl" rotWithShape="0">
+              <a:srgbClr val="000000">
+                <a:alpha val="43000"/>
+              </a:srgbClr>
+            </a:outerShdw>
+          </a:effectLst>
+        </p:spPr>
+      </p:pic>
+      <p:sp>
+        <p:nvSpPr>
+          <p:cNvPr id="12" name="CaixaDeTexto 11">
+            <a:extLst>
+              <a:ext uri="{FF2B5EF4-FFF2-40B4-BE49-F238E27FC236}">
+                <a16:creationId xmlns:a16="http://schemas.microsoft.com/office/drawing/2014/main" id="{4811ECF1-33E7-F2D6-321E-AE69A2292431}"/>
+              </a:ext>
+            </a:extLst>
+          </p:cNvPr>
+          <p:cNvSpPr txBox="1"/>
+          <p:nvPr/>
+        </p:nvSpPr>
+        <p:spPr>
+          <a:xfrm>
+            <a:off x="4348843" y="2404485"/>
+            <a:ext cx="5870750" cy="1477328"/>
+          </a:xfrm>
+          <a:prstGeom prst="rect">
+            <a:avLst/>
+          </a:prstGeom>
+          <a:noFill/>
+        </p:spPr>
+        <p:txBody>
+          <a:bodyPr rot="0" spcFirstLastPara="0" vertOverflow="overflow" horzOverflow="overflow" vert="horz" wrap="square" lIns="91440" tIns="45720" rIns="91440" bIns="45720" numCol="1" spcCol="0" rtlCol="0" fromWordArt="0" anchor="t" anchorCtr="0" forceAA="0" compatLnSpc="1">
+            <a:prstTxWarp prst="textNoShape">
+              <a:avLst/>
+            </a:prstTxWarp>
+            <a:spAutoFit/>
+          </a:bodyPr>
+          <a:lstStyle/>
+          <a:p>
+            <a:r>
+              <a:rPr lang="pt-PT" dirty="0"/>
+              <a:t>E-mail: email@email.com</a:t>
+            </a:r>
+          </a:p>
+          <a:p>
+            <a:endParaRPr lang="pt-PT" dirty="0"/>
+          </a:p>
+          <a:p>
+            <a:r>
+              <a:rPr lang="pt-PT" dirty="0"/>
+              <a:t>Faculdade: FEUP</a:t>
+            </a:r>
+          </a:p>
+          <a:p>
+            <a:endParaRPr lang="pt-PT" dirty="0"/>
+          </a:p>
+          <a:p>
+            <a:r>
+              <a:rPr lang="pt-PT" dirty="0"/>
+              <a:t>Curso:  MEEC</a:t>
+            </a:r>
+          </a:p>
+        </p:txBody>
+      </p:sp>
+    </p:spTree>
+    <p:extLst>
+      <p:ext uri="{BB962C8B-B14F-4D97-AF65-F5344CB8AC3E}">
+        <p14:creationId xmlns:p14="http://schemas.microsoft.com/office/powerpoint/2010/main" val="2010659919"/>
+      </p:ext>
+    </p:extLst>
+  </p:cSld>
+  <p:clrMapOvr>
+    <a:masterClrMapping/>
+  </p:clrMapOvr>
+</p:sld>
+</file>
+
+<file path=ppt/slides/slide5.xml><?xml version="1.0" encoding="utf-8"?>
+<p:sld xmlns:a="http://schemas.openxmlformats.org/drawingml/2006/main" xmlns:r="http://schemas.openxmlformats.org/officeDocument/2006/relationships" xmlns:p="http://schemas.openxmlformats.org/presentationml/2006/main">
+  <p:cSld>
+    <p:spTree>
+      <p:nvGrpSpPr>
+        <p:cNvPr id="1" name="">
+          <a:extLst>
+            <a:ext uri="{FF2B5EF4-FFF2-40B4-BE49-F238E27FC236}">
               <a16:creationId xmlns:a16="http://schemas.microsoft.com/office/drawing/2014/main" id="{D312FD09-589F-4F45-9197-A0FA7BC7A649}"/>
             </a:ext>
           </a:extLst>
@@ -8812,7 +9250,7 @@
 </p:sld>
 </file>
 
-<file path=ppt/slides/slide5.xml><?xml version="1.0" encoding="utf-8"?>
+<file path=ppt/slides/slide6.xml><?xml version="1.0" encoding="utf-8"?>
 <p:sld xmlns:a="http://schemas.openxmlformats.org/drawingml/2006/main" xmlns:r="http://schemas.openxmlformats.org/officeDocument/2006/relationships" xmlns:p="http://schemas.openxmlformats.org/presentationml/2006/main">
   <p:cSld>
     <p:spTree>
@@ -9410,7 +9848,7 @@
 </p:sld>
 </file>
 
-<file path=ppt/slides/slide6.xml><?xml version="1.0" encoding="utf-8"?>
+<file path=ppt/slides/slide7.xml><?xml version="1.0" encoding="utf-8"?>
 <p:sld xmlns:a="http://schemas.openxmlformats.org/drawingml/2006/main" xmlns:r="http://schemas.openxmlformats.org/officeDocument/2006/relationships" xmlns:p="http://schemas.openxmlformats.org/presentationml/2006/main">
   <p:cSld>
     <p:spTree>
@@ -9738,7 +10176,7 @@
           <a:p>
             <a:r>
               <a:rPr lang="pt-PT" dirty="0"/>
-              <a:t>Novo e-mail:</a:t>
+              <a:t>E-mail antigo:</a:t>
             </a:r>
           </a:p>
         </p:txBody>
@@ -9790,7 +10228,7 @@
             <a:pPr algn="ctr"/>
             <a:r>
               <a:rPr lang="pt-PT" dirty="0"/>
-              <a:t>(inserir novo e-mail)</a:t>
+              <a:t>(inserir e-mail antigo)</a:t>
             </a:r>
           </a:p>
         </p:txBody>
@@ -9895,6 +10333,96 @@
             <a:r>
               <a:rPr lang="pt-PT" dirty="0"/>
               <a:t>Desfazer alterações e voltar atrás</a:t>
+            </a:r>
+          </a:p>
+        </p:txBody>
+      </p:sp>
+      <p:sp>
+        <p:nvSpPr>
+          <p:cNvPr id="3" name="CaixaDeTexto 2">
+            <a:extLst>
+              <a:ext uri="{FF2B5EF4-FFF2-40B4-BE49-F238E27FC236}">
+                <a16:creationId xmlns:a16="http://schemas.microsoft.com/office/drawing/2014/main" id="{7C7132DD-F921-A6C1-7A8B-4A578598DC32}"/>
+              </a:ext>
+            </a:extLst>
+          </p:cNvPr>
+          <p:cNvSpPr txBox="1"/>
+          <p:nvPr/>
+        </p:nvSpPr>
+        <p:spPr>
+          <a:xfrm>
+            <a:off x="2345328" y="3849713"/>
+            <a:ext cx="5870750" cy="369332"/>
+          </a:xfrm>
+          <a:prstGeom prst="rect">
+            <a:avLst/>
+          </a:prstGeom>
+          <a:noFill/>
+        </p:spPr>
+        <p:txBody>
+          <a:bodyPr rot="0" spcFirstLastPara="0" vertOverflow="overflow" horzOverflow="overflow" vert="horz" wrap="square" lIns="91440" tIns="45720" rIns="91440" bIns="45720" numCol="1" spcCol="0" rtlCol="0" fromWordArt="0" anchor="t" anchorCtr="0" forceAA="0" compatLnSpc="1">
+            <a:prstTxWarp prst="textNoShape">
+              <a:avLst/>
+            </a:prstTxWarp>
+            <a:spAutoFit/>
+          </a:bodyPr>
+          <a:lstStyle/>
+          <a:p>
+            <a:r>
+              <a:rPr lang="pt-PT" dirty="0"/>
+              <a:t>E-mail novo:</a:t>
+            </a:r>
+          </a:p>
+        </p:txBody>
+      </p:sp>
+      <p:sp>
+        <p:nvSpPr>
+          <p:cNvPr id="8" name="CaixaDeTexto 7">
+            <a:extLst>
+              <a:ext uri="{FF2B5EF4-FFF2-40B4-BE49-F238E27FC236}">
+                <a16:creationId xmlns:a16="http://schemas.microsoft.com/office/drawing/2014/main" id="{13890C7E-5E0F-A3C1-6D27-899955C86E56}"/>
+              </a:ext>
+            </a:extLst>
+          </p:cNvPr>
+          <p:cNvSpPr txBox="1"/>
+          <p:nvPr/>
+        </p:nvSpPr>
+        <p:spPr>
+          <a:xfrm>
+            <a:off x="5518814" y="3844000"/>
+            <a:ext cx="2882721" cy="369332"/>
+          </a:xfrm>
+          <a:prstGeom prst="rect">
+            <a:avLst/>
+          </a:prstGeom>
+        </p:spPr>
+        <p:style>
+          <a:lnRef idx="2">
+            <a:schemeClr val="dk1"/>
+          </a:lnRef>
+          <a:fillRef idx="1">
+            <a:schemeClr val="lt1"/>
+          </a:fillRef>
+          <a:effectRef idx="0">
+            <a:schemeClr val="dk1"/>
+          </a:effectRef>
+          <a:fontRef idx="minor">
+            <a:schemeClr val="dk1"/>
+          </a:fontRef>
+        </p:style>
+        <p:txBody>
+          <a:bodyPr rot="0" spcFirstLastPara="0" vertOverflow="overflow" horzOverflow="overflow" vert="horz" wrap="square" lIns="91440" tIns="45720" rIns="91440" bIns="45720" numCol="1" spcCol="0" rtlCol="0" fromWordArt="0" anchor="t" anchorCtr="0" forceAA="0" compatLnSpc="1">
+            <a:prstTxWarp prst="textNoShape">
+              <a:avLst/>
+            </a:prstTxWarp>
+            <a:spAutoFit/>
+          </a:bodyPr>
+          <a:lstStyle/>
+          <a:p>
+            <a:pPr algn="ctr"/>
+            <a:r>
+              <a:rPr lang="pt-PT" dirty="0"/>
+              <a:t>(inserir e-mail novo)</a:t>
             </a:r>
           </a:p>
         </p:txBody>
@@ -9912,7 +10440,7 @@
 </p:sld>
 </file>
 
-<file path=ppt/slides/slide7.xml><?xml version="1.0" encoding="utf-8"?>
+<file path=ppt/slides/slide8.xml><?xml version="1.0" encoding="utf-8"?>
 <p:sld xmlns:a="http://schemas.openxmlformats.org/drawingml/2006/main" xmlns:r="http://schemas.openxmlformats.org/officeDocument/2006/relationships" xmlns:p="http://schemas.openxmlformats.org/presentationml/2006/main">
   <p:cSld>
     <p:spTree>
@@ -10495,460 +11023,6 @@
     <p:extLst>
       <p:ext uri="{BB962C8B-B14F-4D97-AF65-F5344CB8AC3E}">
         <p14:creationId xmlns:p14="http://schemas.microsoft.com/office/powerpoint/2010/main" val="2232790266"/>
-      </p:ext>
-    </p:extLst>
-  </p:cSld>
-  <p:clrMapOvr>
-    <a:masterClrMapping/>
-  </p:clrMapOvr>
-</p:sld>
-</file>
-
-<file path=ppt/slides/slide8.xml><?xml version="1.0" encoding="utf-8"?>
-<p:sld xmlns:a="http://schemas.openxmlformats.org/drawingml/2006/main" xmlns:r="http://schemas.openxmlformats.org/officeDocument/2006/relationships" xmlns:p="http://schemas.openxmlformats.org/presentationml/2006/main">
-  <p:cSld>
-    <p:spTree>
-      <p:nvGrpSpPr>
-        <p:cNvPr id="1" name="">
-          <a:extLst>
-            <a:ext uri="{FF2B5EF4-FFF2-40B4-BE49-F238E27FC236}">
-              <a16:creationId xmlns:a16="http://schemas.microsoft.com/office/drawing/2014/main" id="{DC151DDD-2BEE-99FA-FE0E-B1F566E12701}"/>
-            </a:ext>
-          </a:extLst>
-        </p:cNvPr>
-        <p:cNvGrpSpPr/>
-        <p:nvPr/>
-      </p:nvGrpSpPr>
-      <p:grpSpPr>
-        <a:xfrm>
-          <a:off x="0" y="0"/>
-          <a:ext cx="0" cy="0"/>
-          <a:chOff x="0" y="0"/>
-          <a:chExt cx="0" cy="0"/>
-        </a:xfrm>
-      </p:grpSpPr>
-      <p:sp>
-        <p:nvSpPr>
-          <p:cNvPr id="2" name="CaixaDeTexto 1">
-            <a:extLst>
-              <a:ext uri="{FF2B5EF4-FFF2-40B4-BE49-F238E27FC236}">
-                <a16:creationId xmlns:a16="http://schemas.microsoft.com/office/drawing/2014/main" id="{E802E166-17DE-1148-6E08-8874B557EAFE}"/>
-              </a:ext>
-            </a:extLst>
-          </p:cNvPr>
-          <p:cNvSpPr txBox="1"/>
-          <p:nvPr/>
-        </p:nvSpPr>
-        <p:spPr>
-          <a:xfrm>
-            <a:off x="0" y="13418"/>
-            <a:ext cx="12170530" cy="1784653"/>
-          </a:xfrm>
-          <a:prstGeom prst="rect">
-            <a:avLst/>
-          </a:prstGeom>
-          <a:noFill/>
-        </p:spPr>
-        <p:txBody>
-          <a:bodyPr rot="0" spcFirstLastPara="0" vertOverflow="overflow" horzOverflow="overflow" vert="horz" wrap="square" lIns="91440" tIns="45720" rIns="91440" bIns="45720" numCol="1" spcCol="0" rtlCol="0" fromWordArt="0" anchor="t" anchorCtr="0" forceAA="0" compatLnSpc="1">
-            <a:prstTxWarp prst="textNoShape">
-              <a:avLst/>
-            </a:prstTxWarp>
-            <a:spAutoFit/>
-          </a:bodyPr>
-          <a:lstStyle/>
-          <a:p>
-            <a:pPr algn="l"/>
-            <a:endParaRPr lang="pt-PT"/>
-          </a:p>
-        </p:txBody>
-      </p:sp>
-      <p:sp>
-        <p:nvSpPr>
-          <p:cNvPr id="4" name="CaixaDeTexto 3">
-            <a:extLst>
-              <a:ext uri="{FF2B5EF4-FFF2-40B4-BE49-F238E27FC236}">
-                <a16:creationId xmlns:a16="http://schemas.microsoft.com/office/drawing/2014/main" id="{AE2D646B-65C4-71AF-D909-7F8C9BBCDEA6}"/>
-              </a:ext>
-            </a:extLst>
-          </p:cNvPr>
-          <p:cNvSpPr txBox="1"/>
-          <p:nvPr/>
-        </p:nvSpPr>
-        <p:spPr>
-          <a:xfrm>
-            <a:off x="1392115" y="1143000"/>
-            <a:ext cx="3839307" cy="1055076"/>
-          </a:xfrm>
-          <a:prstGeom prst="rect">
-            <a:avLst/>
-          </a:prstGeom>
-          <a:noFill/>
-        </p:spPr>
-        <p:txBody>
-          <a:bodyPr rot="0" spcFirstLastPara="0" vertOverflow="overflow" horzOverflow="overflow" vert="horz" wrap="square" lIns="91440" tIns="45720" rIns="91440" bIns="45720" numCol="1" spcCol="0" rtlCol="0" fromWordArt="0" anchor="t" anchorCtr="0" forceAA="0" compatLnSpc="1">
-            <a:prstTxWarp prst="textNoShape">
-              <a:avLst/>
-            </a:prstTxWarp>
-            <a:spAutoFit/>
-          </a:bodyPr>
-          <a:lstStyle/>
-          <a:p>
-            <a:pPr algn="l"/>
-            <a:endParaRPr lang="pt-PT"/>
-          </a:p>
-        </p:txBody>
-      </p:sp>
-      <p:sp>
-        <p:nvSpPr>
-          <p:cNvPr id="6" name="CaixaDeTexto 5">
-            <a:extLst>
-              <a:ext uri="{FF2B5EF4-FFF2-40B4-BE49-F238E27FC236}">
-                <a16:creationId xmlns:a16="http://schemas.microsoft.com/office/drawing/2014/main" id="{DD0450DB-CE43-CDD6-F05D-DB54B187B990}"/>
-              </a:ext>
-            </a:extLst>
-          </p:cNvPr>
-          <p:cNvSpPr txBox="1"/>
-          <p:nvPr/>
-        </p:nvSpPr>
-        <p:spPr>
-          <a:xfrm>
-            <a:off x="-5861" y="14653"/>
-            <a:ext cx="12171483" cy="1107996"/>
-          </a:xfrm>
-          <a:prstGeom prst="rect">
-            <a:avLst/>
-          </a:prstGeom>
-        </p:spPr>
-        <p:style>
-          <a:lnRef idx="2">
-            <a:schemeClr val="dk1"/>
-          </a:lnRef>
-          <a:fillRef idx="1">
-            <a:schemeClr val="lt1"/>
-          </a:fillRef>
-          <a:effectRef idx="0">
-            <a:schemeClr val="dk1"/>
-          </a:effectRef>
-          <a:fontRef idx="minor">
-            <a:schemeClr val="dk1"/>
-          </a:fontRef>
-        </p:style>
-        <p:txBody>
-          <a:bodyPr rot="0" spcFirstLastPara="0" vertOverflow="overflow" horzOverflow="overflow" vert="horz" wrap="square" lIns="91440" tIns="45720" rIns="91440" bIns="45720" numCol="1" spcCol="0" rtlCol="0" fromWordArt="0" anchor="t" anchorCtr="0" forceAA="0" compatLnSpc="1">
-            <a:prstTxWarp prst="textNoShape">
-              <a:avLst/>
-            </a:prstTxWarp>
-            <a:spAutoFit/>
-          </a:bodyPr>
-          <a:lstStyle/>
-          <a:p>
-            <a:endParaRPr lang="pt-PT" sz="2400" dirty="0"/>
-          </a:p>
-          <a:p>
-            <a:r>
-              <a:rPr lang="pt-PT" sz="2400" dirty="0"/>
-              <a:t>   LOGO   BARRA DE PESQUISA   PERFIL/INICIAR SESSAO/REGISTAR</a:t>
-            </a:r>
-            <a:endParaRPr lang="pt-PT" dirty="0"/>
-          </a:p>
-          <a:p>
-            <a:endParaRPr lang="pt-PT" dirty="0"/>
-          </a:p>
-        </p:txBody>
-      </p:sp>
-      <p:sp>
-        <p:nvSpPr>
-          <p:cNvPr id="7" name="CaixaDeTexto 6">
-            <a:extLst>
-              <a:ext uri="{FF2B5EF4-FFF2-40B4-BE49-F238E27FC236}">
-                <a16:creationId xmlns:a16="http://schemas.microsoft.com/office/drawing/2014/main" id="{05F25C75-3705-BDBC-38C3-6EFE96DC112C}"/>
-              </a:ext>
-            </a:extLst>
-          </p:cNvPr>
-          <p:cNvSpPr txBox="1"/>
-          <p:nvPr/>
-        </p:nvSpPr>
-        <p:spPr>
-          <a:xfrm>
-            <a:off x="674076" y="1530699"/>
-            <a:ext cx="5275384" cy="369332"/>
-          </a:xfrm>
-          <a:prstGeom prst="rect">
-            <a:avLst/>
-          </a:prstGeom>
-          <a:noFill/>
-        </p:spPr>
-        <p:txBody>
-          <a:bodyPr rot="0" spcFirstLastPara="0" vertOverflow="overflow" horzOverflow="overflow" vert="horz" wrap="square" lIns="91440" tIns="45720" rIns="91440" bIns="45720" numCol="1" spcCol="0" rtlCol="0" fromWordArt="0" anchor="t" anchorCtr="0" forceAA="0" compatLnSpc="1">
-            <a:prstTxWarp prst="textNoShape">
-              <a:avLst/>
-            </a:prstTxWarp>
-            <a:spAutoFit/>
-          </a:bodyPr>
-          <a:lstStyle/>
-          <a:p>
-            <a:r>
-              <a:rPr lang="pt-PT" dirty="0"/>
-              <a:t>Desenvolvedores:</a:t>
-            </a:r>
-          </a:p>
-        </p:txBody>
-      </p:sp>
-      <p:sp>
-        <p:nvSpPr>
-          <p:cNvPr id="8" name="CaixaDeTexto 7">
-            <a:extLst>
-              <a:ext uri="{FF2B5EF4-FFF2-40B4-BE49-F238E27FC236}">
-                <a16:creationId xmlns:a16="http://schemas.microsoft.com/office/drawing/2014/main" id="{AE7C3B73-5DAA-7494-72F5-DE452C907435}"/>
-              </a:ext>
-            </a:extLst>
-          </p:cNvPr>
-          <p:cNvSpPr txBox="1"/>
-          <p:nvPr/>
-        </p:nvSpPr>
-        <p:spPr>
-          <a:xfrm>
-            <a:off x="669471" y="2003707"/>
-            <a:ext cx="7819292" cy="5078313"/>
-          </a:xfrm>
-          <a:prstGeom prst="rect">
-            <a:avLst/>
-          </a:prstGeom>
-          <a:noFill/>
-        </p:spPr>
-        <p:txBody>
-          <a:bodyPr rot="0" spcFirstLastPara="0" vertOverflow="overflow" horzOverflow="overflow" vert="horz" wrap="square" lIns="91440" tIns="45720" rIns="91440" bIns="45720" numCol="1" spcCol="0" rtlCol="0" fromWordArt="0" anchor="t" anchorCtr="0" forceAA="0" compatLnSpc="1">
-            <a:prstTxWarp prst="textNoShape">
-              <a:avLst/>
-            </a:prstTxWarp>
-            <a:spAutoFit/>
-          </a:bodyPr>
-          <a:lstStyle/>
-          <a:p>
-            <a:r>
-              <a:rPr lang="pt-PT" dirty="0"/>
-              <a:t> Desenvolvedor 1:</a:t>
-            </a:r>
-          </a:p>
-          <a:p>
-            <a:endParaRPr lang="pt-PT" dirty="0"/>
-          </a:p>
-          <a:p>
-            <a:endParaRPr lang="pt-PT" dirty="0"/>
-          </a:p>
-          <a:p>
-            <a:endParaRPr lang="pt-PT" dirty="0"/>
-          </a:p>
-          <a:p>
-            <a:endParaRPr lang="pt-PT" dirty="0"/>
-          </a:p>
-          <a:p>
-            <a:endParaRPr lang="pt-PT" dirty="0"/>
-          </a:p>
-          <a:p>
-            <a:endParaRPr lang="pt-PT" dirty="0"/>
-          </a:p>
-          <a:p>
-            <a:endParaRPr lang="pt-PT" dirty="0"/>
-          </a:p>
-          <a:p>
-            <a:endParaRPr lang="pt-PT" dirty="0"/>
-          </a:p>
-          <a:p>
-            <a:endParaRPr lang="pt-PT" dirty="0"/>
-          </a:p>
-          <a:p>
-            <a:endParaRPr lang="pt-PT" dirty="0"/>
-          </a:p>
-          <a:p>
-            <a:r>
-              <a:rPr lang="pt-PT" dirty="0"/>
-              <a:t> Desenvolvedor 2:</a:t>
-            </a:r>
-          </a:p>
-          <a:p>
-            <a:endParaRPr lang="pt-PT" dirty="0"/>
-          </a:p>
-          <a:p>
-            <a:r>
-              <a:rPr lang="pt-PT" dirty="0"/>
-              <a:t> Desenvolvedor 3:</a:t>
-            </a:r>
-          </a:p>
-          <a:p>
-            <a:endParaRPr lang="pt-PT" dirty="0"/>
-          </a:p>
-          <a:p>
-            <a:r>
-              <a:rPr lang="pt-PT" dirty="0"/>
-              <a:t> Desenvolvedor 4:</a:t>
-            </a:r>
-          </a:p>
-          <a:p>
-            <a:endParaRPr lang="pt-PT" dirty="0"/>
-          </a:p>
-          <a:p>
-            <a:endParaRPr lang="pt-PT" dirty="0"/>
-          </a:p>
-        </p:txBody>
-      </p:sp>
-      <p:sp>
-        <p:nvSpPr>
-          <p:cNvPr id="5" name="CaixaDeTexto 4">
-            <a:extLst>
-              <a:ext uri="{FF2B5EF4-FFF2-40B4-BE49-F238E27FC236}">
-                <a16:creationId xmlns:a16="http://schemas.microsoft.com/office/drawing/2014/main" id="{AC60F33D-3A98-0DEB-6B67-5FB9A15E86DB}"/>
-              </a:ext>
-            </a:extLst>
-          </p:cNvPr>
-          <p:cNvSpPr txBox="1"/>
-          <p:nvPr/>
-        </p:nvSpPr>
-        <p:spPr>
-          <a:xfrm>
-            <a:off x="-3769" y="6490817"/>
-            <a:ext cx="12181115" cy="369332"/>
-          </a:xfrm>
-          <a:prstGeom prst="rect">
-            <a:avLst/>
-          </a:prstGeom>
-        </p:spPr>
-        <p:style>
-          <a:lnRef idx="2">
-            <a:schemeClr val="dk1"/>
-          </a:lnRef>
-          <a:fillRef idx="1">
-            <a:schemeClr val="lt1"/>
-          </a:fillRef>
-          <a:effectRef idx="0">
-            <a:schemeClr val="dk1"/>
-          </a:effectRef>
-          <a:fontRef idx="minor">
-            <a:schemeClr val="dk1"/>
-          </a:fontRef>
-        </p:style>
-        <p:txBody>
-          <a:bodyPr rot="0" spcFirstLastPara="0" vertOverflow="overflow" horzOverflow="overflow" vert="horz" wrap="square" lIns="91440" tIns="45720" rIns="91440" bIns="45720" numCol="1" spcCol="0" rtlCol="0" fromWordArt="0" anchor="t" anchorCtr="0" forceAA="0" compatLnSpc="1">
-            <a:prstTxWarp prst="textNoShape">
-              <a:avLst/>
-            </a:prstTxWarp>
-            <a:spAutoFit/>
-          </a:bodyPr>
-          <a:lstStyle/>
-          <a:p>
-            <a:pPr algn="ctr"/>
-            <a:r>
-              <a:rPr lang="pt-PT" dirty="0"/>
-              <a:t>Desenvolvedores</a:t>
-            </a:r>
-          </a:p>
-        </p:txBody>
-      </p:sp>
-      <p:pic>
-        <p:nvPicPr>
-          <p:cNvPr id="9" name="Imagem 8" descr="Profile Icon Vector Art, Icons, and Graphics for Free Download">
-            <a:extLst>
-              <a:ext uri="{FF2B5EF4-FFF2-40B4-BE49-F238E27FC236}">
-                <a16:creationId xmlns:a16="http://schemas.microsoft.com/office/drawing/2014/main" id="{F7ACA970-3872-30DF-41D9-477FACDA9BE9}"/>
-              </a:ext>
-            </a:extLst>
-          </p:cNvPr>
-          <p:cNvPicPr>
-            <a:picLocks noChangeAspect="1"/>
-          </p:cNvPicPr>
-          <p:nvPr/>
-        </p:nvPicPr>
-        <p:blipFill>
-          <a:blip r:embed="rId2"/>
-          <a:stretch>
-            <a:fillRect/>
-          </a:stretch>
-        </p:blipFill>
-        <p:spPr>
-          <a:xfrm>
-            <a:off x="1009459" y="2470749"/>
-            <a:ext cx="2231572" cy="2275115"/>
-          </a:xfrm>
-          <a:prstGeom prst="rect">
-            <a:avLst/>
-          </a:prstGeom>
-          <a:ln w="38100" cap="sq">
-            <a:solidFill>
-              <a:srgbClr val="000000"/>
-            </a:solidFill>
-            <a:prstDash val="solid"/>
-            <a:miter lim="800000"/>
-          </a:ln>
-          <a:effectLst>
-            <a:outerShdw blurRad="50800" dist="38100" dir="2700000" algn="tl" rotWithShape="0">
-              <a:srgbClr val="000000">
-                <a:alpha val="43000"/>
-              </a:srgbClr>
-            </a:outerShdw>
-          </a:effectLst>
-        </p:spPr>
-      </p:pic>
-      <p:sp>
-        <p:nvSpPr>
-          <p:cNvPr id="12" name="CaixaDeTexto 11">
-            <a:extLst>
-              <a:ext uri="{FF2B5EF4-FFF2-40B4-BE49-F238E27FC236}">
-                <a16:creationId xmlns:a16="http://schemas.microsoft.com/office/drawing/2014/main" id="{4811ECF1-33E7-F2D6-321E-AE69A2292431}"/>
-              </a:ext>
-            </a:extLst>
-          </p:cNvPr>
-          <p:cNvSpPr txBox="1"/>
-          <p:nvPr/>
-        </p:nvSpPr>
-        <p:spPr>
-          <a:xfrm>
-            <a:off x="4348843" y="2404485"/>
-            <a:ext cx="5870750" cy="1477328"/>
-          </a:xfrm>
-          <a:prstGeom prst="rect">
-            <a:avLst/>
-          </a:prstGeom>
-          <a:noFill/>
-        </p:spPr>
-        <p:txBody>
-          <a:bodyPr rot="0" spcFirstLastPara="0" vertOverflow="overflow" horzOverflow="overflow" vert="horz" wrap="square" lIns="91440" tIns="45720" rIns="91440" bIns="45720" numCol="1" spcCol="0" rtlCol="0" fromWordArt="0" anchor="t" anchorCtr="0" forceAA="0" compatLnSpc="1">
-            <a:prstTxWarp prst="textNoShape">
-              <a:avLst/>
-            </a:prstTxWarp>
-            <a:spAutoFit/>
-          </a:bodyPr>
-          <a:lstStyle/>
-          <a:p>
-            <a:r>
-              <a:rPr lang="pt-PT" dirty="0"/>
-              <a:t>E-mail: email@email.com</a:t>
-            </a:r>
-          </a:p>
-          <a:p>
-            <a:endParaRPr lang="pt-PT" dirty="0"/>
-          </a:p>
-          <a:p>
-            <a:r>
-              <a:rPr lang="pt-PT" dirty="0"/>
-              <a:t>Faculdade: FEUP</a:t>
-            </a:r>
-          </a:p>
-          <a:p>
-            <a:endParaRPr lang="pt-PT" dirty="0"/>
-          </a:p>
-          <a:p>
-            <a:r>
-              <a:rPr lang="pt-PT" dirty="0"/>
-              <a:t>Curso:  MEEC</a:t>
-            </a:r>
-          </a:p>
-        </p:txBody>
-      </p:sp>
-    </p:spTree>
-    <p:extLst>
-      <p:ext uri="{BB962C8B-B14F-4D97-AF65-F5344CB8AC3E}">
-        <p14:creationId xmlns:p14="http://schemas.microsoft.com/office/powerpoint/2010/main" val="2010659919"/>
       </p:ext>
     </p:extLst>
   </p:cSld>

--- a/SIE_mockups.pptx
+++ b/SIE_mockups.pptx
@@ -15,10 +15,15 @@
     <p:sldId id="262" r:id="rId9"/>
     <p:sldId id="259" r:id="rId10"/>
     <p:sldId id="266" r:id="rId11"/>
-    <p:sldId id="265" r:id="rId12"/>
-    <p:sldId id="267" r:id="rId13"/>
-    <p:sldId id="264" r:id="rId14"/>
-    <p:sldId id="268" r:id="rId15"/>
+    <p:sldId id="272" r:id="rId12"/>
+    <p:sldId id="265" r:id="rId13"/>
+    <p:sldId id="267" r:id="rId14"/>
+    <p:sldId id="271" r:id="rId15"/>
+    <p:sldId id="264" r:id="rId16"/>
+    <p:sldId id="268" r:id="rId17"/>
+    <p:sldId id="270" r:id="rId18"/>
+    <p:sldId id="273" r:id="rId19"/>
+    <p:sldId id="274" r:id="rId20"/>
   </p:sldIdLst>
   <p:sldSz cx="12192000" cy="6858000"/>
   <p:notesSz cx="6858000" cy="9144000"/>
@@ -128,8 +133,7 @@
 <file path=ppt/revisionInfo.xml><?xml version="1.0" encoding="utf-8"?>
 <p1510:revInfo xmlns:a="http://schemas.openxmlformats.org/drawingml/2006/main" xmlns:r="http://schemas.openxmlformats.org/officeDocument/2006/relationships" xmlns:p1510="http://schemas.microsoft.com/office/powerpoint/2015/10/main">
   <p1510:revLst>
-    <p1510:client id="{6C7F1163-5F63-11B6-8390-0D6F219B05EE}" v="64" dt="2025-11-12T18:06:05.327"/>
-    <p1510:client id="{CB21DA63-8453-8F06-287E-A0B6CCE3EFA8}" v="425" dt="2025-11-10T18:14:34.405"/>
+    <p1510:client id="{6C7F1163-5F63-11B6-8390-0D6F219B05EE}" v="789" dt="2025-11-12T23:55:23.180"/>
   </p1510:revLst>
 </p1510:revInfo>
 </file>
@@ -617,8 +621,8 @@
   </pc:docChgLst>
   <pc:docChgLst>
     <pc:chgData name="Diogo da Silva Guedes Tavares" userId="S::up201706336@up.pt::0082672e-caf2-4cb6-be9b-91bd92c527f4" providerId="AD" clId="Web-{6C7F1163-5F63-11B6-8390-0D6F219B05EE}"/>
-    <pc:docChg chg="modSld sldOrd">
-      <pc:chgData name="Diogo da Silva Guedes Tavares" userId="S::up201706336@up.pt::0082672e-caf2-4cb6-be9b-91bd92c527f4" providerId="AD" clId="Web-{6C7F1163-5F63-11B6-8390-0D6F219B05EE}" dt="2025-11-12T18:06:02.264" v="30" actId="20577"/>
+    <pc:docChg chg="addSld modSld sldOrd">
+      <pc:chgData name="Diogo da Silva Guedes Tavares" userId="S::up201706336@up.pt::0082672e-caf2-4cb6-be9b-91bd92c527f4" providerId="AD" clId="Web-{6C7F1163-5F63-11B6-8390-0D6F219B05EE}" dt="2025-11-12T23:55:21.852" v="438" actId="20577"/>
       <pc:docMkLst>
         <pc:docMk/>
       </pc:docMkLst>
@@ -628,6 +632,53 @@
           <pc:docMk/>
           <pc:sldMk cId="2010659919" sldId="258"/>
         </pc:sldMkLst>
+      </pc:sldChg>
+      <pc:sldChg chg="addSp delSp modSp">
+        <pc:chgData name="Diogo da Silva Guedes Tavares" userId="S::up201706336@up.pt::0082672e-caf2-4cb6-be9b-91bd92c527f4" providerId="AD" clId="Web-{6C7F1163-5F63-11B6-8390-0D6F219B05EE}" dt="2025-11-12T23:44:27.325" v="262" actId="20577"/>
+        <pc:sldMkLst>
+          <pc:docMk/>
+          <pc:sldMk cId="338144412" sldId="259"/>
+        </pc:sldMkLst>
+        <pc:spChg chg="del">
+          <ac:chgData name="Diogo da Silva Guedes Tavares" userId="S::up201706336@up.pt::0082672e-caf2-4cb6-be9b-91bd92c527f4" providerId="AD" clId="Web-{6C7F1163-5F63-11B6-8390-0D6F219B05EE}" dt="2025-11-12T23:34:03.040" v="61"/>
+          <ac:spMkLst>
+            <pc:docMk/>
+            <pc:sldMk cId="338144412" sldId="259"/>
+            <ac:spMk id="3" creationId="{EB71AA07-48C4-ED83-3162-51C1CB549EEC}"/>
+          </ac:spMkLst>
+        </pc:spChg>
+        <pc:spChg chg="mod">
+          <ac:chgData name="Diogo da Silva Guedes Tavares" userId="S::up201706336@up.pt::0082672e-caf2-4cb6-be9b-91bd92c527f4" providerId="AD" clId="Web-{6C7F1163-5F63-11B6-8390-0D6F219B05EE}" dt="2025-11-12T23:39:03.829" v="131" actId="20577"/>
+          <ac:spMkLst>
+            <pc:docMk/>
+            <pc:sldMk cId="338144412" sldId="259"/>
+            <ac:spMk id="8" creationId="{D49E4153-365D-4C44-68AC-6FF76D532A8F}"/>
+          </ac:spMkLst>
+        </pc:spChg>
+        <pc:spChg chg="mod">
+          <ac:chgData name="Diogo da Silva Guedes Tavares" userId="S::up201706336@up.pt::0082672e-caf2-4cb6-be9b-91bd92c527f4" providerId="AD" clId="Web-{6C7F1163-5F63-11B6-8390-0D6F219B05EE}" dt="2025-11-12T23:34:01.602" v="59" actId="1076"/>
+          <ac:spMkLst>
+            <pc:docMk/>
+            <pc:sldMk cId="338144412" sldId="259"/>
+            <ac:spMk id="9" creationId="{155A9143-EF1E-EE6A-CC86-F0755F55F11F}"/>
+          </ac:spMkLst>
+        </pc:spChg>
+        <pc:spChg chg="mod">
+          <ac:chgData name="Diogo da Silva Guedes Tavares" userId="S::up201706336@up.pt::0082672e-caf2-4cb6-be9b-91bd92c527f4" providerId="AD" clId="Web-{6C7F1163-5F63-11B6-8390-0D6F219B05EE}" dt="2025-11-12T23:44:27.325" v="262" actId="20577"/>
+          <ac:spMkLst>
+            <pc:docMk/>
+            <pc:sldMk cId="338144412" sldId="259"/>
+            <ac:spMk id="10" creationId="{1AD02113-FBF5-395A-09D9-D53C96BA8FFB}"/>
+          </ac:spMkLst>
+        </pc:spChg>
+        <pc:spChg chg="add mod">
+          <ac:chgData name="Diogo da Silva Guedes Tavares" userId="S::up201706336@up.pt::0082672e-caf2-4cb6-be9b-91bd92c527f4" providerId="AD" clId="Web-{6C7F1163-5F63-11B6-8390-0D6F219B05EE}" dt="2025-11-12T23:44:22.167" v="260" actId="1076"/>
+          <ac:spMkLst>
+            <pc:docMk/>
+            <pc:sldMk cId="338144412" sldId="259"/>
+            <ac:spMk id="12" creationId="{1F3639DF-690A-CFD0-5752-940C08C93F58}"/>
+          </ac:spMkLst>
+        </pc:spChg>
       </pc:sldChg>
       <pc:sldChg chg="addSp modSp">
         <pc:chgData name="Diogo da Silva Guedes Tavares" userId="S::up201706336@up.pt::0082672e-caf2-4cb6-be9b-91bd92c527f4" providerId="AD" clId="Web-{6C7F1163-5F63-11B6-8390-0D6F219B05EE}" dt="2025-11-12T18:06:02.264" v="30" actId="20577"/>
@@ -665,6 +716,652 @@
             <pc:docMk/>
             <pc:sldMk cId="2332653092" sldId="263"/>
             <ac:spMk id="16" creationId="{014011CE-A87A-F3EB-B2DD-A9445131FEFE}"/>
+          </ac:spMkLst>
+        </pc:spChg>
+      </pc:sldChg>
+      <pc:sldChg chg="addSp delSp modSp">
+        <pc:chgData name="Diogo da Silva Guedes Tavares" userId="S::up201706336@up.pt::0082672e-caf2-4cb6-be9b-91bd92c527f4" providerId="AD" clId="Web-{6C7F1163-5F63-11B6-8390-0D6F219B05EE}" dt="2025-11-12T23:45:22.132" v="281" actId="20577"/>
+        <pc:sldMkLst>
+          <pc:docMk/>
+          <pc:sldMk cId="698231920" sldId="264"/>
+        </pc:sldMkLst>
+        <pc:spChg chg="del">
+          <ac:chgData name="Diogo da Silva Guedes Tavares" userId="S::up201706336@up.pt::0082672e-caf2-4cb6-be9b-91bd92c527f4" providerId="AD" clId="Web-{6C7F1163-5F63-11B6-8390-0D6F219B05EE}" dt="2025-11-12T23:45:03.394" v="270"/>
+          <ac:spMkLst>
+            <pc:docMk/>
+            <pc:sldMk cId="698231920" sldId="264"/>
+            <ac:spMk id="3" creationId="{793BBDF8-EEC0-78A6-A7C3-9646EBCFA702}"/>
+          </ac:spMkLst>
+        </pc:spChg>
+        <pc:spChg chg="del">
+          <ac:chgData name="Diogo da Silva Guedes Tavares" userId="S::up201706336@up.pt::0082672e-caf2-4cb6-be9b-91bd92c527f4" providerId="AD" clId="Web-{6C7F1163-5F63-11B6-8390-0D6F219B05EE}" dt="2025-11-12T23:45:03.394" v="269"/>
+          <ac:spMkLst>
+            <pc:docMk/>
+            <pc:sldMk cId="698231920" sldId="264"/>
+            <ac:spMk id="9" creationId="{8C192407-D2F6-DBF4-6A72-656460B3272E}"/>
+          </ac:spMkLst>
+        </pc:spChg>
+        <pc:spChg chg="mod">
+          <ac:chgData name="Diogo da Silva Guedes Tavares" userId="S::up201706336@up.pt::0082672e-caf2-4cb6-be9b-91bd92c527f4" providerId="AD" clId="Web-{6C7F1163-5F63-11B6-8390-0D6F219B05EE}" dt="2025-11-12T23:45:22.132" v="281" actId="20577"/>
+          <ac:spMkLst>
+            <pc:docMk/>
+            <pc:sldMk cId="698231920" sldId="264"/>
+            <ac:spMk id="10" creationId="{DE4691B8-532B-65F5-F652-FFE3CBC8B5BE}"/>
+          </ac:spMkLst>
+        </pc:spChg>
+        <pc:spChg chg="add del">
+          <ac:chgData name="Diogo da Silva Guedes Tavares" userId="S::up201706336@up.pt::0082672e-caf2-4cb6-be9b-91bd92c527f4" providerId="AD" clId="Web-{6C7F1163-5F63-11B6-8390-0D6F219B05EE}" dt="2025-11-12T23:44:47.266" v="264"/>
+          <ac:spMkLst>
+            <pc:docMk/>
+            <pc:sldMk cId="698231920" sldId="264"/>
+            <ac:spMk id="12" creationId="{34A6D1C8-5C08-F0B6-7BF5-4FE4C8408B0B}"/>
+          </ac:spMkLst>
+        </pc:spChg>
+        <pc:spChg chg="mod">
+          <ac:chgData name="Diogo da Silva Guedes Tavares" userId="S::up201706336@up.pt::0082672e-caf2-4cb6-be9b-91bd92c527f4" providerId="AD" clId="Web-{6C7F1163-5F63-11B6-8390-0D6F219B05EE}" dt="2025-11-12T23:45:01.738" v="268" actId="20577"/>
+          <ac:spMkLst>
+            <pc:docMk/>
+            <pc:sldMk cId="698231920" sldId="264"/>
+            <ac:spMk id="13" creationId="{E9043933-4A9D-0434-6D34-D9D7791C41AE}"/>
+          </ac:spMkLst>
+        </pc:spChg>
+        <pc:spChg chg="add mod">
+          <ac:chgData name="Diogo da Silva Guedes Tavares" userId="S::up201706336@up.pt::0082672e-caf2-4cb6-be9b-91bd92c527f4" providerId="AD" clId="Web-{6C7F1163-5F63-11B6-8390-0D6F219B05EE}" dt="2025-11-12T23:44:56.049" v="266" actId="1076"/>
+          <ac:spMkLst>
+            <pc:docMk/>
+            <pc:sldMk cId="698231920" sldId="264"/>
+            <ac:spMk id="14" creationId="{C1D7B2C9-B828-E4B5-62D7-4D4421DBE7EF}"/>
+          </ac:spMkLst>
+        </pc:spChg>
+      </pc:sldChg>
+      <pc:sldChg chg="addSp delSp modSp">
+        <pc:chgData name="Diogo da Silva Guedes Tavares" userId="S::up201706336@up.pt::0082672e-caf2-4cb6-be9b-91bd92c527f4" providerId="AD" clId="Web-{6C7F1163-5F63-11B6-8390-0D6F219B05EE}" dt="2025-11-12T23:43:49.003" v="257" actId="1076"/>
+        <pc:sldMkLst>
+          <pc:docMk/>
+          <pc:sldMk cId="3972524331" sldId="265"/>
+        </pc:sldMkLst>
+        <pc:spChg chg="del">
+          <ac:chgData name="Diogo da Silva Guedes Tavares" userId="S::up201706336@up.pt::0082672e-caf2-4cb6-be9b-91bd92c527f4" providerId="AD" clId="Web-{6C7F1163-5F63-11B6-8390-0D6F219B05EE}" dt="2025-11-12T23:32:56.944" v="51"/>
+          <ac:spMkLst>
+            <pc:docMk/>
+            <pc:sldMk cId="3972524331" sldId="265"/>
+            <ac:spMk id="3" creationId="{C14AFFFA-E3DE-363F-2BA5-1167672383E6}"/>
+          </ac:spMkLst>
+        </pc:spChg>
+        <pc:spChg chg="mod">
+          <ac:chgData name="Diogo da Silva Guedes Tavares" userId="S::up201706336@up.pt::0082672e-caf2-4cb6-be9b-91bd92c527f4" providerId="AD" clId="Web-{6C7F1163-5F63-11B6-8390-0D6F219B05EE}" dt="2025-11-12T23:43:45.049" v="253" actId="1076"/>
+          <ac:spMkLst>
+            <pc:docMk/>
+            <pc:sldMk cId="3972524331" sldId="265"/>
+            <ac:spMk id="7" creationId="{A35E0BEF-597F-F611-EA84-8AC2EACE22E7}"/>
+          </ac:spMkLst>
+        </pc:spChg>
+        <pc:spChg chg="add mod">
+          <ac:chgData name="Diogo da Silva Guedes Tavares" userId="S::up201706336@up.pt::0082672e-caf2-4cb6-be9b-91bd92c527f4" providerId="AD" clId="Web-{6C7F1163-5F63-11B6-8390-0D6F219B05EE}" dt="2025-11-12T23:34:49.588" v="65" actId="1076"/>
+          <ac:spMkLst>
+            <pc:docMk/>
+            <pc:sldMk cId="3972524331" sldId="265"/>
+            <ac:spMk id="8" creationId="{731BCE33-4966-BAD5-024D-D8F0066193EC}"/>
+          </ac:spMkLst>
+        </pc:spChg>
+        <pc:spChg chg="del">
+          <ac:chgData name="Diogo da Silva Guedes Tavares" userId="S::up201706336@up.pt::0082672e-caf2-4cb6-be9b-91bd92c527f4" providerId="AD" clId="Web-{6C7F1163-5F63-11B6-8390-0D6F219B05EE}" dt="2025-11-12T23:32:55.616" v="50"/>
+          <ac:spMkLst>
+            <pc:docMk/>
+            <pc:sldMk cId="3972524331" sldId="265"/>
+            <ac:spMk id="9" creationId="{27D3A1EA-72F1-0921-7321-9B286C2457EF}"/>
+          </ac:spMkLst>
+        </pc:spChg>
+        <pc:spChg chg="mod">
+          <ac:chgData name="Diogo da Silva Guedes Tavares" userId="S::up201706336@up.pt::0082672e-caf2-4cb6-be9b-91bd92c527f4" providerId="AD" clId="Web-{6C7F1163-5F63-11B6-8390-0D6F219B05EE}" dt="2025-11-12T23:43:49.003" v="257" actId="1076"/>
+          <ac:spMkLst>
+            <pc:docMk/>
+            <pc:sldMk cId="3972524331" sldId="265"/>
+            <ac:spMk id="10" creationId="{98F98801-492E-0C15-4B31-A1A6A2D7A4B8}"/>
+          </ac:spMkLst>
+        </pc:spChg>
+        <pc:spChg chg="mod">
+          <ac:chgData name="Diogo da Silva Guedes Tavares" userId="S::up201706336@up.pt::0082672e-caf2-4cb6-be9b-91bd92c527f4" providerId="AD" clId="Web-{6C7F1163-5F63-11B6-8390-0D6F219B05EE}" dt="2025-11-12T23:34:55.885" v="66" actId="20577"/>
+          <ac:spMkLst>
+            <pc:docMk/>
+            <pc:sldMk cId="3972524331" sldId="265"/>
+            <ac:spMk id="13" creationId="{67E2C112-A904-FF96-77C6-3F3D35DA4496}"/>
+          </ac:spMkLst>
+        </pc:spChg>
+        <pc:spChg chg="add del mod">
+          <ac:chgData name="Diogo da Silva Guedes Tavares" userId="S::up201706336@up.pt::0082672e-caf2-4cb6-be9b-91bd92c527f4" providerId="AD" clId="Web-{6C7F1163-5F63-11B6-8390-0D6F219B05EE}" dt="2025-11-12T23:41:46.550" v="194"/>
+          <ac:spMkLst>
+            <pc:docMk/>
+            <pc:sldMk cId="3972524331" sldId="265"/>
+            <ac:spMk id="14" creationId="{58C5AFF7-5FA6-771A-B0EC-493244E5DFEB}"/>
+          </ac:spMkLst>
+        </pc:spChg>
+      </pc:sldChg>
+      <pc:sldChg chg="addSp modSp">
+        <pc:chgData name="Diogo da Silva Guedes Tavares" userId="S::up201706336@up.pt::0082672e-caf2-4cb6-be9b-91bd92c527f4" providerId="AD" clId="Web-{6C7F1163-5F63-11B6-8390-0D6F219B05EE}" dt="2025-11-12T23:39:42.986" v="155" actId="20577"/>
+        <pc:sldMkLst>
+          <pc:docMk/>
+          <pc:sldMk cId="2752986164" sldId="266"/>
+        </pc:sldMkLst>
+        <pc:spChg chg="add mod">
+          <ac:chgData name="Diogo da Silva Guedes Tavares" userId="S::up201706336@up.pt::0082672e-caf2-4cb6-be9b-91bd92c527f4" providerId="AD" clId="Web-{6C7F1163-5F63-11B6-8390-0D6F219B05EE}" dt="2025-11-12T23:39:42.986" v="155" actId="20577"/>
+          <ac:spMkLst>
+            <pc:docMk/>
+            <pc:sldMk cId="2752986164" sldId="266"/>
+            <ac:spMk id="3" creationId="{51E07E3D-C609-D36A-5E7C-C208561B149C}"/>
+          </ac:spMkLst>
+        </pc:spChg>
+        <pc:spChg chg="mod">
+          <ac:chgData name="Diogo da Silva Guedes Tavares" userId="S::up201706336@up.pt::0082672e-caf2-4cb6-be9b-91bd92c527f4" providerId="AD" clId="Web-{6C7F1163-5F63-11B6-8390-0D6F219B05EE}" dt="2025-11-12T23:32:23.068" v="49" actId="20577"/>
+          <ac:spMkLst>
+            <pc:docMk/>
+            <pc:sldMk cId="2752986164" sldId="266"/>
+            <ac:spMk id="7" creationId="{2F56CF0C-A0E8-6279-5156-90242614FCA2}"/>
+          </ac:spMkLst>
+        </pc:spChg>
+        <pc:spChg chg="mod">
+          <ac:chgData name="Diogo da Silva Guedes Tavares" userId="S::up201706336@up.pt::0082672e-caf2-4cb6-be9b-91bd92c527f4" providerId="AD" clId="Web-{6C7F1163-5F63-11B6-8390-0D6F219B05EE}" dt="2025-11-12T23:39:25.845" v="143" actId="20577"/>
+          <ac:spMkLst>
+            <pc:docMk/>
+            <pc:sldMk cId="2752986164" sldId="266"/>
+            <ac:spMk id="8" creationId="{6480F665-AABD-0E46-5A16-B06077B323C8}"/>
+          </ac:spMkLst>
+        </pc:spChg>
+        <pc:spChg chg="mod">
+          <ac:chgData name="Diogo da Silva Guedes Tavares" userId="S::up201706336@up.pt::0082672e-caf2-4cb6-be9b-91bd92c527f4" providerId="AD" clId="Web-{6C7F1163-5F63-11B6-8390-0D6F219B05EE}" dt="2025-11-12T23:39:33.876" v="146" actId="20577"/>
+          <ac:spMkLst>
+            <pc:docMk/>
+            <pc:sldMk cId="2752986164" sldId="266"/>
+            <ac:spMk id="13" creationId="{3531428E-3C53-5063-0FBF-F580C09D882F}"/>
+          </ac:spMkLst>
+        </pc:spChg>
+        <pc:spChg chg="mod">
+          <ac:chgData name="Diogo da Silva Guedes Tavares" userId="S::up201706336@up.pt::0082672e-caf2-4cb6-be9b-91bd92c527f4" providerId="AD" clId="Web-{6C7F1163-5F63-11B6-8390-0D6F219B05EE}" dt="2025-11-12T23:39:36.860" v="147" actId="20577"/>
+          <ac:spMkLst>
+            <pc:docMk/>
+            <pc:sldMk cId="2752986164" sldId="266"/>
+            <ac:spMk id="14" creationId="{ECD6DABA-FE48-079C-1571-A95D44E0F699}"/>
+          </ac:spMkLst>
+        </pc:spChg>
+        <pc:spChg chg="mod">
+          <ac:chgData name="Diogo da Silva Guedes Tavares" userId="S::up201706336@up.pt::0082672e-caf2-4cb6-be9b-91bd92c527f4" providerId="AD" clId="Web-{6C7F1163-5F63-11B6-8390-0D6F219B05EE}" dt="2025-11-12T23:39:37.657" v="148" actId="20577"/>
+          <ac:spMkLst>
+            <pc:docMk/>
+            <pc:sldMk cId="2752986164" sldId="266"/>
+            <ac:spMk id="15" creationId="{F543D9BB-A50D-7936-73A2-D80AE0F2EF51}"/>
+          </ac:spMkLst>
+        </pc:spChg>
+      </pc:sldChg>
+      <pc:sldChg chg="addSp modSp">
+        <pc:chgData name="Diogo da Silva Guedes Tavares" userId="S::up201706336@up.pt::0082672e-caf2-4cb6-be9b-91bd92c527f4" providerId="AD" clId="Web-{6C7F1163-5F63-11B6-8390-0D6F219B05EE}" dt="2025-11-12T23:43:57.083" v="258" actId="1076"/>
+        <pc:sldMkLst>
+          <pc:docMk/>
+          <pc:sldMk cId="3460961830" sldId="267"/>
+        </pc:sldMkLst>
+        <pc:spChg chg="mod">
+          <ac:chgData name="Diogo da Silva Guedes Tavares" userId="S::up201706336@up.pt::0082672e-caf2-4cb6-be9b-91bd92c527f4" providerId="AD" clId="Web-{6C7F1163-5F63-11B6-8390-0D6F219B05EE}" dt="2025-11-12T23:40:58.784" v="168" actId="1076"/>
+          <ac:spMkLst>
+            <pc:docMk/>
+            <pc:sldMk cId="3460961830" sldId="267"/>
+            <ac:spMk id="3" creationId="{2A682271-7206-F0B6-40F8-335794C27C69}"/>
+          </ac:spMkLst>
+        </pc:spChg>
+        <pc:spChg chg="mod">
+          <ac:chgData name="Diogo da Silva Guedes Tavares" userId="S::up201706336@up.pt::0082672e-caf2-4cb6-be9b-91bd92c527f4" providerId="AD" clId="Web-{6C7F1163-5F63-11B6-8390-0D6F219B05EE}" dt="2025-11-12T23:43:57.083" v="258" actId="1076"/>
+          <ac:spMkLst>
+            <pc:docMk/>
+            <pc:sldMk cId="3460961830" sldId="267"/>
+            <ac:spMk id="7" creationId="{9C07A4AB-2111-9DFF-B957-ADA1FDA3A91A}"/>
+          </ac:spMkLst>
+        </pc:spChg>
+        <pc:spChg chg="mod">
+          <ac:chgData name="Diogo da Silva Guedes Tavares" userId="S::up201706336@up.pt::0082672e-caf2-4cb6-be9b-91bd92c527f4" providerId="AD" clId="Web-{6C7F1163-5F63-11B6-8390-0D6F219B05EE}" dt="2025-11-12T23:41:05.909" v="179" actId="20577"/>
+          <ac:spMkLst>
+            <pc:docMk/>
+            <pc:sldMk cId="3460961830" sldId="267"/>
+            <ac:spMk id="8" creationId="{FB08E709-3E9F-B403-A269-E80BB671AD51}"/>
+          </ac:spMkLst>
+        </pc:spChg>
+        <pc:spChg chg="mod">
+          <ac:chgData name="Diogo da Silva Guedes Tavares" userId="S::up201706336@up.pt::0082672e-caf2-4cb6-be9b-91bd92c527f4" providerId="AD" clId="Web-{6C7F1163-5F63-11B6-8390-0D6F219B05EE}" dt="2025-11-12T23:40:58.799" v="169" actId="1076"/>
+          <ac:spMkLst>
+            <pc:docMk/>
+            <pc:sldMk cId="3460961830" sldId="267"/>
+            <ac:spMk id="9" creationId="{E065A6F5-0C58-54A2-1B57-4A37805B4E24}"/>
+          </ac:spMkLst>
+        </pc:spChg>
+        <pc:spChg chg="mod">
+          <ac:chgData name="Diogo da Silva Guedes Tavares" userId="S::up201706336@up.pt::0082672e-caf2-4cb6-be9b-91bd92c527f4" providerId="AD" clId="Web-{6C7F1163-5F63-11B6-8390-0D6F219B05EE}" dt="2025-11-12T23:38:15.937" v="100" actId="1076"/>
+          <ac:spMkLst>
+            <pc:docMk/>
+            <pc:sldMk cId="3460961830" sldId="267"/>
+            <ac:spMk id="10" creationId="{B171FEEB-6287-4974-D68C-17AC3ED2831B}"/>
+          </ac:spMkLst>
+        </pc:spChg>
+        <pc:spChg chg="mod">
+          <ac:chgData name="Diogo da Silva Guedes Tavares" userId="S::up201706336@up.pt::0082672e-caf2-4cb6-be9b-91bd92c527f4" providerId="AD" clId="Web-{6C7F1163-5F63-11B6-8390-0D6F219B05EE}" dt="2025-11-12T23:38:15.953" v="101" actId="1076"/>
+          <ac:spMkLst>
+            <pc:docMk/>
+            <pc:sldMk cId="3460961830" sldId="267"/>
+            <ac:spMk id="12" creationId="{62B3132C-B9CD-5DA2-A32E-44DC92ED45AC}"/>
+          </ac:spMkLst>
+        </pc:spChg>
+        <pc:spChg chg="mod">
+          <ac:chgData name="Diogo da Silva Guedes Tavares" userId="S::up201706336@up.pt::0082672e-caf2-4cb6-be9b-91bd92c527f4" providerId="AD" clId="Web-{6C7F1163-5F63-11B6-8390-0D6F219B05EE}" dt="2025-11-12T23:40:58.737" v="165" actId="1076"/>
+          <ac:spMkLst>
+            <pc:docMk/>
+            <pc:sldMk cId="3460961830" sldId="267"/>
+            <ac:spMk id="13" creationId="{96B49A43-03A4-8927-AE78-066FCCC1C331}"/>
+          </ac:spMkLst>
+        </pc:spChg>
+        <pc:spChg chg="mod">
+          <ac:chgData name="Diogo da Silva Guedes Tavares" userId="S::up201706336@up.pt::0082672e-caf2-4cb6-be9b-91bd92c527f4" providerId="AD" clId="Web-{6C7F1163-5F63-11B6-8390-0D6F219B05EE}" dt="2025-11-12T23:40:58.752" v="166" actId="1076"/>
+          <ac:spMkLst>
+            <pc:docMk/>
+            <pc:sldMk cId="3460961830" sldId="267"/>
+            <ac:spMk id="14" creationId="{A476DD4A-5333-230D-FCFB-D8AC6F914587}"/>
+          </ac:spMkLst>
+        </pc:spChg>
+        <pc:spChg chg="mod">
+          <ac:chgData name="Diogo da Silva Guedes Tavares" userId="S::up201706336@up.pt::0082672e-caf2-4cb6-be9b-91bd92c527f4" providerId="AD" clId="Web-{6C7F1163-5F63-11B6-8390-0D6F219B05EE}" dt="2025-11-12T23:40:58.768" v="167" actId="1076"/>
+          <ac:spMkLst>
+            <pc:docMk/>
+            <pc:sldMk cId="3460961830" sldId="267"/>
+            <ac:spMk id="15" creationId="{C47813B5-C0B0-EB4D-7372-FECD5A2EC46F}"/>
+          </ac:spMkLst>
+        </pc:spChg>
+        <pc:spChg chg="add mod">
+          <ac:chgData name="Diogo da Silva Guedes Tavares" userId="S::up201706336@up.pt::0082672e-caf2-4cb6-be9b-91bd92c527f4" providerId="AD" clId="Web-{6C7F1163-5F63-11B6-8390-0D6F219B05EE}" dt="2025-11-12T23:40:58.815" v="170" actId="1076"/>
+          <ac:spMkLst>
+            <pc:docMk/>
+            <pc:sldMk cId="3460961830" sldId="267"/>
+            <ac:spMk id="16" creationId="{C43C08EC-529A-F8C8-FB6C-BDD3F6C006C2}"/>
+          </ac:spMkLst>
+        </pc:spChg>
+        <pc:spChg chg="add mod">
+          <ac:chgData name="Diogo da Silva Guedes Tavares" userId="S::up201706336@up.pt::0082672e-caf2-4cb6-be9b-91bd92c527f4" providerId="AD" clId="Web-{6C7F1163-5F63-11B6-8390-0D6F219B05EE}" dt="2025-11-12T23:41:32.190" v="190" actId="1076"/>
+          <ac:spMkLst>
+            <pc:docMk/>
+            <pc:sldMk cId="3460961830" sldId="267"/>
+            <ac:spMk id="17" creationId="{75346364-98CE-6AA3-255B-346C4D6CD6A7}"/>
+          </ac:spMkLst>
+        </pc:spChg>
+      </pc:sldChg>
+      <pc:sldChg chg="addSp modSp">
+        <pc:chgData name="Diogo da Silva Guedes Tavares" userId="S::up201706336@up.pt::0082672e-caf2-4cb6-be9b-91bd92c527f4" providerId="AD" clId="Web-{6C7F1163-5F63-11B6-8390-0D6F219B05EE}" dt="2025-11-12T23:46:21.064" v="318" actId="20577"/>
+        <pc:sldMkLst>
+          <pc:docMk/>
+          <pc:sldMk cId="555068930" sldId="268"/>
+        </pc:sldMkLst>
+        <pc:spChg chg="mod">
+          <ac:chgData name="Diogo da Silva Guedes Tavares" userId="S::up201706336@up.pt::0082672e-caf2-4cb6-be9b-91bd92c527f4" providerId="AD" clId="Web-{6C7F1163-5F63-11B6-8390-0D6F219B05EE}" dt="2025-11-12T23:46:10.766" v="308" actId="20577"/>
+          <ac:spMkLst>
+            <pc:docMk/>
+            <pc:sldMk cId="555068930" sldId="268"/>
+            <ac:spMk id="3" creationId="{D4609151-7979-D31F-676F-C6A50136D8E2}"/>
+          </ac:spMkLst>
+        </pc:spChg>
+        <pc:spChg chg="mod">
+          <ac:chgData name="Diogo da Silva Guedes Tavares" userId="S::up201706336@up.pt::0082672e-caf2-4cb6-be9b-91bd92c527f4" providerId="AD" clId="Web-{6C7F1163-5F63-11B6-8390-0D6F219B05EE}" dt="2025-11-12T23:31:27.316" v="37" actId="20577"/>
+          <ac:spMkLst>
+            <pc:docMk/>
+            <pc:sldMk cId="555068930" sldId="268"/>
+            <ac:spMk id="7" creationId="{8B4AA27F-D657-82DA-6BBA-D8922C25C336}"/>
+          </ac:spMkLst>
+        </pc:spChg>
+        <pc:spChg chg="mod">
+          <ac:chgData name="Diogo da Silva Guedes Tavares" userId="S::up201706336@up.pt::0082672e-caf2-4cb6-be9b-91bd92c527f4" providerId="AD" clId="Web-{6C7F1163-5F63-11B6-8390-0D6F219B05EE}" dt="2025-11-12T23:45:45.027" v="293" actId="20577"/>
+          <ac:spMkLst>
+            <pc:docMk/>
+            <pc:sldMk cId="555068930" sldId="268"/>
+            <ac:spMk id="8" creationId="{8F516916-69F2-F0B4-266E-C514D04F42FD}"/>
+          </ac:spMkLst>
+        </pc:spChg>
+        <pc:spChg chg="add mod">
+          <ac:chgData name="Diogo da Silva Guedes Tavares" userId="S::up201706336@up.pt::0082672e-caf2-4cb6-be9b-91bd92c527f4" providerId="AD" clId="Web-{6C7F1163-5F63-11B6-8390-0D6F219B05EE}" dt="2025-11-12T23:46:05.905" v="307" actId="20577"/>
+          <ac:spMkLst>
+            <pc:docMk/>
+            <pc:sldMk cId="555068930" sldId="268"/>
+            <ac:spMk id="9" creationId="{F067A50F-083E-38B0-FD77-9D892E3E58CB}"/>
+          </ac:spMkLst>
+        </pc:spChg>
+        <pc:spChg chg="mod">
+          <ac:chgData name="Diogo da Silva Guedes Tavares" userId="S::up201706336@up.pt::0082672e-caf2-4cb6-be9b-91bd92c527f4" providerId="AD" clId="Web-{6C7F1163-5F63-11B6-8390-0D6F219B05EE}" dt="2025-11-12T23:45:37.776" v="282" actId="1076"/>
+          <ac:spMkLst>
+            <pc:docMk/>
+            <pc:sldMk cId="555068930" sldId="268"/>
+            <ac:spMk id="10" creationId="{B4FAA61D-B238-1E38-D640-822EB493377D}"/>
+          </ac:spMkLst>
+        </pc:spChg>
+        <pc:spChg chg="mod">
+          <ac:chgData name="Diogo da Silva Guedes Tavares" userId="S::up201706336@up.pt::0082672e-caf2-4cb6-be9b-91bd92c527f4" providerId="AD" clId="Web-{6C7F1163-5F63-11B6-8390-0D6F219B05EE}" dt="2025-11-12T23:45:37.776" v="283" actId="1076"/>
+          <ac:spMkLst>
+            <pc:docMk/>
+            <pc:sldMk cId="555068930" sldId="268"/>
+            <ac:spMk id="12" creationId="{249B77B2-51BC-A9CD-68D1-C4381F43A565}"/>
+          </ac:spMkLst>
+        </pc:spChg>
+        <pc:spChg chg="mod">
+          <ac:chgData name="Diogo da Silva Guedes Tavares" userId="S::up201706336@up.pt::0082672e-caf2-4cb6-be9b-91bd92c527f4" providerId="AD" clId="Web-{6C7F1163-5F63-11B6-8390-0D6F219B05EE}" dt="2025-11-12T23:45:51.450" v="294" actId="20577"/>
+          <ac:spMkLst>
+            <pc:docMk/>
+            <pc:sldMk cId="555068930" sldId="268"/>
+            <ac:spMk id="13" creationId="{5A1182E8-7F6E-A8B2-7B19-8AA7C15CC637}"/>
+          </ac:spMkLst>
+        </pc:spChg>
+        <pc:spChg chg="mod">
+          <ac:chgData name="Diogo da Silva Guedes Tavares" userId="S::up201706336@up.pt::0082672e-caf2-4cb6-be9b-91bd92c527f4" providerId="AD" clId="Web-{6C7F1163-5F63-11B6-8390-0D6F219B05EE}" dt="2025-11-12T23:46:21.064" v="318" actId="20577"/>
+          <ac:spMkLst>
+            <pc:docMk/>
+            <pc:sldMk cId="555068930" sldId="268"/>
+            <ac:spMk id="14" creationId="{FDB1AAD5-ED4C-5A22-6C64-47A2942E0114}"/>
+          </ac:spMkLst>
+        </pc:spChg>
+        <pc:spChg chg="mod">
+          <ac:chgData name="Diogo da Silva Guedes Tavares" userId="S::up201706336@up.pt::0082672e-caf2-4cb6-be9b-91bd92c527f4" providerId="AD" clId="Web-{6C7F1163-5F63-11B6-8390-0D6F219B05EE}" dt="2025-11-12T23:46:17.610" v="309" actId="20577"/>
+          <ac:spMkLst>
+            <pc:docMk/>
+            <pc:sldMk cId="555068930" sldId="268"/>
+            <ac:spMk id="15" creationId="{ADFAC2F5-4E01-57A6-836F-35CD317806B3}"/>
+          </ac:spMkLst>
+        </pc:spChg>
+      </pc:sldChg>
+      <pc:sldChg chg="addSp modSp add replId">
+        <pc:chgData name="Diogo da Silva Guedes Tavares" userId="S::up201706336@up.pt::0082672e-caf2-4cb6-be9b-91bd92c527f4" providerId="AD" clId="Web-{6C7F1163-5F63-11B6-8390-0D6F219B05EE}" dt="2025-11-12T23:48:40.752" v="364" actId="20577"/>
+        <pc:sldMkLst>
+          <pc:docMk/>
+          <pc:sldMk cId="771149491" sldId="270"/>
+        </pc:sldMkLst>
+        <pc:spChg chg="mod">
+          <ac:chgData name="Diogo da Silva Guedes Tavares" userId="S::up201706336@up.pt::0082672e-caf2-4cb6-be9b-91bd92c527f4" providerId="AD" clId="Web-{6C7F1163-5F63-11B6-8390-0D6F219B05EE}" dt="2025-11-12T23:47:14.790" v="348" actId="1076"/>
+          <ac:spMkLst>
+            <pc:docMk/>
+            <pc:sldMk cId="771149491" sldId="270"/>
+            <ac:spMk id="3" creationId="{D3E6B070-99AD-4041-760B-3F4DDC962388}"/>
+          </ac:spMkLst>
+        </pc:spChg>
+        <pc:spChg chg="mod">
+          <ac:chgData name="Diogo da Silva Guedes Tavares" userId="S::up201706336@up.pt::0082672e-caf2-4cb6-be9b-91bd92c527f4" providerId="AD" clId="Web-{6C7F1163-5F63-11B6-8390-0D6F219B05EE}" dt="2025-11-12T23:48:40.752" v="364" actId="20577"/>
+          <ac:spMkLst>
+            <pc:docMk/>
+            <pc:sldMk cId="771149491" sldId="270"/>
+            <ac:spMk id="8" creationId="{081E0827-7831-2069-9D91-C37F0F94CB44}"/>
+          </ac:spMkLst>
+        </pc:spChg>
+        <pc:spChg chg="mod">
+          <ac:chgData name="Diogo da Silva Guedes Tavares" userId="S::up201706336@up.pt::0082672e-caf2-4cb6-be9b-91bd92c527f4" providerId="AD" clId="Web-{6C7F1163-5F63-11B6-8390-0D6F219B05EE}" dt="2025-11-12T23:47:20.212" v="350" actId="1076"/>
+          <ac:spMkLst>
+            <pc:docMk/>
+            <pc:sldMk cId="771149491" sldId="270"/>
+            <ac:spMk id="10" creationId="{04E42802-4E52-B501-62CE-8917EA614F82}"/>
+          </ac:spMkLst>
+        </pc:spChg>
+        <pc:spChg chg="mod">
+          <ac:chgData name="Diogo da Silva Guedes Tavares" userId="S::up201706336@up.pt::0082672e-caf2-4cb6-be9b-91bd92c527f4" providerId="AD" clId="Web-{6C7F1163-5F63-11B6-8390-0D6F219B05EE}" dt="2025-11-12T23:47:20.228" v="351" actId="1076"/>
+          <ac:spMkLst>
+            <pc:docMk/>
+            <pc:sldMk cId="771149491" sldId="270"/>
+            <ac:spMk id="12" creationId="{C8EEF02D-9747-8AC4-0322-D4D785C07E94}"/>
+          </ac:spMkLst>
+        </pc:spChg>
+        <pc:spChg chg="mod">
+          <ac:chgData name="Diogo da Silva Guedes Tavares" userId="S::up201706336@up.pt::0082672e-caf2-4cb6-be9b-91bd92c527f4" providerId="AD" clId="Web-{6C7F1163-5F63-11B6-8390-0D6F219B05EE}" dt="2025-11-12T23:47:14.743" v="345" actId="1076"/>
+          <ac:spMkLst>
+            <pc:docMk/>
+            <pc:sldMk cId="771149491" sldId="270"/>
+            <ac:spMk id="13" creationId="{E8120320-4FCF-870A-9997-1B23C7D2EB93}"/>
+          </ac:spMkLst>
+        </pc:spChg>
+        <pc:spChg chg="mod">
+          <ac:chgData name="Diogo da Silva Guedes Tavares" userId="S::up201706336@up.pt::0082672e-caf2-4cb6-be9b-91bd92c527f4" providerId="AD" clId="Web-{6C7F1163-5F63-11B6-8390-0D6F219B05EE}" dt="2025-11-12T23:47:14.758" v="346" actId="1076"/>
+          <ac:spMkLst>
+            <pc:docMk/>
+            <pc:sldMk cId="771149491" sldId="270"/>
+            <ac:spMk id="14" creationId="{BABD15FA-01B6-210C-A970-3DCC45700A55}"/>
+          </ac:spMkLst>
+        </pc:spChg>
+        <pc:spChg chg="mod">
+          <ac:chgData name="Diogo da Silva Guedes Tavares" userId="S::up201706336@up.pt::0082672e-caf2-4cb6-be9b-91bd92c527f4" providerId="AD" clId="Web-{6C7F1163-5F63-11B6-8390-0D6F219B05EE}" dt="2025-11-12T23:47:14.774" v="347" actId="1076"/>
+          <ac:spMkLst>
+            <pc:docMk/>
+            <pc:sldMk cId="771149491" sldId="270"/>
+            <ac:spMk id="15" creationId="{F270C2CA-D9D1-55AC-287C-A0A31C440382}"/>
+          </ac:spMkLst>
+        </pc:spChg>
+        <pc:spChg chg="add mod">
+          <ac:chgData name="Diogo da Silva Guedes Tavares" userId="S::up201706336@up.pt::0082672e-caf2-4cb6-be9b-91bd92c527f4" providerId="AD" clId="Web-{6C7F1163-5F63-11B6-8390-0D6F219B05EE}" dt="2025-11-12T23:47:14.805" v="349" actId="1076"/>
+          <ac:spMkLst>
+            <pc:docMk/>
+            <pc:sldMk cId="771149491" sldId="270"/>
+            <ac:spMk id="16" creationId="{F11F19A0-0CF7-063D-E3E6-EA048AFC3DEA}"/>
+          </ac:spMkLst>
+        </pc:spChg>
+      </pc:sldChg>
+      <pc:sldChg chg="addSp modSp add replId">
+        <pc:chgData name="Diogo da Silva Guedes Tavares" userId="S::up201706336@up.pt::0082672e-caf2-4cb6-be9b-91bd92c527f4" providerId="AD" clId="Web-{6C7F1163-5F63-11B6-8390-0D6F219B05EE}" dt="2025-11-12T23:43:04.617" v="242" actId="1076"/>
+        <pc:sldMkLst>
+          <pc:docMk/>
+          <pc:sldMk cId="1959199635" sldId="271"/>
+        </pc:sldMkLst>
+        <pc:spChg chg="mod">
+          <ac:chgData name="Diogo da Silva Guedes Tavares" userId="S::up201706336@up.pt::0082672e-caf2-4cb6-be9b-91bd92c527f4" providerId="AD" clId="Web-{6C7F1163-5F63-11B6-8390-0D6F219B05EE}" dt="2025-11-12T23:42:31.785" v="210" actId="1076"/>
+          <ac:spMkLst>
+            <pc:docMk/>
+            <pc:sldMk cId="1959199635" sldId="271"/>
+            <ac:spMk id="3" creationId="{73A02E99-E6F7-0709-41EE-77331F259EE1}"/>
+          </ac:spMkLst>
+        </pc:spChg>
+        <pc:spChg chg="mod">
+          <ac:chgData name="Diogo da Silva Guedes Tavares" userId="S::up201706336@up.pt::0082672e-caf2-4cb6-be9b-91bd92c527f4" providerId="AD" clId="Web-{6C7F1163-5F63-11B6-8390-0D6F219B05EE}" dt="2025-11-12T23:42:23.488" v="204" actId="20577"/>
+          <ac:spMkLst>
+            <pc:docMk/>
+            <pc:sldMk cId="1959199635" sldId="271"/>
+            <ac:spMk id="7" creationId="{B26D8E64-FAE4-67A8-986C-EB6020EA9D95}"/>
+          </ac:spMkLst>
+        </pc:spChg>
+        <pc:spChg chg="mod">
+          <ac:chgData name="Diogo da Silva Guedes Tavares" userId="S::up201706336@up.pt::0082672e-caf2-4cb6-be9b-91bd92c527f4" providerId="AD" clId="Web-{6C7F1163-5F63-11B6-8390-0D6F219B05EE}" dt="2025-11-12T23:42:51.863" v="237" actId="20577"/>
+          <ac:spMkLst>
+            <pc:docMk/>
+            <pc:sldMk cId="1959199635" sldId="271"/>
+            <ac:spMk id="8" creationId="{A1FCD309-3241-D50C-7E65-0A729FE1CAA6}"/>
+          </ac:spMkLst>
+        </pc:spChg>
+        <pc:spChg chg="mod">
+          <ac:chgData name="Diogo da Silva Guedes Tavares" userId="S::up201706336@up.pt::0082672e-caf2-4cb6-be9b-91bd92c527f4" providerId="AD" clId="Web-{6C7F1163-5F63-11B6-8390-0D6F219B05EE}" dt="2025-11-12T23:42:31.801" v="211" actId="1076"/>
+          <ac:spMkLst>
+            <pc:docMk/>
+            <pc:sldMk cId="1959199635" sldId="271"/>
+            <ac:spMk id="9" creationId="{579ADA4D-2914-ACC5-B50F-E0D159185C6B}"/>
+          </ac:spMkLst>
+        </pc:spChg>
+        <pc:spChg chg="mod">
+          <ac:chgData name="Diogo da Silva Guedes Tavares" userId="S::up201706336@up.pt::0082672e-caf2-4cb6-be9b-91bd92c527f4" providerId="AD" clId="Web-{6C7F1163-5F63-11B6-8390-0D6F219B05EE}" dt="2025-11-12T23:42:31.707" v="205" actId="1076"/>
+          <ac:spMkLst>
+            <pc:docMk/>
+            <pc:sldMk cId="1959199635" sldId="271"/>
+            <ac:spMk id="10" creationId="{7CABA348-774C-F4B1-9F72-5E4F25BA2BB9}"/>
+          </ac:spMkLst>
+        </pc:spChg>
+        <pc:spChg chg="mod">
+          <ac:chgData name="Diogo da Silva Guedes Tavares" userId="S::up201706336@up.pt::0082672e-caf2-4cb6-be9b-91bd92c527f4" providerId="AD" clId="Web-{6C7F1163-5F63-11B6-8390-0D6F219B05EE}" dt="2025-11-12T23:42:31.722" v="206" actId="1076"/>
+          <ac:spMkLst>
+            <pc:docMk/>
+            <pc:sldMk cId="1959199635" sldId="271"/>
+            <ac:spMk id="12" creationId="{E10B33BA-1527-F53B-1EFA-2C784C910666}"/>
+          </ac:spMkLst>
+        </pc:spChg>
+        <pc:spChg chg="mod">
+          <ac:chgData name="Diogo da Silva Guedes Tavares" userId="S::up201706336@up.pt::0082672e-caf2-4cb6-be9b-91bd92c527f4" providerId="AD" clId="Web-{6C7F1163-5F63-11B6-8390-0D6F219B05EE}" dt="2025-11-12T23:42:31.738" v="207" actId="1076"/>
+          <ac:spMkLst>
+            <pc:docMk/>
+            <pc:sldMk cId="1959199635" sldId="271"/>
+            <ac:spMk id="13" creationId="{46C30233-7A2A-98B5-B2BA-4E46F7E6D4A1}"/>
+          </ac:spMkLst>
+        </pc:spChg>
+        <pc:spChg chg="mod">
+          <ac:chgData name="Diogo da Silva Guedes Tavares" userId="S::up201706336@up.pt::0082672e-caf2-4cb6-be9b-91bd92c527f4" providerId="AD" clId="Web-{6C7F1163-5F63-11B6-8390-0D6F219B05EE}" dt="2025-11-12T23:42:31.754" v="208" actId="1076"/>
+          <ac:spMkLst>
+            <pc:docMk/>
+            <pc:sldMk cId="1959199635" sldId="271"/>
+            <ac:spMk id="14" creationId="{326239AE-4D8B-A095-BC7B-914711D53EB7}"/>
+          </ac:spMkLst>
+        </pc:spChg>
+        <pc:spChg chg="mod">
+          <ac:chgData name="Diogo da Silva Guedes Tavares" userId="S::up201706336@up.pt::0082672e-caf2-4cb6-be9b-91bd92c527f4" providerId="AD" clId="Web-{6C7F1163-5F63-11B6-8390-0D6F219B05EE}" dt="2025-11-12T23:42:31.769" v="209" actId="1076"/>
+          <ac:spMkLst>
+            <pc:docMk/>
+            <pc:sldMk cId="1959199635" sldId="271"/>
+            <ac:spMk id="15" creationId="{FDFD5071-3FBA-FB0B-D0F1-8E475515BAA4}"/>
+          </ac:spMkLst>
+        </pc:spChg>
+        <pc:spChg chg="add mod">
+          <ac:chgData name="Diogo da Silva Guedes Tavares" userId="S::up201706336@up.pt::0082672e-caf2-4cb6-be9b-91bd92c527f4" providerId="AD" clId="Web-{6C7F1163-5F63-11B6-8390-0D6F219B05EE}" dt="2025-11-12T23:42:31.816" v="212" actId="1076"/>
+          <ac:spMkLst>
+            <pc:docMk/>
+            <pc:sldMk cId="1959199635" sldId="271"/>
+            <ac:spMk id="17" creationId="{20979C37-1AF8-9374-9A0A-7824B4111856}"/>
+          </ac:spMkLst>
+        </pc:spChg>
+        <pc:spChg chg="add mod">
+          <ac:chgData name="Diogo da Silva Guedes Tavares" userId="S::up201706336@up.pt::0082672e-caf2-4cb6-be9b-91bd92c527f4" providerId="AD" clId="Web-{6C7F1163-5F63-11B6-8390-0D6F219B05EE}" dt="2025-11-12T23:43:04.617" v="242" actId="1076"/>
+          <ac:spMkLst>
+            <pc:docMk/>
+            <pc:sldMk cId="1959199635" sldId="271"/>
+            <ac:spMk id="19" creationId="{A7034FD5-0D97-510C-D413-3667E3E6EBE2}"/>
+          </ac:spMkLst>
+        </pc:spChg>
+      </pc:sldChg>
+      <pc:sldChg chg="addSp modSp add replId">
+        <pc:chgData name="Diogo da Silva Guedes Tavares" userId="S::up201706336@up.pt::0082672e-caf2-4cb6-be9b-91bd92c527f4" providerId="AD" clId="Web-{6C7F1163-5F63-11B6-8390-0D6F219B05EE}" dt="2025-11-12T23:40:14.705" v="162" actId="20577"/>
+        <pc:sldMkLst>
+          <pc:docMk/>
+          <pc:sldMk cId="2448092448" sldId="272"/>
+        </pc:sldMkLst>
+        <pc:spChg chg="mod">
+          <ac:chgData name="Diogo da Silva Guedes Tavares" userId="S::up201706336@up.pt::0082672e-caf2-4cb6-be9b-91bd92c527f4" providerId="AD" clId="Web-{6C7F1163-5F63-11B6-8390-0D6F219B05EE}" dt="2025-11-12T23:40:14.705" v="162" actId="20577"/>
+          <ac:spMkLst>
+            <pc:docMk/>
+            <pc:sldMk cId="2448092448" sldId="272"/>
+            <ac:spMk id="8" creationId="{957F79F8-0F79-1357-8239-CD49E4D38EAB}"/>
+          </ac:spMkLst>
+        </pc:spChg>
+        <pc:spChg chg="add">
+          <ac:chgData name="Diogo da Silva Guedes Tavares" userId="S::up201706336@up.pt::0082672e-caf2-4cb6-be9b-91bd92c527f4" providerId="AD" clId="Web-{6C7F1163-5F63-11B6-8390-0D6F219B05EE}" dt="2025-11-12T23:40:08.845" v="156"/>
+          <ac:spMkLst>
+            <pc:docMk/>
+            <pc:sldMk cId="2448092448" sldId="272"/>
+            <ac:spMk id="9" creationId="{84D0A0F1-14F1-8AAD-1A5C-4159E1E1CB2F}"/>
+          </ac:spMkLst>
+        </pc:spChg>
+      </pc:sldChg>
+      <pc:sldChg chg="addSp delSp modSp add replId">
+        <pc:chgData name="Diogo da Silva Guedes Tavares" userId="S::up201706336@up.pt::0082672e-caf2-4cb6-be9b-91bd92c527f4" providerId="AD" clId="Web-{6C7F1163-5F63-11B6-8390-0D6F219B05EE}" dt="2025-11-12T23:51:38.608" v="434" actId="1076"/>
+        <pc:sldMkLst>
+          <pc:docMk/>
+          <pc:sldMk cId="4161652135" sldId="273"/>
+        </pc:sldMkLst>
+        <pc:spChg chg="del">
+          <ac:chgData name="Diogo da Silva Guedes Tavares" userId="S::up201706336@up.pt::0082672e-caf2-4cb6-be9b-91bd92c527f4" providerId="AD" clId="Web-{6C7F1163-5F63-11B6-8390-0D6F219B05EE}" dt="2025-11-12T23:49:31.022" v="367"/>
+          <ac:spMkLst>
+            <pc:docMk/>
+            <pc:sldMk cId="4161652135" sldId="273"/>
+            <ac:spMk id="3" creationId="{20DDC19C-B7A1-39AB-334D-E9953287145D}"/>
+          </ac:spMkLst>
+        </pc:spChg>
+        <pc:spChg chg="mod">
+          <ac:chgData name="Diogo da Silva Guedes Tavares" userId="S::up201706336@up.pt::0082672e-caf2-4cb6-be9b-91bd92c527f4" providerId="AD" clId="Web-{6C7F1163-5F63-11B6-8390-0D6F219B05EE}" dt="2025-11-12T23:51:36.311" v="433" actId="1076"/>
+          <ac:spMkLst>
+            <pc:docMk/>
+            <pc:sldMk cId="4161652135" sldId="273"/>
+            <ac:spMk id="7" creationId="{57A6906F-3ECC-04FA-90DF-97FBDDF7CFE4}"/>
+          </ac:spMkLst>
+        </pc:spChg>
+        <pc:spChg chg="del">
+          <ac:chgData name="Diogo da Silva Guedes Tavares" userId="S::up201706336@up.pt::0082672e-caf2-4cb6-be9b-91bd92c527f4" providerId="AD" clId="Web-{6C7F1163-5F63-11B6-8390-0D6F219B05EE}" dt="2025-11-12T23:49:31.022" v="373"/>
+          <ac:spMkLst>
+            <pc:docMk/>
+            <pc:sldMk cId="4161652135" sldId="273"/>
+            <ac:spMk id="8" creationId="{1F7074CA-CE25-F429-346A-E9F74FB07EE7}"/>
+          </ac:spMkLst>
+        </pc:spChg>
+        <pc:spChg chg="del">
+          <ac:chgData name="Diogo da Silva Guedes Tavares" userId="S::up201706336@up.pt::0082672e-caf2-4cb6-be9b-91bd92c527f4" providerId="AD" clId="Web-{6C7F1163-5F63-11B6-8390-0D6F219B05EE}" dt="2025-11-12T23:49:31.022" v="372"/>
+          <ac:spMkLst>
+            <pc:docMk/>
+            <pc:sldMk cId="4161652135" sldId="273"/>
+            <ac:spMk id="10" creationId="{FBE18AE1-8020-7F8D-6CB4-D924CDD5D809}"/>
+          </ac:spMkLst>
+        </pc:spChg>
+        <pc:spChg chg="del">
+          <ac:chgData name="Diogo da Silva Guedes Tavares" userId="S::up201706336@up.pt::0082672e-caf2-4cb6-be9b-91bd92c527f4" providerId="AD" clId="Web-{6C7F1163-5F63-11B6-8390-0D6F219B05EE}" dt="2025-11-12T23:49:31.022" v="371"/>
+          <ac:spMkLst>
+            <pc:docMk/>
+            <pc:sldMk cId="4161652135" sldId="273"/>
+            <ac:spMk id="12" creationId="{5B41373C-D568-90CA-CE6F-074D2173BD97}"/>
+          </ac:spMkLst>
+        </pc:spChg>
+        <pc:spChg chg="del">
+          <ac:chgData name="Diogo da Silva Guedes Tavares" userId="S::up201706336@up.pt::0082672e-caf2-4cb6-be9b-91bd92c527f4" providerId="AD" clId="Web-{6C7F1163-5F63-11B6-8390-0D6F219B05EE}" dt="2025-11-12T23:49:31.022" v="370"/>
+          <ac:spMkLst>
+            <pc:docMk/>
+            <pc:sldMk cId="4161652135" sldId="273"/>
+            <ac:spMk id="13" creationId="{4C255DFA-CC40-4609-B2AB-B7144A3910B7}"/>
+          </ac:spMkLst>
+        </pc:spChg>
+        <pc:spChg chg="del">
+          <ac:chgData name="Diogo da Silva Guedes Tavares" userId="S::up201706336@up.pt::0082672e-caf2-4cb6-be9b-91bd92c527f4" providerId="AD" clId="Web-{6C7F1163-5F63-11B6-8390-0D6F219B05EE}" dt="2025-11-12T23:49:31.022" v="369"/>
+          <ac:spMkLst>
+            <pc:docMk/>
+            <pc:sldMk cId="4161652135" sldId="273"/>
+            <ac:spMk id="14" creationId="{4250C9F3-1E62-B976-232F-1CD045BD6DB3}"/>
+          </ac:spMkLst>
+        </pc:spChg>
+        <pc:spChg chg="del">
+          <ac:chgData name="Diogo da Silva Guedes Tavares" userId="S::up201706336@up.pt::0082672e-caf2-4cb6-be9b-91bd92c527f4" providerId="AD" clId="Web-{6C7F1163-5F63-11B6-8390-0D6F219B05EE}" dt="2025-11-12T23:49:31.022" v="368"/>
+          <ac:spMkLst>
+            <pc:docMk/>
+            <pc:sldMk cId="4161652135" sldId="273"/>
+            <ac:spMk id="15" creationId="{67F1ECF7-CBD4-7880-0A1A-4B726626B38F}"/>
+          </ac:spMkLst>
+        </pc:spChg>
+        <pc:spChg chg="del">
+          <ac:chgData name="Diogo da Silva Guedes Tavares" userId="S::up201706336@up.pt::0082672e-caf2-4cb6-be9b-91bd92c527f4" providerId="AD" clId="Web-{6C7F1163-5F63-11B6-8390-0D6F219B05EE}" dt="2025-11-12T23:49:31.022" v="366"/>
+          <ac:spMkLst>
+            <pc:docMk/>
+            <pc:sldMk cId="4161652135" sldId="273"/>
+            <ac:spMk id="16" creationId="{281129FA-9EF4-5F72-4E65-66267A259A91}"/>
+          </ac:spMkLst>
+        </pc:spChg>
+        <pc:spChg chg="add mod">
+          <ac:chgData name="Diogo da Silva Guedes Tavares" userId="S::up201706336@up.pt::0082672e-caf2-4cb6-be9b-91bd92c527f4" providerId="AD" clId="Web-{6C7F1163-5F63-11B6-8390-0D6F219B05EE}" dt="2025-11-12T23:49:58.571" v="383" actId="1076"/>
+          <ac:spMkLst>
+            <pc:docMk/>
+            <pc:sldMk cId="4161652135" sldId="273"/>
+            <ac:spMk id="17" creationId="{0D91D661-9E35-0CFA-4B22-C100FB864F27}"/>
+          </ac:spMkLst>
+        </pc:spChg>
+        <pc:spChg chg="add mod">
+          <ac:chgData name="Diogo da Silva Guedes Tavares" userId="S::up201706336@up.pt::0082672e-caf2-4cb6-be9b-91bd92c527f4" providerId="AD" clId="Web-{6C7F1163-5F63-11B6-8390-0D6F219B05EE}" dt="2025-11-12T23:51:38.608" v="434" actId="1076"/>
+          <ac:spMkLst>
+            <pc:docMk/>
+            <pc:sldMk cId="4161652135" sldId="273"/>
+            <ac:spMk id="18" creationId="{4635A197-FC8D-7DFC-6980-1798265425BC}"/>
+          </ac:spMkLst>
+        </pc:spChg>
+      </pc:sldChg>
+      <pc:sldChg chg="modSp add replId">
+        <pc:chgData name="Diogo da Silva Guedes Tavares" userId="S::up201706336@up.pt::0082672e-caf2-4cb6-be9b-91bd92c527f4" providerId="AD" clId="Web-{6C7F1163-5F63-11B6-8390-0D6F219B05EE}" dt="2025-11-12T23:55:21.852" v="438" actId="20577"/>
+        <pc:sldMkLst>
+          <pc:docMk/>
+          <pc:sldMk cId="1058715560" sldId="274"/>
+        </pc:sldMkLst>
+        <pc:spChg chg="mod">
+          <ac:chgData name="Diogo da Silva Guedes Tavares" userId="S::up201706336@up.pt::0082672e-caf2-4cb6-be9b-91bd92c527f4" providerId="AD" clId="Web-{6C7F1163-5F63-11B6-8390-0D6F219B05EE}" dt="2025-11-12T23:55:21.852" v="438" actId="20577"/>
+          <ac:spMkLst>
+            <pc:docMk/>
+            <pc:sldMk cId="1058715560" sldId="274"/>
+            <ac:spMk id="7" creationId="{C7F24F94-B0F4-DD28-3230-813585C20CDA}"/>
           </ac:spMkLst>
         </pc:spChg>
       </pc:sldChg>
@@ -4188,7 +4885,7 @@
           <a:p>
             <a:r>
               <a:rPr lang="pt-PT" dirty="0"/>
-              <a:t>Editar coleção X: </a:t>
+              <a:t>Adicionar coleção: </a:t>
             </a:r>
           </a:p>
         </p:txBody>
@@ -4312,7 +5009,7 @@
         <p:spPr>
           <a:xfrm>
             <a:off x="925872" y="3059405"/>
-            <a:ext cx="4025533" cy="1477328"/>
+            <a:ext cx="4025533" cy="2031325"/>
           </a:xfrm>
           <a:prstGeom prst="rect">
             <a:avLst/>
@@ -4350,6 +5047,15 @@
             <a:r>
               <a:rPr lang="pt-PT" dirty="0"/>
               <a:t>Tipo:</a:t>
+            </a:r>
+          </a:p>
+          <a:p>
+            <a:endParaRPr lang="pt-PT" dirty="0"/>
+          </a:p>
+          <a:p>
+            <a:r>
+              <a:rPr lang="pt-PT" dirty="0"/>
+              <a:t>Descrição:</a:t>
             </a:r>
           </a:p>
         </p:txBody>
@@ -4505,7 +5211,7 @@
             <a:pPr algn="ctr"/>
             <a:r>
               <a:rPr lang="pt-PT" dirty="0"/>
-              <a:t>(inserir novo nome)</a:t>
+              <a:t>(inserir nome)</a:t>
             </a:r>
           </a:p>
         </p:txBody>
@@ -4557,7 +5263,7 @@
             <a:pPr algn="ctr"/>
             <a:r>
               <a:rPr lang="pt-PT" dirty="0"/>
-              <a:t>(inserir nova data)</a:t>
+              <a:t>(inserir data)</a:t>
             </a:r>
           </a:p>
         </p:txBody>
@@ -4609,7 +5315,59 @@
             <a:pPr algn="ctr"/>
             <a:r>
               <a:rPr lang="pt-PT" dirty="0"/>
-              <a:t>(inserir novo tipo)</a:t>
+              <a:t>(inserir tipo)</a:t>
+            </a:r>
+          </a:p>
+        </p:txBody>
+      </p:sp>
+      <p:sp>
+        <p:nvSpPr>
+          <p:cNvPr id="3" name="CaixaDeTexto 2">
+            <a:extLst>
+              <a:ext uri="{FF2B5EF4-FFF2-40B4-BE49-F238E27FC236}">
+                <a16:creationId xmlns:a16="http://schemas.microsoft.com/office/drawing/2014/main" id="{51E07E3D-C609-D36A-5E7C-C208561B149C}"/>
+              </a:ext>
+            </a:extLst>
+          </p:cNvPr>
+          <p:cNvSpPr txBox="1"/>
+          <p:nvPr/>
+        </p:nvSpPr>
+        <p:spPr>
+          <a:xfrm>
+            <a:off x="3288239" y="4718647"/>
+            <a:ext cx="2743200" cy="365760"/>
+          </a:xfrm>
+          <a:prstGeom prst="rect">
+            <a:avLst/>
+          </a:prstGeom>
+        </p:spPr>
+        <p:style>
+          <a:lnRef idx="2">
+            <a:schemeClr val="dk1"/>
+          </a:lnRef>
+          <a:fillRef idx="1">
+            <a:schemeClr val="lt1"/>
+          </a:fillRef>
+          <a:effectRef idx="0">
+            <a:schemeClr val="dk1"/>
+          </a:effectRef>
+          <a:fontRef idx="minor">
+            <a:schemeClr val="dk1"/>
+          </a:fontRef>
+        </p:style>
+        <p:txBody>
+          <a:bodyPr rot="0" spcFirstLastPara="0" vertOverflow="overflow" horzOverflow="overflow" vert="horz" wrap="square" lIns="91440" tIns="45720" rIns="91440" bIns="45720" numCol="1" spcCol="0" rtlCol="0" fromWordArt="0" anchor="t" anchorCtr="0" forceAA="0" compatLnSpc="1">
+            <a:prstTxWarp prst="textNoShape">
+              <a:avLst/>
+            </a:prstTxWarp>
+            <a:spAutoFit/>
+          </a:bodyPr>
+          <a:lstStyle/>
+          <a:p>
+            <a:pPr algn="ctr"/>
+            <a:r>
+              <a:rPr lang="pt-PT" dirty="0"/>
+              <a:t>(inserir descrição)</a:t>
             </a:r>
           </a:p>
         </p:txBody>
@@ -4628,6 +5386,692 @@
 </file>
 
 <file path=ppt/slides/slide11.xml><?xml version="1.0" encoding="utf-8"?>
+<p:sld xmlns:a="http://schemas.openxmlformats.org/drawingml/2006/main" xmlns:r="http://schemas.openxmlformats.org/officeDocument/2006/relationships" xmlns:p="http://schemas.openxmlformats.org/presentationml/2006/main">
+  <p:cSld>
+    <p:spTree>
+      <p:nvGrpSpPr>
+        <p:cNvPr id="1" name="">
+          <a:extLst>
+            <a:ext uri="{FF2B5EF4-FFF2-40B4-BE49-F238E27FC236}">
+              <a16:creationId xmlns:a16="http://schemas.microsoft.com/office/drawing/2014/main" id="{A8A66313-D448-43D6-7A90-ADA0CD378259}"/>
+            </a:ext>
+          </a:extLst>
+        </p:cNvPr>
+        <p:cNvGrpSpPr/>
+        <p:nvPr/>
+      </p:nvGrpSpPr>
+      <p:grpSpPr>
+        <a:xfrm>
+          <a:off x="0" y="0"/>
+          <a:ext cx="0" cy="0"/>
+          <a:chOff x="0" y="0"/>
+          <a:chExt cx="0" cy="0"/>
+        </a:xfrm>
+      </p:grpSpPr>
+      <p:sp>
+        <p:nvSpPr>
+          <p:cNvPr id="2" name="CaixaDeTexto 1">
+            <a:extLst>
+              <a:ext uri="{FF2B5EF4-FFF2-40B4-BE49-F238E27FC236}">
+                <a16:creationId xmlns:a16="http://schemas.microsoft.com/office/drawing/2014/main" id="{20D4D13F-479B-DBFD-B4A3-275BDEBC54A5}"/>
+              </a:ext>
+            </a:extLst>
+          </p:cNvPr>
+          <p:cNvSpPr txBox="1"/>
+          <p:nvPr/>
+        </p:nvSpPr>
+        <p:spPr>
+          <a:xfrm>
+            <a:off x="0" y="13418"/>
+            <a:ext cx="12170530" cy="1784653"/>
+          </a:xfrm>
+          <a:prstGeom prst="rect">
+            <a:avLst/>
+          </a:prstGeom>
+          <a:noFill/>
+        </p:spPr>
+        <p:txBody>
+          <a:bodyPr rot="0" spcFirstLastPara="0" vertOverflow="overflow" horzOverflow="overflow" vert="horz" wrap="square" lIns="91440" tIns="45720" rIns="91440" bIns="45720" numCol="1" spcCol="0" rtlCol="0" fromWordArt="0" anchor="t" anchorCtr="0" forceAA="0" compatLnSpc="1">
+            <a:prstTxWarp prst="textNoShape">
+              <a:avLst/>
+            </a:prstTxWarp>
+            <a:spAutoFit/>
+          </a:bodyPr>
+          <a:lstStyle/>
+          <a:p>
+            <a:pPr algn="l"/>
+            <a:endParaRPr lang="pt-PT"/>
+          </a:p>
+        </p:txBody>
+      </p:sp>
+      <p:sp>
+        <p:nvSpPr>
+          <p:cNvPr id="4" name="CaixaDeTexto 3">
+            <a:extLst>
+              <a:ext uri="{FF2B5EF4-FFF2-40B4-BE49-F238E27FC236}">
+                <a16:creationId xmlns:a16="http://schemas.microsoft.com/office/drawing/2014/main" id="{C2D8D9E5-6CD3-30EA-D1B6-761A06640A89}"/>
+              </a:ext>
+            </a:extLst>
+          </p:cNvPr>
+          <p:cNvSpPr txBox="1"/>
+          <p:nvPr/>
+        </p:nvSpPr>
+        <p:spPr>
+          <a:xfrm>
+            <a:off x="1392115" y="1143000"/>
+            <a:ext cx="3839307" cy="1055076"/>
+          </a:xfrm>
+          <a:prstGeom prst="rect">
+            <a:avLst/>
+          </a:prstGeom>
+          <a:noFill/>
+        </p:spPr>
+        <p:txBody>
+          <a:bodyPr rot="0" spcFirstLastPara="0" vertOverflow="overflow" horzOverflow="overflow" vert="horz" wrap="square" lIns="91440" tIns="45720" rIns="91440" bIns="45720" numCol="1" spcCol="0" rtlCol="0" fromWordArt="0" anchor="t" anchorCtr="0" forceAA="0" compatLnSpc="1">
+            <a:prstTxWarp prst="textNoShape">
+              <a:avLst/>
+            </a:prstTxWarp>
+            <a:spAutoFit/>
+          </a:bodyPr>
+          <a:lstStyle/>
+          <a:p>
+            <a:pPr algn="l"/>
+            <a:endParaRPr lang="pt-PT"/>
+          </a:p>
+        </p:txBody>
+      </p:sp>
+      <p:sp>
+        <p:nvSpPr>
+          <p:cNvPr id="6" name="CaixaDeTexto 5">
+            <a:extLst>
+              <a:ext uri="{FF2B5EF4-FFF2-40B4-BE49-F238E27FC236}">
+                <a16:creationId xmlns:a16="http://schemas.microsoft.com/office/drawing/2014/main" id="{EFC61B64-9374-0B49-1B13-1449CFB27613}"/>
+              </a:ext>
+            </a:extLst>
+          </p:cNvPr>
+          <p:cNvSpPr txBox="1"/>
+          <p:nvPr/>
+        </p:nvSpPr>
+        <p:spPr>
+          <a:xfrm>
+            <a:off x="-5861" y="14653"/>
+            <a:ext cx="12171483" cy="1107996"/>
+          </a:xfrm>
+          <a:prstGeom prst="rect">
+            <a:avLst/>
+          </a:prstGeom>
+        </p:spPr>
+        <p:style>
+          <a:lnRef idx="2">
+            <a:schemeClr val="dk1"/>
+          </a:lnRef>
+          <a:fillRef idx="1">
+            <a:schemeClr val="lt1"/>
+          </a:fillRef>
+          <a:effectRef idx="0">
+            <a:schemeClr val="dk1"/>
+          </a:effectRef>
+          <a:fontRef idx="minor">
+            <a:schemeClr val="dk1"/>
+          </a:fontRef>
+        </p:style>
+        <p:txBody>
+          <a:bodyPr rot="0" spcFirstLastPara="0" vertOverflow="overflow" horzOverflow="overflow" vert="horz" wrap="square" lIns="91440" tIns="45720" rIns="91440" bIns="45720" numCol="1" spcCol="0" rtlCol="0" fromWordArt="0" anchor="t" anchorCtr="0" forceAA="0" compatLnSpc="1">
+            <a:prstTxWarp prst="textNoShape">
+              <a:avLst/>
+            </a:prstTxWarp>
+            <a:spAutoFit/>
+          </a:bodyPr>
+          <a:lstStyle/>
+          <a:p>
+            <a:endParaRPr lang="pt-PT" sz="2400" dirty="0"/>
+          </a:p>
+          <a:p>
+            <a:r>
+              <a:rPr lang="pt-PT" sz="2400" dirty="0"/>
+              <a:t>      LOGO      BARRA DE PESQUISA      PERFIL</a:t>
+            </a:r>
+            <a:endParaRPr lang="pt-PT" dirty="0"/>
+          </a:p>
+          <a:p>
+            <a:endParaRPr lang="pt-PT" dirty="0"/>
+          </a:p>
+        </p:txBody>
+      </p:sp>
+      <p:sp>
+        <p:nvSpPr>
+          <p:cNvPr id="7" name="CaixaDeTexto 6">
+            <a:extLst>
+              <a:ext uri="{FF2B5EF4-FFF2-40B4-BE49-F238E27FC236}">
+                <a16:creationId xmlns:a16="http://schemas.microsoft.com/office/drawing/2014/main" id="{A8332AB7-53F4-B921-4176-825E0F583246}"/>
+              </a:ext>
+            </a:extLst>
+          </p:cNvPr>
+          <p:cNvSpPr txBox="1"/>
+          <p:nvPr/>
+        </p:nvSpPr>
+        <p:spPr>
+          <a:xfrm>
+            <a:off x="717619" y="2292698"/>
+            <a:ext cx="5275384" cy="369332"/>
+          </a:xfrm>
+          <a:prstGeom prst="rect">
+            <a:avLst/>
+          </a:prstGeom>
+          <a:noFill/>
+        </p:spPr>
+        <p:txBody>
+          <a:bodyPr rot="0" spcFirstLastPara="0" vertOverflow="overflow" horzOverflow="overflow" vert="horz" wrap="square" lIns="91440" tIns="45720" rIns="91440" bIns="45720" numCol="1" spcCol="0" rtlCol="0" fromWordArt="0" anchor="t" anchorCtr="0" forceAA="0" compatLnSpc="1">
+            <a:prstTxWarp prst="textNoShape">
+              <a:avLst/>
+            </a:prstTxWarp>
+            <a:spAutoFit/>
+          </a:bodyPr>
+          <a:lstStyle/>
+          <a:p>
+            <a:r>
+              <a:rPr lang="pt-PT" dirty="0"/>
+              <a:t>Editar coleção X: </a:t>
+            </a:r>
+          </a:p>
+        </p:txBody>
+      </p:sp>
+      <p:sp>
+        <p:nvSpPr>
+          <p:cNvPr id="11" name="CaixaDeTexto 10">
+            <a:extLst>
+              <a:ext uri="{FF2B5EF4-FFF2-40B4-BE49-F238E27FC236}">
+                <a16:creationId xmlns:a16="http://schemas.microsoft.com/office/drawing/2014/main" id="{184F7154-4ADA-7BCC-6360-E3CF3B53AD61}"/>
+              </a:ext>
+            </a:extLst>
+          </p:cNvPr>
+          <p:cNvSpPr txBox="1"/>
+          <p:nvPr/>
+        </p:nvSpPr>
+        <p:spPr>
+          <a:xfrm>
+            <a:off x="2094" y="1547445"/>
+            <a:ext cx="12177764" cy="461665"/>
+          </a:xfrm>
+          <a:prstGeom prst="rect">
+            <a:avLst/>
+          </a:prstGeom>
+        </p:spPr>
+        <p:style>
+          <a:lnRef idx="2">
+            <a:schemeClr val="dk1"/>
+          </a:lnRef>
+          <a:fillRef idx="1">
+            <a:schemeClr val="lt1"/>
+          </a:fillRef>
+          <a:effectRef idx="0">
+            <a:schemeClr val="dk1"/>
+          </a:effectRef>
+          <a:fontRef idx="minor">
+            <a:schemeClr val="dk1"/>
+          </a:fontRef>
+        </p:style>
+        <p:txBody>
+          <a:bodyPr rot="0" spcFirstLastPara="0" vertOverflow="overflow" horzOverflow="overflow" vert="horz" wrap="square" lIns="91440" tIns="45720" rIns="91440" bIns="45720" numCol="1" spcCol="0" rtlCol="0" fromWordArt="0" anchor="t" anchorCtr="0" forceAA="0" compatLnSpc="1">
+            <a:prstTxWarp prst="textNoShape">
+              <a:avLst/>
+            </a:prstTxWarp>
+            <a:spAutoFit/>
+          </a:bodyPr>
+          <a:lstStyle/>
+          <a:p>
+            <a:pPr algn="ctr"/>
+            <a:r>
+              <a:rPr lang="pt-PT" sz="2400" dirty="0"/>
+              <a:t>Cartas   Veículos   Livros   Bonecos Miniatura   Militares  Eventos</a:t>
+            </a:r>
+          </a:p>
+        </p:txBody>
+      </p:sp>
+      <p:sp>
+        <p:nvSpPr>
+          <p:cNvPr id="5" name="CaixaDeTexto 4">
+            <a:extLst>
+              <a:ext uri="{FF2B5EF4-FFF2-40B4-BE49-F238E27FC236}">
+                <a16:creationId xmlns:a16="http://schemas.microsoft.com/office/drawing/2014/main" id="{A75D30BB-02F4-40AE-367E-1E80B6E10D06}"/>
+              </a:ext>
+            </a:extLst>
+          </p:cNvPr>
+          <p:cNvSpPr txBox="1"/>
+          <p:nvPr/>
+        </p:nvSpPr>
+        <p:spPr>
+          <a:xfrm>
+            <a:off x="-3769" y="6490817"/>
+            <a:ext cx="12181115" cy="369332"/>
+          </a:xfrm>
+          <a:prstGeom prst="rect">
+            <a:avLst/>
+          </a:prstGeom>
+        </p:spPr>
+        <p:style>
+          <a:lnRef idx="2">
+            <a:schemeClr val="dk1"/>
+          </a:lnRef>
+          <a:fillRef idx="1">
+            <a:schemeClr val="lt1"/>
+          </a:fillRef>
+          <a:effectRef idx="0">
+            <a:schemeClr val="dk1"/>
+          </a:effectRef>
+          <a:fontRef idx="minor">
+            <a:schemeClr val="dk1"/>
+          </a:fontRef>
+        </p:style>
+        <p:txBody>
+          <a:bodyPr rot="0" spcFirstLastPara="0" vertOverflow="overflow" horzOverflow="overflow" vert="horz" wrap="square" lIns="91440" tIns="45720" rIns="91440" bIns="45720" numCol="1" spcCol="0" rtlCol="0" fromWordArt="0" anchor="t" anchorCtr="0" forceAA="0" compatLnSpc="1">
+            <a:prstTxWarp prst="textNoShape">
+              <a:avLst/>
+            </a:prstTxWarp>
+            <a:spAutoFit/>
+          </a:bodyPr>
+          <a:lstStyle/>
+          <a:p>
+            <a:pPr algn="ctr"/>
+            <a:r>
+              <a:rPr lang="pt-PT" dirty="0"/>
+              <a:t>Desenvolvedores</a:t>
+            </a:r>
+          </a:p>
+        </p:txBody>
+      </p:sp>
+      <p:sp>
+        <p:nvSpPr>
+          <p:cNvPr id="8" name="CaixaDeTexto 7">
+            <a:extLst>
+              <a:ext uri="{FF2B5EF4-FFF2-40B4-BE49-F238E27FC236}">
+                <a16:creationId xmlns:a16="http://schemas.microsoft.com/office/drawing/2014/main" id="{957F79F8-0F79-1357-8239-CD49E4D38EAB}"/>
+              </a:ext>
+            </a:extLst>
+          </p:cNvPr>
+          <p:cNvSpPr txBox="1"/>
+          <p:nvPr/>
+        </p:nvSpPr>
+        <p:spPr>
+          <a:xfrm>
+            <a:off x="925872" y="3059405"/>
+            <a:ext cx="4025533" cy="2031325"/>
+          </a:xfrm>
+          <a:prstGeom prst="rect">
+            <a:avLst/>
+          </a:prstGeom>
+          <a:noFill/>
+        </p:spPr>
+        <p:txBody>
+          <a:bodyPr rot="0" spcFirstLastPara="0" vertOverflow="overflow" horzOverflow="overflow" vert="horz" wrap="square" lIns="91440" tIns="45720" rIns="91440" bIns="45720" numCol="1" spcCol="0" rtlCol="0" fromWordArt="0" anchor="t" anchorCtr="0" forceAA="0" compatLnSpc="1">
+            <a:prstTxWarp prst="textNoShape">
+              <a:avLst/>
+            </a:prstTxWarp>
+            <a:spAutoFit/>
+          </a:bodyPr>
+          <a:lstStyle/>
+          <a:p>
+            <a:r>
+              <a:rPr lang="pt-PT" dirty="0"/>
+              <a:t>Nome: </a:t>
+            </a:r>
+          </a:p>
+          <a:p>
+            <a:pPr algn="l"/>
+            <a:endParaRPr lang="pt-PT" dirty="0"/>
+          </a:p>
+          <a:p>
+            <a:r>
+              <a:rPr lang="pt-PT" dirty="0"/>
+              <a:t>Data de criação:</a:t>
+            </a:r>
+          </a:p>
+          <a:p>
+            <a:endParaRPr lang="pt-PT" dirty="0"/>
+          </a:p>
+          <a:p>
+            <a:r>
+              <a:rPr lang="pt-PT" dirty="0"/>
+              <a:t>Tipo:</a:t>
+            </a:r>
+          </a:p>
+          <a:p>
+            <a:endParaRPr lang="pt-PT" dirty="0"/>
+          </a:p>
+          <a:p>
+            <a:r>
+              <a:rPr lang="pt-PT" dirty="0"/>
+              <a:t>Descrição:</a:t>
+            </a:r>
+          </a:p>
+        </p:txBody>
+      </p:sp>
+      <p:sp>
+        <p:nvSpPr>
+          <p:cNvPr id="10" name="CaixaDeTexto 9">
+            <a:extLst>
+              <a:ext uri="{FF2B5EF4-FFF2-40B4-BE49-F238E27FC236}">
+                <a16:creationId xmlns:a16="http://schemas.microsoft.com/office/drawing/2014/main" id="{6454F020-64A0-13FA-E2A5-AD44996629CD}"/>
+              </a:ext>
+            </a:extLst>
+          </p:cNvPr>
+          <p:cNvSpPr txBox="1"/>
+          <p:nvPr/>
+        </p:nvSpPr>
+        <p:spPr>
+          <a:xfrm>
+            <a:off x="7860240" y="5509932"/>
+            <a:ext cx="3537857" cy="369332"/>
+          </a:xfrm>
+          <a:prstGeom prst="rect">
+            <a:avLst/>
+          </a:prstGeom>
+        </p:spPr>
+        <p:style>
+          <a:lnRef idx="2">
+            <a:schemeClr val="dk1"/>
+          </a:lnRef>
+          <a:fillRef idx="1">
+            <a:schemeClr val="lt1"/>
+          </a:fillRef>
+          <a:effectRef idx="0">
+            <a:schemeClr val="dk1"/>
+          </a:effectRef>
+          <a:fontRef idx="minor">
+            <a:schemeClr val="dk1"/>
+          </a:fontRef>
+        </p:style>
+        <p:txBody>
+          <a:bodyPr rot="0" spcFirstLastPara="0" vertOverflow="overflow" horzOverflow="overflow" vert="horz" wrap="square" lIns="91440" tIns="45720" rIns="91440" bIns="45720" numCol="1" spcCol="0" rtlCol="0" fromWordArt="0" anchor="t" anchorCtr="0" forceAA="0" compatLnSpc="1">
+            <a:prstTxWarp prst="textNoShape">
+              <a:avLst/>
+            </a:prstTxWarp>
+            <a:spAutoFit/>
+          </a:bodyPr>
+          <a:lstStyle/>
+          <a:p>
+            <a:pPr algn="ctr"/>
+            <a:r>
+              <a:rPr lang="pt-PT" dirty="0"/>
+              <a:t>Desfazer alterações e voltar atrás</a:t>
+            </a:r>
+          </a:p>
+        </p:txBody>
+      </p:sp>
+      <p:sp>
+        <p:nvSpPr>
+          <p:cNvPr id="12" name="CaixaDeTexto 11">
+            <a:extLst>
+              <a:ext uri="{FF2B5EF4-FFF2-40B4-BE49-F238E27FC236}">
+                <a16:creationId xmlns:a16="http://schemas.microsoft.com/office/drawing/2014/main" id="{1FCB11CA-E5E0-66F6-E9F8-E9371F68B9CF}"/>
+              </a:ext>
+            </a:extLst>
+          </p:cNvPr>
+          <p:cNvSpPr txBox="1"/>
+          <p:nvPr/>
+        </p:nvSpPr>
+        <p:spPr>
+          <a:xfrm>
+            <a:off x="4333268" y="5509932"/>
+            <a:ext cx="2743200" cy="365760"/>
+          </a:xfrm>
+          <a:prstGeom prst="rect">
+            <a:avLst/>
+          </a:prstGeom>
+        </p:spPr>
+        <p:style>
+          <a:lnRef idx="2">
+            <a:schemeClr val="dk1"/>
+          </a:lnRef>
+          <a:fillRef idx="1">
+            <a:schemeClr val="lt1"/>
+          </a:fillRef>
+          <a:effectRef idx="0">
+            <a:schemeClr val="dk1"/>
+          </a:effectRef>
+          <a:fontRef idx="minor">
+            <a:schemeClr val="dk1"/>
+          </a:fontRef>
+        </p:style>
+        <p:txBody>
+          <a:bodyPr rot="0" spcFirstLastPara="0" vertOverflow="overflow" horzOverflow="overflow" vert="horz" wrap="square" lIns="91440" tIns="45720" rIns="91440" bIns="45720" numCol="1" spcCol="0" rtlCol="0" fromWordArt="0" anchor="t" anchorCtr="0" forceAA="0" compatLnSpc="1">
+            <a:prstTxWarp prst="textNoShape">
+              <a:avLst/>
+            </a:prstTxWarp>
+            <a:spAutoFit/>
+          </a:bodyPr>
+          <a:lstStyle/>
+          <a:p>
+            <a:pPr algn="ctr"/>
+            <a:r>
+              <a:rPr lang="pt-PT" dirty="0"/>
+              <a:t>Confirmar</a:t>
+            </a:r>
+          </a:p>
+        </p:txBody>
+      </p:sp>
+      <p:sp>
+        <p:nvSpPr>
+          <p:cNvPr id="13" name="CaixaDeTexto 12">
+            <a:extLst>
+              <a:ext uri="{FF2B5EF4-FFF2-40B4-BE49-F238E27FC236}">
+                <a16:creationId xmlns:a16="http://schemas.microsoft.com/office/drawing/2014/main" id="{1A9B639A-2C8C-EB9E-5434-5B1646C967E6}"/>
+              </a:ext>
+            </a:extLst>
+          </p:cNvPr>
+          <p:cNvSpPr txBox="1"/>
+          <p:nvPr/>
+        </p:nvSpPr>
+        <p:spPr>
+          <a:xfrm>
+            <a:off x="3288239" y="3060646"/>
+            <a:ext cx="2743200" cy="365760"/>
+          </a:xfrm>
+          <a:prstGeom prst="rect">
+            <a:avLst/>
+          </a:prstGeom>
+        </p:spPr>
+        <p:style>
+          <a:lnRef idx="2">
+            <a:schemeClr val="dk1"/>
+          </a:lnRef>
+          <a:fillRef idx="1">
+            <a:schemeClr val="lt1"/>
+          </a:fillRef>
+          <a:effectRef idx="0">
+            <a:schemeClr val="dk1"/>
+          </a:effectRef>
+          <a:fontRef idx="minor">
+            <a:schemeClr val="dk1"/>
+          </a:fontRef>
+        </p:style>
+        <p:txBody>
+          <a:bodyPr rot="0" spcFirstLastPara="0" vertOverflow="overflow" horzOverflow="overflow" vert="horz" wrap="square" lIns="91440" tIns="45720" rIns="91440" bIns="45720" numCol="1" spcCol="0" rtlCol="0" fromWordArt="0" anchor="t" anchorCtr="0" forceAA="0" compatLnSpc="1">
+            <a:prstTxWarp prst="textNoShape">
+              <a:avLst/>
+            </a:prstTxWarp>
+            <a:spAutoFit/>
+          </a:bodyPr>
+          <a:lstStyle/>
+          <a:p>
+            <a:pPr algn="ctr"/>
+            <a:r>
+              <a:rPr lang="pt-PT" dirty="0"/>
+              <a:t>(inserir novo nome)</a:t>
+            </a:r>
+          </a:p>
+        </p:txBody>
+      </p:sp>
+      <p:sp>
+        <p:nvSpPr>
+          <p:cNvPr id="14" name="CaixaDeTexto 13">
+            <a:extLst>
+              <a:ext uri="{FF2B5EF4-FFF2-40B4-BE49-F238E27FC236}">
+                <a16:creationId xmlns:a16="http://schemas.microsoft.com/office/drawing/2014/main" id="{BF445F52-9A53-FBA0-5281-0FD346887DDC}"/>
+              </a:ext>
+            </a:extLst>
+          </p:cNvPr>
+          <p:cNvSpPr txBox="1"/>
+          <p:nvPr/>
+        </p:nvSpPr>
+        <p:spPr>
+          <a:xfrm>
+            <a:off x="3288239" y="3615817"/>
+            <a:ext cx="2743200" cy="365760"/>
+          </a:xfrm>
+          <a:prstGeom prst="rect">
+            <a:avLst/>
+          </a:prstGeom>
+        </p:spPr>
+        <p:style>
+          <a:lnRef idx="2">
+            <a:schemeClr val="dk1"/>
+          </a:lnRef>
+          <a:fillRef idx="1">
+            <a:schemeClr val="lt1"/>
+          </a:fillRef>
+          <a:effectRef idx="0">
+            <a:schemeClr val="dk1"/>
+          </a:effectRef>
+          <a:fontRef idx="minor">
+            <a:schemeClr val="dk1"/>
+          </a:fontRef>
+        </p:style>
+        <p:txBody>
+          <a:bodyPr rot="0" spcFirstLastPara="0" vertOverflow="overflow" horzOverflow="overflow" vert="horz" wrap="square" lIns="91440" tIns="45720" rIns="91440" bIns="45720" numCol="1" spcCol="0" rtlCol="0" fromWordArt="0" anchor="t" anchorCtr="0" forceAA="0" compatLnSpc="1">
+            <a:prstTxWarp prst="textNoShape">
+              <a:avLst/>
+            </a:prstTxWarp>
+            <a:spAutoFit/>
+          </a:bodyPr>
+          <a:lstStyle/>
+          <a:p>
+            <a:pPr algn="ctr"/>
+            <a:r>
+              <a:rPr lang="pt-PT" dirty="0"/>
+              <a:t>(inserir nova data)</a:t>
+            </a:r>
+          </a:p>
+        </p:txBody>
+      </p:sp>
+      <p:sp>
+        <p:nvSpPr>
+          <p:cNvPr id="15" name="CaixaDeTexto 14">
+            <a:extLst>
+              <a:ext uri="{FF2B5EF4-FFF2-40B4-BE49-F238E27FC236}">
+                <a16:creationId xmlns:a16="http://schemas.microsoft.com/office/drawing/2014/main" id="{D3AE6F4F-FF51-694E-F201-0D2578235C95}"/>
+              </a:ext>
+            </a:extLst>
+          </p:cNvPr>
+          <p:cNvSpPr txBox="1"/>
+          <p:nvPr/>
+        </p:nvSpPr>
+        <p:spPr>
+          <a:xfrm>
+            <a:off x="3288239" y="4192760"/>
+            <a:ext cx="2743200" cy="365760"/>
+          </a:xfrm>
+          <a:prstGeom prst="rect">
+            <a:avLst/>
+          </a:prstGeom>
+        </p:spPr>
+        <p:style>
+          <a:lnRef idx="2">
+            <a:schemeClr val="dk1"/>
+          </a:lnRef>
+          <a:fillRef idx="1">
+            <a:schemeClr val="lt1"/>
+          </a:fillRef>
+          <a:effectRef idx="0">
+            <a:schemeClr val="dk1"/>
+          </a:effectRef>
+          <a:fontRef idx="minor">
+            <a:schemeClr val="dk1"/>
+          </a:fontRef>
+        </p:style>
+        <p:txBody>
+          <a:bodyPr rot="0" spcFirstLastPara="0" vertOverflow="overflow" horzOverflow="overflow" vert="horz" wrap="square" lIns="91440" tIns="45720" rIns="91440" bIns="45720" numCol="1" spcCol="0" rtlCol="0" fromWordArt="0" anchor="t" anchorCtr="0" forceAA="0" compatLnSpc="1">
+            <a:prstTxWarp prst="textNoShape">
+              <a:avLst/>
+            </a:prstTxWarp>
+            <a:spAutoFit/>
+          </a:bodyPr>
+          <a:lstStyle/>
+          <a:p>
+            <a:pPr algn="ctr"/>
+            <a:r>
+              <a:rPr lang="pt-PT" dirty="0"/>
+              <a:t>(inserir novo tipo)</a:t>
+            </a:r>
+          </a:p>
+        </p:txBody>
+      </p:sp>
+      <p:sp>
+        <p:nvSpPr>
+          <p:cNvPr id="9" name="CaixaDeTexto 8">
+            <a:extLst>
+              <a:ext uri="{FF2B5EF4-FFF2-40B4-BE49-F238E27FC236}">
+                <a16:creationId xmlns:a16="http://schemas.microsoft.com/office/drawing/2014/main" id="{84D0A0F1-14F1-8AAD-1A5C-4159E1E1CB2F}"/>
+              </a:ext>
+            </a:extLst>
+          </p:cNvPr>
+          <p:cNvSpPr txBox="1"/>
+          <p:nvPr/>
+        </p:nvSpPr>
+        <p:spPr>
+          <a:xfrm>
+            <a:off x="3288239" y="4718647"/>
+            <a:ext cx="2743200" cy="365760"/>
+          </a:xfrm>
+          <a:prstGeom prst="rect">
+            <a:avLst/>
+          </a:prstGeom>
+        </p:spPr>
+        <p:style>
+          <a:lnRef idx="2">
+            <a:schemeClr val="dk1"/>
+          </a:lnRef>
+          <a:fillRef idx="1">
+            <a:schemeClr val="lt1"/>
+          </a:fillRef>
+          <a:effectRef idx="0">
+            <a:schemeClr val="dk1"/>
+          </a:effectRef>
+          <a:fontRef idx="minor">
+            <a:schemeClr val="dk1"/>
+          </a:fontRef>
+        </p:style>
+        <p:txBody>
+          <a:bodyPr rot="0" spcFirstLastPara="0" vertOverflow="overflow" horzOverflow="overflow" vert="horz" wrap="square" lIns="91440" tIns="45720" rIns="91440" bIns="45720" numCol="1" spcCol="0" rtlCol="0" fromWordArt="0" anchor="t" anchorCtr="0" forceAA="0" compatLnSpc="1">
+            <a:prstTxWarp prst="textNoShape">
+              <a:avLst/>
+            </a:prstTxWarp>
+            <a:spAutoFit/>
+          </a:bodyPr>
+          <a:lstStyle/>
+          <a:p>
+            <a:pPr algn="ctr"/>
+            <a:r>
+              <a:rPr lang="pt-PT" dirty="0"/>
+              <a:t>(inserir descrição)</a:t>
+            </a:r>
+          </a:p>
+        </p:txBody>
+      </p:sp>
+    </p:spTree>
+    <p:extLst>
+      <p:ext uri="{BB962C8B-B14F-4D97-AF65-F5344CB8AC3E}">
+        <p14:creationId xmlns:p14="http://schemas.microsoft.com/office/powerpoint/2010/main" val="2448092448"/>
+      </p:ext>
+    </p:extLst>
+  </p:cSld>
+  <p:clrMapOvr>
+    <a:masterClrMapping/>
+  </p:clrMapOvr>
+</p:sld>
+</file>
+
+<file path=ppt/slides/slide12.xml><?xml version="1.0" encoding="utf-8"?>
 <p:sld xmlns:a="http://schemas.openxmlformats.org/drawingml/2006/main" xmlns:r="http://schemas.openxmlformats.org/officeDocument/2006/relationships" xmlns:p="http://schemas.openxmlformats.org/presentationml/2006/main">
   <p:cSld>
     <p:spTree>
@@ -4794,7 +6238,7 @@
         </p:nvSpPr>
         <p:spPr>
           <a:xfrm>
-            <a:off x="717619" y="2292698"/>
+            <a:off x="417112" y="2206839"/>
             <a:ext cx="5275384" cy="369332"/>
           </a:xfrm>
           <a:prstGeom prst="rect">
@@ -4924,19 +6368,111 @@
       </p:sp>
       <p:sp>
         <p:nvSpPr>
-          <p:cNvPr id="3" name="CaixaDeTexto 2">
-            <a:extLst>
-              <a:ext uri="{FF2B5EF4-FFF2-40B4-BE49-F238E27FC236}">
-                <a16:creationId xmlns:a16="http://schemas.microsoft.com/office/drawing/2014/main" id="{C14AFFFA-E3DE-363F-2BA5-1167672383E6}"/>
-              </a:ext>
-            </a:extLst>
-          </p:cNvPr>
-          <p:cNvSpPr txBox="1"/>
-          <p:nvPr/>
-        </p:nvSpPr>
-        <p:spPr>
-          <a:xfrm>
-            <a:off x="8654897" y="2777618"/>
+          <p:cNvPr id="10" name="CaixaDeTexto 9">
+            <a:extLst>
+              <a:ext uri="{FF2B5EF4-FFF2-40B4-BE49-F238E27FC236}">
+                <a16:creationId xmlns:a16="http://schemas.microsoft.com/office/drawing/2014/main" id="{98F98801-492E-0C15-4B31-A1A6A2D7A4B8}"/>
+              </a:ext>
+            </a:extLst>
+          </p:cNvPr>
+          <p:cNvSpPr txBox="1"/>
+          <p:nvPr/>
+        </p:nvSpPr>
+        <p:spPr>
+          <a:xfrm>
+            <a:off x="1033196" y="2576447"/>
+            <a:ext cx="4025533" cy="3693319"/>
+          </a:xfrm>
+          <a:prstGeom prst="rect">
+            <a:avLst/>
+          </a:prstGeom>
+          <a:noFill/>
+        </p:spPr>
+        <p:txBody>
+          <a:bodyPr rot="0" spcFirstLastPara="0" vertOverflow="overflow" horzOverflow="overflow" vert="horz" wrap="square" lIns="91440" tIns="45720" rIns="91440" bIns="45720" numCol="1" spcCol="0" rtlCol="0" fromWordArt="0" anchor="t" anchorCtr="0" forceAA="0" compatLnSpc="1">
+            <a:prstTxWarp prst="textNoShape">
+              <a:avLst/>
+            </a:prstTxWarp>
+            <a:spAutoFit/>
+          </a:bodyPr>
+          <a:lstStyle/>
+          <a:p>
+            <a:r>
+              <a:rPr lang="pt-PT" dirty="0"/>
+              <a:t>Coleção:</a:t>
+            </a:r>
+          </a:p>
+          <a:p>
+            <a:endParaRPr lang="pt-PT" dirty="0"/>
+          </a:p>
+          <a:p>
+            <a:r>
+              <a:rPr lang="pt-PT" dirty="0"/>
+              <a:t>Nome: </a:t>
+            </a:r>
+          </a:p>
+          <a:p>
+            <a:endParaRPr lang="pt-PT" dirty="0"/>
+          </a:p>
+          <a:p>
+            <a:r>
+              <a:rPr lang="pt-PT" dirty="0"/>
+              <a:t>Data em que foi adquirido:</a:t>
+            </a:r>
+          </a:p>
+          <a:p>
+            <a:endParaRPr lang="pt-PT" dirty="0"/>
+          </a:p>
+          <a:p>
+            <a:r>
+              <a:rPr lang="pt-PT" dirty="0"/>
+              <a:t>Importância:</a:t>
+            </a:r>
+          </a:p>
+          <a:p>
+            <a:endParaRPr lang="pt-PT" dirty="0"/>
+          </a:p>
+          <a:p>
+            <a:r>
+              <a:rPr lang="pt-PT" dirty="0"/>
+              <a:t>Peso:</a:t>
+            </a:r>
+          </a:p>
+          <a:p>
+            <a:endParaRPr lang="pt-PT" dirty="0"/>
+          </a:p>
+          <a:p>
+            <a:r>
+              <a:rPr lang="pt-PT" dirty="0"/>
+              <a:t>Preço:</a:t>
+            </a:r>
+          </a:p>
+          <a:p>
+            <a:endParaRPr lang="pt-PT" dirty="0"/>
+          </a:p>
+          <a:p>
+            <a:r>
+              <a:rPr lang="pt-PT" dirty="0"/>
+              <a:t>Imagem:</a:t>
+            </a:r>
+          </a:p>
+        </p:txBody>
+      </p:sp>
+      <p:sp>
+        <p:nvSpPr>
+          <p:cNvPr id="13" name="CaixaDeTexto 12">
+            <a:extLst>
+              <a:ext uri="{FF2B5EF4-FFF2-40B4-BE49-F238E27FC236}">
+                <a16:creationId xmlns:a16="http://schemas.microsoft.com/office/drawing/2014/main" id="{67E2C112-A904-FF96-77C6-3F3D35DA4496}"/>
+              </a:ext>
+            </a:extLst>
+          </p:cNvPr>
+          <p:cNvSpPr txBox="1"/>
+          <p:nvPr/>
+        </p:nvSpPr>
+        <p:spPr>
+          <a:xfrm>
+            <a:off x="8654897" y="5651447"/>
             <a:ext cx="2743200" cy="365760"/>
           </a:xfrm>
           <a:prstGeom prst="rect">
@@ -4969,153 +6505,26 @@
             <a:pPr algn="ctr"/>
             <a:r>
               <a:rPr lang="pt-PT" dirty="0"/>
-              <a:t>Minhas coleções</a:t>
-            </a:r>
-          </a:p>
-        </p:txBody>
-      </p:sp>
-      <p:sp>
-        <p:nvSpPr>
-          <p:cNvPr id="9" name="CaixaDeTexto 8">
-            <a:extLst>
-              <a:ext uri="{FF2B5EF4-FFF2-40B4-BE49-F238E27FC236}">
-                <a16:creationId xmlns:a16="http://schemas.microsoft.com/office/drawing/2014/main" id="{27D3A1EA-72F1-0921-7321-9B286C2457EF}"/>
-              </a:ext>
-            </a:extLst>
-          </p:cNvPr>
-          <p:cNvSpPr txBox="1"/>
-          <p:nvPr/>
-        </p:nvSpPr>
-        <p:spPr>
-          <a:xfrm>
-            <a:off x="8659963" y="3429083"/>
-            <a:ext cx="2743200" cy="365760"/>
-          </a:xfrm>
-          <a:prstGeom prst="rect">
-            <a:avLst/>
-          </a:prstGeom>
-        </p:spPr>
-        <p:style>
-          <a:lnRef idx="2">
-            <a:schemeClr val="dk1"/>
-          </a:lnRef>
-          <a:fillRef idx="1">
-            <a:schemeClr val="lt1"/>
-          </a:fillRef>
-          <a:effectRef idx="0">
-            <a:schemeClr val="dk1"/>
-          </a:effectRef>
-          <a:fontRef idx="minor">
-            <a:schemeClr val="dk1"/>
-          </a:fontRef>
-        </p:style>
-        <p:txBody>
-          <a:bodyPr rot="0" spcFirstLastPara="0" vertOverflow="overflow" horzOverflow="overflow" vert="horz" wrap="square" lIns="91440" tIns="45720" rIns="91440" bIns="45720" numCol="1" spcCol="0" rtlCol="0" fromWordArt="0" anchor="t" anchorCtr="0" forceAA="0" compatLnSpc="1">
-            <a:prstTxWarp prst="textNoShape">
-              <a:avLst/>
-            </a:prstTxWarp>
-            <a:spAutoFit/>
-          </a:bodyPr>
-          <a:lstStyle/>
-          <a:p>
-            <a:pPr algn="ctr"/>
-            <a:r>
-              <a:rPr lang="pt-PT" dirty="0"/>
-              <a:t>Adicionar coleção</a:t>
-            </a:r>
-          </a:p>
-        </p:txBody>
-      </p:sp>
-      <p:sp>
-        <p:nvSpPr>
-          <p:cNvPr id="10" name="CaixaDeTexto 9">
-            <a:extLst>
-              <a:ext uri="{FF2B5EF4-FFF2-40B4-BE49-F238E27FC236}">
-                <a16:creationId xmlns:a16="http://schemas.microsoft.com/office/drawing/2014/main" id="{98F98801-492E-0C15-4B31-A1A6A2D7A4B8}"/>
-              </a:ext>
-            </a:extLst>
-          </p:cNvPr>
-          <p:cNvSpPr txBox="1"/>
-          <p:nvPr/>
-        </p:nvSpPr>
-        <p:spPr>
-          <a:xfrm>
-            <a:off x="925872" y="3059405"/>
-            <a:ext cx="4025533" cy="2585323"/>
-          </a:xfrm>
-          <a:prstGeom prst="rect">
-            <a:avLst/>
-          </a:prstGeom>
-          <a:noFill/>
-        </p:spPr>
-        <p:txBody>
-          <a:bodyPr rot="0" spcFirstLastPara="0" vertOverflow="overflow" horzOverflow="overflow" vert="horz" wrap="square" lIns="91440" tIns="45720" rIns="91440" bIns="45720" numCol="1" spcCol="0" rtlCol="0" fromWordArt="0" anchor="t" anchorCtr="0" forceAA="0" compatLnSpc="1">
-            <a:prstTxWarp prst="textNoShape">
-              <a:avLst/>
-            </a:prstTxWarp>
-            <a:spAutoFit/>
-          </a:bodyPr>
-          <a:lstStyle/>
-          <a:p>
-            <a:r>
-              <a:rPr lang="pt-PT" dirty="0"/>
-              <a:t>Nome: </a:t>
-            </a:r>
-          </a:p>
-          <a:p>
-            <a:pPr algn="l"/>
-            <a:endParaRPr lang="pt-PT" dirty="0"/>
-          </a:p>
-          <a:p>
-            <a:r>
-              <a:rPr lang="pt-PT" dirty="0"/>
-              <a:t>Data em que foi adquirido:</a:t>
-            </a:r>
-          </a:p>
-          <a:p>
-            <a:endParaRPr lang="pt-PT" dirty="0"/>
-          </a:p>
-          <a:p>
-            <a:r>
-              <a:rPr lang="pt-PT" dirty="0"/>
-              <a:t>Importância:</a:t>
-            </a:r>
-          </a:p>
-          <a:p>
-            <a:endParaRPr lang="pt-PT" dirty="0"/>
-          </a:p>
-          <a:p>
-            <a:r>
-              <a:rPr lang="pt-PT" dirty="0"/>
-              <a:t>Peso:</a:t>
-            </a:r>
-          </a:p>
-          <a:p>
-            <a:endParaRPr lang="pt-PT" dirty="0"/>
-          </a:p>
-          <a:p>
-            <a:r>
-              <a:rPr lang="pt-PT" dirty="0"/>
-              <a:t>Preço:</a:t>
-            </a:r>
-          </a:p>
-        </p:txBody>
-      </p:sp>
-      <p:sp>
-        <p:nvSpPr>
-          <p:cNvPr id="13" name="CaixaDeTexto 12">
-            <a:extLst>
-              <a:ext uri="{FF2B5EF4-FFF2-40B4-BE49-F238E27FC236}">
-                <a16:creationId xmlns:a16="http://schemas.microsoft.com/office/drawing/2014/main" id="{67E2C112-A904-FF96-77C6-3F3D35DA4496}"/>
-              </a:ext>
-            </a:extLst>
-          </p:cNvPr>
-          <p:cNvSpPr txBox="1"/>
-          <p:nvPr/>
-        </p:nvSpPr>
-        <p:spPr>
-          <a:xfrm>
-            <a:off x="8654897" y="5651447"/>
+              <a:t>Eliminar item</a:t>
+            </a:r>
+          </a:p>
+        </p:txBody>
+      </p:sp>
+      <p:sp>
+        <p:nvSpPr>
+          <p:cNvPr id="8" name="CaixaDeTexto 7">
+            <a:extLst>
+              <a:ext uri="{FF2B5EF4-FFF2-40B4-BE49-F238E27FC236}">
+                <a16:creationId xmlns:a16="http://schemas.microsoft.com/office/drawing/2014/main" id="{731BCE33-4966-BAD5-024D-D8F0066193EC}"/>
+              </a:ext>
+            </a:extLst>
+          </p:cNvPr>
+          <p:cNvSpPr txBox="1"/>
+          <p:nvPr/>
+        </p:nvSpPr>
+        <p:spPr>
+          <a:xfrm>
+            <a:off x="8654897" y="5093362"/>
             <a:ext cx="2743200" cy="365760"/>
           </a:xfrm>
           <a:prstGeom prst="rect">
@@ -5166,7 +6575,7 @@
 </p:sld>
 </file>
 
-<file path=ppt/slides/slide12.xml><?xml version="1.0" encoding="utf-8"?>
+<file path=ppt/slides/slide13.xml><?xml version="1.0" encoding="utf-8"?>
 <p:sld xmlns:a="http://schemas.openxmlformats.org/drawingml/2006/main" xmlns:r="http://schemas.openxmlformats.org/officeDocument/2006/relationships" xmlns:p="http://schemas.openxmlformats.org/presentationml/2006/main">
   <p:cSld>
     <p:spTree>
@@ -5333,7 +6742,7 @@
         </p:nvSpPr>
         <p:spPr>
           <a:xfrm>
-            <a:off x="717619" y="2292698"/>
+            <a:off x="417112" y="2045853"/>
             <a:ext cx="5275384" cy="369332"/>
           </a:xfrm>
           <a:prstGeom prst="rect">
@@ -5352,7 +6761,7 @@
           <a:p>
             <a:r>
               <a:rPr lang="pt-PT" dirty="0"/>
-              <a:t>Editar item X: </a:t>
+              <a:t>Adicionar item: </a:t>
             </a:r>
           </a:p>
         </p:txBody>
@@ -5475,8 +6884,8 @@
         </p:nvSpPr>
         <p:spPr>
           <a:xfrm>
-            <a:off x="936758" y="2798148"/>
-            <a:ext cx="4025533" cy="2585323"/>
+            <a:off x="840166" y="2497641"/>
+            <a:ext cx="4025533" cy="3693319"/>
           </a:xfrm>
           <a:prstGeom prst="rect">
             <a:avLst/>
@@ -5491,6 +6900,15 @@
             <a:spAutoFit/>
           </a:bodyPr>
           <a:lstStyle/>
+          <a:p>
+            <a:r>
+              <a:rPr lang="pt-PT" dirty="0"/>
+              <a:t>Coleção:</a:t>
+            </a:r>
+          </a:p>
+          <a:p>
+            <a:endParaRPr lang="pt-PT" dirty="0"/>
+          </a:p>
           <a:p>
             <a:r>
               <a:rPr lang="pt-PT" dirty="0"/>
@@ -5534,6 +6952,15 @@
               <a:t>Preço:</a:t>
             </a:r>
           </a:p>
+          <a:p>
+            <a:endParaRPr lang="pt-PT" dirty="0"/>
+          </a:p>
+          <a:p>
+            <a:r>
+              <a:rPr lang="pt-PT" dirty="0"/>
+              <a:t>Imagem: </a:t>
+            </a:r>
+          </a:p>
         </p:txBody>
       </p:sp>
       <p:sp>
@@ -5550,7 +6977,7 @@
         </p:nvSpPr>
         <p:spPr>
           <a:xfrm>
-            <a:off x="7860240" y="5531703"/>
+            <a:off x="7860240" y="5896605"/>
             <a:ext cx="3537857" cy="369332"/>
           </a:xfrm>
           <a:prstGeom prst="rect">
@@ -5602,7 +7029,7 @@
         </p:nvSpPr>
         <p:spPr>
           <a:xfrm>
-            <a:off x="4333268" y="5531703"/>
+            <a:off x="4333268" y="5896605"/>
             <a:ext cx="2743200" cy="365760"/>
           </a:xfrm>
           <a:prstGeom prst="rect">
@@ -5654,7 +7081,7 @@
         </p:nvSpPr>
         <p:spPr>
           <a:xfrm>
-            <a:off x="4333267" y="2799389"/>
+            <a:off x="4333267" y="2917446"/>
             <a:ext cx="2743200" cy="365760"/>
           </a:xfrm>
           <a:prstGeom prst="rect">
@@ -5687,7 +7114,7 @@
             <a:pPr algn="ctr"/>
             <a:r>
               <a:rPr lang="pt-PT" dirty="0"/>
-              <a:t>(inserir novo nome)</a:t>
+              <a:t>(inserir nome)</a:t>
             </a:r>
           </a:p>
         </p:txBody>
@@ -5706,7 +7133,7 @@
         </p:nvSpPr>
         <p:spPr>
           <a:xfrm>
-            <a:off x="4333267" y="3354560"/>
+            <a:off x="4333267" y="3472617"/>
             <a:ext cx="2743200" cy="365760"/>
           </a:xfrm>
           <a:prstGeom prst="rect">
@@ -5739,7 +7166,7 @@
             <a:pPr algn="ctr"/>
             <a:r>
               <a:rPr lang="pt-PT" dirty="0"/>
-              <a:t>(inserir nova data)</a:t>
+              <a:t>(inserir data)</a:t>
             </a:r>
           </a:p>
         </p:txBody>
@@ -5758,7 +7185,7 @@
         </p:nvSpPr>
         <p:spPr>
           <a:xfrm>
-            <a:off x="4333267" y="3909732"/>
+            <a:off x="4333267" y="4027788"/>
             <a:ext cx="2743200" cy="365760"/>
           </a:xfrm>
           <a:prstGeom prst="rect">
@@ -5791,7 +7218,7 @@
             <a:pPr algn="ctr"/>
             <a:r>
               <a:rPr lang="pt-PT" dirty="0"/>
-              <a:t>(inserir nova importância)</a:t>
+              <a:t>(inserir importância)</a:t>
             </a:r>
           </a:p>
         </p:txBody>
@@ -5810,7 +7237,7 @@
         </p:nvSpPr>
         <p:spPr>
           <a:xfrm>
-            <a:off x="4333267" y="4410475"/>
+            <a:off x="4333267" y="4528532"/>
             <a:ext cx="2743200" cy="365760"/>
           </a:xfrm>
           <a:prstGeom prst="rect">
@@ -5843,7 +7270,7 @@
             <a:pPr algn="ctr"/>
             <a:r>
               <a:rPr lang="pt-PT" dirty="0"/>
-              <a:t>(inserir novo peso)</a:t>
+              <a:t>(inserir peso)</a:t>
             </a:r>
           </a:p>
         </p:txBody>
@@ -5862,7 +7289,7 @@
         </p:nvSpPr>
         <p:spPr>
           <a:xfrm>
-            <a:off x="4333266" y="4878560"/>
+            <a:off x="4333266" y="5050279"/>
             <a:ext cx="2743200" cy="365760"/>
           </a:xfrm>
           <a:prstGeom prst="rect">
@@ -5895,7 +7322,118 @@
             <a:pPr algn="ctr"/>
             <a:r>
               <a:rPr lang="pt-PT" dirty="0"/>
-              <a:t>(inserir novo preço)</a:t>
+              <a:t>(inserir preço)</a:t>
+            </a:r>
+          </a:p>
+        </p:txBody>
+      </p:sp>
+      <p:sp>
+        <p:nvSpPr>
+          <p:cNvPr id="16" name="CaixaDeTexto 15">
+            <a:extLst>
+              <a:ext uri="{FF2B5EF4-FFF2-40B4-BE49-F238E27FC236}">
+                <a16:creationId xmlns:a16="http://schemas.microsoft.com/office/drawing/2014/main" id="{C43C08EC-529A-F8C8-FB6C-BDD3F6C006C2}"/>
+              </a:ext>
+            </a:extLst>
+          </p:cNvPr>
+          <p:cNvSpPr txBox="1"/>
+          <p:nvPr/>
+        </p:nvSpPr>
+        <p:spPr>
+          <a:xfrm>
+            <a:off x="4333267" y="2413023"/>
+            <a:ext cx="2743200" cy="365760"/>
+          </a:xfrm>
+          <a:prstGeom prst="rect">
+            <a:avLst/>
+          </a:prstGeom>
+        </p:spPr>
+        <p:style>
+          <a:lnRef idx="2">
+            <a:schemeClr val="dk1"/>
+          </a:lnRef>
+          <a:fillRef idx="1">
+            <a:schemeClr val="lt1"/>
+          </a:fillRef>
+          <a:effectRef idx="0">
+            <a:schemeClr val="dk1"/>
+          </a:effectRef>
+          <a:fontRef idx="minor">
+            <a:schemeClr val="dk1"/>
+          </a:fontRef>
+        </p:style>
+        <p:txBody>
+          <a:bodyPr rot="0" spcFirstLastPara="0" vertOverflow="overflow" horzOverflow="overflow" vert="horz" wrap="square" lIns="91440" tIns="45720" rIns="91440" bIns="45720" numCol="1" spcCol="0" rtlCol="0" fromWordArt="0" anchor="t" anchorCtr="0" forceAA="0" compatLnSpc="1">
+            <a:prstTxWarp prst="textNoShape">
+              <a:avLst/>
+            </a:prstTxWarp>
+            <a:spAutoFit/>
+          </a:bodyPr>
+          <a:lstStyle/>
+          <a:p>
+            <a:pPr algn="ctr"/>
+            <a:r>
+              <a:rPr lang="pt-PT" dirty="0"/>
+              <a:t>(inserir coleção)</a:t>
+            </a:r>
+          </a:p>
+        </p:txBody>
+      </p:sp>
+      <p:sp>
+        <p:nvSpPr>
+          <p:cNvPr id="17" name="CaixaDeTexto 16">
+            <a:extLst>
+              <a:ext uri="{FF2B5EF4-FFF2-40B4-BE49-F238E27FC236}">
+                <a16:creationId xmlns:a16="http://schemas.microsoft.com/office/drawing/2014/main" id="{75346364-98CE-6AA3-255B-346C4D6CD6A7}"/>
+              </a:ext>
+            </a:extLst>
+          </p:cNvPr>
+          <p:cNvSpPr txBox="1"/>
+          <p:nvPr/>
+        </p:nvSpPr>
+        <p:spPr>
+          <a:xfrm>
+            <a:off x="2186786" y="5565434"/>
+            <a:ext cx="1347990" cy="667795"/>
+          </a:xfrm>
+          <a:prstGeom prst="rect">
+            <a:avLst/>
+          </a:prstGeom>
+        </p:spPr>
+        <p:style>
+          <a:lnRef idx="2">
+            <a:schemeClr val="dk1"/>
+          </a:lnRef>
+          <a:fillRef idx="1">
+            <a:schemeClr val="lt1"/>
+          </a:fillRef>
+          <a:effectRef idx="0">
+            <a:schemeClr val="dk1"/>
+          </a:effectRef>
+          <a:fontRef idx="minor">
+            <a:schemeClr val="dk1"/>
+          </a:fontRef>
+        </p:style>
+        <p:txBody>
+          <a:bodyPr rot="0" spcFirstLastPara="0" vertOverflow="overflow" horzOverflow="overflow" vert="horz" wrap="square" lIns="91440" tIns="45720" rIns="91440" bIns="45720" numCol="1" spcCol="0" rtlCol="0" fromWordArt="0" anchor="t" anchorCtr="0" forceAA="0" compatLnSpc="1">
+            <a:prstTxWarp prst="textNoShape">
+              <a:avLst/>
+            </a:prstTxWarp>
+            <a:spAutoFit/>
+          </a:bodyPr>
+          <a:lstStyle/>
+          <a:p>
+            <a:pPr algn="ctr"/>
+            <a:r>
+              <a:rPr lang="pt-PT" dirty="0"/>
+              <a:t>(inserir </a:t>
+            </a:r>
+          </a:p>
+          <a:p>
+            <a:pPr algn="ctr"/>
+            <a:r>
+              <a:rPr lang="pt-PT" dirty="0"/>
+              <a:t>imagem)</a:t>
             </a:r>
           </a:p>
         </p:txBody>
@@ -5913,7 +7451,884 @@
 </p:sld>
 </file>
 
-<file path=ppt/slides/slide13.xml><?xml version="1.0" encoding="utf-8"?>
+<file path=ppt/slides/slide14.xml><?xml version="1.0" encoding="utf-8"?>
+<p:sld xmlns:a="http://schemas.openxmlformats.org/drawingml/2006/main" xmlns:r="http://schemas.openxmlformats.org/officeDocument/2006/relationships" xmlns:p="http://schemas.openxmlformats.org/presentationml/2006/main">
+  <p:cSld>
+    <p:spTree>
+      <p:nvGrpSpPr>
+        <p:cNvPr id="1" name="">
+          <a:extLst>
+            <a:ext uri="{FF2B5EF4-FFF2-40B4-BE49-F238E27FC236}">
+              <a16:creationId xmlns:a16="http://schemas.microsoft.com/office/drawing/2014/main" id="{43664B15-296A-81EE-4920-78CE7B0C8E2F}"/>
+            </a:ext>
+          </a:extLst>
+        </p:cNvPr>
+        <p:cNvGrpSpPr/>
+        <p:nvPr/>
+      </p:nvGrpSpPr>
+      <p:grpSpPr>
+        <a:xfrm>
+          <a:off x="0" y="0"/>
+          <a:ext cx="0" cy="0"/>
+          <a:chOff x="0" y="0"/>
+          <a:chExt cx="0" cy="0"/>
+        </a:xfrm>
+      </p:grpSpPr>
+      <p:sp>
+        <p:nvSpPr>
+          <p:cNvPr id="2" name="CaixaDeTexto 1">
+            <a:extLst>
+              <a:ext uri="{FF2B5EF4-FFF2-40B4-BE49-F238E27FC236}">
+                <a16:creationId xmlns:a16="http://schemas.microsoft.com/office/drawing/2014/main" id="{9E712489-55FF-0673-FCEC-CBB6C5A52914}"/>
+              </a:ext>
+            </a:extLst>
+          </p:cNvPr>
+          <p:cNvSpPr txBox="1"/>
+          <p:nvPr/>
+        </p:nvSpPr>
+        <p:spPr>
+          <a:xfrm>
+            <a:off x="0" y="13418"/>
+            <a:ext cx="12170530" cy="1784653"/>
+          </a:xfrm>
+          <a:prstGeom prst="rect">
+            <a:avLst/>
+          </a:prstGeom>
+          <a:noFill/>
+        </p:spPr>
+        <p:txBody>
+          <a:bodyPr rot="0" spcFirstLastPara="0" vertOverflow="overflow" horzOverflow="overflow" vert="horz" wrap="square" lIns="91440" tIns="45720" rIns="91440" bIns="45720" numCol="1" spcCol="0" rtlCol="0" fromWordArt="0" anchor="t" anchorCtr="0" forceAA="0" compatLnSpc="1">
+            <a:prstTxWarp prst="textNoShape">
+              <a:avLst/>
+            </a:prstTxWarp>
+            <a:spAutoFit/>
+          </a:bodyPr>
+          <a:lstStyle/>
+          <a:p>
+            <a:pPr algn="l"/>
+            <a:endParaRPr lang="pt-PT"/>
+          </a:p>
+        </p:txBody>
+      </p:sp>
+      <p:sp>
+        <p:nvSpPr>
+          <p:cNvPr id="4" name="CaixaDeTexto 3">
+            <a:extLst>
+              <a:ext uri="{FF2B5EF4-FFF2-40B4-BE49-F238E27FC236}">
+                <a16:creationId xmlns:a16="http://schemas.microsoft.com/office/drawing/2014/main" id="{CFFFA201-8549-EF74-455A-FC9102DFEA5B}"/>
+              </a:ext>
+            </a:extLst>
+          </p:cNvPr>
+          <p:cNvSpPr txBox="1"/>
+          <p:nvPr/>
+        </p:nvSpPr>
+        <p:spPr>
+          <a:xfrm>
+            <a:off x="1392115" y="1143000"/>
+            <a:ext cx="3839307" cy="1055076"/>
+          </a:xfrm>
+          <a:prstGeom prst="rect">
+            <a:avLst/>
+          </a:prstGeom>
+          <a:noFill/>
+        </p:spPr>
+        <p:txBody>
+          <a:bodyPr rot="0" spcFirstLastPara="0" vertOverflow="overflow" horzOverflow="overflow" vert="horz" wrap="square" lIns="91440" tIns="45720" rIns="91440" bIns="45720" numCol="1" spcCol="0" rtlCol="0" fromWordArt="0" anchor="t" anchorCtr="0" forceAA="0" compatLnSpc="1">
+            <a:prstTxWarp prst="textNoShape">
+              <a:avLst/>
+            </a:prstTxWarp>
+            <a:spAutoFit/>
+          </a:bodyPr>
+          <a:lstStyle/>
+          <a:p>
+            <a:pPr algn="l"/>
+            <a:endParaRPr lang="pt-PT"/>
+          </a:p>
+        </p:txBody>
+      </p:sp>
+      <p:sp>
+        <p:nvSpPr>
+          <p:cNvPr id="6" name="CaixaDeTexto 5">
+            <a:extLst>
+              <a:ext uri="{FF2B5EF4-FFF2-40B4-BE49-F238E27FC236}">
+                <a16:creationId xmlns:a16="http://schemas.microsoft.com/office/drawing/2014/main" id="{DA308DD0-4D17-9114-24FC-47794517698C}"/>
+              </a:ext>
+            </a:extLst>
+          </p:cNvPr>
+          <p:cNvSpPr txBox="1"/>
+          <p:nvPr/>
+        </p:nvSpPr>
+        <p:spPr>
+          <a:xfrm>
+            <a:off x="-5861" y="14653"/>
+            <a:ext cx="12171483" cy="1107996"/>
+          </a:xfrm>
+          <a:prstGeom prst="rect">
+            <a:avLst/>
+          </a:prstGeom>
+        </p:spPr>
+        <p:style>
+          <a:lnRef idx="2">
+            <a:schemeClr val="dk1"/>
+          </a:lnRef>
+          <a:fillRef idx="1">
+            <a:schemeClr val="lt1"/>
+          </a:fillRef>
+          <a:effectRef idx="0">
+            <a:schemeClr val="dk1"/>
+          </a:effectRef>
+          <a:fontRef idx="minor">
+            <a:schemeClr val="dk1"/>
+          </a:fontRef>
+        </p:style>
+        <p:txBody>
+          <a:bodyPr rot="0" spcFirstLastPara="0" vertOverflow="overflow" horzOverflow="overflow" vert="horz" wrap="square" lIns="91440" tIns="45720" rIns="91440" bIns="45720" numCol="1" spcCol="0" rtlCol="0" fromWordArt="0" anchor="t" anchorCtr="0" forceAA="0" compatLnSpc="1">
+            <a:prstTxWarp prst="textNoShape">
+              <a:avLst/>
+            </a:prstTxWarp>
+            <a:spAutoFit/>
+          </a:bodyPr>
+          <a:lstStyle/>
+          <a:p>
+            <a:endParaRPr lang="pt-PT" sz="2400" dirty="0"/>
+          </a:p>
+          <a:p>
+            <a:r>
+              <a:rPr lang="pt-PT" sz="2400" dirty="0"/>
+              <a:t>      LOGO      BARRA DE PESQUISA      PERFIL</a:t>
+            </a:r>
+            <a:endParaRPr lang="pt-PT" dirty="0"/>
+          </a:p>
+          <a:p>
+            <a:endParaRPr lang="pt-PT" dirty="0"/>
+          </a:p>
+        </p:txBody>
+      </p:sp>
+      <p:sp>
+        <p:nvSpPr>
+          <p:cNvPr id="7" name="CaixaDeTexto 6">
+            <a:extLst>
+              <a:ext uri="{FF2B5EF4-FFF2-40B4-BE49-F238E27FC236}">
+                <a16:creationId xmlns:a16="http://schemas.microsoft.com/office/drawing/2014/main" id="{B26D8E64-FAE4-67A8-986C-EB6020EA9D95}"/>
+              </a:ext>
+            </a:extLst>
+          </p:cNvPr>
+          <p:cNvSpPr txBox="1"/>
+          <p:nvPr/>
+        </p:nvSpPr>
+        <p:spPr>
+          <a:xfrm>
+            <a:off x="309788" y="2110247"/>
+            <a:ext cx="5275384" cy="369332"/>
+          </a:xfrm>
+          <a:prstGeom prst="rect">
+            <a:avLst/>
+          </a:prstGeom>
+          <a:noFill/>
+        </p:spPr>
+        <p:txBody>
+          <a:bodyPr rot="0" spcFirstLastPara="0" vertOverflow="overflow" horzOverflow="overflow" vert="horz" wrap="square" lIns="91440" tIns="45720" rIns="91440" bIns="45720" numCol="1" spcCol="0" rtlCol="0" fromWordArt="0" anchor="t" anchorCtr="0" forceAA="0" compatLnSpc="1">
+            <a:prstTxWarp prst="textNoShape">
+              <a:avLst/>
+            </a:prstTxWarp>
+            <a:spAutoFit/>
+          </a:bodyPr>
+          <a:lstStyle/>
+          <a:p>
+            <a:r>
+              <a:rPr lang="pt-PT" dirty="0"/>
+              <a:t>Editar item X: </a:t>
+            </a:r>
+            <a:endParaRPr lang="pt-PT"/>
+          </a:p>
+        </p:txBody>
+      </p:sp>
+      <p:sp>
+        <p:nvSpPr>
+          <p:cNvPr id="11" name="CaixaDeTexto 10">
+            <a:extLst>
+              <a:ext uri="{FF2B5EF4-FFF2-40B4-BE49-F238E27FC236}">
+                <a16:creationId xmlns:a16="http://schemas.microsoft.com/office/drawing/2014/main" id="{0803CDDA-DF5C-2A85-FB5A-93A751593803}"/>
+              </a:ext>
+            </a:extLst>
+          </p:cNvPr>
+          <p:cNvSpPr txBox="1"/>
+          <p:nvPr/>
+        </p:nvSpPr>
+        <p:spPr>
+          <a:xfrm>
+            <a:off x="2094" y="1547445"/>
+            <a:ext cx="12177764" cy="461665"/>
+          </a:xfrm>
+          <a:prstGeom prst="rect">
+            <a:avLst/>
+          </a:prstGeom>
+        </p:spPr>
+        <p:style>
+          <a:lnRef idx="2">
+            <a:schemeClr val="dk1"/>
+          </a:lnRef>
+          <a:fillRef idx="1">
+            <a:schemeClr val="lt1"/>
+          </a:fillRef>
+          <a:effectRef idx="0">
+            <a:schemeClr val="dk1"/>
+          </a:effectRef>
+          <a:fontRef idx="minor">
+            <a:schemeClr val="dk1"/>
+          </a:fontRef>
+        </p:style>
+        <p:txBody>
+          <a:bodyPr rot="0" spcFirstLastPara="0" vertOverflow="overflow" horzOverflow="overflow" vert="horz" wrap="square" lIns="91440" tIns="45720" rIns="91440" bIns="45720" numCol="1" spcCol="0" rtlCol="0" fromWordArt="0" anchor="t" anchorCtr="0" forceAA="0" compatLnSpc="1">
+            <a:prstTxWarp prst="textNoShape">
+              <a:avLst/>
+            </a:prstTxWarp>
+            <a:spAutoFit/>
+          </a:bodyPr>
+          <a:lstStyle/>
+          <a:p>
+            <a:pPr algn="ctr"/>
+            <a:r>
+              <a:rPr lang="pt-PT" sz="2400" dirty="0"/>
+              <a:t>Cartas   Veículos   Livros   Bonecos Miniatura   Militares  Eventos</a:t>
+            </a:r>
+          </a:p>
+        </p:txBody>
+      </p:sp>
+      <p:sp>
+        <p:nvSpPr>
+          <p:cNvPr id="5" name="CaixaDeTexto 4">
+            <a:extLst>
+              <a:ext uri="{FF2B5EF4-FFF2-40B4-BE49-F238E27FC236}">
+                <a16:creationId xmlns:a16="http://schemas.microsoft.com/office/drawing/2014/main" id="{EADF474C-C20E-9B83-3D37-1E6AF8A0B999}"/>
+              </a:ext>
+            </a:extLst>
+          </p:cNvPr>
+          <p:cNvSpPr txBox="1"/>
+          <p:nvPr/>
+        </p:nvSpPr>
+        <p:spPr>
+          <a:xfrm>
+            <a:off x="-3769" y="6490817"/>
+            <a:ext cx="12181115" cy="369332"/>
+          </a:xfrm>
+          <a:prstGeom prst="rect">
+            <a:avLst/>
+          </a:prstGeom>
+        </p:spPr>
+        <p:style>
+          <a:lnRef idx="2">
+            <a:schemeClr val="dk1"/>
+          </a:lnRef>
+          <a:fillRef idx="1">
+            <a:schemeClr val="lt1"/>
+          </a:fillRef>
+          <a:effectRef idx="0">
+            <a:schemeClr val="dk1"/>
+          </a:effectRef>
+          <a:fontRef idx="minor">
+            <a:schemeClr val="dk1"/>
+          </a:fontRef>
+        </p:style>
+        <p:txBody>
+          <a:bodyPr rot="0" spcFirstLastPara="0" vertOverflow="overflow" horzOverflow="overflow" vert="horz" wrap="square" lIns="91440" tIns="45720" rIns="91440" bIns="45720" numCol="1" spcCol="0" rtlCol="0" fromWordArt="0" anchor="t" anchorCtr="0" forceAA="0" compatLnSpc="1">
+            <a:prstTxWarp prst="textNoShape">
+              <a:avLst/>
+            </a:prstTxWarp>
+            <a:spAutoFit/>
+          </a:bodyPr>
+          <a:lstStyle/>
+          <a:p>
+            <a:pPr algn="ctr"/>
+            <a:r>
+              <a:rPr lang="pt-PT" dirty="0"/>
+              <a:t>Desenvolvedores</a:t>
+            </a:r>
+          </a:p>
+        </p:txBody>
+      </p:sp>
+      <p:sp>
+        <p:nvSpPr>
+          <p:cNvPr id="8" name="CaixaDeTexto 7">
+            <a:extLst>
+              <a:ext uri="{FF2B5EF4-FFF2-40B4-BE49-F238E27FC236}">
+                <a16:creationId xmlns:a16="http://schemas.microsoft.com/office/drawing/2014/main" id="{A1FCD309-3241-D50C-7E65-0A729FE1CAA6}"/>
+              </a:ext>
+            </a:extLst>
+          </p:cNvPr>
+          <p:cNvSpPr txBox="1"/>
+          <p:nvPr/>
+        </p:nvSpPr>
+        <p:spPr>
+          <a:xfrm>
+            <a:off x="786505" y="2476177"/>
+            <a:ext cx="4025533" cy="3693319"/>
+          </a:xfrm>
+          <a:prstGeom prst="rect">
+            <a:avLst/>
+          </a:prstGeom>
+          <a:noFill/>
+        </p:spPr>
+        <p:txBody>
+          <a:bodyPr rot="0" spcFirstLastPara="0" vertOverflow="overflow" horzOverflow="overflow" vert="horz" wrap="square" lIns="91440" tIns="45720" rIns="91440" bIns="45720" numCol="1" spcCol="0" rtlCol="0" fromWordArt="0" anchor="t" anchorCtr="0" forceAA="0" compatLnSpc="1">
+            <a:prstTxWarp prst="textNoShape">
+              <a:avLst/>
+            </a:prstTxWarp>
+            <a:spAutoFit/>
+          </a:bodyPr>
+          <a:lstStyle/>
+          <a:p>
+            <a:r>
+              <a:rPr lang="pt-PT" dirty="0"/>
+              <a:t>Coleção:</a:t>
+            </a:r>
+          </a:p>
+          <a:p>
+            <a:endParaRPr lang="pt-PT" dirty="0"/>
+          </a:p>
+          <a:p>
+            <a:r>
+              <a:rPr lang="pt-PT" dirty="0"/>
+              <a:t>Nome: </a:t>
+            </a:r>
+          </a:p>
+          <a:p>
+            <a:pPr algn="l"/>
+            <a:endParaRPr lang="pt-PT" dirty="0"/>
+          </a:p>
+          <a:p>
+            <a:r>
+              <a:rPr lang="pt-PT" dirty="0"/>
+              <a:t>Data em que foi adquirido:</a:t>
+            </a:r>
+          </a:p>
+          <a:p>
+            <a:endParaRPr lang="pt-PT" dirty="0"/>
+          </a:p>
+          <a:p>
+            <a:r>
+              <a:rPr lang="pt-PT" dirty="0"/>
+              <a:t>Importância:</a:t>
+            </a:r>
+          </a:p>
+          <a:p>
+            <a:endParaRPr lang="pt-PT" dirty="0"/>
+          </a:p>
+          <a:p>
+            <a:r>
+              <a:rPr lang="pt-PT" dirty="0"/>
+              <a:t>Peso:</a:t>
+            </a:r>
+          </a:p>
+          <a:p>
+            <a:endParaRPr lang="pt-PT" dirty="0"/>
+          </a:p>
+          <a:p>
+            <a:r>
+              <a:rPr lang="pt-PT" dirty="0"/>
+              <a:t>Preço:</a:t>
+            </a:r>
+          </a:p>
+          <a:p>
+            <a:endParaRPr lang="pt-PT" dirty="0"/>
+          </a:p>
+          <a:p>
+            <a:r>
+              <a:rPr lang="pt-PT" dirty="0"/>
+              <a:t>Imagem:</a:t>
+            </a:r>
+          </a:p>
+        </p:txBody>
+      </p:sp>
+      <p:sp>
+        <p:nvSpPr>
+          <p:cNvPr id="10" name="CaixaDeTexto 9">
+            <a:extLst>
+              <a:ext uri="{FF2B5EF4-FFF2-40B4-BE49-F238E27FC236}">
+                <a16:creationId xmlns:a16="http://schemas.microsoft.com/office/drawing/2014/main" id="{7CABA348-774C-F4B1-9F72-5E4F25BA2BB9}"/>
+              </a:ext>
+            </a:extLst>
+          </p:cNvPr>
+          <p:cNvSpPr txBox="1"/>
+          <p:nvPr/>
+        </p:nvSpPr>
+        <p:spPr>
+          <a:xfrm>
+            <a:off x="7860240" y="5778548"/>
+            <a:ext cx="3537857" cy="369332"/>
+          </a:xfrm>
+          <a:prstGeom prst="rect">
+            <a:avLst/>
+          </a:prstGeom>
+        </p:spPr>
+        <p:style>
+          <a:lnRef idx="2">
+            <a:schemeClr val="dk1"/>
+          </a:lnRef>
+          <a:fillRef idx="1">
+            <a:schemeClr val="lt1"/>
+          </a:fillRef>
+          <a:effectRef idx="0">
+            <a:schemeClr val="dk1"/>
+          </a:effectRef>
+          <a:fontRef idx="minor">
+            <a:schemeClr val="dk1"/>
+          </a:fontRef>
+        </p:style>
+        <p:txBody>
+          <a:bodyPr rot="0" spcFirstLastPara="0" vertOverflow="overflow" horzOverflow="overflow" vert="horz" wrap="square" lIns="91440" tIns="45720" rIns="91440" bIns="45720" numCol="1" spcCol="0" rtlCol="0" fromWordArt="0" anchor="t" anchorCtr="0" forceAA="0" compatLnSpc="1">
+            <a:prstTxWarp prst="textNoShape">
+              <a:avLst/>
+            </a:prstTxWarp>
+            <a:spAutoFit/>
+          </a:bodyPr>
+          <a:lstStyle/>
+          <a:p>
+            <a:pPr algn="ctr"/>
+            <a:r>
+              <a:rPr lang="pt-PT" dirty="0"/>
+              <a:t>Desfazer alterações e voltar atrás</a:t>
+            </a:r>
+          </a:p>
+        </p:txBody>
+      </p:sp>
+      <p:sp>
+        <p:nvSpPr>
+          <p:cNvPr id="12" name="CaixaDeTexto 11">
+            <a:extLst>
+              <a:ext uri="{FF2B5EF4-FFF2-40B4-BE49-F238E27FC236}">
+                <a16:creationId xmlns:a16="http://schemas.microsoft.com/office/drawing/2014/main" id="{E10B33BA-1527-F53B-1EFA-2C784C910666}"/>
+              </a:ext>
+            </a:extLst>
+          </p:cNvPr>
+          <p:cNvSpPr txBox="1"/>
+          <p:nvPr/>
+        </p:nvSpPr>
+        <p:spPr>
+          <a:xfrm>
+            <a:off x="4333268" y="5778548"/>
+            <a:ext cx="2743200" cy="365760"/>
+          </a:xfrm>
+          <a:prstGeom prst="rect">
+            <a:avLst/>
+          </a:prstGeom>
+        </p:spPr>
+        <p:style>
+          <a:lnRef idx="2">
+            <a:schemeClr val="dk1"/>
+          </a:lnRef>
+          <a:fillRef idx="1">
+            <a:schemeClr val="lt1"/>
+          </a:fillRef>
+          <a:effectRef idx="0">
+            <a:schemeClr val="dk1"/>
+          </a:effectRef>
+          <a:fontRef idx="minor">
+            <a:schemeClr val="dk1"/>
+          </a:fontRef>
+        </p:style>
+        <p:txBody>
+          <a:bodyPr rot="0" spcFirstLastPara="0" vertOverflow="overflow" horzOverflow="overflow" vert="horz" wrap="square" lIns="91440" tIns="45720" rIns="91440" bIns="45720" numCol="1" spcCol="0" rtlCol="0" fromWordArt="0" anchor="t" anchorCtr="0" forceAA="0" compatLnSpc="1">
+            <a:prstTxWarp prst="textNoShape">
+              <a:avLst/>
+            </a:prstTxWarp>
+            <a:spAutoFit/>
+          </a:bodyPr>
+          <a:lstStyle/>
+          <a:p>
+            <a:pPr algn="ctr"/>
+            <a:r>
+              <a:rPr lang="pt-PT" dirty="0"/>
+              <a:t>Confirmar</a:t>
+            </a:r>
+          </a:p>
+        </p:txBody>
+      </p:sp>
+      <p:sp>
+        <p:nvSpPr>
+          <p:cNvPr id="13" name="CaixaDeTexto 12">
+            <a:extLst>
+              <a:ext uri="{FF2B5EF4-FFF2-40B4-BE49-F238E27FC236}">
+                <a16:creationId xmlns:a16="http://schemas.microsoft.com/office/drawing/2014/main" id="{46C30233-7A2A-98B5-B2BA-4E46F7E6D4A1}"/>
+              </a:ext>
+            </a:extLst>
+          </p:cNvPr>
+          <p:cNvSpPr txBox="1"/>
+          <p:nvPr/>
+        </p:nvSpPr>
+        <p:spPr>
+          <a:xfrm>
+            <a:off x="4333267" y="3046234"/>
+            <a:ext cx="2743200" cy="365760"/>
+          </a:xfrm>
+          <a:prstGeom prst="rect">
+            <a:avLst/>
+          </a:prstGeom>
+        </p:spPr>
+        <p:style>
+          <a:lnRef idx="2">
+            <a:schemeClr val="dk1"/>
+          </a:lnRef>
+          <a:fillRef idx="1">
+            <a:schemeClr val="lt1"/>
+          </a:fillRef>
+          <a:effectRef idx="0">
+            <a:schemeClr val="dk1"/>
+          </a:effectRef>
+          <a:fontRef idx="minor">
+            <a:schemeClr val="dk1"/>
+          </a:fontRef>
+        </p:style>
+        <p:txBody>
+          <a:bodyPr rot="0" spcFirstLastPara="0" vertOverflow="overflow" horzOverflow="overflow" vert="horz" wrap="square" lIns="91440" tIns="45720" rIns="91440" bIns="45720" numCol="1" spcCol="0" rtlCol="0" fromWordArt="0" anchor="t" anchorCtr="0" forceAA="0" compatLnSpc="1">
+            <a:prstTxWarp prst="textNoShape">
+              <a:avLst/>
+            </a:prstTxWarp>
+            <a:spAutoFit/>
+          </a:bodyPr>
+          <a:lstStyle/>
+          <a:p>
+            <a:pPr algn="ctr"/>
+            <a:r>
+              <a:rPr lang="pt-PT" dirty="0"/>
+              <a:t>(inserir novo nome)</a:t>
+            </a:r>
+          </a:p>
+        </p:txBody>
+      </p:sp>
+      <p:sp>
+        <p:nvSpPr>
+          <p:cNvPr id="14" name="CaixaDeTexto 13">
+            <a:extLst>
+              <a:ext uri="{FF2B5EF4-FFF2-40B4-BE49-F238E27FC236}">
+                <a16:creationId xmlns:a16="http://schemas.microsoft.com/office/drawing/2014/main" id="{326239AE-4D8B-A095-BC7B-914711D53EB7}"/>
+              </a:ext>
+            </a:extLst>
+          </p:cNvPr>
+          <p:cNvSpPr txBox="1"/>
+          <p:nvPr/>
+        </p:nvSpPr>
+        <p:spPr>
+          <a:xfrm>
+            <a:off x="4333267" y="3601405"/>
+            <a:ext cx="2743200" cy="365760"/>
+          </a:xfrm>
+          <a:prstGeom prst="rect">
+            <a:avLst/>
+          </a:prstGeom>
+        </p:spPr>
+        <p:style>
+          <a:lnRef idx="2">
+            <a:schemeClr val="dk1"/>
+          </a:lnRef>
+          <a:fillRef idx="1">
+            <a:schemeClr val="lt1"/>
+          </a:fillRef>
+          <a:effectRef idx="0">
+            <a:schemeClr val="dk1"/>
+          </a:effectRef>
+          <a:fontRef idx="minor">
+            <a:schemeClr val="dk1"/>
+          </a:fontRef>
+        </p:style>
+        <p:txBody>
+          <a:bodyPr rot="0" spcFirstLastPara="0" vertOverflow="overflow" horzOverflow="overflow" vert="horz" wrap="square" lIns="91440" tIns="45720" rIns="91440" bIns="45720" numCol="1" spcCol="0" rtlCol="0" fromWordArt="0" anchor="t" anchorCtr="0" forceAA="0" compatLnSpc="1">
+            <a:prstTxWarp prst="textNoShape">
+              <a:avLst/>
+            </a:prstTxWarp>
+            <a:spAutoFit/>
+          </a:bodyPr>
+          <a:lstStyle/>
+          <a:p>
+            <a:pPr algn="ctr"/>
+            <a:r>
+              <a:rPr lang="pt-PT" dirty="0"/>
+              <a:t>(inserir nova data)</a:t>
+            </a:r>
+          </a:p>
+        </p:txBody>
+      </p:sp>
+      <p:sp>
+        <p:nvSpPr>
+          <p:cNvPr id="15" name="CaixaDeTexto 14">
+            <a:extLst>
+              <a:ext uri="{FF2B5EF4-FFF2-40B4-BE49-F238E27FC236}">
+                <a16:creationId xmlns:a16="http://schemas.microsoft.com/office/drawing/2014/main" id="{FDFD5071-3FBA-FB0B-D0F1-8E475515BAA4}"/>
+              </a:ext>
+            </a:extLst>
+          </p:cNvPr>
+          <p:cNvSpPr txBox="1"/>
+          <p:nvPr/>
+        </p:nvSpPr>
+        <p:spPr>
+          <a:xfrm>
+            <a:off x="4333267" y="4156577"/>
+            <a:ext cx="2743200" cy="365760"/>
+          </a:xfrm>
+          <a:prstGeom prst="rect">
+            <a:avLst/>
+          </a:prstGeom>
+        </p:spPr>
+        <p:style>
+          <a:lnRef idx="2">
+            <a:schemeClr val="dk1"/>
+          </a:lnRef>
+          <a:fillRef idx="1">
+            <a:schemeClr val="lt1"/>
+          </a:fillRef>
+          <a:effectRef idx="0">
+            <a:schemeClr val="dk1"/>
+          </a:effectRef>
+          <a:fontRef idx="minor">
+            <a:schemeClr val="dk1"/>
+          </a:fontRef>
+        </p:style>
+        <p:txBody>
+          <a:bodyPr rot="0" spcFirstLastPara="0" vertOverflow="overflow" horzOverflow="overflow" vert="horz" wrap="square" lIns="91440" tIns="45720" rIns="91440" bIns="45720" numCol="1" spcCol="0" rtlCol="0" fromWordArt="0" anchor="t" anchorCtr="0" forceAA="0" compatLnSpc="1">
+            <a:prstTxWarp prst="textNoShape">
+              <a:avLst/>
+            </a:prstTxWarp>
+            <a:spAutoFit/>
+          </a:bodyPr>
+          <a:lstStyle/>
+          <a:p>
+            <a:pPr algn="ctr"/>
+            <a:r>
+              <a:rPr lang="pt-PT" dirty="0"/>
+              <a:t>(inserir nova importância)</a:t>
+            </a:r>
+          </a:p>
+        </p:txBody>
+      </p:sp>
+      <p:sp>
+        <p:nvSpPr>
+          <p:cNvPr id="3" name="CaixaDeTexto 2">
+            <a:extLst>
+              <a:ext uri="{FF2B5EF4-FFF2-40B4-BE49-F238E27FC236}">
+                <a16:creationId xmlns:a16="http://schemas.microsoft.com/office/drawing/2014/main" id="{73A02E99-E6F7-0709-41EE-77331F259EE1}"/>
+              </a:ext>
+            </a:extLst>
+          </p:cNvPr>
+          <p:cNvSpPr txBox="1"/>
+          <p:nvPr/>
+        </p:nvSpPr>
+        <p:spPr>
+          <a:xfrm>
+            <a:off x="4333267" y="4657320"/>
+            <a:ext cx="2743200" cy="365760"/>
+          </a:xfrm>
+          <a:prstGeom prst="rect">
+            <a:avLst/>
+          </a:prstGeom>
+        </p:spPr>
+        <p:style>
+          <a:lnRef idx="2">
+            <a:schemeClr val="dk1"/>
+          </a:lnRef>
+          <a:fillRef idx="1">
+            <a:schemeClr val="lt1"/>
+          </a:fillRef>
+          <a:effectRef idx="0">
+            <a:schemeClr val="dk1"/>
+          </a:effectRef>
+          <a:fontRef idx="minor">
+            <a:schemeClr val="dk1"/>
+          </a:fontRef>
+        </p:style>
+        <p:txBody>
+          <a:bodyPr rot="0" spcFirstLastPara="0" vertOverflow="overflow" horzOverflow="overflow" vert="horz" wrap="square" lIns="91440" tIns="45720" rIns="91440" bIns="45720" numCol="1" spcCol="0" rtlCol="0" fromWordArt="0" anchor="t" anchorCtr="0" forceAA="0" compatLnSpc="1">
+            <a:prstTxWarp prst="textNoShape">
+              <a:avLst/>
+            </a:prstTxWarp>
+            <a:spAutoFit/>
+          </a:bodyPr>
+          <a:lstStyle/>
+          <a:p>
+            <a:pPr algn="ctr"/>
+            <a:r>
+              <a:rPr lang="pt-PT" dirty="0"/>
+              <a:t>(inserir novo peso)</a:t>
+            </a:r>
+          </a:p>
+        </p:txBody>
+      </p:sp>
+      <p:sp>
+        <p:nvSpPr>
+          <p:cNvPr id="9" name="CaixaDeTexto 8">
+            <a:extLst>
+              <a:ext uri="{FF2B5EF4-FFF2-40B4-BE49-F238E27FC236}">
+                <a16:creationId xmlns:a16="http://schemas.microsoft.com/office/drawing/2014/main" id="{579ADA4D-2914-ACC5-B50F-E0D159185C6B}"/>
+              </a:ext>
+            </a:extLst>
+          </p:cNvPr>
+          <p:cNvSpPr txBox="1"/>
+          <p:nvPr/>
+        </p:nvSpPr>
+        <p:spPr>
+          <a:xfrm>
+            <a:off x="4333266" y="5125405"/>
+            <a:ext cx="2743200" cy="365760"/>
+          </a:xfrm>
+          <a:prstGeom prst="rect">
+            <a:avLst/>
+          </a:prstGeom>
+        </p:spPr>
+        <p:style>
+          <a:lnRef idx="2">
+            <a:schemeClr val="dk1"/>
+          </a:lnRef>
+          <a:fillRef idx="1">
+            <a:schemeClr val="lt1"/>
+          </a:fillRef>
+          <a:effectRef idx="0">
+            <a:schemeClr val="dk1"/>
+          </a:effectRef>
+          <a:fontRef idx="minor">
+            <a:schemeClr val="dk1"/>
+          </a:fontRef>
+        </p:style>
+        <p:txBody>
+          <a:bodyPr rot="0" spcFirstLastPara="0" vertOverflow="overflow" horzOverflow="overflow" vert="horz" wrap="square" lIns="91440" tIns="45720" rIns="91440" bIns="45720" numCol="1" spcCol="0" rtlCol="0" fromWordArt="0" anchor="t" anchorCtr="0" forceAA="0" compatLnSpc="1">
+            <a:prstTxWarp prst="textNoShape">
+              <a:avLst/>
+            </a:prstTxWarp>
+            <a:spAutoFit/>
+          </a:bodyPr>
+          <a:lstStyle/>
+          <a:p>
+            <a:pPr algn="ctr"/>
+            <a:r>
+              <a:rPr lang="pt-PT" dirty="0"/>
+              <a:t>(inserir novo preço)</a:t>
+            </a:r>
+          </a:p>
+        </p:txBody>
+      </p:sp>
+      <p:sp>
+        <p:nvSpPr>
+          <p:cNvPr id="17" name="CaixaDeTexto 16">
+            <a:extLst>
+              <a:ext uri="{FF2B5EF4-FFF2-40B4-BE49-F238E27FC236}">
+                <a16:creationId xmlns:a16="http://schemas.microsoft.com/office/drawing/2014/main" id="{20979C37-1AF8-9374-9A0A-7824B4111856}"/>
+              </a:ext>
+            </a:extLst>
+          </p:cNvPr>
+          <p:cNvSpPr txBox="1"/>
+          <p:nvPr/>
+        </p:nvSpPr>
+        <p:spPr>
+          <a:xfrm>
+            <a:off x="4333267" y="2541812"/>
+            <a:ext cx="2743200" cy="365760"/>
+          </a:xfrm>
+          <a:prstGeom prst="rect">
+            <a:avLst/>
+          </a:prstGeom>
+        </p:spPr>
+        <p:style>
+          <a:lnRef idx="2">
+            <a:schemeClr val="dk1"/>
+          </a:lnRef>
+          <a:fillRef idx="1">
+            <a:schemeClr val="lt1"/>
+          </a:fillRef>
+          <a:effectRef idx="0">
+            <a:schemeClr val="dk1"/>
+          </a:effectRef>
+          <a:fontRef idx="minor">
+            <a:schemeClr val="dk1"/>
+          </a:fontRef>
+        </p:style>
+        <p:txBody>
+          <a:bodyPr rot="0" spcFirstLastPara="0" vertOverflow="overflow" horzOverflow="overflow" vert="horz" wrap="square" lIns="91440" tIns="45720" rIns="91440" bIns="45720" numCol="1" spcCol="0" rtlCol="0" fromWordArt="0" anchor="t" anchorCtr="0" forceAA="0" compatLnSpc="1">
+            <a:prstTxWarp prst="textNoShape">
+              <a:avLst/>
+            </a:prstTxWarp>
+            <a:spAutoFit/>
+          </a:bodyPr>
+          <a:lstStyle/>
+          <a:p>
+            <a:pPr algn="ctr"/>
+            <a:r>
+              <a:rPr lang="pt-PT" dirty="0"/>
+              <a:t>(inserir coleção)</a:t>
+            </a:r>
+          </a:p>
+        </p:txBody>
+      </p:sp>
+      <p:sp>
+        <p:nvSpPr>
+          <p:cNvPr id="19" name="CaixaDeTexto 18">
+            <a:extLst>
+              <a:ext uri="{FF2B5EF4-FFF2-40B4-BE49-F238E27FC236}">
+                <a16:creationId xmlns:a16="http://schemas.microsoft.com/office/drawing/2014/main" id="{A7034FD5-0D97-510C-D413-3667E3E6EBE2}"/>
+              </a:ext>
+            </a:extLst>
+          </p:cNvPr>
+          <p:cNvSpPr txBox="1"/>
+          <p:nvPr/>
+        </p:nvSpPr>
+        <p:spPr>
+          <a:xfrm>
+            <a:off x="2272645" y="5318589"/>
+            <a:ext cx="1347990" cy="923330"/>
+          </a:xfrm>
+          <a:prstGeom prst="rect">
+            <a:avLst/>
+          </a:prstGeom>
+        </p:spPr>
+        <p:style>
+          <a:lnRef idx="2">
+            <a:schemeClr val="dk1"/>
+          </a:lnRef>
+          <a:fillRef idx="1">
+            <a:schemeClr val="lt1"/>
+          </a:fillRef>
+          <a:effectRef idx="0">
+            <a:schemeClr val="dk1"/>
+          </a:effectRef>
+          <a:fontRef idx="minor">
+            <a:schemeClr val="dk1"/>
+          </a:fontRef>
+        </p:style>
+        <p:txBody>
+          <a:bodyPr rot="0" spcFirstLastPara="0" vertOverflow="overflow" horzOverflow="overflow" vert="horz" wrap="square" lIns="91440" tIns="45720" rIns="91440" bIns="45720" numCol="1" spcCol="0" rtlCol="0" fromWordArt="0" anchor="t" anchorCtr="0" forceAA="0" compatLnSpc="1">
+            <a:prstTxWarp prst="textNoShape">
+              <a:avLst/>
+            </a:prstTxWarp>
+            <a:spAutoFit/>
+          </a:bodyPr>
+          <a:lstStyle/>
+          <a:p>
+            <a:pPr algn="ctr"/>
+            <a:r>
+              <a:rPr lang="pt-PT" dirty="0"/>
+              <a:t>(inserir nova </a:t>
+            </a:r>
+          </a:p>
+          <a:p>
+            <a:pPr algn="ctr"/>
+            <a:r>
+              <a:rPr lang="pt-PT" dirty="0"/>
+              <a:t>imagem)</a:t>
+            </a:r>
+          </a:p>
+        </p:txBody>
+      </p:sp>
+    </p:spTree>
+    <p:extLst>
+      <p:ext uri="{BB962C8B-B14F-4D97-AF65-F5344CB8AC3E}">
+        <p14:creationId xmlns:p14="http://schemas.microsoft.com/office/powerpoint/2010/main" val="1959199635"/>
+      </p:ext>
+    </p:extLst>
+  </p:cSld>
+  <p:clrMapOvr>
+    <a:masterClrMapping/>
+  </p:clrMapOvr>
+</p:sld>
+</file>
+
+<file path=ppt/slides/slide15.xml><?xml version="1.0" encoding="utf-8"?>
 <p:sld xmlns:a="http://schemas.openxmlformats.org/drawingml/2006/main" xmlns:r="http://schemas.openxmlformats.org/officeDocument/2006/relationships" xmlns:p="http://schemas.openxmlformats.org/presentationml/2006/main">
   <p:cSld>
     <p:spTree>
@@ -6210,19 +8625,94 @@
       </p:sp>
       <p:sp>
         <p:nvSpPr>
-          <p:cNvPr id="3" name="CaixaDeTexto 2">
-            <a:extLst>
-              <a:ext uri="{FF2B5EF4-FFF2-40B4-BE49-F238E27FC236}">
-                <a16:creationId xmlns:a16="http://schemas.microsoft.com/office/drawing/2014/main" id="{793BBDF8-EEC0-78A6-A7C3-9646EBCFA702}"/>
-              </a:ext>
-            </a:extLst>
-          </p:cNvPr>
-          <p:cNvSpPr txBox="1"/>
-          <p:nvPr/>
-        </p:nvSpPr>
-        <p:spPr>
-          <a:xfrm>
-            <a:off x="8654897" y="2777618"/>
+          <p:cNvPr id="10" name="CaixaDeTexto 9">
+            <a:extLst>
+              <a:ext uri="{FF2B5EF4-FFF2-40B4-BE49-F238E27FC236}">
+                <a16:creationId xmlns:a16="http://schemas.microsoft.com/office/drawing/2014/main" id="{DE4691B8-532B-65F5-F652-FFE3CBC8B5BE}"/>
+              </a:ext>
+            </a:extLst>
+          </p:cNvPr>
+          <p:cNvSpPr txBox="1"/>
+          <p:nvPr/>
+        </p:nvSpPr>
+        <p:spPr>
+          <a:xfrm>
+            <a:off x="925872" y="3059405"/>
+            <a:ext cx="4025533" cy="2585323"/>
+          </a:xfrm>
+          <a:prstGeom prst="rect">
+            <a:avLst/>
+          </a:prstGeom>
+          <a:noFill/>
+        </p:spPr>
+        <p:txBody>
+          <a:bodyPr rot="0" spcFirstLastPara="0" vertOverflow="overflow" horzOverflow="overflow" vert="horz" wrap="square" lIns="91440" tIns="45720" rIns="91440" bIns="45720" numCol="1" spcCol="0" rtlCol="0" fromWordArt="0" anchor="t" anchorCtr="0" forceAA="0" compatLnSpc="1">
+            <a:prstTxWarp prst="textNoShape">
+              <a:avLst/>
+            </a:prstTxWarp>
+            <a:spAutoFit/>
+          </a:bodyPr>
+          <a:lstStyle/>
+          <a:p>
+            <a:r>
+              <a:rPr lang="pt-PT" dirty="0"/>
+              <a:t>Nome: </a:t>
+            </a:r>
+          </a:p>
+          <a:p>
+            <a:pPr algn="l"/>
+            <a:endParaRPr lang="pt-PT" dirty="0"/>
+          </a:p>
+          <a:p>
+            <a:r>
+              <a:rPr lang="pt-PT" dirty="0"/>
+              <a:t>Localização:</a:t>
+            </a:r>
+          </a:p>
+          <a:p>
+            <a:endParaRPr lang="pt-PT" dirty="0"/>
+          </a:p>
+          <a:p>
+            <a:r>
+              <a:rPr lang="pt-PT" dirty="0"/>
+              <a:t>Data:</a:t>
+            </a:r>
+          </a:p>
+          <a:p>
+            <a:endParaRPr lang="pt-PT" dirty="0"/>
+          </a:p>
+          <a:p>
+            <a:r>
+              <a:rPr lang="pt-PT" dirty="0"/>
+              <a:t>Preço do bilhete:</a:t>
+            </a:r>
+          </a:p>
+          <a:p>
+            <a:endParaRPr lang="pt-PT" dirty="0"/>
+          </a:p>
+          <a:p>
+            <a:r>
+              <a:rPr lang="pt-PT" dirty="0"/>
+              <a:t>Descrição: </a:t>
+            </a:r>
+          </a:p>
+        </p:txBody>
+      </p:sp>
+      <p:sp>
+        <p:nvSpPr>
+          <p:cNvPr id="13" name="CaixaDeTexto 12">
+            <a:extLst>
+              <a:ext uri="{FF2B5EF4-FFF2-40B4-BE49-F238E27FC236}">
+                <a16:creationId xmlns:a16="http://schemas.microsoft.com/office/drawing/2014/main" id="{E9043933-4A9D-0434-6D34-D9D7791C41AE}"/>
+              </a:ext>
+            </a:extLst>
+          </p:cNvPr>
+          <p:cNvSpPr txBox="1"/>
+          <p:nvPr/>
+        </p:nvSpPr>
+        <p:spPr>
+          <a:xfrm>
+            <a:off x="8654897" y="5684104"/>
             <a:ext cx="2743200" cy="365760"/>
           </a:xfrm>
           <a:prstGeom prst="rect">
@@ -6255,144 +8745,26 @@
             <a:pPr algn="ctr"/>
             <a:r>
               <a:rPr lang="pt-PT" dirty="0"/>
-              <a:t>Minhas coleções</a:t>
-            </a:r>
-          </a:p>
-        </p:txBody>
-      </p:sp>
-      <p:sp>
-        <p:nvSpPr>
-          <p:cNvPr id="9" name="CaixaDeTexto 8">
-            <a:extLst>
-              <a:ext uri="{FF2B5EF4-FFF2-40B4-BE49-F238E27FC236}">
-                <a16:creationId xmlns:a16="http://schemas.microsoft.com/office/drawing/2014/main" id="{8C192407-D2F6-DBF4-6A72-656460B3272E}"/>
-              </a:ext>
-            </a:extLst>
-          </p:cNvPr>
-          <p:cNvSpPr txBox="1"/>
-          <p:nvPr/>
-        </p:nvSpPr>
-        <p:spPr>
-          <a:xfrm>
-            <a:off x="8659963" y="3429083"/>
-            <a:ext cx="2743200" cy="365760"/>
-          </a:xfrm>
-          <a:prstGeom prst="rect">
-            <a:avLst/>
-          </a:prstGeom>
-        </p:spPr>
-        <p:style>
-          <a:lnRef idx="2">
-            <a:schemeClr val="dk1"/>
-          </a:lnRef>
-          <a:fillRef idx="1">
-            <a:schemeClr val="lt1"/>
-          </a:fillRef>
-          <a:effectRef idx="0">
-            <a:schemeClr val="dk1"/>
-          </a:effectRef>
-          <a:fontRef idx="minor">
-            <a:schemeClr val="dk1"/>
-          </a:fontRef>
-        </p:style>
-        <p:txBody>
-          <a:bodyPr rot="0" spcFirstLastPara="0" vertOverflow="overflow" horzOverflow="overflow" vert="horz" wrap="square" lIns="91440" tIns="45720" rIns="91440" bIns="45720" numCol="1" spcCol="0" rtlCol="0" fromWordArt="0" anchor="t" anchorCtr="0" forceAA="0" compatLnSpc="1">
-            <a:prstTxWarp prst="textNoShape">
-              <a:avLst/>
-            </a:prstTxWarp>
-            <a:spAutoFit/>
-          </a:bodyPr>
-          <a:lstStyle/>
-          <a:p>
-            <a:pPr algn="ctr"/>
-            <a:r>
-              <a:rPr lang="pt-PT" dirty="0"/>
-              <a:t>Adicionar coleção</a:t>
-            </a:r>
-          </a:p>
-        </p:txBody>
-      </p:sp>
-      <p:sp>
-        <p:nvSpPr>
-          <p:cNvPr id="10" name="CaixaDeTexto 9">
-            <a:extLst>
-              <a:ext uri="{FF2B5EF4-FFF2-40B4-BE49-F238E27FC236}">
-                <a16:creationId xmlns:a16="http://schemas.microsoft.com/office/drawing/2014/main" id="{DE4691B8-532B-65F5-F652-FFE3CBC8B5BE}"/>
-              </a:ext>
-            </a:extLst>
-          </p:cNvPr>
-          <p:cNvSpPr txBox="1"/>
-          <p:nvPr/>
-        </p:nvSpPr>
-        <p:spPr>
-          <a:xfrm>
-            <a:off x="925872" y="3059405"/>
-            <a:ext cx="4025533" cy="2031325"/>
-          </a:xfrm>
-          <a:prstGeom prst="rect">
-            <a:avLst/>
-          </a:prstGeom>
-          <a:noFill/>
-        </p:spPr>
-        <p:txBody>
-          <a:bodyPr rot="0" spcFirstLastPara="0" vertOverflow="overflow" horzOverflow="overflow" vert="horz" wrap="square" lIns="91440" tIns="45720" rIns="91440" bIns="45720" numCol="1" spcCol="0" rtlCol="0" fromWordArt="0" anchor="t" anchorCtr="0" forceAA="0" compatLnSpc="1">
-            <a:prstTxWarp prst="textNoShape">
-              <a:avLst/>
-            </a:prstTxWarp>
-            <a:spAutoFit/>
-          </a:bodyPr>
-          <a:lstStyle/>
-          <a:p>
-            <a:r>
-              <a:rPr lang="pt-PT" dirty="0"/>
-              <a:t>Nome: </a:t>
-            </a:r>
-          </a:p>
-          <a:p>
-            <a:pPr algn="l"/>
-            <a:endParaRPr lang="pt-PT" dirty="0"/>
-          </a:p>
-          <a:p>
-            <a:r>
-              <a:rPr lang="pt-PT" dirty="0"/>
-              <a:t>Localização:</a:t>
-            </a:r>
-          </a:p>
-          <a:p>
-            <a:endParaRPr lang="pt-PT" dirty="0"/>
-          </a:p>
-          <a:p>
-            <a:r>
-              <a:rPr lang="pt-PT" dirty="0"/>
-              <a:t>Data:</a:t>
-            </a:r>
-          </a:p>
-          <a:p>
-            <a:endParaRPr lang="pt-PT" dirty="0"/>
-          </a:p>
-          <a:p>
-            <a:r>
-              <a:rPr lang="pt-PT" dirty="0"/>
-              <a:t>Preço do bilhete:</a:t>
-            </a:r>
-          </a:p>
-        </p:txBody>
-      </p:sp>
-      <p:sp>
-        <p:nvSpPr>
-          <p:cNvPr id="13" name="CaixaDeTexto 12">
-            <a:extLst>
-              <a:ext uri="{FF2B5EF4-FFF2-40B4-BE49-F238E27FC236}">
-                <a16:creationId xmlns:a16="http://schemas.microsoft.com/office/drawing/2014/main" id="{E9043933-4A9D-0434-6D34-D9D7791C41AE}"/>
-              </a:ext>
-            </a:extLst>
-          </p:cNvPr>
-          <p:cNvSpPr txBox="1"/>
-          <p:nvPr/>
-        </p:nvSpPr>
-        <p:spPr>
-          <a:xfrm>
-            <a:off x="8654897" y="5684104"/>
+              <a:t>Eliminar evento</a:t>
+            </a:r>
+          </a:p>
+        </p:txBody>
+      </p:sp>
+      <p:sp>
+        <p:nvSpPr>
+          <p:cNvPr id="14" name="CaixaDeTexto 13">
+            <a:extLst>
+              <a:ext uri="{FF2B5EF4-FFF2-40B4-BE49-F238E27FC236}">
+                <a16:creationId xmlns:a16="http://schemas.microsoft.com/office/drawing/2014/main" id="{C1D7B2C9-B828-E4B5-62D7-4D4421DBE7EF}"/>
+              </a:ext>
+            </a:extLst>
+          </p:cNvPr>
+          <p:cNvSpPr txBox="1"/>
+          <p:nvPr/>
+        </p:nvSpPr>
+        <p:spPr>
+          <a:xfrm>
+            <a:off x="8654897" y="5083090"/>
             <a:ext cx="2743200" cy="365760"/>
           </a:xfrm>
           <a:prstGeom prst="rect">
@@ -6443,7 +8815,7 @@
 </p:sld>
 </file>
 
-<file path=ppt/slides/slide14.xml><?xml version="1.0" encoding="utf-8"?>
+<file path=ppt/slides/slide16.xml><?xml version="1.0" encoding="utf-8"?>
 <p:sld xmlns:a="http://schemas.openxmlformats.org/drawingml/2006/main" xmlns:r="http://schemas.openxmlformats.org/officeDocument/2006/relationships" xmlns:p="http://schemas.openxmlformats.org/presentationml/2006/main">
   <p:cSld>
     <p:spTree>
@@ -6629,7 +9001,7 @@
           <a:p>
             <a:r>
               <a:rPr lang="pt-PT" dirty="0"/>
-              <a:t>Editar evento X: </a:t>
+              <a:t>Adicionar novo evento: </a:t>
             </a:r>
           </a:p>
         </p:txBody>
@@ -6753,7 +9125,7 @@
         <p:spPr>
           <a:xfrm>
             <a:off x="925872" y="3059405"/>
-            <a:ext cx="4025533" cy="2031325"/>
+            <a:ext cx="4025533" cy="2585323"/>
           </a:xfrm>
           <a:prstGeom prst="rect">
             <a:avLst/>
@@ -6802,6 +9174,15 @@
               <a:t>Preço do bilhete:</a:t>
             </a:r>
           </a:p>
+          <a:p>
+            <a:endParaRPr lang="pt-PT" dirty="0"/>
+          </a:p>
+          <a:p>
+            <a:r>
+              <a:rPr lang="pt-PT" dirty="0"/>
+              <a:t>Descrição:</a:t>
+            </a:r>
+          </a:p>
         </p:txBody>
       </p:sp>
       <p:sp>
@@ -6818,7 +9199,7 @@
         </p:nvSpPr>
         <p:spPr>
           <a:xfrm>
-            <a:off x="7860240" y="5575246"/>
+            <a:off x="7860240" y="5789894"/>
             <a:ext cx="3537857" cy="369332"/>
           </a:xfrm>
           <a:prstGeom prst="rect">
@@ -6870,7 +9251,7 @@
         </p:nvSpPr>
         <p:spPr>
           <a:xfrm>
-            <a:off x="4333268" y="5575246"/>
+            <a:off x="4333268" y="5789894"/>
             <a:ext cx="2743200" cy="365760"/>
           </a:xfrm>
           <a:prstGeom prst="rect">
@@ -6955,7 +9336,7 @@
             <a:pPr algn="ctr"/>
             <a:r>
               <a:rPr lang="pt-PT" dirty="0"/>
-              <a:t>(inserir novo nome)</a:t>
+              <a:t>(inserir nome)</a:t>
             </a:r>
           </a:p>
         </p:txBody>
@@ -7007,7 +9388,7 @@
             <a:pPr algn="ctr"/>
             <a:r>
               <a:rPr lang="pt-PT" dirty="0"/>
-              <a:t>(inserir nova data)</a:t>
+              <a:t>(inserir localização)</a:t>
             </a:r>
           </a:p>
         </p:txBody>
@@ -7059,7 +9440,7 @@
             <a:pPr algn="ctr"/>
             <a:r>
               <a:rPr lang="pt-PT" dirty="0"/>
-              <a:t>(inserir novo tipo)</a:t>
+              <a:t>(inserir data)</a:t>
             </a:r>
           </a:p>
         </p:txBody>
@@ -7111,7 +9492,59 @@
             <a:pPr algn="ctr"/>
             <a:r>
               <a:rPr lang="pt-PT" dirty="0"/>
-              <a:t>(inserir novo tipo)</a:t>
+              <a:t>(inserir preço)</a:t>
+            </a:r>
+          </a:p>
+        </p:txBody>
+      </p:sp>
+      <p:sp>
+        <p:nvSpPr>
+          <p:cNvPr id="9" name="CaixaDeTexto 8">
+            <a:extLst>
+              <a:ext uri="{FF2B5EF4-FFF2-40B4-BE49-F238E27FC236}">
+                <a16:creationId xmlns:a16="http://schemas.microsoft.com/office/drawing/2014/main" id="{F067A50F-083E-38B0-FD77-9D892E3E58CB}"/>
+              </a:ext>
+            </a:extLst>
+          </p:cNvPr>
+          <p:cNvSpPr txBox="1"/>
+          <p:nvPr/>
+        </p:nvSpPr>
+        <p:spPr>
+          <a:xfrm>
+            <a:off x="3212039" y="5284244"/>
+            <a:ext cx="2743200" cy="365760"/>
+          </a:xfrm>
+          <a:prstGeom prst="rect">
+            <a:avLst/>
+          </a:prstGeom>
+        </p:spPr>
+        <p:style>
+          <a:lnRef idx="2">
+            <a:schemeClr val="dk1"/>
+          </a:lnRef>
+          <a:fillRef idx="1">
+            <a:schemeClr val="lt1"/>
+          </a:fillRef>
+          <a:effectRef idx="0">
+            <a:schemeClr val="dk1"/>
+          </a:effectRef>
+          <a:fontRef idx="minor">
+            <a:schemeClr val="dk1"/>
+          </a:fontRef>
+        </p:style>
+        <p:txBody>
+          <a:bodyPr rot="0" spcFirstLastPara="0" vertOverflow="overflow" horzOverflow="overflow" vert="horz" wrap="square" lIns="91440" tIns="45720" rIns="91440" bIns="45720" numCol="1" spcCol="0" rtlCol="0" fromWordArt="0" anchor="t" anchorCtr="0" forceAA="0" compatLnSpc="1">
+            <a:prstTxWarp prst="textNoShape">
+              <a:avLst/>
+            </a:prstTxWarp>
+            <a:spAutoFit/>
+          </a:bodyPr>
+          <a:lstStyle/>
+          <a:p>
+            <a:pPr algn="ctr"/>
+            <a:r>
+              <a:rPr lang="pt-PT" dirty="0"/>
+              <a:t>(inserir descrição)</a:t>
             </a:r>
           </a:p>
         </p:txBody>
@@ -7120,6 +9553,2573 @@
     <p:extLst>
       <p:ext uri="{BB962C8B-B14F-4D97-AF65-F5344CB8AC3E}">
         <p14:creationId xmlns:p14="http://schemas.microsoft.com/office/powerpoint/2010/main" val="555068930"/>
+      </p:ext>
+    </p:extLst>
+  </p:cSld>
+  <p:clrMapOvr>
+    <a:masterClrMapping/>
+  </p:clrMapOvr>
+</p:sld>
+</file>
+
+<file path=ppt/slides/slide17.xml><?xml version="1.0" encoding="utf-8"?>
+<p:sld xmlns:a="http://schemas.openxmlformats.org/drawingml/2006/main" xmlns:r="http://schemas.openxmlformats.org/officeDocument/2006/relationships" xmlns:p="http://schemas.openxmlformats.org/presentationml/2006/main">
+  <p:cSld>
+    <p:spTree>
+      <p:nvGrpSpPr>
+        <p:cNvPr id="1" name="">
+          <a:extLst>
+            <a:ext uri="{FF2B5EF4-FFF2-40B4-BE49-F238E27FC236}">
+              <a16:creationId xmlns:a16="http://schemas.microsoft.com/office/drawing/2014/main" id="{B5D77072-E9DF-D124-1847-871857CA369E}"/>
+            </a:ext>
+          </a:extLst>
+        </p:cNvPr>
+        <p:cNvGrpSpPr/>
+        <p:nvPr/>
+      </p:nvGrpSpPr>
+      <p:grpSpPr>
+        <a:xfrm>
+          <a:off x="0" y="0"/>
+          <a:ext cx="0" cy="0"/>
+          <a:chOff x="0" y="0"/>
+          <a:chExt cx="0" cy="0"/>
+        </a:xfrm>
+      </p:grpSpPr>
+      <p:sp>
+        <p:nvSpPr>
+          <p:cNvPr id="2" name="CaixaDeTexto 1">
+            <a:extLst>
+              <a:ext uri="{FF2B5EF4-FFF2-40B4-BE49-F238E27FC236}">
+                <a16:creationId xmlns:a16="http://schemas.microsoft.com/office/drawing/2014/main" id="{3D7B3734-41AF-5D38-8393-A3F808A19489}"/>
+              </a:ext>
+            </a:extLst>
+          </p:cNvPr>
+          <p:cNvSpPr txBox="1"/>
+          <p:nvPr/>
+        </p:nvSpPr>
+        <p:spPr>
+          <a:xfrm>
+            <a:off x="0" y="13418"/>
+            <a:ext cx="12170530" cy="1784653"/>
+          </a:xfrm>
+          <a:prstGeom prst="rect">
+            <a:avLst/>
+          </a:prstGeom>
+          <a:noFill/>
+        </p:spPr>
+        <p:txBody>
+          <a:bodyPr rot="0" spcFirstLastPara="0" vertOverflow="overflow" horzOverflow="overflow" vert="horz" wrap="square" lIns="91440" tIns="45720" rIns="91440" bIns="45720" numCol="1" spcCol="0" rtlCol="0" fromWordArt="0" anchor="t" anchorCtr="0" forceAA="0" compatLnSpc="1">
+            <a:prstTxWarp prst="textNoShape">
+              <a:avLst/>
+            </a:prstTxWarp>
+            <a:spAutoFit/>
+          </a:bodyPr>
+          <a:lstStyle/>
+          <a:p>
+            <a:pPr algn="l"/>
+            <a:endParaRPr lang="pt-PT"/>
+          </a:p>
+        </p:txBody>
+      </p:sp>
+      <p:sp>
+        <p:nvSpPr>
+          <p:cNvPr id="4" name="CaixaDeTexto 3">
+            <a:extLst>
+              <a:ext uri="{FF2B5EF4-FFF2-40B4-BE49-F238E27FC236}">
+                <a16:creationId xmlns:a16="http://schemas.microsoft.com/office/drawing/2014/main" id="{FAE858C8-A49D-9E23-518F-FB5B3ADDDA8A}"/>
+              </a:ext>
+            </a:extLst>
+          </p:cNvPr>
+          <p:cNvSpPr txBox="1"/>
+          <p:nvPr/>
+        </p:nvSpPr>
+        <p:spPr>
+          <a:xfrm>
+            <a:off x="1392115" y="1143000"/>
+            <a:ext cx="3839307" cy="1055076"/>
+          </a:xfrm>
+          <a:prstGeom prst="rect">
+            <a:avLst/>
+          </a:prstGeom>
+          <a:noFill/>
+        </p:spPr>
+        <p:txBody>
+          <a:bodyPr rot="0" spcFirstLastPara="0" vertOverflow="overflow" horzOverflow="overflow" vert="horz" wrap="square" lIns="91440" tIns="45720" rIns="91440" bIns="45720" numCol="1" spcCol="0" rtlCol="0" fromWordArt="0" anchor="t" anchorCtr="0" forceAA="0" compatLnSpc="1">
+            <a:prstTxWarp prst="textNoShape">
+              <a:avLst/>
+            </a:prstTxWarp>
+            <a:spAutoFit/>
+          </a:bodyPr>
+          <a:lstStyle/>
+          <a:p>
+            <a:pPr algn="l"/>
+            <a:endParaRPr lang="pt-PT"/>
+          </a:p>
+        </p:txBody>
+      </p:sp>
+      <p:sp>
+        <p:nvSpPr>
+          <p:cNvPr id="6" name="CaixaDeTexto 5">
+            <a:extLst>
+              <a:ext uri="{FF2B5EF4-FFF2-40B4-BE49-F238E27FC236}">
+                <a16:creationId xmlns:a16="http://schemas.microsoft.com/office/drawing/2014/main" id="{E23A2D20-AB7D-5D32-F1B6-40CAA3B032FE}"/>
+              </a:ext>
+            </a:extLst>
+          </p:cNvPr>
+          <p:cNvSpPr txBox="1"/>
+          <p:nvPr/>
+        </p:nvSpPr>
+        <p:spPr>
+          <a:xfrm>
+            <a:off x="-5861" y="14653"/>
+            <a:ext cx="12171483" cy="1107996"/>
+          </a:xfrm>
+          <a:prstGeom prst="rect">
+            <a:avLst/>
+          </a:prstGeom>
+        </p:spPr>
+        <p:style>
+          <a:lnRef idx="2">
+            <a:schemeClr val="dk1"/>
+          </a:lnRef>
+          <a:fillRef idx="1">
+            <a:schemeClr val="lt1"/>
+          </a:fillRef>
+          <a:effectRef idx="0">
+            <a:schemeClr val="dk1"/>
+          </a:effectRef>
+          <a:fontRef idx="minor">
+            <a:schemeClr val="dk1"/>
+          </a:fontRef>
+        </p:style>
+        <p:txBody>
+          <a:bodyPr rot="0" spcFirstLastPara="0" vertOverflow="overflow" horzOverflow="overflow" vert="horz" wrap="square" lIns="91440" tIns="45720" rIns="91440" bIns="45720" numCol="1" spcCol="0" rtlCol="0" fromWordArt="0" anchor="t" anchorCtr="0" forceAA="0" compatLnSpc="1">
+            <a:prstTxWarp prst="textNoShape">
+              <a:avLst/>
+            </a:prstTxWarp>
+            <a:spAutoFit/>
+          </a:bodyPr>
+          <a:lstStyle/>
+          <a:p>
+            <a:endParaRPr lang="pt-PT" sz="2400" dirty="0"/>
+          </a:p>
+          <a:p>
+            <a:r>
+              <a:rPr lang="pt-PT" sz="2400" dirty="0"/>
+              <a:t>      LOGO      BARRA DE PESQUISA      PERFIL</a:t>
+            </a:r>
+            <a:endParaRPr lang="pt-PT" dirty="0"/>
+          </a:p>
+          <a:p>
+            <a:endParaRPr lang="pt-PT" dirty="0"/>
+          </a:p>
+        </p:txBody>
+      </p:sp>
+      <p:sp>
+        <p:nvSpPr>
+          <p:cNvPr id="7" name="CaixaDeTexto 6">
+            <a:extLst>
+              <a:ext uri="{FF2B5EF4-FFF2-40B4-BE49-F238E27FC236}">
+                <a16:creationId xmlns:a16="http://schemas.microsoft.com/office/drawing/2014/main" id="{F52659E0-D9D3-DD85-01ED-F521DCE74692}"/>
+              </a:ext>
+            </a:extLst>
+          </p:cNvPr>
+          <p:cNvSpPr txBox="1"/>
+          <p:nvPr/>
+        </p:nvSpPr>
+        <p:spPr>
+          <a:xfrm>
+            <a:off x="717619" y="2292698"/>
+            <a:ext cx="5275384" cy="369332"/>
+          </a:xfrm>
+          <a:prstGeom prst="rect">
+            <a:avLst/>
+          </a:prstGeom>
+          <a:noFill/>
+        </p:spPr>
+        <p:txBody>
+          <a:bodyPr rot="0" spcFirstLastPara="0" vertOverflow="overflow" horzOverflow="overflow" vert="horz" wrap="square" lIns="91440" tIns="45720" rIns="91440" bIns="45720" numCol="1" spcCol="0" rtlCol="0" fromWordArt="0" anchor="t" anchorCtr="0" forceAA="0" compatLnSpc="1">
+            <a:prstTxWarp prst="textNoShape">
+              <a:avLst/>
+            </a:prstTxWarp>
+            <a:spAutoFit/>
+          </a:bodyPr>
+          <a:lstStyle/>
+          <a:p>
+            <a:r>
+              <a:rPr lang="pt-PT" dirty="0"/>
+              <a:t>Editar evento X: </a:t>
+            </a:r>
+          </a:p>
+        </p:txBody>
+      </p:sp>
+      <p:sp>
+        <p:nvSpPr>
+          <p:cNvPr id="11" name="CaixaDeTexto 10">
+            <a:extLst>
+              <a:ext uri="{FF2B5EF4-FFF2-40B4-BE49-F238E27FC236}">
+                <a16:creationId xmlns:a16="http://schemas.microsoft.com/office/drawing/2014/main" id="{53CE35A5-8F35-2387-67FC-E0DA39E97469}"/>
+              </a:ext>
+            </a:extLst>
+          </p:cNvPr>
+          <p:cNvSpPr txBox="1"/>
+          <p:nvPr/>
+        </p:nvSpPr>
+        <p:spPr>
+          <a:xfrm>
+            <a:off x="2094" y="1547445"/>
+            <a:ext cx="12177764" cy="461665"/>
+          </a:xfrm>
+          <a:prstGeom prst="rect">
+            <a:avLst/>
+          </a:prstGeom>
+        </p:spPr>
+        <p:style>
+          <a:lnRef idx="2">
+            <a:schemeClr val="dk1"/>
+          </a:lnRef>
+          <a:fillRef idx="1">
+            <a:schemeClr val="lt1"/>
+          </a:fillRef>
+          <a:effectRef idx="0">
+            <a:schemeClr val="dk1"/>
+          </a:effectRef>
+          <a:fontRef idx="minor">
+            <a:schemeClr val="dk1"/>
+          </a:fontRef>
+        </p:style>
+        <p:txBody>
+          <a:bodyPr rot="0" spcFirstLastPara="0" vertOverflow="overflow" horzOverflow="overflow" vert="horz" wrap="square" lIns="91440" tIns="45720" rIns="91440" bIns="45720" numCol="1" spcCol="0" rtlCol="0" fromWordArt="0" anchor="t" anchorCtr="0" forceAA="0" compatLnSpc="1">
+            <a:prstTxWarp prst="textNoShape">
+              <a:avLst/>
+            </a:prstTxWarp>
+            <a:spAutoFit/>
+          </a:bodyPr>
+          <a:lstStyle/>
+          <a:p>
+            <a:pPr algn="ctr"/>
+            <a:r>
+              <a:rPr lang="pt-PT" sz="2400" dirty="0"/>
+              <a:t>Cartas   Veículos   Livros   Bonecos Miniatura   Militares  Eventos</a:t>
+            </a:r>
+          </a:p>
+        </p:txBody>
+      </p:sp>
+      <p:sp>
+        <p:nvSpPr>
+          <p:cNvPr id="5" name="CaixaDeTexto 4">
+            <a:extLst>
+              <a:ext uri="{FF2B5EF4-FFF2-40B4-BE49-F238E27FC236}">
+                <a16:creationId xmlns:a16="http://schemas.microsoft.com/office/drawing/2014/main" id="{F2A0F1E2-48FE-8C27-1077-07D1DF4699D5}"/>
+              </a:ext>
+            </a:extLst>
+          </p:cNvPr>
+          <p:cNvSpPr txBox="1"/>
+          <p:nvPr/>
+        </p:nvSpPr>
+        <p:spPr>
+          <a:xfrm>
+            <a:off x="-3769" y="6490817"/>
+            <a:ext cx="12181115" cy="369332"/>
+          </a:xfrm>
+          <a:prstGeom prst="rect">
+            <a:avLst/>
+          </a:prstGeom>
+        </p:spPr>
+        <p:style>
+          <a:lnRef idx="2">
+            <a:schemeClr val="dk1"/>
+          </a:lnRef>
+          <a:fillRef idx="1">
+            <a:schemeClr val="lt1"/>
+          </a:fillRef>
+          <a:effectRef idx="0">
+            <a:schemeClr val="dk1"/>
+          </a:effectRef>
+          <a:fontRef idx="minor">
+            <a:schemeClr val="dk1"/>
+          </a:fontRef>
+        </p:style>
+        <p:txBody>
+          <a:bodyPr rot="0" spcFirstLastPara="0" vertOverflow="overflow" horzOverflow="overflow" vert="horz" wrap="square" lIns="91440" tIns="45720" rIns="91440" bIns="45720" numCol="1" spcCol="0" rtlCol="0" fromWordArt="0" anchor="t" anchorCtr="0" forceAA="0" compatLnSpc="1">
+            <a:prstTxWarp prst="textNoShape">
+              <a:avLst/>
+            </a:prstTxWarp>
+            <a:spAutoFit/>
+          </a:bodyPr>
+          <a:lstStyle/>
+          <a:p>
+            <a:pPr algn="ctr"/>
+            <a:r>
+              <a:rPr lang="pt-PT" dirty="0"/>
+              <a:t>Desenvolvedores</a:t>
+            </a:r>
+          </a:p>
+        </p:txBody>
+      </p:sp>
+      <p:sp>
+        <p:nvSpPr>
+          <p:cNvPr id="8" name="CaixaDeTexto 7">
+            <a:extLst>
+              <a:ext uri="{FF2B5EF4-FFF2-40B4-BE49-F238E27FC236}">
+                <a16:creationId xmlns:a16="http://schemas.microsoft.com/office/drawing/2014/main" id="{081E0827-7831-2069-9D91-C37F0F94CB44}"/>
+              </a:ext>
+            </a:extLst>
+          </p:cNvPr>
+          <p:cNvSpPr txBox="1"/>
+          <p:nvPr/>
+        </p:nvSpPr>
+        <p:spPr>
+          <a:xfrm>
+            <a:off x="925872" y="2941349"/>
+            <a:ext cx="4025533" cy="2585323"/>
+          </a:xfrm>
+          <a:prstGeom prst="rect">
+            <a:avLst/>
+          </a:prstGeom>
+          <a:noFill/>
+        </p:spPr>
+        <p:txBody>
+          <a:bodyPr rot="0" spcFirstLastPara="0" vertOverflow="overflow" horzOverflow="overflow" vert="horz" wrap="square" lIns="91440" tIns="45720" rIns="91440" bIns="45720" numCol="1" spcCol="0" rtlCol="0" fromWordArt="0" anchor="t" anchorCtr="0" forceAA="0" compatLnSpc="1">
+            <a:prstTxWarp prst="textNoShape">
+              <a:avLst/>
+            </a:prstTxWarp>
+            <a:spAutoFit/>
+          </a:bodyPr>
+          <a:lstStyle/>
+          <a:p>
+            <a:r>
+              <a:rPr lang="pt-PT" dirty="0"/>
+              <a:t>Nome: </a:t>
+            </a:r>
+          </a:p>
+          <a:p>
+            <a:pPr algn="l"/>
+            <a:endParaRPr lang="pt-PT" dirty="0"/>
+          </a:p>
+          <a:p>
+            <a:r>
+              <a:rPr lang="pt-PT" dirty="0"/>
+              <a:t>Localização:</a:t>
+            </a:r>
+          </a:p>
+          <a:p>
+            <a:endParaRPr lang="pt-PT" dirty="0"/>
+          </a:p>
+          <a:p>
+            <a:r>
+              <a:rPr lang="pt-PT" dirty="0"/>
+              <a:t>Data:</a:t>
+            </a:r>
+          </a:p>
+          <a:p>
+            <a:endParaRPr lang="pt-PT" dirty="0"/>
+          </a:p>
+          <a:p>
+            <a:r>
+              <a:rPr lang="pt-PT" dirty="0"/>
+              <a:t>Preço do bilhete:</a:t>
+            </a:r>
+          </a:p>
+          <a:p>
+            <a:endParaRPr lang="pt-PT" dirty="0"/>
+          </a:p>
+          <a:p>
+            <a:r>
+              <a:rPr lang="pt-PT" dirty="0"/>
+              <a:t>Descrição:</a:t>
+            </a:r>
+          </a:p>
+        </p:txBody>
+      </p:sp>
+      <p:sp>
+        <p:nvSpPr>
+          <p:cNvPr id="10" name="CaixaDeTexto 9">
+            <a:extLst>
+              <a:ext uri="{FF2B5EF4-FFF2-40B4-BE49-F238E27FC236}">
+                <a16:creationId xmlns:a16="http://schemas.microsoft.com/office/drawing/2014/main" id="{04E42802-4E52-B501-62CE-8917EA614F82}"/>
+              </a:ext>
+            </a:extLst>
+          </p:cNvPr>
+          <p:cNvSpPr txBox="1"/>
+          <p:nvPr/>
+        </p:nvSpPr>
+        <p:spPr>
+          <a:xfrm>
+            <a:off x="7860240" y="5779161"/>
+            <a:ext cx="3537857" cy="369332"/>
+          </a:xfrm>
+          <a:prstGeom prst="rect">
+            <a:avLst/>
+          </a:prstGeom>
+        </p:spPr>
+        <p:style>
+          <a:lnRef idx="2">
+            <a:schemeClr val="dk1"/>
+          </a:lnRef>
+          <a:fillRef idx="1">
+            <a:schemeClr val="lt1"/>
+          </a:fillRef>
+          <a:effectRef idx="0">
+            <a:schemeClr val="dk1"/>
+          </a:effectRef>
+          <a:fontRef idx="minor">
+            <a:schemeClr val="dk1"/>
+          </a:fontRef>
+        </p:style>
+        <p:txBody>
+          <a:bodyPr rot="0" spcFirstLastPara="0" vertOverflow="overflow" horzOverflow="overflow" vert="horz" wrap="square" lIns="91440" tIns="45720" rIns="91440" bIns="45720" numCol="1" spcCol="0" rtlCol="0" fromWordArt="0" anchor="t" anchorCtr="0" forceAA="0" compatLnSpc="1">
+            <a:prstTxWarp prst="textNoShape">
+              <a:avLst/>
+            </a:prstTxWarp>
+            <a:spAutoFit/>
+          </a:bodyPr>
+          <a:lstStyle/>
+          <a:p>
+            <a:pPr algn="ctr"/>
+            <a:r>
+              <a:rPr lang="pt-PT" dirty="0"/>
+              <a:t>Desfazer alterações e voltar atrás</a:t>
+            </a:r>
+          </a:p>
+        </p:txBody>
+      </p:sp>
+      <p:sp>
+        <p:nvSpPr>
+          <p:cNvPr id="12" name="CaixaDeTexto 11">
+            <a:extLst>
+              <a:ext uri="{FF2B5EF4-FFF2-40B4-BE49-F238E27FC236}">
+                <a16:creationId xmlns:a16="http://schemas.microsoft.com/office/drawing/2014/main" id="{C8EEF02D-9747-8AC4-0322-D4D785C07E94}"/>
+              </a:ext>
+            </a:extLst>
+          </p:cNvPr>
+          <p:cNvSpPr txBox="1"/>
+          <p:nvPr/>
+        </p:nvSpPr>
+        <p:spPr>
+          <a:xfrm>
+            <a:off x="4333268" y="5779161"/>
+            <a:ext cx="2743200" cy="365760"/>
+          </a:xfrm>
+          <a:prstGeom prst="rect">
+            <a:avLst/>
+          </a:prstGeom>
+        </p:spPr>
+        <p:style>
+          <a:lnRef idx="2">
+            <a:schemeClr val="dk1"/>
+          </a:lnRef>
+          <a:fillRef idx="1">
+            <a:schemeClr val="lt1"/>
+          </a:fillRef>
+          <a:effectRef idx="0">
+            <a:schemeClr val="dk1"/>
+          </a:effectRef>
+          <a:fontRef idx="minor">
+            <a:schemeClr val="dk1"/>
+          </a:fontRef>
+        </p:style>
+        <p:txBody>
+          <a:bodyPr rot="0" spcFirstLastPara="0" vertOverflow="overflow" horzOverflow="overflow" vert="horz" wrap="square" lIns="91440" tIns="45720" rIns="91440" bIns="45720" numCol="1" spcCol="0" rtlCol="0" fromWordArt="0" anchor="t" anchorCtr="0" forceAA="0" compatLnSpc="1">
+            <a:prstTxWarp prst="textNoShape">
+              <a:avLst/>
+            </a:prstTxWarp>
+            <a:spAutoFit/>
+          </a:bodyPr>
+          <a:lstStyle/>
+          <a:p>
+            <a:pPr algn="ctr"/>
+            <a:r>
+              <a:rPr lang="pt-PT" dirty="0"/>
+              <a:t>Confirmar</a:t>
+            </a:r>
+          </a:p>
+        </p:txBody>
+      </p:sp>
+      <p:sp>
+        <p:nvSpPr>
+          <p:cNvPr id="13" name="CaixaDeTexto 12">
+            <a:extLst>
+              <a:ext uri="{FF2B5EF4-FFF2-40B4-BE49-F238E27FC236}">
+                <a16:creationId xmlns:a16="http://schemas.microsoft.com/office/drawing/2014/main" id="{E8120320-4FCF-870A-9997-1B23C7D2EB93}"/>
+              </a:ext>
+            </a:extLst>
+          </p:cNvPr>
+          <p:cNvSpPr txBox="1"/>
+          <p:nvPr/>
+        </p:nvSpPr>
+        <p:spPr>
+          <a:xfrm>
+            <a:off x="3212039" y="2942590"/>
+            <a:ext cx="2743200" cy="365760"/>
+          </a:xfrm>
+          <a:prstGeom prst="rect">
+            <a:avLst/>
+          </a:prstGeom>
+        </p:spPr>
+        <p:style>
+          <a:lnRef idx="2">
+            <a:schemeClr val="dk1"/>
+          </a:lnRef>
+          <a:fillRef idx="1">
+            <a:schemeClr val="lt1"/>
+          </a:fillRef>
+          <a:effectRef idx="0">
+            <a:schemeClr val="dk1"/>
+          </a:effectRef>
+          <a:fontRef idx="minor">
+            <a:schemeClr val="dk1"/>
+          </a:fontRef>
+        </p:style>
+        <p:txBody>
+          <a:bodyPr rot="0" spcFirstLastPara="0" vertOverflow="overflow" horzOverflow="overflow" vert="horz" wrap="square" lIns="91440" tIns="45720" rIns="91440" bIns="45720" numCol="1" spcCol="0" rtlCol="0" fromWordArt="0" anchor="t" anchorCtr="0" forceAA="0" compatLnSpc="1">
+            <a:prstTxWarp prst="textNoShape">
+              <a:avLst/>
+            </a:prstTxWarp>
+            <a:spAutoFit/>
+          </a:bodyPr>
+          <a:lstStyle/>
+          <a:p>
+            <a:pPr algn="ctr"/>
+            <a:r>
+              <a:rPr lang="pt-PT" dirty="0"/>
+              <a:t>(inserir novo nome)</a:t>
+            </a:r>
+          </a:p>
+        </p:txBody>
+      </p:sp>
+      <p:sp>
+        <p:nvSpPr>
+          <p:cNvPr id="14" name="CaixaDeTexto 13">
+            <a:extLst>
+              <a:ext uri="{FF2B5EF4-FFF2-40B4-BE49-F238E27FC236}">
+                <a16:creationId xmlns:a16="http://schemas.microsoft.com/office/drawing/2014/main" id="{BABD15FA-01B6-210C-A970-3DCC45700A55}"/>
+              </a:ext>
+            </a:extLst>
+          </p:cNvPr>
+          <p:cNvSpPr txBox="1"/>
+          <p:nvPr/>
+        </p:nvSpPr>
+        <p:spPr>
+          <a:xfrm>
+            <a:off x="3212039" y="3497761"/>
+            <a:ext cx="2743200" cy="365760"/>
+          </a:xfrm>
+          <a:prstGeom prst="rect">
+            <a:avLst/>
+          </a:prstGeom>
+        </p:spPr>
+        <p:style>
+          <a:lnRef idx="2">
+            <a:schemeClr val="dk1"/>
+          </a:lnRef>
+          <a:fillRef idx="1">
+            <a:schemeClr val="lt1"/>
+          </a:fillRef>
+          <a:effectRef idx="0">
+            <a:schemeClr val="dk1"/>
+          </a:effectRef>
+          <a:fontRef idx="minor">
+            <a:schemeClr val="dk1"/>
+          </a:fontRef>
+        </p:style>
+        <p:txBody>
+          <a:bodyPr rot="0" spcFirstLastPara="0" vertOverflow="overflow" horzOverflow="overflow" vert="horz" wrap="square" lIns="91440" tIns="45720" rIns="91440" bIns="45720" numCol="1" spcCol="0" rtlCol="0" fromWordArt="0" anchor="t" anchorCtr="0" forceAA="0" compatLnSpc="1">
+            <a:prstTxWarp prst="textNoShape">
+              <a:avLst/>
+            </a:prstTxWarp>
+            <a:spAutoFit/>
+          </a:bodyPr>
+          <a:lstStyle/>
+          <a:p>
+            <a:pPr algn="ctr"/>
+            <a:r>
+              <a:rPr lang="pt-PT" dirty="0"/>
+              <a:t>(inserir nova localização)</a:t>
+            </a:r>
+          </a:p>
+        </p:txBody>
+      </p:sp>
+      <p:sp>
+        <p:nvSpPr>
+          <p:cNvPr id="15" name="CaixaDeTexto 14">
+            <a:extLst>
+              <a:ext uri="{FF2B5EF4-FFF2-40B4-BE49-F238E27FC236}">
+                <a16:creationId xmlns:a16="http://schemas.microsoft.com/office/drawing/2014/main" id="{F270C2CA-D9D1-55AC-287C-A0A31C440382}"/>
+              </a:ext>
+            </a:extLst>
+          </p:cNvPr>
+          <p:cNvSpPr txBox="1"/>
+          <p:nvPr/>
+        </p:nvSpPr>
+        <p:spPr>
+          <a:xfrm>
+            <a:off x="3212039" y="4074704"/>
+            <a:ext cx="2743200" cy="365760"/>
+          </a:xfrm>
+          <a:prstGeom prst="rect">
+            <a:avLst/>
+          </a:prstGeom>
+        </p:spPr>
+        <p:style>
+          <a:lnRef idx="2">
+            <a:schemeClr val="dk1"/>
+          </a:lnRef>
+          <a:fillRef idx="1">
+            <a:schemeClr val="lt1"/>
+          </a:fillRef>
+          <a:effectRef idx="0">
+            <a:schemeClr val="dk1"/>
+          </a:effectRef>
+          <a:fontRef idx="minor">
+            <a:schemeClr val="dk1"/>
+          </a:fontRef>
+        </p:style>
+        <p:txBody>
+          <a:bodyPr rot="0" spcFirstLastPara="0" vertOverflow="overflow" horzOverflow="overflow" vert="horz" wrap="square" lIns="91440" tIns="45720" rIns="91440" bIns="45720" numCol="1" spcCol="0" rtlCol="0" fromWordArt="0" anchor="t" anchorCtr="0" forceAA="0" compatLnSpc="1">
+            <a:prstTxWarp prst="textNoShape">
+              <a:avLst/>
+            </a:prstTxWarp>
+            <a:spAutoFit/>
+          </a:bodyPr>
+          <a:lstStyle/>
+          <a:p>
+            <a:pPr algn="ctr"/>
+            <a:r>
+              <a:rPr lang="pt-PT" dirty="0"/>
+              <a:t>(inserir nova data)</a:t>
+            </a:r>
+          </a:p>
+        </p:txBody>
+      </p:sp>
+      <p:sp>
+        <p:nvSpPr>
+          <p:cNvPr id="3" name="CaixaDeTexto 2">
+            <a:extLst>
+              <a:ext uri="{FF2B5EF4-FFF2-40B4-BE49-F238E27FC236}">
+                <a16:creationId xmlns:a16="http://schemas.microsoft.com/office/drawing/2014/main" id="{D3E6B070-99AD-4041-760B-3F4DDC962388}"/>
+              </a:ext>
+            </a:extLst>
+          </p:cNvPr>
+          <p:cNvSpPr txBox="1"/>
+          <p:nvPr/>
+        </p:nvSpPr>
+        <p:spPr>
+          <a:xfrm>
+            <a:off x="3212039" y="4608104"/>
+            <a:ext cx="2743200" cy="365760"/>
+          </a:xfrm>
+          <a:prstGeom prst="rect">
+            <a:avLst/>
+          </a:prstGeom>
+        </p:spPr>
+        <p:style>
+          <a:lnRef idx="2">
+            <a:schemeClr val="dk1"/>
+          </a:lnRef>
+          <a:fillRef idx="1">
+            <a:schemeClr val="lt1"/>
+          </a:fillRef>
+          <a:effectRef idx="0">
+            <a:schemeClr val="dk1"/>
+          </a:effectRef>
+          <a:fontRef idx="minor">
+            <a:schemeClr val="dk1"/>
+          </a:fontRef>
+        </p:style>
+        <p:txBody>
+          <a:bodyPr rot="0" spcFirstLastPara="0" vertOverflow="overflow" horzOverflow="overflow" vert="horz" wrap="square" lIns="91440" tIns="45720" rIns="91440" bIns="45720" numCol="1" spcCol="0" rtlCol="0" fromWordArt="0" anchor="t" anchorCtr="0" forceAA="0" compatLnSpc="1">
+            <a:prstTxWarp prst="textNoShape">
+              <a:avLst/>
+            </a:prstTxWarp>
+            <a:spAutoFit/>
+          </a:bodyPr>
+          <a:lstStyle/>
+          <a:p>
+            <a:pPr algn="ctr"/>
+            <a:r>
+              <a:rPr lang="pt-PT" dirty="0"/>
+              <a:t>(inserir novo preço)</a:t>
+            </a:r>
+          </a:p>
+        </p:txBody>
+      </p:sp>
+      <p:sp>
+        <p:nvSpPr>
+          <p:cNvPr id="16" name="CaixaDeTexto 15">
+            <a:extLst>
+              <a:ext uri="{FF2B5EF4-FFF2-40B4-BE49-F238E27FC236}">
+                <a16:creationId xmlns:a16="http://schemas.microsoft.com/office/drawing/2014/main" id="{F11F19A0-0CF7-063D-E3E6-EA048AFC3DEA}"/>
+              </a:ext>
+            </a:extLst>
+          </p:cNvPr>
+          <p:cNvSpPr txBox="1"/>
+          <p:nvPr/>
+        </p:nvSpPr>
+        <p:spPr>
+          <a:xfrm>
+            <a:off x="3212039" y="5166188"/>
+            <a:ext cx="2743200" cy="365760"/>
+          </a:xfrm>
+          <a:prstGeom prst="rect">
+            <a:avLst/>
+          </a:prstGeom>
+        </p:spPr>
+        <p:style>
+          <a:lnRef idx="2">
+            <a:schemeClr val="dk1"/>
+          </a:lnRef>
+          <a:fillRef idx="1">
+            <a:schemeClr val="lt1"/>
+          </a:fillRef>
+          <a:effectRef idx="0">
+            <a:schemeClr val="dk1"/>
+          </a:effectRef>
+          <a:fontRef idx="minor">
+            <a:schemeClr val="dk1"/>
+          </a:fontRef>
+        </p:style>
+        <p:txBody>
+          <a:bodyPr rot="0" spcFirstLastPara="0" vertOverflow="overflow" horzOverflow="overflow" vert="horz" wrap="square" lIns="91440" tIns="45720" rIns="91440" bIns="45720" numCol="1" spcCol="0" rtlCol="0" fromWordArt="0" anchor="t" anchorCtr="0" forceAA="0" compatLnSpc="1">
+            <a:prstTxWarp prst="textNoShape">
+              <a:avLst/>
+            </a:prstTxWarp>
+            <a:spAutoFit/>
+          </a:bodyPr>
+          <a:lstStyle/>
+          <a:p>
+            <a:pPr algn="ctr"/>
+            <a:r>
+              <a:rPr lang="pt-PT" dirty="0"/>
+              <a:t>(inserir nova descrição)</a:t>
+            </a:r>
+          </a:p>
+        </p:txBody>
+      </p:sp>
+    </p:spTree>
+    <p:extLst>
+      <p:ext uri="{BB962C8B-B14F-4D97-AF65-F5344CB8AC3E}">
+        <p14:creationId xmlns:p14="http://schemas.microsoft.com/office/powerpoint/2010/main" val="771149491"/>
+      </p:ext>
+    </p:extLst>
+  </p:cSld>
+  <p:clrMapOvr>
+    <a:masterClrMapping/>
+  </p:clrMapOvr>
+</p:sld>
+</file>
+
+<file path=ppt/slides/slide18.xml><?xml version="1.0" encoding="utf-8"?>
+<p:sld xmlns:a="http://schemas.openxmlformats.org/drawingml/2006/main" xmlns:r="http://schemas.openxmlformats.org/officeDocument/2006/relationships" xmlns:p="http://schemas.openxmlformats.org/presentationml/2006/main">
+  <p:cSld>
+    <p:spTree>
+      <p:nvGrpSpPr>
+        <p:cNvPr id="1" name="">
+          <a:extLst>
+            <a:ext uri="{FF2B5EF4-FFF2-40B4-BE49-F238E27FC236}">
+              <a16:creationId xmlns:a16="http://schemas.microsoft.com/office/drawing/2014/main" id="{054CD630-93B9-4DE8-1534-5B06324B09E9}"/>
+            </a:ext>
+          </a:extLst>
+        </p:cNvPr>
+        <p:cNvGrpSpPr/>
+        <p:nvPr/>
+      </p:nvGrpSpPr>
+      <p:grpSpPr>
+        <a:xfrm>
+          <a:off x="0" y="0"/>
+          <a:ext cx="0" cy="0"/>
+          <a:chOff x="0" y="0"/>
+          <a:chExt cx="0" cy="0"/>
+        </a:xfrm>
+      </p:grpSpPr>
+      <p:sp>
+        <p:nvSpPr>
+          <p:cNvPr id="2" name="CaixaDeTexto 1">
+            <a:extLst>
+              <a:ext uri="{FF2B5EF4-FFF2-40B4-BE49-F238E27FC236}">
+                <a16:creationId xmlns:a16="http://schemas.microsoft.com/office/drawing/2014/main" id="{4139ABB5-3B7F-6DC7-B8E0-CB2CCC82A5F9}"/>
+              </a:ext>
+            </a:extLst>
+          </p:cNvPr>
+          <p:cNvSpPr txBox="1"/>
+          <p:nvPr/>
+        </p:nvSpPr>
+        <p:spPr>
+          <a:xfrm>
+            <a:off x="0" y="13418"/>
+            <a:ext cx="12170530" cy="1784653"/>
+          </a:xfrm>
+          <a:prstGeom prst="rect">
+            <a:avLst/>
+          </a:prstGeom>
+          <a:noFill/>
+        </p:spPr>
+        <p:txBody>
+          <a:bodyPr rot="0" spcFirstLastPara="0" vertOverflow="overflow" horzOverflow="overflow" vert="horz" wrap="square" lIns="91440" tIns="45720" rIns="91440" bIns="45720" numCol="1" spcCol="0" rtlCol="0" fromWordArt="0" anchor="t" anchorCtr="0" forceAA="0" compatLnSpc="1">
+            <a:prstTxWarp prst="textNoShape">
+              <a:avLst/>
+            </a:prstTxWarp>
+            <a:spAutoFit/>
+          </a:bodyPr>
+          <a:lstStyle/>
+          <a:p>
+            <a:pPr algn="l"/>
+            <a:endParaRPr lang="pt-PT"/>
+          </a:p>
+        </p:txBody>
+      </p:sp>
+      <p:sp>
+        <p:nvSpPr>
+          <p:cNvPr id="4" name="CaixaDeTexto 3">
+            <a:extLst>
+              <a:ext uri="{FF2B5EF4-FFF2-40B4-BE49-F238E27FC236}">
+                <a16:creationId xmlns:a16="http://schemas.microsoft.com/office/drawing/2014/main" id="{7E08AF39-32D4-B3AB-E320-A35B78EA1147}"/>
+              </a:ext>
+            </a:extLst>
+          </p:cNvPr>
+          <p:cNvSpPr txBox="1"/>
+          <p:nvPr/>
+        </p:nvSpPr>
+        <p:spPr>
+          <a:xfrm>
+            <a:off x="1392115" y="1143000"/>
+            <a:ext cx="3839307" cy="1055076"/>
+          </a:xfrm>
+          <a:prstGeom prst="rect">
+            <a:avLst/>
+          </a:prstGeom>
+          <a:noFill/>
+        </p:spPr>
+        <p:txBody>
+          <a:bodyPr rot="0" spcFirstLastPara="0" vertOverflow="overflow" horzOverflow="overflow" vert="horz" wrap="square" lIns="91440" tIns="45720" rIns="91440" bIns="45720" numCol="1" spcCol="0" rtlCol="0" fromWordArt="0" anchor="t" anchorCtr="0" forceAA="0" compatLnSpc="1">
+            <a:prstTxWarp prst="textNoShape">
+              <a:avLst/>
+            </a:prstTxWarp>
+            <a:spAutoFit/>
+          </a:bodyPr>
+          <a:lstStyle/>
+          <a:p>
+            <a:pPr algn="l"/>
+            <a:endParaRPr lang="pt-PT"/>
+          </a:p>
+        </p:txBody>
+      </p:sp>
+      <p:sp>
+        <p:nvSpPr>
+          <p:cNvPr id="6" name="CaixaDeTexto 5">
+            <a:extLst>
+              <a:ext uri="{FF2B5EF4-FFF2-40B4-BE49-F238E27FC236}">
+                <a16:creationId xmlns:a16="http://schemas.microsoft.com/office/drawing/2014/main" id="{E1D1306E-09AD-E813-4C9E-BDA7EE6226A0}"/>
+              </a:ext>
+            </a:extLst>
+          </p:cNvPr>
+          <p:cNvSpPr txBox="1"/>
+          <p:nvPr/>
+        </p:nvSpPr>
+        <p:spPr>
+          <a:xfrm>
+            <a:off x="-5861" y="14653"/>
+            <a:ext cx="12171483" cy="1107996"/>
+          </a:xfrm>
+          <a:prstGeom prst="rect">
+            <a:avLst/>
+          </a:prstGeom>
+        </p:spPr>
+        <p:style>
+          <a:lnRef idx="2">
+            <a:schemeClr val="dk1"/>
+          </a:lnRef>
+          <a:fillRef idx="1">
+            <a:schemeClr val="lt1"/>
+          </a:fillRef>
+          <a:effectRef idx="0">
+            <a:schemeClr val="dk1"/>
+          </a:effectRef>
+          <a:fontRef idx="minor">
+            <a:schemeClr val="dk1"/>
+          </a:fontRef>
+        </p:style>
+        <p:txBody>
+          <a:bodyPr rot="0" spcFirstLastPara="0" vertOverflow="overflow" horzOverflow="overflow" vert="horz" wrap="square" lIns="91440" tIns="45720" rIns="91440" bIns="45720" numCol="1" spcCol="0" rtlCol="0" fromWordArt="0" anchor="t" anchorCtr="0" forceAA="0" compatLnSpc="1">
+            <a:prstTxWarp prst="textNoShape">
+              <a:avLst/>
+            </a:prstTxWarp>
+            <a:spAutoFit/>
+          </a:bodyPr>
+          <a:lstStyle/>
+          <a:p>
+            <a:endParaRPr lang="pt-PT" sz="2400" dirty="0"/>
+          </a:p>
+          <a:p>
+            <a:r>
+              <a:rPr lang="pt-PT" sz="2400" dirty="0"/>
+              <a:t>      LOGO      BARRA DE PESQUISA      PERFIL</a:t>
+            </a:r>
+            <a:endParaRPr lang="pt-PT" dirty="0"/>
+          </a:p>
+          <a:p>
+            <a:endParaRPr lang="pt-PT" dirty="0"/>
+          </a:p>
+        </p:txBody>
+      </p:sp>
+      <p:sp>
+        <p:nvSpPr>
+          <p:cNvPr id="7" name="CaixaDeTexto 6">
+            <a:extLst>
+              <a:ext uri="{FF2B5EF4-FFF2-40B4-BE49-F238E27FC236}">
+                <a16:creationId xmlns:a16="http://schemas.microsoft.com/office/drawing/2014/main" id="{57A6906F-3ECC-04FA-90DF-97FBDDF7CFE4}"/>
+              </a:ext>
+            </a:extLst>
+          </p:cNvPr>
+          <p:cNvSpPr txBox="1"/>
+          <p:nvPr/>
+        </p:nvSpPr>
+        <p:spPr>
+          <a:xfrm>
+            <a:off x="545901" y="2206839"/>
+            <a:ext cx="5275384" cy="369332"/>
+          </a:xfrm>
+          <a:prstGeom prst="rect">
+            <a:avLst/>
+          </a:prstGeom>
+          <a:noFill/>
+        </p:spPr>
+        <p:txBody>
+          <a:bodyPr rot="0" spcFirstLastPara="0" vertOverflow="overflow" horzOverflow="overflow" vert="horz" wrap="square" lIns="91440" tIns="45720" rIns="91440" bIns="45720" numCol="1" spcCol="0" rtlCol="0" fromWordArt="0" anchor="t" anchorCtr="0" forceAA="0" compatLnSpc="1">
+            <a:prstTxWarp prst="textNoShape">
+              <a:avLst/>
+            </a:prstTxWarp>
+            <a:spAutoFit/>
+          </a:bodyPr>
+          <a:lstStyle/>
+          <a:p>
+            <a:r>
+              <a:rPr lang="pt-PT" dirty="0"/>
+              <a:t>Minhas coleções: </a:t>
+            </a:r>
+          </a:p>
+        </p:txBody>
+      </p:sp>
+      <p:sp>
+        <p:nvSpPr>
+          <p:cNvPr id="11" name="CaixaDeTexto 10">
+            <a:extLst>
+              <a:ext uri="{FF2B5EF4-FFF2-40B4-BE49-F238E27FC236}">
+                <a16:creationId xmlns:a16="http://schemas.microsoft.com/office/drawing/2014/main" id="{AE739B7B-9086-C093-63E2-5170592BD095}"/>
+              </a:ext>
+            </a:extLst>
+          </p:cNvPr>
+          <p:cNvSpPr txBox="1"/>
+          <p:nvPr/>
+        </p:nvSpPr>
+        <p:spPr>
+          <a:xfrm>
+            <a:off x="2094" y="1547445"/>
+            <a:ext cx="12177764" cy="461665"/>
+          </a:xfrm>
+          <a:prstGeom prst="rect">
+            <a:avLst/>
+          </a:prstGeom>
+        </p:spPr>
+        <p:style>
+          <a:lnRef idx="2">
+            <a:schemeClr val="dk1"/>
+          </a:lnRef>
+          <a:fillRef idx="1">
+            <a:schemeClr val="lt1"/>
+          </a:fillRef>
+          <a:effectRef idx="0">
+            <a:schemeClr val="dk1"/>
+          </a:effectRef>
+          <a:fontRef idx="minor">
+            <a:schemeClr val="dk1"/>
+          </a:fontRef>
+        </p:style>
+        <p:txBody>
+          <a:bodyPr rot="0" spcFirstLastPara="0" vertOverflow="overflow" horzOverflow="overflow" vert="horz" wrap="square" lIns="91440" tIns="45720" rIns="91440" bIns="45720" numCol="1" spcCol="0" rtlCol="0" fromWordArt="0" anchor="t" anchorCtr="0" forceAA="0" compatLnSpc="1">
+            <a:prstTxWarp prst="textNoShape">
+              <a:avLst/>
+            </a:prstTxWarp>
+            <a:spAutoFit/>
+          </a:bodyPr>
+          <a:lstStyle/>
+          <a:p>
+            <a:pPr algn="ctr"/>
+            <a:r>
+              <a:rPr lang="pt-PT" sz="2400" dirty="0"/>
+              <a:t>Cartas   Veículos   Livros   Bonecos Miniatura   Militares  Eventos</a:t>
+            </a:r>
+          </a:p>
+        </p:txBody>
+      </p:sp>
+      <p:sp>
+        <p:nvSpPr>
+          <p:cNvPr id="5" name="CaixaDeTexto 4">
+            <a:extLst>
+              <a:ext uri="{FF2B5EF4-FFF2-40B4-BE49-F238E27FC236}">
+                <a16:creationId xmlns:a16="http://schemas.microsoft.com/office/drawing/2014/main" id="{C7CEE07F-FA78-AEF9-6450-4E50A9F7F38A}"/>
+              </a:ext>
+            </a:extLst>
+          </p:cNvPr>
+          <p:cNvSpPr txBox="1"/>
+          <p:nvPr/>
+        </p:nvSpPr>
+        <p:spPr>
+          <a:xfrm>
+            <a:off x="-3769" y="6490817"/>
+            <a:ext cx="12181115" cy="369332"/>
+          </a:xfrm>
+          <a:prstGeom prst="rect">
+            <a:avLst/>
+          </a:prstGeom>
+        </p:spPr>
+        <p:style>
+          <a:lnRef idx="2">
+            <a:schemeClr val="dk1"/>
+          </a:lnRef>
+          <a:fillRef idx="1">
+            <a:schemeClr val="lt1"/>
+          </a:fillRef>
+          <a:effectRef idx="0">
+            <a:schemeClr val="dk1"/>
+          </a:effectRef>
+          <a:fontRef idx="minor">
+            <a:schemeClr val="dk1"/>
+          </a:fontRef>
+        </p:style>
+        <p:txBody>
+          <a:bodyPr rot="0" spcFirstLastPara="0" vertOverflow="overflow" horzOverflow="overflow" vert="horz" wrap="square" lIns="91440" tIns="45720" rIns="91440" bIns="45720" numCol="1" spcCol="0" rtlCol="0" fromWordArt="0" anchor="t" anchorCtr="0" forceAA="0" compatLnSpc="1">
+            <a:prstTxWarp prst="textNoShape">
+              <a:avLst/>
+            </a:prstTxWarp>
+            <a:spAutoFit/>
+          </a:bodyPr>
+          <a:lstStyle/>
+          <a:p>
+            <a:pPr algn="ctr"/>
+            <a:r>
+              <a:rPr lang="pt-PT" dirty="0"/>
+              <a:t>Desenvolvedores</a:t>
+            </a:r>
+          </a:p>
+        </p:txBody>
+      </p:sp>
+      <p:sp>
+        <p:nvSpPr>
+          <p:cNvPr id="17" name="CaixaDeTexto 16">
+            <a:extLst>
+              <a:ext uri="{FF2B5EF4-FFF2-40B4-BE49-F238E27FC236}">
+                <a16:creationId xmlns:a16="http://schemas.microsoft.com/office/drawing/2014/main" id="{0D91D661-9E35-0CFA-4B22-C100FB864F27}"/>
+              </a:ext>
+            </a:extLst>
+          </p:cNvPr>
+          <p:cNvSpPr txBox="1"/>
+          <p:nvPr/>
+        </p:nvSpPr>
+        <p:spPr>
+          <a:xfrm>
+            <a:off x="8670695" y="2473900"/>
+            <a:ext cx="2743200" cy="365760"/>
+          </a:xfrm>
+          <a:prstGeom prst="rect">
+            <a:avLst/>
+          </a:prstGeom>
+        </p:spPr>
+        <p:style>
+          <a:lnRef idx="2">
+            <a:schemeClr val="dk1"/>
+          </a:lnRef>
+          <a:fillRef idx="1">
+            <a:schemeClr val="lt1"/>
+          </a:fillRef>
+          <a:effectRef idx="0">
+            <a:schemeClr val="dk1"/>
+          </a:effectRef>
+          <a:fontRef idx="minor">
+            <a:schemeClr val="dk1"/>
+          </a:fontRef>
+        </p:style>
+        <p:txBody>
+          <a:bodyPr rot="0" spcFirstLastPara="0" vertOverflow="overflow" horzOverflow="overflow" vert="horz" wrap="square" lIns="91440" tIns="45720" rIns="91440" bIns="45720" numCol="1" spcCol="0" rtlCol="0" fromWordArt="0" anchor="t" anchorCtr="0" forceAA="0" compatLnSpc="1">
+            <a:prstTxWarp prst="textNoShape">
+              <a:avLst/>
+            </a:prstTxWarp>
+            <a:spAutoFit/>
+          </a:bodyPr>
+          <a:lstStyle/>
+          <a:p>
+            <a:pPr algn="ctr"/>
+            <a:r>
+              <a:rPr lang="pt-PT" dirty="0"/>
+              <a:t>Adicionar coleção</a:t>
+            </a:r>
+          </a:p>
+        </p:txBody>
+      </p:sp>
+      <p:sp>
+        <p:nvSpPr>
+          <p:cNvPr id="18" name="CaixaDeTexto 17">
+            <a:extLst>
+              <a:ext uri="{FF2B5EF4-FFF2-40B4-BE49-F238E27FC236}">
+                <a16:creationId xmlns:a16="http://schemas.microsoft.com/office/drawing/2014/main" id="{4635A197-FC8D-7DFC-6980-1798265425BC}"/>
+              </a:ext>
+            </a:extLst>
+          </p:cNvPr>
+          <p:cNvSpPr txBox="1"/>
+          <p:nvPr/>
+        </p:nvSpPr>
+        <p:spPr>
+          <a:xfrm>
+            <a:off x="912254" y="2656268"/>
+            <a:ext cx="7759521" cy="3831818"/>
+          </a:xfrm>
+          <a:prstGeom prst="rect">
+            <a:avLst/>
+          </a:prstGeom>
+          <a:noFill/>
+        </p:spPr>
+        <p:txBody>
+          <a:bodyPr rot="0" spcFirstLastPara="0" vertOverflow="overflow" horzOverflow="overflow" vert="horz" wrap="square" lIns="91440" tIns="45720" rIns="91440" bIns="45720" numCol="1" spcCol="0" rtlCol="0" fromWordArt="0" anchor="t" anchorCtr="0" forceAA="0" compatLnSpc="1">
+            <a:prstTxWarp prst="textNoShape">
+              <a:avLst/>
+            </a:prstTxWarp>
+            <a:spAutoFit/>
+          </a:bodyPr>
+          <a:lstStyle/>
+          <a:p>
+            <a:pPr algn="l" rtl="0">
+              <a:lnSpc>
+                <a:spcPts val="1500"/>
+              </a:lnSpc>
+            </a:pPr>
+            <a:r>
+              <a:rPr lang="pt-PT" b="0" i="0" u="none" strike="noStrike" baseline="0" dirty="0">
+                <a:solidFill>
+                  <a:srgbClr val="000000"/>
+                </a:solidFill>
+                <a:latin typeface="Aptos"/>
+                <a:ea typeface="Segoe UI"/>
+                <a:cs typeface="Segoe UI"/>
+              </a:rPr>
+              <a:t> 1 (</a:t>
+            </a:r>
+            <a:r>
+              <a:rPr lang="pt-PT" b="0" i="0" u="none" strike="noStrike" baseline="0" err="1">
+                <a:solidFill>
+                  <a:srgbClr val="000000"/>
+                </a:solidFill>
+                <a:latin typeface="Aptos"/>
+                <a:ea typeface="Segoe UI"/>
+                <a:cs typeface="Segoe UI"/>
+              </a:rPr>
+              <a:t>clicavel</a:t>
+            </a:r>
+            <a:r>
+              <a:rPr lang="pt-PT" b="0" i="0" u="none" strike="noStrike" baseline="0" dirty="0">
+                <a:solidFill>
+                  <a:srgbClr val="000000"/>
+                </a:solidFill>
+                <a:latin typeface="Aptos"/>
+                <a:ea typeface="Segoe UI"/>
+                <a:cs typeface="Segoe UI"/>
+              </a:rPr>
+              <a:t>)</a:t>
+            </a:r>
+            <a:r>
+              <a:rPr lang="en-US" b="0" i="0" dirty="0">
+                <a:solidFill>
+                  <a:srgbClr val="000000"/>
+                </a:solidFill>
+                <a:latin typeface="Aptos"/>
+                <a:ea typeface="Segoe UI"/>
+                <a:cs typeface="Segoe UI"/>
+              </a:rPr>
+              <a:t>​</a:t>
+            </a:r>
+          </a:p>
+          <a:p>
+            <a:pPr>
+              <a:lnSpc>
+                <a:spcPts val="1500"/>
+              </a:lnSpc>
+            </a:pPr>
+            <a:endParaRPr lang="en-US" dirty="0">
+              <a:solidFill>
+                <a:srgbClr val="000000"/>
+              </a:solidFill>
+              <a:latin typeface="Aptos"/>
+              <a:ea typeface="Segoe UI"/>
+              <a:cs typeface="Segoe UI"/>
+            </a:endParaRPr>
+          </a:p>
+          <a:p>
+            <a:pPr>
+              <a:lnSpc>
+                <a:spcPts val="1500"/>
+              </a:lnSpc>
+            </a:pPr>
+            <a:r>
+              <a:rPr lang="pt-PT" dirty="0">
+                <a:solidFill>
+                  <a:srgbClr val="000000"/>
+                </a:solidFill>
+                <a:latin typeface="Aptos"/>
+                <a:ea typeface="Segoe UI"/>
+                <a:cs typeface="Segoe UI"/>
+              </a:rPr>
+              <a:t>Descrição da coleção 1</a:t>
+            </a:r>
+            <a:endParaRPr lang="pt-PT" b="0" i="0" dirty="0">
+              <a:solidFill>
+                <a:srgbClr val="000000"/>
+              </a:solidFill>
+              <a:latin typeface="Aptos"/>
+              <a:ea typeface="Segoe UI"/>
+              <a:cs typeface="Segoe UI"/>
+            </a:endParaRPr>
+          </a:p>
+          <a:p>
+            <a:pPr>
+              <a:lnSpc>
+                <a:spcPts val="1500"/>
+              </a:lnSpc>
+            </a:pPr>
+            <a:endParaRPr lang="pt-PT" dirty="0">
+              <a:solidFill>
+                <a:srgbClr val="000000"/>
+              </a:solidFill>
+              <a:latin typeface="Aptos"/>
+              <a:ea typeface="Segoe UI"/>
+              <a:cs typeface="Segoe UI"/>
+            </a:endParaRPr>
+          </a:p>
+          <a:p>
+            <a:pPr algn="l" rtl="0">
+              <a:lnSpc>
+                <a:spcPts val="1500"/>
+              </a:lnSpc>
+            </a:pPr>
+            <a:r>
+              <a:rPr lang="pt-PT" b="0" i="0" dirty="0">
+                <a:solidFill>
+                  <a:srgbClr val="000000"/>
+                </a:solidFill>
+                <a:latin typeface="Aptos"/>
+                <a:ea typeface="Segoe UI"/>
+                <a:cs typeface="Segoe UI"/>
+              </a:rPr>
+              <a:t>​</a:t>
+            </a:r>
+          </a:p>
+          <a:p>
+            <a:pPr algn="l" rtl="0">
+              <a:lnSpc>
+                <a:spcPts val="1500"/>
+              </a:lnSpc>
+            </a:pPr>
+            <a:r>
+              <a:rPr lang="pt-PT" b="0" i="0" u="none" strike="noStrike" baseline="0" dirty="0">
+                <a:solidFill>
+                  <a:srgbClr val="000000"/>
+                </a:solidFill>
+                <a:latin typeface="Aptos"/>
+                <a:ea typeface="Segoe UI"/>
+                <a:cs typeface="Segoe UI"/>
+              </a:rPr>
+              <a:t> 2 (</a:t>
+            </a:r>
+            <a:r>
+              <a:rPr lang="pt-PT" b="0" i="0" u="none" strike="noStrike" baseline="0" err="1">
+                <a:solidFill>
+                  <a:srgbClr val="000000"/>
+                </a:solidFill>
+                <a:latin typeface="Aptos"/>
+                <a:ea typeface="Segoe UI"/>
+                <a:cs typeface="Segoe UI"/>
+              </a:rPr>
+              <a:t>clicavel</a:t>
+            </a:r>
+            <a:r>
+              <a:rPr lang="pt-PT" b="0" i="0" u="none" strike="noStrike" baseline="0" dirty="0">
+                <a:solidFill>
+                  <a:srgbClr val="000000"/>
+                </a:solidFill>
+                <a:latin typeface="Aptos"/>
+                <a:ea typeface="Segoe UI"/>
+                <a:cs typeface="Segoe UI"/>
+              </a:rPr>
+              <a:t>)</a:t>
+            </a:r>
+            <a:r>
+              <a:rPr lang="en-US" b="0" i="0" dirty="0">
+                <a:solidFill>
+                  <a:srgbClr val="000000"/>
+                </a:solidFill>
+                <a:latin typeface="Aptos"/>
+                <a:ea typeface="Segoe UI"/>
+                <a:cs typeface="Segoe UI"/>
+              </a:rPr>
+              <a:t>​</a:t>
+            </a:r>
+          </a:p>
+          <a:p>
+            <a:pPr>
+              <a:lnSpc>
+                <a:spcPts val="1500"/>
+              </a:lnSpc>
+            </a:pPr>
+            <a:endParaRPr lang="en-US" dirty="0">
+              <a:solidFill>
+                <a:srgbClr val="000000"/>
+              </a:solidFill>
+              <a:latin typeface="Aptos"/>
+              <a:ea typeface="Segoe UI"/>
+              <a:cs typeface="Segoe UI"/>
+            </a:endParaRPr>
+          </a:p>
+          <a:p>
+            <a:pPr>
+              <a:lnSpc>
+                <a:spcPts val="1500"/>
+              </a:lnSpc>
+            </a:pPr>
+            <a:r>
+              <a:rPr lang="pt-PT" dirty="0">
+                <a:solidFill>
+                  <a:srgbClr val="000000"/>
+                </a:solidFill>
+                <a:latin typeface="Aptos"/>
+                <a:ea typeface="Segoe UI"/>
+                <a:cs typeface="Segoe UI"/>
+              </a:rPr>
+              <a:t>Descrição </a:t>
+            </a:r>
+            <a:r>
+              <a:rPr lang="pt-PT" b="0" i="0" u="none" strike="noStrike" baseline="0" dirty="0">
+                <a:solidFill>
+                  <a:srgbClr val="000000"/>
+                </a:solidFill>
+                <a:latin typeface="Aptos"/>
+                <a:ea typeface="Segoe UI"/>
+                <a:cs typeface="Segoe UI"/>
+              </a:rPr>
+              <a:t>da </a:t>
+            </a:r>
+            <a:r>
+              <a:rPr lang="pt-PT" dirty="0">
+                <a:solidFill>
+                  <a:srgbClr val="000000"/>
+                </a:solidFill>
+                <a:latin typeface="Aptos"/>
+                <a:ea typeface="Segoe UI"/>
+                <a:cs typeface="Segoe UI"/>
+              </a:rPr>
+              <a:t>coleção 2</a:t>
+            </a:r>
+            <a:endParaRPr lang="en-US">
+              <a:cs typeface="Segoe UI"/>
+            </a:endParaRPr>
+          </a:p>
+          <a:p>
+            <a:pPr>
+              <a:lnSpc>
+                <a:spcPts val="1500"/>
+              </a:lnSpc>
+            </a:pPr>
+            <a:endParaRPr lang="pt-PT" dirty="0">
+              <a:solidFill>
+                <a:srgbClr val="000000"/>
+              </a:solidFill>
+              <a:latin typeface="Aptos"/>
+              <a:ea typeface="Segoe UI"/>
+              <a:cs typeface="Segoe UI"/>
+            </a:endParaRPr>
+          </a:p>
+          <a:p>
+            <a:pPr algn="l" rtl="0">
+              <a:lnSpc>
+                <a:spcPts val="1500"/>
+              </a:lnSpc>
+            </a:pPr>
+            <a:r>
+              <a:rPr lang="pt-PT" b="0" i="0" dirty="0">
+                <a:solidFill>
+                  <a:srgbClr val="000000"/>
+                </a:solidFill>
+                <a:latin typeface="Aptos"/>
+                <a:ea typeface="Segoe UI"/>
+                <a:cs typeface="Segoe UI"/>
+              </a:rPr>
+              <a:t>​</a:t>
+            </a:r>
+          </a:p>
+          <a:p>
+            <a:pPr algn="l" rtl="0">
+              <a:lnSpc>
+                <a:spcPts val="1500"/>
+              </a:lnSpc>
+            </a:pPr>
+            <a:r>
+              <a:rPr lang="pt-PT" b="0" i="0" u="none" strike="noStrike" baseline="0" dirty="0">
+                <a:solidFill>
+                  <a:srgbClr val="000000"/>
+                </a:solidFill>
+                <a:latin typeface="Aptos"/>
+                <a:ea typeface="Segoe UI"/>
+                <a:cs typeface="Segoe UI"/>
+              </a:rPr>
+              <a:t> 3 (</a:t>
+            </a:r>
+            <a:r>
+              <a:rPr lang="pt-PT" b="0" i="0" u="none" strike="noStrike" baseline="0" err="1">
+                <a:solidFill>
+                  <a:srgbClr val="000000"/>
+                </a:solidFill>
+                <a:latin typeface="Aptos"/>
+                <a:ea typeface="Segoe UI"/>
+                <a:cs typeface="Segoe UI"/>
+              </a:rPr>
+              <a:t>clicavel</a:t>
+            </a:r>
+            <a:r>
+              <a:rPr lang="pt-PT" b="0" i="0" u="none" strike="noStrike" baseline="0" dirty="0">
+                <a:solidFill>
+                  <a:srgbClr val="000000"/>
+                </a:solidFill>
+                <a:latin typeface="Aptos"/>
+                <a:ea typeface="Segoe UI"/>
+                <a:cs typeface="Segoe UI"/>
+              </a:rPr>
+              <a:t>)</a:t>
+            </a:r>
+            <a:r>
+              <a:rPr lang="en-US" b="0" i="0" dirty="0">
+                <a:solidFill>
+                  <a:srgbClr val="000000"/>
+                </a:solidFill>
+                <a:latin typeface="Aptos"/>
+                <a:ea typeface="Segoe UI"/>
+                <a:cs typeface="Segoe UI"/>
+              </a:rPr>
+              <a:t>​</a:t>
+            </a:r>
+          </a:p>
+          <a:p>
+            <a:pPr>
+              <a:lnSpc>
+                <a:spcPts val="1500"/>
+              </a:lnSpc>
+            </a:pPr>
+            <a:endParaRPr lang="en-US" dirty="0">
+              <a:solidFill>
+                <a:srgbClr val="000000"/>
+              </a:solidFill>
+              <a:latin typeface="Aptos"/>
+              <a:ea typeface="Segoe UI"/>
+              <a:cs typeface="Segoe UI"/>
+            </a:endParaRPr>
+          </a:p>
+          <a:p>
+            <a:pPr>
+              <a:lnSpc>
+                <a:spcPts val="1500"/>
+              </a:lnSpc>
+            </a:pPr>
+            <a:r>
+              <a:rPr lang="pt-PT" dirty="0">
+                <a:solidFill>
+                  <a:srgbClr val="000000"/>
+                </a:solidFill>
+                <a:latin typeface="Aptos"/>
+                <a:ea typeface="Segoe UI"/>
+                <a:cs typeface="Segoe UI"/>
+              </a:rPr>
+              <a:t>Descrição </a:t>
+            </a:r>
+            <a:r>
+              <a:rPr lang="pt-PT" b="0" i="0" u="none" strike="noStrike" baseline="0" dirty="0">
+                <a:solidFill>
+                  <a:srgbClr val="000000"/>
+                </a:solidFill>
+                <a:latin typeface="Aptos"/>
+                <a:ea typeface="Segoe UI"/>
+                <a:cs typeface="Segoe UI"/>
+              </a:rPr>
+              <a:t>da </a:t>
+            </a:r>
+            <a:r>
+              <a:rPr lang="pt-PT" dirty="0">
+                <a:solidFill>
+                  <a:srgbClr val="000000"/>
+                </a:solidFill>
+                <a:latin typeface="Aptos"/>
+                <a:ea typeface="Segoe UI"/>
+                <a:cs typeface="Segoe UI"/>
+              </a:rPr>
+              <a:t>coleção 3</a:t>
+            </a:r>
+            <a:endParaRPr lang="en-US"/>
+          </a:p>
+          <a:p>
+            <a:pPr>
+              <a:lnSpc>
+                <a:spcPts val="1500"/>
+              </a:lnSpc>
+            </a:pPr>
+            <a:endParaRPr lang="pt-PT" dirty="0">
+              <a:solidFill>
+                <a:srgbClr val="000000"/>
+              </a:solidFill>
+              <a:latin typeface="Aptos"/>
+              <a:ea typeface="Segoe UI"/>
+              <a:cs typeface="Segoe UI"/>
+            </a:endParaRPr>
+          </a:p>
+          <a:p>
+            <a:pPr algn="l" rtl="0">
+              <a:lnSpc>
+                <a:spcPts val="1500"/>
+              </a:lnSpc>
+            </a:pPr>
+            <a:r>
+              <a:rPr lang="pt-PT" b="0" i="0" dirty="0">
+                <a:solidFill>
+                  <a:srgbClr val="000000"/>
+                </a:solidFill>
+                <a:latin typeface="Aptos"/>
+                <a:ea typeface="Segoe UI"/>
+                <a:cs typeface="Segoe UI"/>
+              </a:rPr>
+              <a:t>​</a:t>
+            </a:r>
+          </a:p>
+          <a:p>
+            <a:pPr algn="l" rtl="0">
+              <a:lnSpc>
+                <a:spcPts val="1500"/>
+              </a:lnSpc>
+            </a:pPr>
+            <a:r>
+              <a:rPr lang="pt-PT" b="0" i="0" u="none" strike="noStrike" baseline="0" dirty="0">
+                <a:solidFill>
+                  <a:srgbClr val="000000"/>
+                </a:solidFill>
+                <a:latin typeface="Aptos"/>
+                <a:ea typeface="Segoe UI"/>
+                <a:cs typeface="Segoe UI"/>
+              </a:rPr>
+              <a:t> 4 (</a:t>
+            </a:r>
+            <a:r>
+              <a:rPr lang="pt-PT" b="0" i="0" u="none" strike="noStrike" baseline="0" err="1">
+                <a:solidFill>
+                  <a:srgbClr val="000000"/>
+                </a:solidFill>
+                <a:latin typeface="Aptos"/>
+                <a:ea typeface="Segoe UI"/>
+                <a:cs typeface="Segoe UI"/>
+              </a:rPr>
+              <a:t>clicavel</a:t>
+            </a:r>
+            <a:r>
+              <a:rPr lang="pt-PT" b="0" i="0" u="none" strike="noStrike" baseline="0" dirty="0">
+                <a:solidFill>
+                  <a:srgbClr val="000000"/>
+                </a:solidFill>
+                <a:latin typeface="Aptos"/>
+                <a:ea typeface="Segoe UI"/>
+                <a:cs typeface="Segoe UI"/>
+              </a:rPr>
+              <a:t>)</a:t>
+            </a:r>
+            <a:r>
+              <a:rPr lang="en-US" b="0" i="0" dirty="0">
+                <a:solidFill>
+                  <a:srgbClr val="000000"/>
+                </a:solidFill>
+                <a:latin typeface="Aptos"/>
+                <a:ea typeface="Segoe UI"/>
+                <a:cs typeface="Segoe UI"/>
+              </a:rPr>
+              <a:t>​</a:t>
+            </a:r>
+          </a:p>
+          <a:p>
+            <a:pPr>
+              <a:lnSpc>
+                <a:spcPts val="1500"/>
+              </a:lnSpc>
+            </a:pPr>
+            <a:endParaRPr lang="en-US" dirty="0">
+              <a:solidFill>
+                <a:srgbClr val="000000"/>
+              </a:solidFill>
+              <a:latin typeface="Aptos"/>
+              <a:ea typeface="Segoe UI"/>
+              <a:cs typeface="Segoe UI"/>
+            </a:endParaRPr>
+          </a:p>
+          <a:p>
+            <a:pPr>
+              <a:lnSpc>
+                <a:spcPts val="1500"/>
+              </a:lnSpc>
+            </a:pPr>
+            <a:r>
+              <a:rPr lang="pt-PT" dirty="0">
+                <a:solidFill>
+                  <a:srgbClr val="000000"/>
+                </a:solidFill>
+                <a:latin typeface="Aptos"/>
+                <a:ea typeface="Segoe UI"/>
+                <a:cs typeface="Segoe UI"/>
+              </a:rPr>
+              <a:t>Descrição </a:t>
+            </a:r>
+            <a:r>
+              <a:rPr lang="pt-PT" b="0" i="0" u="none" strike="noStrike" baseline="0" dirty="0">
+                <a:solidFill>
+                  <a:srgbClr val="000000"/>
+                </a:solidFill>
+                <a:latin typeface="Aptos"/>
+                <a:ea typeface="Segoe UI"/>
+                <a:cs typeface="Segoe UI"/>
+              </a:rPr>
+              <a:t>da </a:t>
+            </a:r>
+            <a:r>
+              <a:rPr lang="pt-PT" dirty="0">
+                <a:solidFill>
+                  <a:srgbClr val="000000"/>
+                </a:solidFill>
+                <a:latin typeface="Aptos"/>
+                <a:ea typeface="Segoe UI"/>
+                <a:cs typeface="Segoe UI"/>
+              </a:rPr>
+              <a:t>coleção 4</a:t>
+            </a:r>
+            <a:endParaRPr lang="pt-PT" dirty="0"/>
+          </a:p>
+          <a:p>
+            <a:pPr algn="ctr"/>
+            <a:endParaRPr lang="pt-PT"/>
+          </a:p>
+        </p:txBody>
+      </p:sp>
+    </p:spTree>
+    <p:extLst>
+      <p:ext uri="{BB962C8B-B14F-4D97-AF65-F5344CB8AC3E}">
+        <p14:creationId xmlns:p14="http://schemas.microsoft.com/office/powerpoint/2010/main" val="4161652135"/>
+      </p:ext>
+    </p:extLst>
+  </p:cSld>
+  <p:clrMapOvr>
+    <a:masterClrMapping/>
+  </p:clrMapOvr>
+</p:sld>
+</file>
+
+<file path=ppt/slides/slide19.xml><?xml version="1.0" encoding="utf-8"?>
+<p:sld xmlns:a="http://schemas.openxmlformats.org/drawingml/2006/main" xmlns:r="http://schemas.openxmlformats.org/officeDocument/2006/relationships" xmlns:p="http://schemas.openxmlformats.org/presentationml/2006/main">
+  <p:cSld>
+    <p:spTree>
+      <p:nvGrpSpPr>
+        <p:cNvPr id="1" name="">
+          <a:extLst>
+            <a:ext uri="{FF2B5EF4-FFF2-40B4-BE49-F238E27FC236}">
+              <a16:creationId xmlns:a16="http://schemas.microsoft.com/office/drawing/2014/main" id="{0E4F07EA-B4A6-A56C-6FAE-21B9A586CD3A}"/>
+            </a:ext>
+          </a:extLst>
+        </p:cNvPr>
+        <p:cNvGrpSpPr/>
+        <p:nvPr/>
+      </p:nvGrpSpPr>
+      <p:grpSpPr>
+        <a:xfrm>
+          <a:off x="0" y="0"/>
+          <a:ext cx="0" cy="0"/>
+          <a:chOff x="0" y="0"/>
+          <a:chExt cx="0" cy="0"/>
+        </a:xfrm>
+      </p:grpSpPr>
+      <p:sp>
+        <p:nvSpPr>
+          <p:cNvPr id="2" name="CaixaDeTexto 1">
+            <a:extLst>
+              <a:ext uri="{FF2B5EF4-FFF2-40B4-BE49-F238E27FC236}">
+                <a16:creationId xmlns:a16="http://schemas.microsoft.com/office/drawing/2014/main" id="{9F292FDB-09FE-E558-60EC-DAC05A919F1A}"/>
+              </a:ext>
+            </a:extLst>
+          </p:cNvPr>
+          <p:cNvSpPr txBox="1"/>
+          <p:nvPr/>
+        </p:nvSpPr>
+        <p:spPr>
+          <a:xfrm>
+            <a:off x="0" y="13418"/>
+            <a:ext cx="12170530" cy="1784653"/>
+          </a:xfrm>
+          <a:prstGeom prst="rect">
+            <a:avLst/>
+          </a:prstGeom>
+          <a:noFill/>
+        </p:spPr>
+        <p:txBody>
+          <a:bodyPr rot="0" spcFirstLastPara="0" vertOverflow="overflow" horzOverflow="overflow" vert="horz" wrap="square" lIns="91440" tIns="45720" rIns="91440" bIns="45720" numCol="1" spcCol="0" rtlCol="0" fromWordArt="0" anchor="t" anchorCtr="0" forceAA="0" compatLnSpc="1">
+            <a:prstTxWarp prst="textNoShape">
+              <a:avLst/>
+            </a:prstTxWarp>
+            <a:spAutoFit/>
+          </a:bodyPr>
+          <a:lstStyle/>
+          <a:p>
+            <a:pPr algn="l"/>
+            <a:endParaRPr lang="pt-PT"/>
+          </a:p>
+        </p:txBody>
+      </p:sp>
+      <p:sp>
+        <p:nvSpPr>
+          <p:cNvPr id="4" name="CaixaDeTexto 3">
+            <a:extLst>
+              <a:ext uri="{FF2B5EF4-FFF2-40B4-BE49-F238E27FC236}">
+                <a16:creationId xmlns:a16="http://schemas.microsoft.com/office/drawing/2014/main" id="{8113EDD0-E30A-CF71-9660-2AC62678C23A}"/>
+              </a:ext>
+            </a:extLst>
+          </p:cNvPr>
+          <p:cNvSpPr txBox="1"/>
+          <p:nvPr/>
+        </p:nvSpPr>
+        <p:spPr>
+          <a:xfrm>
+            <a:off x="1392115" y="1143000"/>
+            <a:ext cx="3839307" cy="1055076"/>
+          </a:xfrm>
+          <a:prstGeom prst="rect">
+            <a:avLst/>
+          </a:prstGeom>
+          <a:noFill/>
+        </p:spPr>
+        <p:txBody>
+          <a:bodyPr rot="0" spcFirstLastPara="0" vertOverflow="overflow" horzOverflow="overflow" vert="horz" wrap="square" lIns="91440" tIns="45720" rIns="91440" bIns="45720" numCol="1" spcCol="0" rtlCol="0" fromWordArt="0" anchor="t" anchorCtr="0" forceAA="0" compatLnSpc="1">
+            <a:prstTxWarp prst="textNoShape">
+              <a:avLst/>
+            </a:prstTxWarp>
+            <a:spAutoFit/>
+          </a:bodyPr>
+          <a:lstStyle/>
+          <a:p>
+            <a:pPr algn="l"/>
+            <a:endParaRPr lang="pt-PT"/>
+          </a:p>
+        </p:txBody>
+      </p:sp>
+      <p:sp>
+        <p:nvSpPr>
+          <p:cNvPr id="6" name="CaixaDeTexto 5">
+            <a:extLst>
+              <a:ext uri="{FF2B5EF4-FFF2-40B4-BE49-F238E27FC236}">
+                <a16:creationId xmlns:a16="http://schemas.microsoft.com/office/drawing/2014/main" id="{D5B3D4AA-2892-DA06-4243-BAFFA7B4EC38}"/>
+              </a:ext>
+            </a:extLst>
+          </p:cNvPr>
+          <p:cNvSpPr txBox="1"/>
+          <p:nvPr/>
+        </p:nvSpPr>
+        <p:spPr>
+          <a:xfrm>
+            <a:off x="-5861" y="14653"/>
+            <a:ext cx="12171483" cy="1107996"/>
+          </a:xfrm>
+          <a:prstGeom prst="rect">
+            <a:avLst/>
+          </a:prstGeom>
+        </p:spPr>
+        <p:style>
+          <a:lnRef idx="2">
+            <a:schemeClr val="dk1"/>
+          </a:lnRef>
+          <a:fillRef idx="1">
+            <a:schemeClr val="lt1"/>
+          </a:fillRef>
+          <a:effectRef idx="0">
+            <a:schemeClr val="dk1"/>
+          </a:effectRef>
+          <a:fontRef idx="minor">
+            <a:schemeClr val="dk1"/>
+          </a:fontRef>
+        </p:style>
+        <p:txBody>
+          <a:bodyPr rot="0" spcFirstLastPara="0" vertOverflow="overflow" horzOverflow="overflow" vert="horz" wrap="square" lIns="91440" tIns="45720" rIns="91440" bIns="45720" numCol="1" spcCol="0" rtlCol="0" fromWordArt="0" anchor="t" anchorCtr="0" forceAA="0" compatLnSpc="1">
+            <a:prstTxWarp prst="textNoShape">
+              <a:avLst/>
+            </a:prstTxWarp>
+            <a:spAutoFit/>
+          </a:bodyPr>
+          <a:lstStyle/>
+          <a:p>
+            <a:endParaRPr lang="pt-PT" sz="2400" dirty="0"/>
+          </a:p>
+          <a:p>
+            <a:r>
+              <a:rPr lang="pt-PT" sz="2400" dirty="0"/>
+              <a:t>      LOGO      BARRA DE PESQUISA      PERFIL</a:t>
+            </a:r>
+            <a:endParaRPr lang="pt-PT" dirty="0"/>
+          </a:p>
+          <a:p>
+            <a:endParaRPr lang="pt-PT" dirty="0"/>
+          </a:p>
+        </p:txBody>
+      </p:sp>
+      <p:sp>
+        <p:nvSpPr>
+          <p:cNvPr id="7" name="CaixaDeTexto 6">
+            <a:extLst>
+              <a:ext uri="{FF2B5EF4-FFF2-40B4-BE49-F238E27FC236}">
+                <a16:creationId xmlns:a16="http://schemas.microsoft.com/office/drawing/2014/main" id="{C7F24F94-B0F4-DD28-3230-813585C20CDA}"/>
+              </a:ext>
+            </a:extLst>
+          </p:cNvPr>
+          <p:cNvSpPr txBox="1"/>
+          <p:nvPr/>
+        </p:nvSpPr>
+        <p:spPr>
+          <a:xfrm>
+            <a:off x="545901" y="2206839"/>
+            <a:ext cx="5275384" cy="369332"/>
+          </a:xfrm>
+          <a:prstGeom prst="rect">
+            <a:avLst/>
+          </a:prstGeom>
+          <a:noFill/>
+        </p:spPr>
+        <p:txBody>
+          <a:bodyPr rot="0" spcFirstLastPara="0" vertOverflow="overflow" horzOverflow="overflow" vert="horz" wrap="square" lIns="91440" tIns="45720" rIns="91440" bIns="45720" numCol="1" spcCol="0" rtlCol="0" fromWordArt="0" anchor="t" anchorCtr="0" forceAA="0" compatLnSpc="1">
+            <a:prstTxWarp prst="textNoShape">
+              <a:avLst/>
+            </a:prstTxWarp>
+            <a:spAutoFit/>
+          </a:bodyPr>
+          <a:lstStyle/>
+          <a:p>
+            <a:r>
+              <a:rPr lang="pt-PT" dirty="0"/>
+              <a:t>Coleção do tipo Cartas: </a:t>
+            </a:r>
+          </a:p>
+        </p:txBody>
+      </p:sp>
+      <p:sp>
+        <p:nvSpPr>
+          <p:cNvPr id="11" name="CaixaDeTexto 10">
+            <a:extLst>
+              <a:ext uri="{FF2B5EF4-FFF2-40B4-BE49-F238E27FC236}">
+                <a16:creationId xmlns:a16="http://schemas.microsoft.com/office/drawing/2014/main" id="{8AA713FB-6E84-6A0E-1479-3FD60F3B5626}"/>
+              </a:ext>
+            </a:extLst>
+          </p:cNvPr>
+          <p:cNvSpPr txBox="1"/>
+          <p:nvPr/>
+        </p:nvSpPr>
+        <p:spPr>
+          <a:xfrm>
+            <a:off x="2094" y="1547445"/>
+            <a:ext cx="12177764" cy="461665"/>
+          </a:xfrm>
+          <a:prstGeom prst="rect">
+            <a:avLst/>
+          </a:prstGeom>
+        </p:spPr>
+        <p:style>
+          <a:lnRef idx="2">
+            <a:schemeClr val="dk1"/>
+          </a:lnRef>
+          <a:fillRef idx="1">
+            <a:schemeClr val="lt1"/>
+          </a:fillRef>
+          <a:effectRef idx="0">
+            <a:schemeClr val="dk1"/>
+          </a:effectRef>
+          <a:fontRef idx="minor">
+            <a:schemeClr val="dk1"/>
+          </a:fontRef>
+        </p:style>
+        <p:txBody>
+          <a:bodyPr rot="0" spcFirstLastPara="0" vertOverflow="overflow" horzOverflow="overflow" vert="horz" wrap="square" lIns="91440" tIns="45720" rIns="91440" bIns="45720" numCol="1" spcCol="0" rtlCol="0" fromWordArt="0" anchor="t" anchorCtr="0" forceAA="0" compatLnSpc="1">
+            <a:prstTxWarp prst="textNoShape">
+              <a:avLst/>
+            </a:prstTxWarp>
+            <a:spAutoFit/>
+          </a:bodyPr>
+          <a:lstStyle/>
+          <a:p>
+            <a:pPr algn="ctr"/>
+            <a:r>
+              <a:rPr lang="pt-PT" sz="2400" dirty="0"/>
+              <a:t>Cartas   Veículos   Livros   Bonecos Miniatura   Militares  Eventos</a:t>
+            </a:r>
+          </a:p>
+        </p:txBody>
+      </p:sp>
+      <p:sp>
+        <p:nvSpPr>
+          <p:cNvPr id="5" name="CaixaDeTexto 4">
+            <a:extLst>
+              <a:ext uri="{FF2B5EF4-FFF2-40B4-BE49-F238E27FC236}">
+                <a16:creationId xmlns:a16="http://schemas.microsoft.com/office/drawing/2014/main" id="{EB832F93-A648-8FA6-B9A5-CB6C1B6CB8A7}"/>
+              </a:ext>
+            </a:extLst>
+          </p:cNvPr>
+          <p:cNvSpPr txBox="1"/>
+          <p:nvPr/>
+        </p:nvSpPr>
+        <p:spPr>
+          <a:xfrm>
+            <a:off x="-3769" y="6490817"/>
+            <a:ext cx="12181115" cy="369332"/>
+          </a:xfrm>
+          <a:prstGeom prst="rect">
+            <a:avLst/>
+          </a:prstGeom>
+        </p:spPr>
+        <p:style>
+          <a:lnRef idx="2">
+            <a:schemeClr val="dk1"/>
+          </a:lnRef>
+          <a:fillRef idx="1">
+            <a:schemeClr val="lt1"/>
+          </a:fillRef>
+          <a:effectRef idx="0">
+            <a:schemeClr val="dk1"/>
+          </a:effectRef>
+          <a:fontRef idx="minor">
+            <a:schemeClr val="dk1"/>
+          </a:fontRef>
+        </p:style>
+        <p:txBody>
+          <a:bodyPr rot="0" spcFirstLastPara="0" vertOverflow="overflow" horzOverflow="overflow" vert="horz" wrap="square" lIns="91440" tIns="45720" rIns="91440" bIns="45720" numCol="1" spcCol="0" rtlCol="0" fromWordArt="0" anchor="t" anchorCtr="0" forceAA="0" compatLnSpc="1">
+            <a:prstTxWarp prst="textNoShape">
+              <a:avLst/>
+            </a:prstTxWarp>
+            <a:spAutoFit/>
+          </a:bodyPr>
+          <a:lstStyle/>
+          <a:p>
+            <a:pPr algn="ctr"/>
+            <a:r>
+              <a:rPr lang="pt-PT" dirty="0"/>
+              <a:t>Desenvolvedores</a:t>
+            </a:r>
+          </a:p>
+        </p:txBody>
+      </p:sp>
+      <p:sp>
+        <p:nvSpPr>
+          <p:cNvPr id="17" name="CaixaDeTexto 16">
+            <a:extLst>
+              <a:ext uri="{FF2B5EF4-FFF2-40B4-BE49-F238E27FC236}">
+                <a16:creationId xmlns:a16="http://schemas.microsoft.com/office/drawing/2014/main" id="{DA30F8CE-A9AA-1ED6-22C3-E1E4E7135840}"/>
+              </a:ext>
+            </a:extLst>
+          </p:cNvPr>
+          <p:cNvSpPr txBox="1"/>
+          <p:nvPr/>
+        </p:nvSpPr>
+        <p:spPr>
+          <a:xfrm>
+            <a:off x="8670695" y="2473900"/>
+            <a:ext cx="2743200" cy="365760"/>
+          </a:xfrm>
+          <a:prstGeom prst="rect">
+            <a:avLst/>
+          </a:prstGeom>
+        </p:spPr>
+        <p:style>
+          <a:lnRef idx="2">
+            <a:schemeClr val="dk1"/>
+          </a:lnRef>
+          <a:fillRef idx="1">
+            <a:schemeClr val="lt1"/>
+          </a:fillRef>
+          <a:effectRef idx="0">
+            <a:schemeClr val="dk1"/>
+          </a:effectRef>
+          <a:fontRef idx="minor">
+            <a:schemeClr val="dk1"/>
+          </a:fontRef>
+        </p:style>
+        <p:txBody>
+          <a:bodyPr rot="0" spcFirstLastPara="0" vertOverflow="overflow" horzOverflow="overflow" vert="horz" wrap="square" lIns="91440" tIns="45720" rIns="91440" bIns="45720" numCol="1" spcCol="0" rtlCol="0" fromWordArt="0" anchor="t" anchorCtr="0" forceAA="0" compatLnSpc="1">
+            <a:prstTxWarp prst="textNoShape">
+              <a:avLst/>
+            </a:prstTxWarp>
+            <a:spAutoFit/>
+          </a:bodyPr>
+          <a:lstStyle/>
+          <a:p>
+            <a:pPr algn="ctr"/>
+            <a:r>
+              <a:rPr lang="pt-PT" dirty="0"/>
+              <a:t>Adicionar coleção</a:t>
+            </a:r>
+          </a:p>
+        </p:txBody>
+      </p:sp>
+      <p:sp>
+        <p:nvSpPr>
+          <p:cNvPr id="18" name="CaixaDeTexto 17">
+            <a:extLst>
+              <a:ext uri="{FF2B5EF4-FFF2-40B4-BE49-F238E27FC236}">
+                <a16:creationId xmlns:a16="http://schemas.microsoft.com/office/drawing/2014/main" id="{B800C7FE-1BB7-EF10-9D4F-BF10E2DBB0A7}"/>
+              </a:ext>
+            </a:extLst>
+          </p:cNvPr>
+          <p:cNvSpPr txBox="1"/>
+          <p:nvPr/>
+        </p:nvSpPr>
+        <p:spPr>
+          <a:xfrm>
+            <a:off x="912254" y="2656268"/>
+            <a:ext cx="7759521" cy="3831818"/>
+          </a:xfrm>
+          <a:prstGeom prst="rect">
+            <a:avLst/>
+          </a:prstGeom>
+          <a:noFill/>
+        </p:spPr>
+        <p:txBody>
+          <a:bodyPr rot="0" spcFirstLastPara="0" vertOverflow="overflow" horzOverflow="overflow" vert="horz" wrap="square" lIns="91440" tIns="45720" rIns="91440" bIns="45720" numCol="1" spcCol="0" rtlCol="0" fromWordArt="0" anchor="t" anchorCtr="0" forceAA="0" compatLnSpc="1">
+            <a:prstTxWarp prst="textNoShape">
+              <a:avLst/>
+            </a:prstTxWarp>
+            <a:spAutoFit/>
+          </a:bodyPr>
+          <a:lstStyle/>
+          <a:p>
+            <a:pPr algn="l" rtl="0">
+              <a:lnSpc>
+                <a:spcPts val="1500"/>
+              </a:lnSpc>
+            </a:pPr>
+            <a:r>
+              <a:rPr lang="pt-PT" b="0" i="0" u="none" strike="noStrike" baseline="0" dirty="0">
+                <a:solidFill>
+                  <a:srgbClr val="000000"/>
+                </a:solidFill>
+                <a:latin typeface="Aptos"/>
+                <a:ea typeface="Segoe UI"/>
+                <a:cs typeface="Segoe UI"/>
+              </a:rPr>
+              <a:t> 1 (</a:t>
+            </a:r>
+            <a:r>
+              <a:rPr lang="pt-PT" b="0" i="0" u="none" strike="noStrike" baseline="0" err="1">
+                <a:solidFill>
+                  <a:srgbClr val="000000"/>
+                </a:solidFill>
+                <a:latin typeface="Aptos"/>
+                <a:ea typeface="Segoe UI"/>
+                <a:cs typeface="Segoe UI"/>
+              </a:rPr>
+              <a:t>clicavel</a:t>
+            </a:r>
+            <a:r>
+              <a:rPr lang="pt-PT" b="0" i="0" u="none" strike="noStrike" baseline="0" dirty="0">
+                <a:solidFill>
+                  <a:srgbClr val="000000"/>
+                </a:solidFill>
+                <a:latin typeface="Aptos"/>
+                <a:ea typeface="Segoe UI"/>
+                <a:cs typeface="Segoe UI"/>
+              </a:rPr>
+              <a:t>)</a:t>
+            </a:r>
+            <a:r>
+              <a:rPr lang="en-US" b="0" i="0" dirty="0">
+                <a:solidFill>
+                  <a:srgbClr val="000000"/>
+                </a:solidFill>
+                <a:latin typeface="Aptos"/>
+                <a:ea typeface="Segoe UI"/>
+                <a:cs typeface="Segoe UI"/>
+              </a:rPr>
+              <a:t>​</a:t>
+            </a:r>
+          </a:p>
+          <a:p>
+            <a:pPr>
+              <a:lnSpc>
+                <a:spcPts val="1500"/>
+              </a:lnSpc>
+            </a:pPr>
+            <a:endParaRPr lang="en-US" dirty="0">
+              <a:solidFill>
+                <a:srgbClr val="000000"/>
+              </a:solidFill>
+              <a:latin typeface="Aptos"/>
+              <a:ea typeface="Segoe UI"/>
+              <a:cs typeface="Segoe UI"/>
+            </a:endParaRPr>
+          </a:p>
+          <a:p>
+            <a:pPr>
+              <a:lnSpc>
+                <a:spcPts val="1500"/>
+              </a:lnSpc>
+            </a:pPr>
+            <a:r>
+              <a:rPr lang="pt-PT" dirty="0">
+                <a:solidFill>
+                  <a:srgbClr val="000000"/>
+                </a:solidFill>
+                <a:latin typeface="Aptos"/>
+                <a:ea typeface="Segoe UI"/>
+                <a:cs typeface="Segoe UI"/>
+              </a:rPr>
+              <a:t>Descrição da coleção 1</a:t>
+            </a:r>
+            <a:endParaRPr lang="pt-PT" b="0" i="0" dirty="0">
+              <a:solidFill>
+                <a:srgbClr val="000000"/>
+              </a:solidFill>
+              <a:latin typeface="Aptos"/>
+              <a:ea typeface="Segoe UI"/>
+              <a:cs typeface="Segoe UI"/>
+            </a:endParaRPr>
+          </a:p>
+          <a:p>
+            <a:pPr>
+              <a:lnSpc>
+                <a:spcPts val="1500"/>
+              </a:lnSpc>
+            </a:pPr>
+            <a:endParaRPr lang="pt-PT" dirty="0">
+              <a:solidFill>
+                <a:srgbClr val="000000"/>
+              </a:solidFill>
+              <a:latin typeface="Aptos"/>
+              <a:ea typeface="Segoe UI"/>
+              <a:cs typeface="Segoe UI"/>
+            </a:endParaRPr>
+          </a:p>
+          <a:p>
+            <a:pPr algn="l" rtl="0">
+              <a:lnSpc>
+                <a:spcPts val="1500"/>
+              </a:lnSpc>
+            </a:pPr>
+            <a:r>
+              <a:rPr lang="pt-PT" b="0" i="0" dirty="0">
+                <a:solidFill>
+                  <a:srgbClr val="000000"/>
+                </a:solidFill>
+                <a:latin typeface="Aptos"/>
+                <a:ea typeface="Segoe UI"/>
+                <a:cs typeface="Segoe UI"/>
+              </a:rPr>
+              <a:t>​</a:t>
+            </a:r>
+          </a:p>
+          <a:p>
+            <a:pPr algn="l" rtl="0">
+              <a:lnSpc>
+                <a:spcPts val="1500"/>
+              </a:lnSpc>
+            </a:pPr>
+            <a:r>
+              <a:rPr lang="pt-PT" b="0" i="0" u="none" strike="noStrike" baseline="0" dirty="0">
+                <a:solidFill>
+                  <a:srgbClr val="000000"/>
+                </a:solidFill>
+                <a:latin typeface="Aptos"/>
+                <a:ea typeface="Segoe UI"/>
+                <a:cs typeface="Segoe UI"/>
+              </a:rPr>
+              <a:t> 2 (</a:t>
+            </a:r>
+            <a:r>
+              <a:rPr lang="pt-PT" b="0" i="0" u="none" strike="noStrike" baseline="0" err="1">
+                <a:solidFill>
+                  <a:srgbClr val="000000"/>
+                </a:solidFill>
+                <a:latin typeface="Aptos"/>
+                <a:ea typeface="Segoe UI"/>
+                <a:cs typeface="Segoe UI"/>
+              </a:rPr>
+              <a:t>clicavel</a:t>
+            </a:r>
+            <a:r>
+              <a:rPr lang="pt-PT" b="0" i="0" u="none" strike="noStrike" baseline="0" dirty="0">
+                <a:solidFill>
+                  <a:srgbClr val="000000"/>
+                </a:solidFill>
+                <a:latin typeface="Aptos"/>
+                <a:ea typeface="Segoe UI"/>
+                <a:cs typeface="Segoe UI"/>
+              </a:rPr>
+              <a:t>)</a:t>
+            </a:r>
+            <a:r>
+              <a:rPr lang="en-US" b="0" i="0" dirty="0">
+                <a:solidFill>
+                  <a:srgbClr val="000000"/>
+                </a:solidFill>
+                <a:latin typeface="Aptos"/>
+                <a:ea typeface="Segoe UI"/>
+                <a:cs typeface="Segoe UI"/>
+              </a:rPr>
+              <a:t>​</a:t>
+            </a:r>
+          </a:p>
+          <a:p>
+            <a:pPr>
+              <a:lnSpc>
+                <a:spcPts val="1500"/>
+              </a:lnSpc>
+            </a:pPr>
+            <a:endParaRPr lang="en-US" dirty="0">
+              <a:solidFill>
+                <a:srgbClr val="000000"/>
+              </a:solidFill>
+              <a:latin typeface="Aptos"/>
+              <a:ea typeface="Segoe UI"/>
+              <a:cs typeface="Segoe UI"/>
+            </a:endParaRPr>
+          </a:p>
+          <a:p>
+            <a:pPr>
+              <a:lnSpc>
+                <a:spcPts val="1500"/>
+              </a:lnSpc>
+            </a:pPr>
+            <a:r>
+              <a:rPr lang="pt-PT" dirty="0">
+                <a:solidFill>
+                  <a:srgbClr val="000000"/>
+                </a:solidFill>
+                <a:latin typeface="Aptos"/>
+                <a:ea typeface="Segoe UI"/>
+                <a:cs typeface="Segoe UI"/>
+              </a:rPr>
+              <a:t>Descrição </a:t>
+            </a:r>
+            <a:r>
+              <a:rPr lang="pt-PT" b="0" i="0" u="none" strike="noStrike" baseline="0" dirty="0">
+                <a:solidFill>
+                  <a:srgbClr val="000000"/>
+                </a:solidFill>
+                <a:latin typeface="Aptos"/>
+                <a:ea typeface="Segoe UI"/>
+                <a:cs typeface="Segoe UI"/>
+              </a:rPr>
+              <a:t>da </a:t>
+            </a:r>
+            <a:r>
+              <a:rPr lang="pt-PT" dirty="0">
+                <a:solidFill>
+                  <a:srgbClr val="000000"/>
+                </a:solidFill>
+                <a:latin typeface="Aptos"/>
+                <a:ea typeface="Segoe UI"/>
+                <a:cs typeface="Segoe UI"/>
+              </a:rPr>
+              <a:t>coleção 2</a:t>
+            </a:r>
+            <a:endParaRPr lang="en-US">
+              <a:cs typeface="Segoe UI"/>
+            </a:endParaRPr>
+          </a:p>
+          <a:p>
+            <a:pPr>
+              <a:lnSpc>
+                <a:spcPts val="1500"/>
+              </a:lnSpc>
+            </a:pPr>
+            <a:endParaRPr lang="pt-PT" dirty="0">
+              <a:solidFill>
+                <a:srgbClr val="000000"/>
+              </a:solidFill>
+              <a:latin typeface="Aptos"/>
+              <a:ea typeface="Segoe UI"/>
+              <a:cs typeface="Segoe UI"/>
+            </a:endParaRPr>
+          </a:p>
+          <a:p>
+            <a:pPr algn="l" rtl="0">
+              <a:lnSpc>
+                <a:spcPts val="1500"/>
+              </a:lnSpc>
+            </a:pPr>
+            <a:r>
+              <a:rPr lang="pt-PT" b="0" i="0" dirty="0">
+                <a:solidFill>
+                  <a:srgbClr val="000000"/>
+                </a:solidFill>
+                <a:latin typeface="Aptos"/>
+                <a:ea typeface="Segoe UI"/>
+                <a:cs typeface="Segoe UI"/>
+              </a:rPr>
+              <a:t>​</a:t>
+            </a:r>
+          </a:p>
+          <a:p>
+            <a:pPr algn="l" rtl="0">
+              <a:lnSpc>
+                <a:spcPts val="1500"/>
+              </a:lnSpc>
+            </a:pPr>
+            <a:r>
+              <a:rPr lang="pt-PT" b="0" i="0" u="none" strike="noStrike" baseline="0" dirty="0">
+                <a:solidFill>
+                  <a:srgbClr val="000000"/>
+                </a:solidFill>
+                <a:latin typeface="Aptos"/>
+                <a:ea typeface="Segoe UI"/>
+                <a:cs typeface="Segoe UI"/>
+              </a:rPr>
+              <a:t> 3 (</a:t>
+            </a:r>
+            <a:r>
+              <a:rPr lang="pt-PT" b="0" i="0" u="none" strike="noStrike" baseline="0" err="1">
+                <a:solidFill>
+                  <a:srgbClr val="000000"/>
+                </a:solidFill>
+                <a:latin typeface="Aptos"/>
+                <a:ea typeface="Segoe UI"/>
+                <a:cs typeface="Segoe UI"/>
+              </a:rPr>
+              <a:t>clicavel</a:t>
+            </a:r>
+            <a:r>
+              <a:rPr lang="pt-PT" b="0" i="0" u="none" strike="noStrike" baseline="0" dirty="0">
+                <a:solidFill>
+                  <a:srgbClr val="000000"/>
+                </a:solidFill>
+                <a:latin typeface="Aptos"/>
+                <a:ea typeface="Segoe UI"/>
+                <a:cs typeface="Segoe UI"/>
+              </a:rPr>
+              <a:t>)</a:t>
+            </a:r>
+            <a:r>
+              <a:rPr lang="en-US" b="0" i="0" dirty="0">
+                <a:solidFill>
+                  <a:srgbClr val="000000"/>
+                </a:solidFill>
+                <a:latin typeface="Aptos"/>
+                <a:ea typeface="Segoe UI"/>
+                <a:cs typeface="Segoe UI"/>
+              </a:rPr>
+              <a:t>​</a:t>
+            </a:r>
+          </a:p>
+          <a:p>
+            <a:pPr>
+              <a:lnSpc>
+                <a:spcPts val="1500"/>
+              </a:lnSpc>
+            </a:pPr>
+            <a:endParaRPr lang="en-US" dirty="0">
+              <a:solidFill>
+                <a:srgbClr val="000000"/>
+              </a:solidFill>
+              <a:latin typeface="Aptos"/>
+              <a:ea typeface="Segoe UI"/>
+              <a:cs typeface="Segoe UI"/>
+            </a:endParaRPr>
+          </a:p>
+          <a:p>
+            <a:pPr>
+              <a:lnSpc>
+                <a:spcPts val="1500"/>
+              </a:lnSpc>
+            </a:pPr>
+            <a:r>
+              <a:rPr lang="pt-PT" dirty="0">
+                <a:solidFill>
+                  <a:srgbClr val="000000"/>
+                </a:solidFill>
+                <a:latin typeface="Aptos"/>
+                <a:ea typeface="Segoe UI"/>
+                <a:cs typeface="Segoe UI"/>
+              </a:rPr>
+              <a:t>Descrição </a:t>
+            </a:r>
+            <a:r>
+              <a:rPr lang="pt-PT" b="0" i="0" u="none" strike="noStrike" baseline="0" dirty="0">
+                <a:solidFill>
+                  <a:srgbClr val="000000"/>
+                </a:solidFill>
+                <a:latin typeface="Aptos"/>
+                <a:ea typeface="Segoe UI"/>
+                <a:cs typeface="Segoe UI"/>
+              </a:rPr>
+              <a:t>da </a:t>
+            </a:r>
+            <a:r>
+              <a:rPr lang="pt-PT" dirty="0">
+                <a:solidFill>
+                  <a:srgbClr val="000000"/>
+                </a:solidFill>
+                <a:latin typeface="Aptos"/>
+                <a:ea typeface="Segoe UI"/>
+                <a:cs typeface="Segoe UI"/>
+              </a:rPr>
+              <a:t>coleção 3</a:t>
+            </a:r>
+            <a:endParaRPr lang="en-US"/>
+          </a:p>
+          <a:p>
+            <a:pPr>
+              <a:lnSpc>
+                <a:spcPts val="1500"/>
+              </a:lnSpc>
+            </a:pPr>
+            <a:endParaRPr lang="pt-PT" dirty="0">
+              <a:solidFill>
+                <a:srgbClr val="000000"/>
+              </a:solidFill>
+              <a:latin typeface="Aptos"/>
+              <a:ea typeface="Segoe UI"/>
+              <a:cs typeface="Segoe UI"/>
+            </a:endParaRPr>
+          </a:p>
+          <a:p>
+            <a:pPr algn="l" rtl="0">
+              <a:lnSpc>
+                <a:spcPts val="1500"/>
+              </a:lnSpc>
+            </a:pPr>
+            <a:r>
+              <a:rPr lang="pt-PT" b="0" i="0" dirty="0">
+                <a:solidFill>
+                  <a:srgbClr val="000000"/>
+                </a:solidFill>
+                <a:latin typeface="Aptos"/>
+                <a:ea typeface="Segoe UI"/>
+                <a:cs typeface="Segoe UI"/>
+              </a:rPr>
+              <a:t>​</a:t>
+            </a:r>
+          </a:p>
+          <a:p>
+            <a:pPr algn="l" rtl="0">
+              <a:lnSpc>
+                <a:spcPts val="1500"/>
+              </a:lnSpc>
+            </a:pPr>
+            <a:r>
+              <a:rPr lang="pt-PT" b="0" i="0" u="none" strike="noStrike" baseline="0" dirty="0">
+                <a:solidFill>
+                  <a:srgbClr val="000000"/>
+                </a:solidFill>
+                <a:latin typeface="Aptos"/>
+                <a:ea typeface="Segoe UI"/>
+                <a:cs typeface="Segoe UI"/>
+              </a:rPr>
+              <a:t> 4 (</a:t>
+            </a:r>
+            <a:r>
+              <a:rPr lang="pt-PT" b="0" i="0" u="none" strike="noStrike" baseline="0" err="1">
+                <a:solidFill>
+                  <a:srgbClr val="000000"/>
+                </a:solidFill>
+                <a:latin typeface="Aptos"/>
+                <a:ea typeface="Segoe UI"/>
+                <a:cs typeface="Segoe UI"/>
+              </a:rPr>
+              <a:t>clicavel</a:t>
+            </a:r>
+            <a:r>
+              <a:rPr lang="pt-PT" b="0" i="0" u="none" strike="noStrike" baseline="0" dirty="0">
+                <a:solidFill>
+                  <a:srgbClr val="000000"/>
+                </a:solidFill>
+                <a:latin typeface="Aptos"/>
+                <a:ea typeface="Segoe UI"/>
+                <a:cs typeface="Segoe UI"/>
+              </a:rPr>
+              <a:t>)</a:t>
+            </a:r>
+            <a:r>
+              <a:rPr lang="en-US" b="0" i="0" dirty="0">
+                <a:solidFill>
+                  <a:srgbClr val="000000"/>
+                </a:solidFill>
+                <a:latin typeface="Aptos"/>
+                <a:ea typeface="Segoe UI"/>
+                <a:cs typeface="Segoe UI"/>
+              </a:rPr>
+              <a:t>​</a:t>
+            </a:r>
+          </a:p>
+          <a:p>
+            <a:pPr>
+              <a:lnSpc>
+                <a:spcPts val="1500"/>
+              </a:lnSpc>
+            </a:pPr>
+            <a:endParaRPr lang="en-US" dirty="0">
+              <a:solidFill>
+                <a:srgbClr val="000000"/>
+              </a:solidFill>
+              <a:latin typeface="Aptos"/>
+              <a:ea typeface="Segoe UI"/>
+              <a:cs typeface="Segoe UI"/>
+            </a:endParaRPr>
+          </a:p>
+          <a:p>
+            <a:pPr>
+              <a:lnSpc>
+                <a:spcPts val="1500"/>
+              </a:lnSpc>
+            </a:pPr>
+            <a:r>
+              <a:rPr lang="pt-PT" dirty="0">
+                <a:solidFill>
+                  <a:srgbClr val="000000"/>
+                </a:solidFill>
+                <a:latin typeface="Aptos"/>
+                <a:ea typeface="Segoe UI"/>
+                <a:cs typeface="Segoe UI"/>
+              </a:rPr>
+              <a:t>Descrição </a:t>
+            </a:r>
+            <a:r>
+              <a:rPr lang="pt-PT" b="0" i="0" u="none" strike="noStrike" baseline="0" dirty="0">
+                <a:solidFill>
+                  <a:srgbClr val="000000"/>
+                </a:solidFill>
+                <a:latin typeface="Aptos"/>
+                <a:ea typeface="Segoe UI"/>
+                <a:cs typeface="Segoe UI"/>
+              </a:rPr>
+              <a:t>da </a:t>
+            </a:r>
+            <a:r>
+              <a:rPr lang="pt-PT" dirty="0">
+                <a:solidFill>
+                  <a:srgbClr val="000000"/>
+                </a:solidFill>
+                <a:latin typeface="Aptos"/>
+                <a:ea typeface="Segoe UI"/>
+                <a:cs typeface="Segoe UI"/>
+              </a:rPr>
+              <a:t>coleção 4</a:t>
+            </a:r>
+            <a:endParaRPr lang="pt-PT" dirty="0"/>
+          </a:p>
+          <a:p>
+            <a:pPr algn="ctr"/>
+            <a:endParaRPr lang="pt-PT"/>
+          </a:p>
+        </p:txBody>
+      </p:sp>
+    </p:spTree>
+    <p:extLst>
+      <p:ext uri="{BB962C8B-B14F-4D97-AF65-F5344CB8AC3E}">
+        <p14:creationId xmlns:p14="http://schemas.microsoft.com/office/powerpoint/2010/main" val="1058715560"/>
       </p:ext>
     </p:extLst>
   </p:cSld>
@@ -11329,19 +16329,19 @@
       </p:sp>
       <p:sp>
         <p:nvSpPr>
-          <p:cNvPr id="3" name="CaixaDeTexto 2">
-            <a:extLst>
-              <a:ext uri="{FF2B5EF4-FFF2-40B4-BE49-F238E27FC236}">
-                <a16:creationId xmlns:a16="http://schemas.microsoft.com/office/drawing/2014/main" id="{EB71AA07-48C4-ED83-3162-51C1CB549EEC}"/>
-              </a:ext>
-            </a:extLst>
-          </p:cNvPr>
-          <p:cNvSpPr txBox="1"/>
-          <p:nvPr/>
-        </p:nvSpPr>
-        <p:spPr>
-          <a:xfrm>
-            <a:off x="8654897" y="2777618"/>
+          <p:cNvPr id="9" name="CaixaDeTexto 8">
+            <a:extLst>
+              <a:ext uri="{FF2B5EF4-FFF2-40B4-BE49-F238E27FC236}">
+                <a16:creationId xmlns:a16="http://schemas.microsoft.com/office/drawing/2014/main" id="{155A9143-EF1E-EE6A-CC86-F0755F55F11F}"/>
+              </a:ext>
+            </a:extLst>
+          </p:cNvPr>
+          <p:cNvSpPr txBox="1"/>
+          <p:nvPr/>
+        </p:nvSpPr>
+        <p:spPr>
+          <a:xfrm>
+            <a:off x="8659963" y="5575562"/>
             <a:ext cx="2743200" cy="365760"/>
           </a:xfrm>
           <a:prstGeom prst="rect">
@@ -11374,26 +16374,101 @@
             <a:pPr algn="ctr"/>
             <a:r>
               <a:rPr lang="pt-PT" dirty="0"/>
-              <a:t>Minhas coleções</a:t>
-            </a:r>
-          </a:p>
-        </p:txBody>
-      </p:sp>
-      <p:sp>
-        <p:nvSpPr>
-          <p:cNvPr id="9" name="CaixaDeTexto 8">
-            <a:extLst>
-              <a:ext uri="{FF2B5EF4-FFF2-40B4-BE49-F238E27FC236}">
-                <a16:creationId xmlns:a16="http://schemas.microsoft.com/office/drawing/2014/main" id="{155A9143-EF1E-EE6A-CC86-F0755F55F11F}"/>
-              </a:ext>
-            </a:extLst>
-          </p:cNvPr>
-          <p:cNvSpPr txBox="1"/>
-          <p:nvPr/>
-        </p:nvSpPr>
-        <p:spPr>
-          <a:xfrm>
-            <a:off x="8659963" y="3429083"/>
+              <a:t>Adicionar item à coleção</a:t>
+            </a:r>
+          </a:p>
+        </p:txBody>
+      </p:sp>
+      <p:sp>
+        <p:nvSpPr>
+          <p:cNvPr id="8" name="CaixaDeTexto 7">
+            <a:extLst>
+              <a:ext uri="{FF2B5EF4-FFF2-40B4-BE49-F238E27FC236}">
+                <a16:creationId xmlns:a16="http://schemas.microsoft.com/office/drawing/2014/main" id="{D49E4153-365D-4C44-68AC-6FF76D532A8F}"/>
+              </a:ext>
+            </a:extLst>
+          </p:cNvPr>
+          <p:cNvSpPr txBox="1"/>
+          <p:nvPr/>
+        </p:nvSpPr>
+        <p:spPr>
+          <a:xfrm>
+            <a:off x="925872" y="3059405"/>
+            <a:ext cx="4025533" cy="2585323"/>
+          </a:xfrm>
+          <a:prstGeom prst="rect">
+            <a:avLst/>
+          </a:prstGeom>
+          <a:noFill/>
+        </p:spPr>
+        <p:txBody>
+          <a:bodyPr rot="0" spcFirstLastPara="0" vertOverflow="overflow" horzOverflow="overflow" vert="horz" wrap="square" lIns="91440" tIns="45720" rIns="91440" bIns="45720" numCol="1" spcCol="0" rtlCol="0" fromWordArt="0" anchor="t" anchorCtr="0" forceAA="0" compatLnSpc="1">
+            <a:prstTxWarp prst="textNoShape">
+              <a:avLst/>
+            </a:prstTxWarp>
+            <a:spAutoFit/>
+          </a:bodyPr>
+          <a:lstStyle/>
+          <a:p>
+            <a:r>
+              <a:rPr lang="pt-PT" dirty="0"/>
+              <a:t>Nome: </a:t>
+            </a:r>
+          </a:p>
+          <a:p>
+            <a:pPr algn="l"/>
+            <a:endParaRPr lang="pt-PT" dirty="0"/>
+          </a:p>
+          <a:p>
+            <a:r>
+              <a:rPr lang="pt-PT" dirty="0"/>
+              <a:t>Data de criação:</a:t>
+            </a:r>
+          </a:p>
+          <a:p>
+            <a:endParaRPr lang="pt-PT" dirty="0"/>
+          </a:p>
+          <a:p>
+            <a:r>
+              <a:rPr lang="pt-PT" dirty="0"/>
+              <a:t>Tipo:</a:t>
+            </a:r>
+          </a:p>
+          <a:p>
+            <a:endParaRPr lang="pt-PT" dirty="0"/>
+          </a:p>
+          <a:p>
+            <a:r>
+              <a:rPr lang="pt-PT" dirty="0"/>
+              <a:t>Número de itens:</a:t>
+            </a:r>
+          </a:p>
+          <a:p>
+            <a:endParaRPr lang="pt-PT" dirty="0"/>
+          </a:p>
+          <a:p>
+            <a:r>
+              <a:rPr lang="pt-PT" dirty="0"/>
+              <a:t>Descrição:</a:t>
+            </a:r>
+          </a:p>
+        </p:txBody>
+      </p:sp>
+      <p:sp>
+        <p:nvSpPr>
+          <p:cNvPr id="10" name="CaixaDeTexto 9">
+            <a:extLst>
+              <a:ext uri="{FF2B5EF4-FFF2-40B4-BE49-F238E27FC236}">
+                <a16:creationId xmlns:a16="http://schemas.microsoft.com/office/drawing/2014/main" id="{1AD02113-FBF5-395A-09D9-D53C96BA8FFB}"/>
+              </a:ext>
+            </a:extLst>
+          </p:cNvPr>
+          <p:cNvSpPr txBox="1"/>
+          <p:nvPr/>
+        </p:nvSpPr>
+        <p:spPr>
+          <a:xfrm>
+            <a:off x="8654897" y="4971626"/>
             <a:ext cx="2743200" cy="365760"/>
           </a:xfrm>
           <a:prstGeom prst="rect">
@@ -11426,92 +16501,26 @@
             <a:pPr algn="ctr"/>
             <a:r>
               <a:rPr lang="pt-PT" dirty="0"/>
-              <a:t>Adicionar coleção</a:t>
-            </a:r>
-          </a:p>
-        </p:txBody>
-      </p:sp>
-      <p:sp>
-        <p:nvSpPr>
-          <p:cNvPr id="8" name="CaixaDeTexto 7">
-            <a:extLst>
-              <a:ext uri="{FF2B5EF4-FFF2-40B4-BE49-F238E27FC236}">
-                <a16:creationId xmlns:a16="http://schemas.microsoft.com/office/drawing/2014/main" id="{D49E4153-365D-4C44-68AC-6FF76D532A8F}"/>
-              </a:ext>
-            </a:extLst>
-          </p:cNvPr>
-          <p:cNvSpPr txBox="1"/>
-          <p:nvPr/>
-        </p:nvSpPr>
-        <p:spPr>
-          <a:xfrm>
-            <a:off x="925872" y="3059405"/>
-            <a:ext cx="4025533" cy="2031325"/>
-          </a:xfrm>
-          <a:prstGeom prst="rect">
-            <a:avLst/>
-          </a:prstGeom>
-          <a:noFill/>
-        </p:spPr>
-        <p:txBody>
-          <a:bodyPr rot="0" spcFirstLastPara="0" vertOverflow="overflow" horzOverflow="overflow" vert="horz" wrap="square" lIns="91440" tIns="45720" rIns="91440" bIns="45720" numCol="1" spcCol="0" rtlCol="0" fromWordArt="0" anchor="t" anchorCtr="0" forceAA="0" compatLnSpc="1">
-            <a:prstTxWarp prst="textNoShape">
-              <a:avLst/>
-            </a:prstTxWarp>
-            <a:spAutoFit/>
-          </a:bodyPr>
-          <a:lstStyle/>
-          <a:p>
-            <a:r>
-              <a:rPr lang="pt-PT" dirty="0"/>
-              <a:t>Nome: </a:t>
-            </a:r>
-          </a:p>
-          <a:p>
-            <a:pPr algn="l"/>
-            <a:endParaRPr lang="pt-PT" dirty="0"/>
-          </a:p>
-          <a:p>
-            <a:r>
-              <a:rPr lang="pt-PT" dirty="0"/>
-              <a:t>Data de criação:</a:t>
-            </a:r>
-          </a:p>
-          <a:p>
-            <a:endParaRPr lang="pt-PT" dirty="0"/>
-          </a:p>
-          <a:p>
-            <a:r>
-              <a:rPr lang="pt-PT" dirty="0"/>
-              <a:t>Tipo:</a:t>
-            </a:r>
-          </a:p>
-          <a:p>
-            <a:endParaRPr lang="pt-PT" dirty="0"/>
-          </a:p>
-          <a:p>
-            <a:r>
-              <a:rPr lang="pt-PT" dirty="0"/>
-              <a:t>Número de itens:</a:t>
-            </a:r>
-          </a:p>
-        </p:txBody>
-      </p:sp>
-      <p:sp>
-        <p:nvSpPr>
-          <p:cNvPr id="10" name="CaixaDeTexto 9">
-            <a:extLst>
-              <a:ext uri="{FF2B5EF4-FFF2-40B4-BE49-F238E27FC236}">
-                <a16:creationId xmlns:a16="http://schemas.microsoft.com/office/drawing/2014/main" id="{1AD02113-FBF5-395A-09D9-D53C96BA8FFB}"/>
-              </a:ext>
-            </a:extLst>
-          </p:cNvPr>
-          <p:cNvSpPr txBox="1"/>
-          <p:nvPr/>
-        </p:nvSpPr>
-        <p:spPr>
-          <a:xfrm>
-            <a:off x="8654897" y="5390189"/>
+              <a:t>Eliminar coleção</a:t>
+            </a:r>
+          </a:p>
+        </p:txBody>
+      </p:sp>
+      <p:sp>
+        <p:nvSpPr>
+          <p:cNvPr id="12" name="CaixaDeTexto 11">
+            <a:extLst>
+              <a:ext uri="{FF2B5EF4-FFF2-40B4-BE49-F238E27FC236}">
+                <a16:creationId xmlns:a16="http://schemas.microsoft.com/office/drawing/2014/main" id="{1F3639DF-690A-CFD0-5752-940C08C93F58}"/>
+              </a:ext>
+            </a:extLst>
+          </p:cNvPr>
+          <p:cNvSpPr txBox="1"/>
+          <p:nvPr/>
+        </p:nvSpPr>
+        <p:spPr>
+          <a:xfrm>
+            <a:off x="8644164" y="4349147"/>
             <a:ext cx="2743200" cy="365760"/>
           </a:xfrm>
           <a:prstGeom prst="rect">

--- a/SIE_mockups.pptx
+++ b/SIE_mockups.pptx
@@ -13,17 +13,18 @@
     <p:sldId id="261" r:id="rId7"/>
     <p:sldId id="263" r:id="rId8"/>
     <p:sldId id="262" r:id="rId9"/>
-    <p:sldId id="259" r:id="rId10"/>
-    <p:sldId id="266" r:id="rId11"/>
-    <p:sldId id="272" r:id="rId12"/>
-    <p:sldId id="265" r:id="rId13"/>
-    <p:sldId id="267" r:id="rId14"/>
-    <p:sldId id="271" r:id="rId15"/>
-    <p:sldId id="264" r:id="rId16"/>
-    <p:sldId id="268" r:id="rId17"/>
-    <p:sldId id="270" r:id="rId18"/>
-    <p:sldId id="273" r:id="rId19"/>
+    <p:sldId id="273" r:id="rId10"/>
+    <p:sldId id="259" r:id="rId11"/>
+    <p:sldId id="266" r:id="rId12"/>
+    <p:sldId id="272" r:id="rId13"/>
+    <p:sldId id="265" r:id="rId14"/>
+    <p:sldId id="267" r:id="rId15"/>
+    <p:sldId id="271" r:id="rId16"/>
+    <p:sldId id="264" r:id="rId17"/>
+    <p:sldId id="268" r:id="rId18"/>
+    <p:sldId id="270" r:id="rId19"/>
     <p:sldId id="274" r:id="rId20"/>
+    <p:sldId id="275" r:id="rId21"/>
   </p:sldIdLst>
   <p:sldSz cx="12192000" cy="6858000"/>
   <p:notesSz cx="6858000" cy="9144000"/>
@@ -133,6 +134,7 @@
 <file path=ppt/revisionInfo.xml><?xml version="1.0" encoding="utf-8"?>
 <p1510:revInfo xmlns:a="http://schemas.openxmlformats.org/drawingml/2006/main" xmlns:r="http://schemas.openxmlformats.org/officeDocument/2006/relationships" xmlns:p1510="http://schemas.microsoft.com/office/powerpoint/2015/10/main">
   <p1510:revLst>
+    <p1510:client id="{2F07611B-5429-297D-0EF5-A5132C9A1361}" v="41" dt="2025-11-13T16:20:34.533"/>
     <p1510:client id="{6C7F1163-5F63-11B6-8390-0D6F219B05EE}" v="789" dt="2025-11-12T23:55:23.180"/>
   </p1510:revLst>
 </p1510:revInfo>
@@ -1367,6 +1369,53 @@
       </pc:sldChg>
     </pc:docChg>
   </pc:docChgLst>
+  <pc:docChgLst>
+    <pc:chgData name="Diogo da Silva Guedes Tavares" userId="S::up201706336@up.pt::0082672e-caf2-4cb6-be9b-91bd92c527f4" providerId="AD" clId="Web-{2F07611B-5429-297D-0EF5-A5132C9A1361}"/>
+    <pc:docChg chg="addSld modSld sldOrd">
+      <pc:chgData name="Diogo da Silva Guedes Tavares" userId="S::up201706336@up.pt::0082672e-caf2-4cb6-be9b-91bd92c527f4" providerId="AD" clId="Web-{2F07611B-5429-297D-0EF5-A5132C9A1361}" dt="2025-11-13T16:20:33.392" v="18" actId="20577"/>
+      <pc:docMkLst>
+        <pc:docMk/>
+      </pc:docMkLst>
+      <pc:sldChg chg="ord">
+        <pc:chgData name="Diogo da Silva Guedes Tavares" userId="S::up201706336@up.pt::0082672e-caf2-4cb6-be9b-91bd92c527f4" providerId="AD" clId="Web-{2F07611B-5429-297D-0EF5-A5132C9A1361}" dt="2025-11-13T13:40:48.564" v="0"/>
+        <pc:sldMkLst>
+          <pc:docMk/>
+          <pc:sldMk cId="4161652135" sldId="273"/>
+        </pc:sldMkLst>
+      </pc:sldChg>
+      <pc:sldChg chg="modSp add replId">
+        <pc:chgData name="Diogo da Silva Guedes Tavares" userId="S::up201706336@up.pt::0082672e-caf2-4cb6-be9b-91bd92c527f4" providerId="AD" clId="Web-{2F07611B-5429-297D-0EF5-A5132C9A1361}" dt="2025-11-13T16:20:33.392" v="18" actId="20577"/>
+        <pc:sldMkLst>
+          <pc:docMk/>
+          <pc:sldMk cId="1562712173" sldId="275"/>
+        </pc:sldMkLst>
+        <pc:spChg chg="mod">
+          <ac:chgData name="Diogo da Silva Guedes Tavares" userId="S::up201706336@up.pt::0082672e-caf2-4cb6-be9b-91bd92c527f4" providerId="AD" clId="Web-{2F07611B-5429-297D-0EF5-A5132C9A1361}" dt="2025-11-13T16:20:08.329" v="2" actId="20577"/>
+          <ac:spMkLst>
+            <pc:docMk/>
+            <pc:sldMk cId="1562712173" sldId="275"/>
+            <ac:spMk id="7" creationId="{36FDBDDF-3061-0D17-0FA9-25BE6194178E}"/>
+          </ac:spMkLst>
+        </pc:spChg>
+        <pc:spChg chg="mod">
+          <ac:chgData name="Diogo da Silva Guedes Tavares" userId="S::up201706336@up.pt::0082672e-caf2-4cb6-be9b-91bd92c527f4" providerId="AD" clId="Web-{2F07611B-5429-297D-0EF5-A5132C9A1361}" dt="2025-11-13T16:20:33.392" v="18" actId="20577"/>
+          <ac:spMkLst>
+            <pc:docMk/>
+            <pc:sldMk cId="1562712173" sldId="275"/>
+            <ac:spMk id="17" creationId="{F17E658F-0624-260E-06E5-7982B75D11A2}"/>
+          </ac:spMkLst>
+        </pc:spChg>
+        <pc:spChg chg="mod">
+          <ac:chgData name="Diogo da Silva Guedes Tavares" userId="S::up201706336@up.pt::0082672e-caf2-4cb6-be9b-91bd92c527f4" providerId="AD" clId="Web-{2F07611B-5429-297D-0EF5-A5132C9A1361}" dt="2025-11-13T16:20:28.829" v="17" actId="20577"/>
+          <ac:spMkLst>
+            <pc:docMk/>
+            <pc:sldMk cId="1562712173" sldId="275"/>
+            <ac:spMk id="18" creationId="{2A37F4DC-59A5-9B17-0CBE-C841C2D4DA52}"/>
+          </ac:spMkLst>
+        </pc:spChg>
+      </pc:sldChg>
+    </pc:docChg>
+  </pc:docChgLst>
 </pc:chgInfo>
 </file>
 
@@ -1499,7 +1548,7 @@
           <a:p>
             <a:fld id="{E431C0BB-DC71-4713-A787-95011EDB8CA8}" type="datetimeFigureOut">
               <a:rPr lang="pt-PT" smtClean="0"/>
-              <a:t>12/11/2025</a:t>
+              <a:t>13/11/2025</a:t>
             </a:fld>
             <a:endParaRPr lang="pt-PT"/>
           </a:p>
@@ -1667,7 +1716,7 @@
           <a:p>
             <a:fld id="{E431C0BB-DC71-4713-A787-95011EDB8CA8}" type="datetimeFigureOut">
               <a:rPr lang="pt-PT" smtClean="0"/>
-              <a:t>12/11/2025</a:t>
+              <a:t>13/11/2025</a:t>
             </a:fld>
             <a:endParaRPr lang="pt-PT"/>
           </a:p>
@@ -1845,7 +1894,7 @@
           <a:p>
             <a:fld id="{E431C0BB-DC71-4713-A787-95011EDB8CA8}" type="datetimeFigureOut">
               <a:rPr lang="pt-PT" smtClean="0"/>
-              <a:t>12/11/2025</a:t>
+              <a:t>13/11/2025</a:t>
             </a:fld>
             <a:endParaRPr lang="pt-PT"/>
           </a:p>
@@ -2013,7 +2062,7 @@
           <a:p>
             <a:fld id="{E431C0BB-DC71-4713-A787-95011EDB8CA8}" type="datetimeFigureOut">
               <a:rPr lang="pt-PT" smtClean="0"/>
-              <a:t>12/11/2025</a:t>
+              <a:t>13/11/2025</a:t>
             </a:fld>
             <a:endParaRPr lang="pt-PT"/>
           </a:p>
@@ -2258,7 +2307,7 @@
           <a:p>
             <a:fld id="{E431C0BB-DC71-4713-A787-95011EDB8CA8}" type="datetimeFigureOut">
               <a:rPr lang="pt-PT" smtClean="0"/>
-              <a:t>12/11/2025</a:t>
+              <a:t>13/11/2025</a:t>
             </a:fld>
             <a:endParaRPr lang="pt-PT"/>
           </a:p>
@@ -2487,7 +2536,7 @@
           <a:p>
             <a:fld id="{E431C0BB-DC71-4713-A787-95011EDB8CA8}" type="datetimeFigureOut">
               <a:rPr lang="pt-PT" smtClean="0"/>
-              <a:t>12/11/2025</a:t>
+              <a:t>13/11/2025</a:t>
             </a:fld>
             <a:endParaRPr lang="pt-PT"/>
           </a:p>
@@ -2851,7 +2900,7 @@
           <a:p>
             <a:fld id="{E431C0BB-DC71-4713-A787-95011EDB8CA8}" type="datetimeFigureOut">
               <a:rPr lang="pt-PT" smtClean="0"/>
-              <a:t>12/11/2025</a:t>
+              <a:t>13/11/2025</a:t>
             </a:fld>
             <a:endParaRPr lang="pt-PT"/>
           </a:p>
@@ -2968,7 +3017,7 @@
           <a:p>
             <a:fld id="{E431C0BB-DC71-4713-A787-95011EDB8CA8}" type="datetimeFigureOut">
               <a:rPr lang="pt-PT" smtClean="0"/>
-              <a:t>12/11/2025</a:t>
+              <a:t>13/11/2025</a:t>
             </a:fld>
             <a:endParaRPr lang="pt-PT"/>
           </a:p>
@@ -3063,7 +3112,7 @@
           <a:p>
             <a:fld id="{E431C0BB-DC71-4713-A787-95011EDB8CA8}" type="datetimeFigureOut">
               <a:rPr lang="pt-PT" smtClean="0"/>
-              <a:t>12/11/2025</a:t>
+              <a:t>13/11/2025</a:t>
             </a:fld>
             <a:endParaRPr lang="pt-PT"/>
           </a:p>
@@ -3338,7 +3387,7 @@
           <a:p>
             <a:fld id="{E431C0BB-DC71-4713-A787-95011EDB8CA8}" type="datetimeFigureOut">
               <a:rPr lang="pt-PT" smtClean="0"/>
-              <a:t>12/11/2025</a:t>
+              <a:t>13/11/2025</a:t>
             </a:fld>
             <a:endParaRPr lang="pt-PT"/>
           </a:p>
@@ -3590,7 +3639,7 @@
           <a:p>
             <a:fld id="{E431C0BB-DC71-4713-A787-95011EDB8CA8}" type="datetimeFigureOut">
               <a:rPr lang="pt-PT" smtClean="0"/>
-              <a:t>12/11/2025</a:t>
+              <a:t>13/11/2025</a:t>
             </a:fld>
             <a:endParaRPr lang="pt-PT"/>
           </a:p>
@@ -3801,7 +3850,7 @@
           <a:p>
             <a:fld id="{E431C0BB-DC71-4713-A787-95011EDB8CA8}" type="datetimeFigureOut">
               <a:rPr lang="pt-PT" smtClean="0"/>
-              <a:t>12/11/2025</a:t>
+              <a:t>13/11/2025</a:t>
             </a:fld>
             <a:endParaRPr lang="pt-PT"/>
           </a:p>
@@ -4707,6 +4756,545 @@
         <p:cNvPr id="1" name="">
           <a:extLst>
             <a:ext uri="{FF2B5EF4-FFF2-40B4-BE49-F238E27FC236}">
+              <a16:creationId xmlns:a16="http://schemas.microsoft.com/office/drawing/2014/main" id="{7874D93A-343E-8A04-DBEC-AF5F04B139B4}"/>
+            </a:ext>
+          </a:extLst>
+        </p:cNvPr>
+        <p:cNvGrpSpPr/>
+        <p:nvPr/>
+      </p:nvGrpSpPr>
+      <p:grpSpPr>
+        <a:xfrm>
+          <a:off x="0" y="0"/>
+          <a:ext cx="0" cy="0"/>
+          <a:chOff x="0" y="0"/>
+          <a:chExt cx="0" cy="0"/>
+        </a:xfrm>
+      </p:grpSpPr>
+      <p:sp>
+        <p:nvSpPr>
+          <p:cNvPr id="2" name="CaixaDeTexto 1">
+            <a:extLst>
+              <a:ext uri="{FF2B5EF4-FFF2-40B4-BE49-F238E27FC236}">
+                <a16:creationId xmlns:a16="http://schemas.microsoft.com/office/drawing/2014/main" id="{DD7BF89E-CAB8-0D36-A8BB-35B4F9D17CC8}"/>
+              </a:ext>
+            </a:extLst>
+          </p:cNvPr>
+          <p:cNvSpPr txBox="1"/>
+          <p:nvPr/>
+        </p:nvSpPr>
+        <p:spPr>
+          <a:xfrm>
+            <a:off x="0" y="13418"/>
+            <a:ext cx="12170530" cy="1784653"/>
+          </a:xfrm>
+          <a:prstGeom prst="rect">
+            <a:avLst/>
+          </a:prstGeom>
+          <a:noFill/>
+        </p:spPr>
+        <p:txBody>
+          <a:bodyPr rot="0" spcFirstLastPara="0" vertOverflow="overflow" horzOverflow="overflow" vert="horz" wrap="square" lIns="91440" tIns="45720" rIns="91440" bIns="45720" numCol="1" spcCol="0" rtlCol="0" fromWordArt="0" anchor="t" anchorCtr="0" forceAA="0" compatLnSpc="1">
+            <a:prstTxWarp prst="textNoShape">
+              <a:avLst/>
+            </a:prstTxWarp>
+            <a:spAutoFit/>
+          </a:bodyPr>
+          <a:lstStyle/>
+          <a:p>
+            <a:pPr algn="l"/>
+            <a:endParaRPr lang="pt-PT"/>
+          </a:p>
+        </p:txBody>
+      </p:sp>
+      <p:sp>
+        <p:nvSpPr>
+          <p:cNvPr id="4" name="CaixaDeTexto 3">
+            <a:extLst>
+              <a:ext uri="{FF2B5EF4-FFF2-40B4-BE49-F238E27FC236}">
+                <a16:creationId xmlns:a16="http://schemas.microsoft.com/office/drawing/2014/main" id="{0C183124-B0FA-BE60-524E-B40081AD4863}"/>
+              </a:ext>
+            </a:extLst>
+          </p:cNvPr>
+          <p:cNvSpPr txBox="1"/>
+          <p:nvPr/>
+        </p:nvSpPr>
+        <p:spPr>
+          <a:xfrm>
+            <a:off x="1392115" y="1143000"/>
+            <a:ext cx="3839307" cy="1055076"/>
+          </a:xfrm>
+          <a:prstGeom prst="rect">
+            <a:avLst/>
+          </a:prstGeom>
+          <a:noFill/>
+        </p:spPr>
+        <p:txBody>
+          <a:bodyPr rot="0" spcFirstLastPara="0" vertOverflow="overflow" horzOverflow="overflow" vert="horz" wrap="square" lIns="91440" tIns="45720" rIns="91440" bIns="45720" numCol="1" spcCol="0" rtlCol="0" fromWordArt="0" anchor="t" anchorCtr="0" forceAA="0" compatLnSpc="1">
+            <a:prstTxWarp prst="textNoShape">
+              <a:avLst/>
+            </a:prstTxWarp>
+            <a:spAutoFit/>
+          </a:bodyPr>
+          <a:lstStyle/>
+          <a:p>
+            <a:pPr algn="l"/>
+            <a:endParaRPr lang="pt-PT"/>
+          </a:p>
+        </p:txBody>
+      </p:sp>
+      <p:sp>
+        <p:nvSpPr>
+          <p:cNvPr id="6" name="CaixaDeTexto 5">
+            <a:extLst>
+              <a:ext uri="{FF2B5EF4-FFF2-40B4-BE49-F238E27FC236}">
+                <a16:creationId xmlns:a16="http://schemas.microsoft.com/office/drawing/2014/main" id="{026C32DB-AF07-F5B0-7ADE-5A1354035BE0}"/>
+              </a:ext>
+            </a:extLst>
+          </p:cNvPr>
+          <p:cNvSpPr txBox="1"/>
+          <p:nvPr/>
+        </p:nvSpPr>
+        <p:spPr>
+          <a:xfrm>
+            <a:off x="-5861" y="14653"/>
+            <a:ext cx="12171483" cy="1107996"/>
+          </a:xfrm>
+          <a:prstGeom prst="rect">
+            <a:avLst/>
+          </a:prstGeom>
+        </p:spPr>
+        <p:style>
+          <a:lnRef idx="2">
+            <a:schemeClr val="dk1"/>
+          </a:lnRef>
+          <a:fillRef idx="1">
+            <a:schemeClr val="lt1"/>
+          </a:fillRef>
+          <a:effectRef idx="0">
+            <a:schemeClr val="dk1"/>
+          </a:effectRef>
+          <a:fontRef idx="minor">
+            <a:schemeClr val="dk1"/>
+          </a:fontRef>
+        </p:style>
+        <p:txBody>
+          <a:bodyPr rot="0" spcFirstLastPara="0" vertOverflow="overflow" horzOverflow="overflow" vert="horz" wrap="square" lIns="91440" tIns="45720" rIns="91440" bIns="45720" numCol="1" spcCol="0" rtlCol="0" fromWordArt="0" anchor="t" anchorCtr="0" forceAA="0" compatLnSpc="1">
+            <a:prstTxWarp prst="textNoShape">
+              <a:avLst/>
+            </a:prstTxWarp>
+            <a:spAutoFit/>
+          </a:bodyPr>
+          <a:lstStyle/>
+          <a:p>
+            <a:endParaRPr lang="pt-PT" sz="2400" dirty="0"/>
+          </a:p>
+          <a:p>
+            <a:r>
+              <a:rPr lang="pt-PT" sz="2400" dirty="0"/>
+              <a:t>      LOGO      BARRA DE PESQUISA      PERFIL</a:t>
+            </a:r>
+            <a:endParaRPr lang="pt-PT" dirty="0"/>
+          </a:p>
+          <a:p>
+            <a:endParaRPr lang="pt-PT" dirty="0"/>
+          </a:p>
+        </p:txBody>
+      </p:sp>
+      <p:sp>
+        <p:nvSpPr>
+          <p:cNvPr id="7" name="CaixaDeTexto 6">
+            <a:extLst>
+              <a:ext uri="{FF2B5EF4-FFF2-40B4-BE49-F238E27FC236}">
+                <a16:creationId xmlns:a16="http://schemas.microsoft.com/office/drawing/2014/main" id="{E4C40829-AE86-0F56-D41F-0E178EA703AA}"/>
+              </a:ext>
+            </a:extLst>
+          </p:cNvPr>
+          <p:cNvSpPr txBox="1"/>
+          <p:nvPr/>
+        </p:nvSpPr>
+        <p:spPr>
+          <a:xfrm>
+            <a:off x="717619" y="2292698"/>
+            <a:ext cx="5275384" cy="369332"/>
+          </a:xfrm>
+          <a:prstGeom prst="rect">
+            <a:avLst/>
+          </a:prstGeom>
+          <a:noFill/>
+        </p:spPr>
+        <p:txBody>
+          <a:bodyPr rot="0" spcFirstLastPara="0" vertOverflow="overflow" horzOverflow="overflow" vert="horz" wrap="square" lIns="91440" tIns="45720" rIns="91440" bIns="45720" numCol="1" spcCol="0" rtlCol="0" fromWordArt="0" anchor="t" anchorCtr="0" forceAA="0" compatLnSpc="1">
+            <a:prstTxWarp prst="textNoShape">
+              <a:avLst/>
+            </a:prstTxWarp>
+            <a:spAutoFit/>
+          </a:bodyPr>
+          <a:lstStyle/>
+          <a:p>
+            <a:r>
+              <a:rPr lang="pt-PT" dirty="0"/>
+              <a:t>Coleção X: </a:t>
+            </a:r>
+          </a:p>
+        </p:txBody>
+      </p:sp>
+      <p:sp>
+        <p:nvSpPr>
+          <p:cNvPr id="11" name="CaixaDeTexto 10">
+            <a:extLst>
+              <a:ext uri="{FF2B5EF4-FFF2-40B4-BE49-F238E27FC236}">
+                <a16:creationId xmlns:a16="http://schemas.microsoft.com/office/drawing/2014/main" id="{F9526789-71C9-490D-E5AC-9E5AE471B567}"/>
+              </a:ext>
+            </a:extLst>
+          </p:cNvPr>
+          <p:cNvSpPr txBox="1"/>
+          <p:nvPr/>
+        </p:nvSpPr>
+        <p:spPr>
+          <a:xfrm>
+            <a:off x="2094" y="1547445"/>
+            <a:ext cx="12177764" cy="461665"/>
+          </a:xfrm>
+          <a:prstGeom prst="rect">
+            <a:avLst/>
+          </a:prstGeom>
+        </p:spPr>
+        <p:style>
+          <a:lnRef idx="2">
+            <a:schemeClr val="dk1"/>
+          </a:lnRef>
+          <a:fillRef idx="1">
+            <a:schemeClr val="lt1"/>
+          </a:fillRef>
+          <a:effectRef idx="0">
+            <a:schemeClr val="dk1"/>
+          </a:effectRef>
+          <a:fontRef idx="minor">
+            <a:schemeClr val="dk1"/>
+          </a:fontRef>
+        </p:style>
+        <p:txBody>
+          <a:bodyPr rot="0" spcFirstLastPara="0" vertOverflow="overflow" horzOverflow="overflow" vert="horz" wrap="square" lIns="91440" tIns="45720" rIns="91440" bIns="45720" numCol="1" spcCol="0" rtlCol="0" fromWordArt="0" anchor="t" anchorCtr="0" forceAA="0" compatLnSpc="1">
+            <a:prstTxWarp prst="textNoShape">
+              <a:avLst/>
+            </a:prstTxWarp>
+            <a:spAutoFit/>
+          </a:bodyPr>
+          <a:lstStyle/>
+          <a:p>
+            <a:pPr algn="ctr"/>
+            <a:r>
+              <a:rPr lang="pt-PT" sz="2400" dirty="0"/>
+              <a:t>Cartas   Veículos   Livros   Bonecos Miniatura   Militares  Eventos</a:t>
+            </a:r>
+          </a:p>
+        </p:txBody>
+      </p:sp>
+      <p:sp>
+        <p:nvSpPr>
+          <p:cNvPr id="5" name="CaixaDeTexto 4">
+            <a:extLst>
+              <a:ext uri="{FF2B5EF4-FFF2-40B4-BE49-F238E27FC236}">
+                <a16:creationId xmlns:a16="http://schemas.microsoft.com/office/drawing/2014/main" id="{095724F0-F029-C3ED-D6BF-D88544301C4B}"/>
+              </a:ext>
+            </a:extLst>
+          </p:cNvPr>
+          <p:cNvSpPr txBox="1"/>
+          <p:nvPr/>
+        </p:nvSpPr>
+        <p:spPr>
+          <a:xfrm>
+            <a:off x="-3769" y="6490817"/>
+            <a:ext cx="12181115" cy="369332"/>
+          </a:xfrm>
+          <a:prstGeom prst="rect">
+            <a:avLst/>
+          </a:prstGeom>
+        </p:spPr>
+        <p:style>
+          <a:lnRef idx="2">
+            <a:schemeClr val="dk1"/>
+          </a:lnRef>
+          <a:fillRef idx="1">
+            <a:schemeClr val="lt1"/>
+          </a:fillRef>
+          <a:effectRef idx="0">
+            <a:schemeClr val="dk1"/>
+          </a:effectRef>
+          <a:fontRef idx="minor">
+            <a:schemeClr val="dk1"/>
+          </a:fontRef>
+        </p:style>
+        <p:txBody>
+          <a:bodyPr rot="0" spcFirstLastPara="0" vertOverflow="overflow" horzOverflow="overflow" vert="horz" wrap="square" lIns="91440" tIns="45720" rIns="91440" bIns="45720" numCol="1" spcCol="0" rtlCol="0" fromWordArt="0" anchor="t" anchorCtr="0" forceAA="0" compatLnSpc="1">
+            <a:prstTxWarp prst="textNoShape">
+              <a:avLst/>
+            </a:prstTxWarp>
+            <a:spAutoFit/>
+          </a:bodyPr>
+          <a:lstStyle/>
+          <a:p>
+            <a:pPr algn="ctr"/>
+            <a:r>
+              <a:rPr lang="pt-PT" dirty="0"/>
+              <a:t>Desenvolvedores</a:t>
+            </a:r>
+          </a:p>
+        </p:txBody>
+      </p:sp>
+      <p:sp>
+        <p:nvSpPr>
+          <p:cNvPr id="9" name="CaixaDeTexto 8">
+            <a:extLst>
+              <a:ext uri="{FF2B5EF4-FFF2-40B4-BE49-F238E27FC236}">
+                <a16:creationId xmlns:a16="http://schemas.microsoft.com/office/drawing/2014/main" id="{155A9143-EF1E-EE6A-CC86-F0755F55F11F}"/>
+              </a:ext>
+            </a:extLst>
+          </p:cNvPr>
+          <p:cNvSpPr txBox="1"/>
+          <p:nvPr/>
+        </p:nvSpPr>
+        <p:spPr>
+          <a:xfrm>
+            <a:off x="8659963" y="5575562"/>
+            <a:ext cx="2743200" cy="365760"/>
+          </a:xfrm>
+          <a:prstGeom prst="rect">
+            <a:avLst/>
+          </a:prstGeom>
+        </p:spPr>
+        <p:style>
+          <a:lnRef idx="2">
+            <a:schemeClr val="dk1"/>
+          </a:lnRef>
+          <a:fillRef idx="1">
+            <a:schemeClr val="lt1"/>
+          </a:fillRef>
+          <a:effectRef idx="0">
+            <a:schemeClr val="dk1"/>
+          </a:effectRef>
+          <a:fontRef idx="minor">
+            <a:schemeClr val="dk1"/>
+          </a:fontRef>
+        </p:style>
+        <p:txBody>
+          <a:bodyPr rot="0" spcFirstLastPara="0" vertOverflow="overflow" horzOverflow="overflow" vert="horz" wrap="square" lIns="91440" tIns="45720" rIns="91440" bIns="45720" numCol="1" spcCol="0" rtlCol="0" fromWordArt="0" anchor="t" anchorCtr="0" forceAA="0" compatLnSpc="1">
+            <a:prstTxWarp prst="textNoShape">
+              <a:avLst/>
+            </a:prstTxWarp>
+            <a:spAutoFit/>
+          </a:bodyPr>
+          <a:lstStyle/>
+          <a:p>
+            <a:pPr algn="ctr"/>
+            <a:r>
+              <a:rPr lang="pt-PT" dirty="0"/>
+              <a:t>Adicionar item à coleção</a:t>
+            </a:r>
+          </a:p>
+        </p:txBody>
+      </p:sp>
+      <p:sp>
+        <p:nvSpPr>
+          <p:cNvPr id="8" name="CaixaDeTexto 7">
+            <a:extLst>
+              <a:ext uri="{FF2B5EF4-FFF2-40B4-BE49-F238E27FC236}">
+                <a16:creationId xmlns:a16="http://schemas.microsoft.com/office/drawing/2014/main" id="{D49E4153-365D-4C44-68AC-6FF76D532A8F}"/>
+              </a:ext>
+            </a:extLst>
+          </p:cNvPr>
+          <p:cNvSpPr txBox="1"/>
+          <p:nvPr/>
+        </p:nvSpPr>
+        <p:spPr>
+          <a:xfrm>
+            <a:off x="925872" y="3059405"/>
+            <a:ext cx="4025533" cy="2585323"/>
+          </a:xfrm>
+          <a:prstGeom prst="rect">
+            <a:avLst/>
+          </a:prstGeom>
+          <a:noFill/>
+        </p:spPr>
+        <p:txBody>
+          <a:bodyPr rot="0" spcFirstLastPara="0" vertOverflow="overflow" horzOverflow="overflow" vert="horz" wrap="square" lIns="91440" tIns="45720" rIns="91440" bIns="45720" numCol="1" spcCol="0" rtlCol="0" fromWordArt="0" anchor="t" anchorCtr="0" forceAA="0" compatLnSpc="1">
+            <a:prstTxWarp prst="textNoShape">
+              <a:avLst/>
+            </a:prstTxWarp>
+            <a:spAutoFit/>
+          </a:bodyPr>
+          <a:lstStyle/>
+          <a:p>
+            <a:r>
+              <a:rPr lang="pt-PT" dirty="0"/>
+              <a:t>Nome: </a:t>
+            </a:r>
+          </a:p>
+          <a:p>
+            <a:pPr algn="l"/>
+            <a:endParaRPr lang="pt-PT" dirty="0"/>
+          </a:p>
+          <a:p>
+            <a:r>
+              <a:rPr lang="pt-PT" dirty="0"/>
+              <a:t>Data de criação:</a:t>
+            </a:r>
+          </a:p>
+          <a:p>
+            <a:endParaRPr lang="pt-PT" dirty="0"/>
+          </a:p>
+          <a:p>
+            <a:r>
+              <a:rPr lang="pt-PT" dirty="0"/>
+              <a:t>Tipo:</a:t>
+            </a:r>
+          </a:p>
+          <a:p>
+            <a:endParaRPr lang="pt-PT" dirty="0"/>
+          </a:p>
+          <a:p>
+            <a:r>
+              <a:rPr lang="pt-PT" dirty="0"/>
+              <a:t>Número de itens:</a:t>
+            </a:r>
+          </a:p>
+          <a:p>
+            <a:endParaRPr lang="pt-PT" dirty="0"/>
+          </a:p>
+          <a:p>
+            <a:r>
+              <a:rPr lang="pt-PT" dirty="0"/>
+              <a:t>Descrição:</a:t>
+            </a:r>
+          </a:p>
+        </p:txBody>
+      </p:sp>
+      <p:sp>
+        <p:nvSpPr>
+          <p:cNvPr id="10" name="CaixaDeTexto 9">
+            <a:extLst>
+              <a:ext uri="{FF2B5EF4-FFF2-40B4-BE49-F238E27FC236}">
+                <a16:creationId xmlns:a16="http://schemas.microsoft.com/office/drawing/2014/main" id="{1AD02113-FBF5-395A-09D9-D53C96BA8FFB}"/>
+              </a:ext>
+            </a:extLst>
+          </p:cNvPr>
+          <p:cNvSpPr txBox="1"/>
+          <p:nvPr/>
+        </p:nvSpPr>
+        <p:spPr>
+          <a:xfrm>
+            <a:off x="8654897" y="4971626"/>
+            <a:ext cx="2743200" cy="365760"/>
+          </a:xfrm>
+          <a:prstGeom prst="rect">
+            <a:avLst/>
+          </a:prstGeom>
+        </p:spPr>
+        <p:style>
+          <a:lnRef idx="2">
+            <a:schemeClr val="dk1"/>
+          </a:lnRef>
+          <a:fillRef idx="1">
+            <a:schemeClr val="lt1"/>
+          </a:fillRef>
+          <a:effectRef idx="0">
+            <a:schemeClr val="dk1"/>
+          </a:effectRef>
+          <a:fontRef idx="minor">
+            <a:schemeClr val="dk1"/>
+          </a:fontRef>
+        </p:style>
+        <p:txBody>
+          <a:bodyPr rot="0" spcFirstLastPara="0" vertOverflow="overflow" horzOverflow="overflow" vert="horz" wrap="square" lIns="91440" tIns="45720" rIns="91440" bIns="45720" numCol="1" spcCol="0" rtlCol="0" fromWordArt="0" anchor="t" anchorCtr="0" forceAA="0" compatLnSpc="1">
+            <a:prstTxWarp prst="textNoShape">
+              <a:avLst/>
+            </a:prstTxWarp>
+            <a:spAutoFit/>
+          </a:bodyPr>
+          <a:lstStyle/>
+          <a:p>
+            <a:pPr algn="ctr"/>
+            <a:r>
+              <a:rPr lang="pt-PT" dirty="0"/>
+              <a:t>Eliminar coleção</a:t>
+            </a:r>
+          </a:p>
+        </p:txBody>
+      </p:sp>
+      <p:sp>
+        <p:nvSpPr>
+          <p:cNvPr id="12" name="CaixaDeTexto 11">
+            <a:extLst>
+              <a:ext uri="{FF2B5EF4-FFF2-40B4-BE49-F238E27FC236}">
+                <a16:creationId xmlns:a16="http://schemas.microsoft.com/office/drawing/2014/main" id="{1F3639DF-690A-CFD0-5752-940C08C93F58}"/>
+              </a:ext>
+            </a:extLst>
+          </p:cNvPr>
+          <p:cNvSpPr txBox="1"/>
+          <p:nvPr/>
+        </p:nvSpPr>
+        <p:spPr>
+          <a:xfrm>
+            <a:off x="8644164" y="4349147"/>
+            <a:ext cx="2743200" cy="365760"/>
+          </a:xfrm>
+          <a:prstGeom prst="rect">
+            <a:avLst/>
+          </a:prstGeom>
+        </p:spPr>
+        <p:style>
+          <a:lnRef idx="2">
+            <a:schemeClr val="dk1"/>
+          </a:lnRef>
+          <a:fillRef idx="1">
+            <a:schemeClr val="lt1"/>
+          </a:fillRef>
+          <a:effectRef idx="0">
+            <a:schemeClr val="dk1"/>
+          </a:effectRef>
+          <a:fontRef idx="minor">
+            <a:schemeClr val="dk1"/>
+          </a:fontRef>
+        </p:style>
+        <p:txBody>
+          <a:bodyPr rot="0" spcFirstLastPara="0" vertOverflow="overflow" horzOverflow="overflow" vert="horz" wrap="square" lIns="91440" tIns="45720" rIns="91440" bIns="45720" numCol="1" spcCol="0" rtlCol="0" fromWordArt="0" anchor="t" anchorCtr="0" forceAA="0" compatLnSpc="1">
+            <a:prstTxWarp prst="textNoShape">
+              <a:avLst/>
+            </a:prstTxWarp>
+            <a:spAutoFit/>
+          </a:bodyPr>
+          <a:lstStyle/>
+          <a:p>
+            <a:pPr algn="ctr"/>
+            <a:r>
+              <a:rPr lang="pt-PT" dirty="0"/>
+              <a:t>Editar coleção</a:t>
+            </a:r>
+          </a:p>
+        </p:txBody>
+      </p:sp>
+    </p:spTree>
+    <p:extLst>
+      <p:ext uri="{BB962C8B-B14F-4D97-AF65-F5344CB8AC3E}">
+        <p14:creationId xmlns:p14="http://schemas.microsoft.com/office/powerpoint/2010/main" val="338144412"/>
+      </p:ext>
+    </p:extLst>
+  </p:cSld>
+  <p:clrMapOvr>
+    <a:masterClrMapping/>
+  </p:clrMapOvr>
+</p:sld>
+</file>
+
+<file path=ppt/slides/slide11.xml><?xml version="1.0" encoding="utf-8"?>
+<p:sld xmlns:a="http://schemas.openxmlformats.org/drawingml/2006/main" xmlns:r="http://schemas.openxmlformats.org/officeDocument/2006/relationships" xmlns:p="http://schemas.openxmlformats.org/presentationml/2006/main">
+  <p:cSld>
+    <p:spTree>
+      <p:nvGrpSpPr>
+        <p:cNvPr id="1" name="">
+          <a:extLst>
+            <a:ext uri="{FF2B5EF4-FFF2-40B4-BE49-F238E27FC236}">
               <a16:creationId xmlns:a16="http://schemas.microsoft.com/office/drawing/2014/main" id="{B1798AC1-D7FE-DC6A-BA0D-DF104980778F}"/>
             </a:ext>
           </a:extLst>
@@ -5385,7 +5973,7 @@
 </p:sld>
 </file>
 
-<file path=ppt/slides/slide11.xml><?xml version="1.0" encoding="utf-8"?>
+<file path=ppt/slides/slide12.xml><?xml version="1.0" encoding="utf-8"?>
 <p:sld xmlns:a="http://schemas.openxmlformats.org/drawingml/2006/main" xmlns:r="http://schemas.openxmlformats.org/officeDocument/2006/relationships" xmlns:p="http://schemas.openxmlformats.org/presentationml/2006/main">
   <p:cSld>
     <p:spTree>
@@ -6071,7 +6659,7 @@
 </p:sld>
 </file>
 
-<file path=ppt/slides/slide12.xml><?xml version="1.0" encoding="utf-8"?>
+<file path=ppt/slides/slide13.xml><?xml version="1.0" encoding="utf-8"?>
 <p:sld xmlns:a="http://schemas.openxmlformats.org/drawingml/2006/main" xmlns:r="http://schemas.openxmlformats.org/officeDocument/2006/relationships" xmlns:p="http://schemas.openxmlformats.org/presentationml/2006/main">
   <p:cSld>
     <p:spTree>
@@ -6575,7 +7163,7 @@
 </p:sld>
 </file>
 
-<file path=ppt/slides/slide13.xml><?xml version="1.0" encoding="utf-8"?>
+<file path=ppt/slides/slide14.xml><?xml version="1.0" encoding="utf-8"?>
 <p:sld xmlns:a="http://schemas.openxmlformats.org/drawingml/2006/main" xmlns:r="http://schemas.openxmlformats.org/officeDocument/2006/relationships" xmlns:p="http://schemas.openxmlformats.org/presentationml/2006/main">
   <p:cSld>
     <p:spTree>
@@ -7451,7 +8039,7 @@
 </p:sld>
 </file>
 
-<file path=ppt/slides/slide14.xml><?xml version="1.0" encoding="utf-8"?>
+<file path=ppt/slides/slide15.xml><?xml version="1.0" encoding="utf-8"?>
 <p:sld xmlns:a="http://schemas.openxmlformats.org/drawingml/2006/main" xmlns:r="http://schemas.openxmlformats.org/officeDocument/2006/relationships" xmlns:p="http://schemas.openxmlformats.org/presentationml/2006/main">
   <p:cSld>
     <p:spTree>
@@ -8328,7 +8916,7 @@
 </p:sld>
 </file>
 
-<file path=ppt/slides/slide15.xml><?xml version="1.0" encoding="utf-8"?>
+<file path=ppt/slides/slide16.xml><?xml version="1.0" encoding="utf-8"?>
 <p:sld xmlns:a="http://schemas.openxmlformats.org/drawingml/2006/main" xmlns:r="http://schemas.openxmlformats.org/officeDocument/2006/relationships" xmlns:p="http://schemas.openxmlformats.org/presentationml/2006/main">
   <p:cSld>
     <p:spTree>
@@ -8815,7 +9403,7 @@
 </p:sld>
 </file>
 
-<file path=ppt/slides/slide16.xml><?xml version="1.0" encoding="utf-8"?>
+<file path=ppt/slides/slide17.xml><?xml version="1.0" encoding="utf-8"?>
 <p:sld xmlns:a="http://schemas.openxmlformats.org/drawingml/2006/main" xmlns:r="http://schemas.openxmlformats.org/officeDocument/2006/relationships" xmlns:p="http://schemas.openxmlformats.org/presentationml/2006/main">
   <p:cSld>
     <p:spTree>
@@ -9562,7 +10150,7 @@
 </p:sld>
 </file>
 
-<file path=ppt/slides/slide17.xml><?xml version="1.0" encoding="utf-8"?>
+<file path=ppt/slides/slide18.xml><?xml version="1.0" encoding="utf-8"?>
 <p:sld xmlns:a="http://schemas.openxmlformats.org/drawingml/2006/main" xmlns:r="http://schemas.openxmlformats.org/officeDocument/2006/relationships" xmlns:p="http://schemas.openxmlformats.org/presentationml/2006/main">
   <p:cSld>
     <p:spTree>
@@ -10300,916 +10888,6 @@
     <p:extLst>
       <p:ext uri="{BB962C8B-B14F-4D97-AF65-F5344CB8AC3E}">
         <p14:creationId xmlns:p14="http://schemas.microsoft.com/office/powerpoint/2010/main" val="771149491"/>
-      </p:ext>
-    </p:extLst>
-  </p:cSld>
-  <p:clrMapOvr>
-    <a:masterClrMapping/>
-  </p:clrMapOvr>
-</p:sld>
-</file>
-
-<file path=ppt/slides/slide18.xml><?xml version="1.0" encoding="utf-8"?>
-<p:sld xmlns:a="http://schemas.openxmlformats.org/drawingml/2006/main" xmlns:r="http://schemas.openxmlformats.org/officeDocument/2006/relationships" xmlns:p="http://schemas.openxmlformats.org/presentationml/2006/main">
-  <p:cSld>
-    <p:spTree>
-      <p:nvGrpSpPr>
-        <p:cNvPr id="1" name="">
-          <a:extLst>
-            <a:ext uri="{FF2B5EF4-FFF2-40B4-BE49-F238E27FC236}">
-              <a16:creationId xmlns:a16="http://schemas.microsoft.com/office/drawing/2014/main" id="{054CD630-93B9-4DE8-1534-5B06324B09E9}"/>
-            </a:ext>
-          </a:extLst>
-        </p:cNvPr>
-        <p:cNvGrpSpPr/>
-        <p:nvPr/>
-      </p:nvGrpSpPr>
-      <p:grpSpPr>
-        <a:xfrm>
-          <a:off x="0" y="0"/>
-          <a:ext cx="0" cy="0"/>
-          <a:chOff x="0" y="0"/>
-          <a:chExt cx="0" cy="0"/>
-        </a:xfrm>
-      </p:grpSpPr>
-      <p:sp>
-        <p:nvSpPr>
-          <p:cNvPr id="2" name="CaixaDeTexto 1">
-            <a:extLst>
-              <a:ext uri="{FF2B5EF4-FFF2-40B4-BE49-F238E27FC236}">
-                <a16:creationId xmlns:a16="http://schemas.microsoft.com/office/drawing/2014/main" id="{4139ABB5-3B7F-6DC7-B8E0-CB2CCC82A5F9}"/>
-              </a:ext>
-            </a:extLst>
-          </p:cNvPr>
-          <p:cNvSpPr txBox="1"/>
-          <p:nvPr/>
-        </p:nvSpPr>
-        <p:spPr>
-          <a:xfrm>
-            <a:off x="0" y="13418"/>
-            <a:ext cx="12170530" cy="1784653"/>
-          </a:xfrm>
-          <a:prstGeom prst="rect">
-            <a:avLst/>
-          </a:prstGeom>
-          <a:noFill/>
-        </p:spPr>
-        <p:txBody>
-          <a:bodyPr rot="0" spcFirstLastPara="0" vertOverflow="overflow" horzOverflow="overflow" vert="horz" wrap="square" lIns="91440" tIns="45720" rIns="91440" bIns="45720" numCol="1" spcCol="0" rtlCol="0" fromWordArt="0" anchor="t" anchorCtr="0" forceAA="0" compatLnSpc="1">
-            <a:prstTxWarp prst="textNoShape">
-              <a:avLst/>
-            </a:prstTxWarp>
-            <a:spAutoFit/>
-          </a:bodyPr>
-          <a:lstStyle/>
-          <a:p>
-            <a:pPr algn="l"/>
-            <a:endParaRPr lang="pt-PT"/>
-          </a:p>
-        </p:txBody>
-      </p:sp>
-      <p:sp>
-        <p:nvSpPr>
-          <p:cNvPr id="4" name="CaixaDeTexto 3">
-            <a:extLst>
-              <a:ext uri="{FF2B5EF4-FFF2-40B4-BE49-F238E27FC236}">
-                <a16:creationId xmlns:a16="http://schemas.microsoft.com/office/drawing/2014/main" id="{7E08AF39-32D4-B3AB-E320-A35B78EA1147}"/>
-              </a:ext>
-            </a:extLst>
-          </p:cNvPr>
-          <p:cNvSpPr txBox="1"/>
-          <p:nvPr/>
-        </p:nvSpPr>
-        <p:spPr>
-          <a:xfrm>
-            <a:off x="1392115" y="1143000"/>
-            <a:ext cx="3839307" cy="1055076"/>
-          </a:xfrm>
-          <a:prstGeom prst="rect">
-            <a:avLst/>
-          </a:prstGeom>
-          <a:noFill/>
-        </p:spPr>
-        <p:txBody>
-          <a:bodyPr rot="0" spcFirstLastPara="0" vertOverflow="overflow" horzOverflow="overflow" vert="horz" wrap="square" lIns="91440" tIns="45720" rIns="91440" bIns="45720" numCol="1" spcCol="0" rtlCol="0" fromWordArt="0" anchor="t" anchorCtr="0" forceAA="0" compatLnSpc="1">
-            <a:prstTxWarp prst="textNoShape">
-              <a:avLst/>
-            </a:prstTxWarp>
-            <a:spAutoFit/>
-          </a:bodyPr>
-          <a:lstStyle/>
-          <a:p>
-            <a:pPr algn="l"/>
-            <a:endParaRPr lang="pt-PT"/>
-          </a:p>
-        </p:txBody>
-      </p:sp>
-      <p:sp>
-        <p:nvSpPr>
-          <p:cNvPr id="6" name="CaixaDeTexto 5">
-            <a:extLst>
-              <a:ext uri="{FF2B5EF4-FFF2-40B4-BE49-F238E27FC236}">
-                <a16:creationId xmlns:a16="http://schemas.microsoft.com/office/drawing/2014/main" id="{E1D1306E-09AD-E813-4C9E-BDA7EE6226A0}"/>
-              </a:ext>
-            </a:extLst>
-          </p:cNvPr>
-          <p:cNvSpPr txBox="1"/>
-          <p:nvPr/>
-        </p:nvSpPr>
-        <p:spPr>
-          <a:xfrm>
-            <a:off x="-5861" y="14653"/>
-            <a:ext cx="12171483" cy="1107996"/>
-          </a:xfrm>
-          <a:prstGeom prst="rect">
-            <a:avLst/>
-          </a:prstGeom>
-        </p:spPr>
-        <p:style>
-          <a:lnRef idx="2">
-            <a:schemeClr val="dk1"/>
-          </a:lnRef>
-          <a:fillRef idx="1">
-            <a:schemeClr val="lt1"/>
-          </a:fillRef>
-          <a:effectRef idx="0">
-            <a:schemeClr val="dk1"/>
-          </a:effectRef>
-          <a:fontRef idx="minor">
-            <a:schemeClr val="dk1"/>
-          </a:fontRef>
-        </p:style>
-        <p:txBody>
-          <a:bodyPr rot="0" spcFirstLastPara="0" vertOverflow="overflow" horzOverflow="overflow" vert="horz" wrap="square" lIns="91440" tIns="45720" rIns="91440" bIns="45720" numCol="1" spcCol="0" rtlCol="0" fromWordArt="0" anchor="t" anchorCtr="0" forceAA="0" compatLnSpc="1">
-            <a:prstTxWarp prst="textNoShape">
-              <a:avLst/>
-            </a:prstTxWarp>
-            <a:spAutoFit/>
-          </a:bodyPr>
-          <a:lstStyle/>
-          <a:p>
-            <a:endParaRPr lang="pt-PT" sz="2400" dirty="0"/>
-          </a:p>
-          <a:p>
-            <a:r>
-              <a:rPr lang="pt-PT" sz="2400" dirty="0"/>
-              <a:t>      LOGO      BARRA DE PESQUISA      PERFIL</a:t>
-            </a:r>
-            <a:endParaRPr lang="pt-PT" dirty="0"/>
-          </a:p>
-          <a:p>
-            <a:endParaRPr lang="pt-PT" dirty="0"/>
-          </a:p>
-        </p:txBody>
-      </p:sp>
-      <p:sp>
-        <p:nvSpPr>
-          <p:cNvPr id="7" name="CaixaDeTexto 6">
-            <a:extLst>
-              <a:ext uri="{FF2B5EF4-FFF2-40B4-BE49-F238E27FC236}">
-                <a16:creationId xmlns:a16="http://schemas.microsoft.com/office/drawing/2014/main" id="{57A6906F-3ECC-04FA-90DF-97FBDDF7CFE4}"/>
-              </a:ext>
-            </a:extLst>
-          </p:cNvPr>
-          <p:cNvSpPr txBox="1"/>
-          <p:nvPr/>
-        </p:nvSpPr>
-        <p:spPr>
-          <a:xfrm>
-            <a:off x="545901" y="2206839"/>
-            <a:ext cx="5275384" cy="369332"/>
-          </a:xfrm>
-          <a:prstGeom prst="rect">
-            <a:avLst/>
-          </a:prstGeom>
-          <a:noFill/>
-        </p:spPr>
-        <p:txBody>
-          <a:bodyPr rot="0" spcFirstLastPara="0" vertOverflow="overflow" horzOverflow="overflow" vert="horz" wrap="square" lIns="91440" tIns="45720" rIns="91440" bIns="45720" numCol="1" spcCol="0" rtlCol="0" fromWordArt="0" anchor="t" anchorCtr="0" forceAA="0" compatLnSpc="1">
-            <a:prstTxWarp prst="textNoShape">
-              <a:avLst/>
-            </a:prstTxWarp>
-            <a:spAutoFit/>
-          </a:bodyPr>
-          <a:lstStyle/>
-          <a:p>
-            <a:r>
-              <a:rPr lang="pt-PT" dirty="0"/>
-              <a:t>Minhas coleções: </a:t>
-            </a:r>
-          </a:p>
-        </p:txBody>
-      </p:sp>
-      <p:sp>
-        <p:nvSpPr>
-          <p:cNvPr id="11" name="CaixaDeTexto 10">
-            <a:extLst>
-              <a:ext uri="{FF2B5EF4-FFF2-40B4-BE49-F238E27FC236}">
-                <a16:creationId xmlns:a16="http://schemas.microsoft.com/office/drawing/2014/main" id="{AE739B7B-9086-C093-63E2-5170592BD095}"/>
-              </a:ext>
-            </a:extLst>
-          </p:cNvPr>
-          <p:cNvSpPr txBox="1"/>
-          <p:nvPr/>
-        </p:nvSpPr>
-        <p:spPr>
-          <a:xfrm>
-            <a:off x="2094" y="1547445"/>
-            <a:ext cx="12177764" cy="461665"/>
-          </a:xfrm>
-          <a:prstGeom prst="rect">
-            <a:avLst/>
-          </a:prstGeom>
-        </p:spPr>
-        <p:style>
-          <a:lnRef idx="2">
-            <a:schemeClr val="dk1"/>
-          </a:lnRef>
-          <a:fillRef idx="1">
-            <a:schemeClr val="lt1"/>
-          </a:fillRef>
-          <a:effectRef idx="0">
-            <a:schemeClr val="dk1"/>
-          </a:effectRef>
-          <a:fontRef idx="minor">
-            <a:schemeClr val="dk1"/>
-          </a:fontRef>
-        </p:style>
-        <p:txBody>
-          <a:bodyPr rot="0" spcFirstLastPara="0" vertOverflow="overflow" horzOverflow="overflow" vert="horz" wrap="square" lIns="91440" tIns="45720" rIns="91440" bIns="45720" numCol="1" spcCol="0" rtlCol="0" fromWordArt="0" anchor="t" anchorCtr="0" forceAA="0" compatLnSpc="1">
-            <a:prstTxWarp prst="textNoShape">
-              <a:avLst/>
-            </a:prstTxWarp>
-            <a:spAutoFit/>
-          </a:bodyPr>
-          <a:lstStyle/>
-          <a:p>
-            <a:pPr algn="ctr"/>
-            <a:r>
-              <a:rPr lang="pt-PT" sz="2400" dirty="0"/>
-              <a:t>Cartas   Veículos   Livros   Bonecos Miniatura   Militares  Eventos</a:t>
-            </a:r>
-          </a:p>
-        </p:txBody>
-      </p:sp>
-      <p:sp>
-        <p:nvSpPr>
-          <p:cNvPr id="5" name="CaixaDeTexto 4">
-            <a:extLst>
-              <a:ext uri="{FF2B5EF4-FFF2-40B4-BE49-F238E27FC236}">
-                <a16:creationId xmlns:a16="http://schemas.microsoft.com/office/drawing/2014/main" id="{C7CEE07F-FA78-AEF9-6450-4E50A9F7F38A}"/>
-              </a:ext>
-            </a:extLst>
-          </p:cNvPr>
-          <p:cNvSpPr txBox="1"/>
-          <p:nvPr/>
-        </p:nvSpPr>
-        <p:spPr>
-          <a:xfrm>
-            <a:off x="-3769" y="6490817"/>
-            <a:ext cx="12181115" cy="369332"/>
-          </a:xfrm>
-          <a:prstGeom prst="rect">
-            <a:avLst/>
-          </a:prstGeom>
-        </p:spPr>
-        <p:style>
-          <a:lnRef idx="2">
-            <a:schemeClr val="dk1"/>
-          </a:lnRef>
-          <a:fillRef idx="1">
-            <a:schemeClr val="lt1"/>
-          </a:fillRef>
-          <a:effectRef idx="0">
-            <a:schemeClr val="dk1"/>
-          </a:effectRef>
-          <a:fontRef idx="minor">
-            <a:schemeClr val="dk1"/>
-          </a:fontRef>
-        </p:style>
-        <p:txBody>
-          <a:bodyPr rot="0" spcFirstLastPara="0" vertOverflow="overflow" horzOverflow="overflow" vert="horz" wrap="square" lIns="91440" tIns="45720" rIns="91440" bIns="45720" numCol="1" spcCol="0" rtlCol="0" fromWordArt="0" anchor="t" anchorCtr="0" forceAA="0" compatLnSpc="1">
-            <a:prstTxWarp prst="textNoShape">
-              <a:avLst/>
-            </a:prstTxWarp>
-            <a:spAutoFit/>
-          </a:bodyPr>
-          <a:lstStyle/>
-          <a:p>
-            <a:pPr algn="ctr"/>
-            <a:r>
-              <a:rPr lang="pt-PT" dirty="0"/>
-              <a:t>Desenvolvedores</a:t>
-            </a:r>
-          </a:p>
-        </p:txBody>
-      </p:sp>
-      <p:sp>
-        <p:nvSpPr>
-          <p:cNvPr id="17" name="CaixaDeTexto 16">
-            <a:extLst>
-              <a:ext uri="{FF2B5EF4-FFF2-40B4-BE49-F238E27FC236}">
-                <a16:creationId xmlns:a16="http://schemas.microsoft.com/office/drawing/2014/main" id="{0D91D661-9E35-0CFA-4B22-C100FB864F27}"/>
-              </a:ext>
-            </a:extLst>
-          </p:cNvPr>
-          <p:cNvSpPr txBox="1"/>
-          <p:nvPr/>
-        </p:nvSpPr>
-        <p:spPr>
-          <a:xfrm>
-            <a:off x="8670695" y="2473900"/>
-            <a:ext cx="2743200" cy="365760"/>
-          </a:xfrm>
-          <a:prstGeom prst="rect">
-            <a:avLst/>
-          </a:prstGeom>
-        </p:spPr>
-        <p:style>
-          <a:lnRef idx="2">
-            <a:schemeClr val="dk1"/>
-          </a:lnRef>
-          <a:fillRef idx="1">
-            <a:schemeClr val="lt1"/>
-          </a:fillRef>
-          <a:effectRef idx="0">
-            <a:schemeClr val="dk1"/>
-          </a:effectRef>
-          <a:fontRef idx="minor">
-            <a:schemeClr val="dk1"/>
-          </a:fontRef>
-        </p:style>
-        <p:txBody>
-          <a:bodyPr rot="0" spcFirstLastPara="0" vertOverflow="overflow" horzOverflow="overflow" vert="horz" wrap="square" lIns="91440" tIns="45720" rIns="91440" bIns="45720" numCol="1" spcCol="0" rtlCol="0" fromWordArt="0" anchor="t" anchorCtr="0" forceAA="0" compatLnSpc="1">
-            <a:prstTxWarp prst="textNoShape">
-              <a:avLst/>
-            </a:prstTxWarp>
-            <a:spAutoFit/>
-          </a:bodyPr>
-          <a:lstStyle/>
-          <a:p>
-            <a:pPr algn="ctr"/>
-            <a:r>
-              <a:rPr lang="pt-PT" dirty="0"/>
-              <a:t>Adicionar coleção</a:t>
-            </a:r>
-          </a:p>
-        </p:txBody>
-      </p:sp>
-      <p:sp>
-        <p:nvSpPr>
-          <p:cNvPr id="18" name="CaixaDeTexto 17">
-            <a:extLst>
-              <a:ext uri="{FF2B5EF4-FFF2-40B4-BE49-F238E27FC236}">
-                <a16:creationId xmlns:a16="http://schemas.microsoft.com/office/drawing/2014/main" id="{4635A197-FC8D-7DFC-6980-1798265425BC}"/>
-              </a:ext>
-            </a:extLst>
-          </p:cNvPr>
-          <p:cNvSpPr txBox="1"/>
-          <p:nvPr/>
-        </p:nvSpPr>
-        <p:spPr>
-          <a:xfrm>
-            <a:off x="912254" y="2656268"/>
-            <a:ext cx="7759521" cy="3831818"/>
-          </a:xfrm>
-          <a:prstGeom prst="rect">
-            <a:avLst/>
-          </a:prstGeom>
-          <a:noFill/>
-        </p:spPr>
-        <p:txBody>
-          <a:bodyPr rot="0" spcFirstLastPara="0" vertOverflow="overflow" horzOverflow="overflow" vert="horz" wrap="square" lIns="91440" tIns="45720" rIns="91440" bIns="45720" numCol="1" spcCol="0" rtlCol="0" fromWordArt="0" anchor="t" anchorCtr="0" forceAA="0" compatLnSpc="1">
-            <a:prstTxWarp prst="textNoShape">
-              <a:avLst/>
-            </a:prstTxWarp>
-            <a:spAutoFit/>
-          </a:bodyPr>
-          <a:lstStyle/>
-          <a:p>
-            <a:pPr algn="l" rtl="0">
-              <a:lnSpc>
-                <a:spcPts val="1500"/>
-              </a:lnSpc>
-            </a:pPr>
-            <a:r>
-              <a:rPr lang="pt-PT" b="0" i="0" u="none" strike="noStrike" baseline="0" dirty="0">
-                <a:solidFill>
-                  <a:srgbClr val="000000"/>
-                </a:solidFill>
-                <a:latin typeface="Aptos"/>
-                <a:ea typeface="Segoe UI"/>
-                <a:cs typeface="Segoe UI"/>
-              </a:rPr>
-              <a:t> 1 (</a:t>
-            </a:r>
-            <a:r>
-              <a:rPr lang="pt-PT" b="0" i="0" u="none" strike="noStrike" baseline="0" err="1">
-                <a:solidFill>
-                  <a:srgbClr val="000000"/>
-                </a:solidFill>
-                <a:latin typeface="Aptos"/>
-                <a:ea typeface="Segoe UI"/>
-                <a:cs typeface="Segoe UI"/>
-              </a:rPr>
-              <a:t>clicavel</a:t>
-            </a:r>
-            <a:r>
-              <a:rPr lang="pt-PT" b="0" i="0" u="none" strike="noStrike" baseline="0" dirty="0">
-                <a:solidFill>
-                  <a:srgbClr val="000000"/>
-                </a:solidFill>
-                <a:latin typeface="Aptos"/>
-                <a:ea typeface="Segoe UI"/>
-                <a:cs typeface="Segoe UI"/>
-              </a:rPr>
-              <a:t>)</a:t>
-            </a:r>
-            <a:r>
-              <a:rPr lang="en-US" b="0" i="0" dirty="0">
-                <a:solidFill>
-                  <a:srgbClr val="000000"/>
-                </a:solidFill>
-                <a:latin typeface="Aptos"/>
-                <a:ea typeface="Segoe UI"/>
-                <a:cs typeface="Segoe UI"/>
-              </a:rPr>
-              <a:t>​</a:t>
-            </a:r>
-          </a:p>
-          <a:p>
-            <a:pPr>
-              <a:lnSpc>
-                <a:spcPts val="1500"/>
-              </a:lnSpc>
-            </a:pPr>
-            <a:endParaRPr lang="en-US" dirty="0">
-              <a:solidFill>
-                <a:srgbClr val="000000"/>
-              </a:solidFill>
-              <a:latin typeface="Aptos"/>
-              <a:ea typeface="Segoe UI"/>
-              <a:cs typeface="Segoe UI"/>
-            </a:endParaRPr>
-          </a:p>
-          <a:p>
-            <a:pPr>
-              <a:lnSpc>
-                <a:spcPts val="1500"/>
-              </a:lnSpc>
-            </a:pPr>
-            <a:r>
-              <a:rPr lang="pt-PT" dirty="0">
-                <a:solidFill>
-                  <a:srgbClr val="000000"/>
-                </a:solidFill>
-                <a:latin typeface="Aptos"/>
-                <a:ea typeface="Segoe UI"/>
-                <a:cs typeface="Segoe UI"/>
-              </a:rPr>
-              <a:t>Descrição da coleção 1</a:t>
-            </a:r>
-            <a:endParaRPr lang="pt-PT" b="0" i="0" dirty="0">
-              <a:solidFill>
-                <a:srgbClr val="000000"/>
-              </a:solidFill>
-              <a:latin typeface="Aptos"/>
-              <a:ea typeface="Segoe UI"/>
-              <a:cs typeface="Segoe UI"/>
-            </a:endParaRPr>
-          </a:p>
-          <a:p>
-            <a:pPr>
-              <a:lnSpc>
-                <a:spcPts val="1500"/>
-              </a:lnSpc>
-            </a:pPr>
-            <a:endParaRPr lang="pt-PT" dirty="0">
-              <a:solidFill>
-                <a:srgbClr val="000000"/>
-              </a:solidFill>
-              <a:latin typeface="Aptos"/>
-              <a:ea typeface="Segoe UI"/>
-              <a:cs typeface="Segoe UI"/>
-            </a:endParaRPr>
-          </a:p>
-          <a:p>
-            <a:pPr algn="l" rtl="0">
-              <a:lnSpc>
-                <a:spcPts val="1500"/>
-              </a:lnSpc>
-            </a:pPr>
-            <a:r>
-              <a:rPr lang="pt-PT" b="0" i="0" dirty="0">
-                <a:solidFill>
-                  <a:srgbClr val="000000"/>
-                </a:solidFill>
-                <a:latin typeface="Aptos"/>
-                <a:ea typeface="Segoe UI"/>
-                <a:cs typeface="Segoe UI"/>
-              </a:rPr>
-              <a:t>​</a:t>
-            </a:r>
-          </a:p>
-          <a:p>
-            <a:pPr algn="l" rtl="0">
-              <a:lnSpc>
-                <a:spcPts val="1500"/>
-              </a:lnSpc>
-            </a:pPr>
-            <a:r>
-              <a:rPr lang="pt-PT" b="0" i="0" u="none" strike="noStrike" baseline="0" dirty="0">
-                <a:solidFill>
-                  <a:srgbClr val="000000"/>
-                </a:solidFill>
-                <a:latin typeface="Aptos"/>
-                <a:ea typeface="Segoe UI"/>
-                <a:cs typeface="Segoe UI"/>
-              </a:rPr>
-              <a:t> 2 (</a:t>
-            </a:r>
-            <a:r>
-              <a:rPr lang="pt-PT" b="0" i="0" u="none" strike="noStrike" baseline="0" err="1">
-                <a:solidFill>
-                  <a:srgbClr val="000000"/>
-                </a:solidFill>
-                <a:latin typeface="Aptos"/>
-                <a:ea typeface="Segoe UI"/>
-                <a:cs typeface="Segoe UI"/>
-              </a:rPr>
-              <a:t>clicavel</a:t>
-            </a:r>
-            <a:r>
-              <a:rPr lang="pt-PT" b="0" i="0" u="none" strike="noStrike" baseline="0" dirty="0">
-                <a:solidFill>
-                  <a:srgbClr val="000000"/>
-                </a:solidFill>
-                <a:latin typeface="Aptos"/>
-                <a:ea typeface="Segoe UI"/>
-                <a:cs typeface="Segoe UI"/>
-              </a:rPr>
-              <a:t>)</a:t>
-            </a:r>
-            <a:r>
-              <a:rPr lang="en-US" b="0" i="0" dirty="0">
-                <a:solidFill>
-                  <a:srgbClr val="000000"/>
-                </a:solidFill>
-                <a:latin typeface="Aptos"/>
-                <a:ea typeface="Segoe UI"/>
-                <a:cs typeface="Segoe UI"/>
-              </a:rPr>
-              <a:t>​</a:t>
-            </a:r>
-          </a:p>
-          <a:p>
-            <a:pPr>
-              <a:lnSpc>
-                <a:spcPts val="1500"/>
-              </a:lnSpc>
-            </a:pPr>
-            <a:endParaRPr lang="en-US" dirty="0">
-              <a:solidFill>
-                <a:srgbClr val="000000"/>
-              </a:solidFill>
-              <a:latin typeface="Aptos"/>
-              <a:ea typeface="Segoe UI"/>
-              <a:cs typeface="Segoe UI"/>
-            </a:endParaRPr>
-          </a:p>
-          <a:p>
-            <a:pPr>
-              <a:lnSpc>
-                <a:spcPts val="1500"/>
-              </a:lnSpc>
-            </a:pPr>
-            <a:r>
-              <a:rPr lang="pt-PT" dirty="0">
-                <a:solidFill>
-                  <a:srgbClr val="000000"/>
-                </a:solidFill>
-                <a:latin typeface="Aptos"/>
-                <a:ea typeface="Segoe UI"/>
-                <a:cs typeface="Segoe UI"/>
-              </a:rPr>
-              <a:t>Descrição </a:t>
-            </a:r>
-            <a:r>
-              <a:rPr lang="pt-PT" b="0" i="0" u="none" strike="noStrike" baseline="0" dirty="0">
-                <a:solidFill>
-                  <a:srgbClr val="000000"/>
-                </a:solidFill>
-                <a:latin typeface="Aptos"/>
-                <a:ea typeface="Segoe UI"/>
-                <a:cs typeface="Segoe UI"/>
-              </a:rPr>
-              <a:t>da </a:t>
-            </a:r>
-            <a:r>
-              <a:rPr lang="pt-PT" dirty="0">
-                <a:solidFill>
-                  <a:srgbClr val="000000"/>
-                </a:solidFill>
-                <a:latin typeface="Aptos"/>
-                <a:ea typeface="Segoe UI"/>
-                <a:cs typeface="Segoe UI"/>
-              </a:rPr>
-              <a:t>coleção 2</a:t>
-            </a:r>
-            <a:endParaRPr lang="en-US">
-              <a:cs typeface="Segoe UI"/>
-            </a:endParaRPr>
-          </a:p>
-          <a:p>
-            <a:pPr>
-              <a:lnSpc>
-                <a:spcPts val="1500"/>
-              </a:lnSpc>
-            </a:pPr>
-            <a:endParaRPr lang="pt-PT" dirty="0">
-              <a:solidFill>
-                <a:srgbClr val="000000"/>
-              </a:solidFill>
-              <a:latin typeface="Aptos"/>
-              <a:ea typeface="Segoe UI"/>
-              <a:cs typeface="Segoe UI"/>
-            </a:endParaRPr>
-          </a:p>
-          <a:p>
-            <a:pPr algn="l" rtl="0">
-              <a:lnSpc>
-                <a:spcPts val="1500"/>
-              </a:lnSpc>
-            </a:pPr>
-            <a:r>
-              <a:rPr lang="pt-PT" b="0" i="0" dirty="0">
-                <a:solidFill>
-                  <a:srgbClr val="000000"/>
-                </a:solidFill>
-                <a:latin typeface="Aptos"/>
-                <a:ea typeface="Segoe UI"/>
-                <a:cs typeface="Segoe UI"/>
-              </a:rPr>
-              <a:t>​</a:t>
-            </a:r>
-          </a:p>
-          <a:p>
-            <a:pPr algn="l" rtl="0">
-              <a:lnSpc>
-                <a:spcPts val="1500"/>
-              </a:lnSpc>
-            </a:pPr>
-            <a:r>
-              <a:rPr lang="pt-PT" b="0" i="0" u="none" strike="noStrike" baseline="0" dirty="0">
-                <a:solidFill>
-                  <a:srgbClr val="000000"/>
-                </a:solidFill>
-                <a:latin typeface="Aptos"/>
-                <a:ea typeface="Segoe UI"/>
-                <a:cs typeface="Segoe UI"/>
-              </a:rPr>
-              <a:t> 3 (</a:t>
-            </a:r>
-            <a:r>
-              <a:rPr lang="pt-PT" b="0" i="0" u="none" strike="noStrike" baseline="0" err="1">
-                <a:solidFill>
-                  <a:srgbClr val="000000"/>
-                </a:solidFill>
-                <a:latin typeface="Aptos"/>
-                <a:ea typeface="Segoe UI"/>
-                <a:cs typeface="Segoe UI"/>
-              </a:rPr>
-              <a:t>clicavel</a:t>
-            </a:r>
-            <a:r>
-              <a:rPr lang="pt-PT" b="0" i="0" u="none" strike="noStrike" baseline="0" dirty="0">
-                <a:solidFill>
-                  <a:srgbClr val="000000"/>
-                </a:solidFill>
-                <a:latin typeface="Aptos"/>
-                <a:ea typeface="Segoe UI"/>
-                <a:cs typeface="Segoe UI"/>
-              </a:rPr>
-              <a:t>)</a:t>
-            </a:r>
-            <a:r>
-              <a:rPr lang="en-US" b="0" i="0" dirty="0">
-                <a:solidFill>
-                  <a:srgbClr val="000000"/>
-                </a:solidFill>
-                <a:latin typeface="Aptos"/>
-                <a:ea typeface="Segoe UI"/>
-                <a:cs typeface="Segoe UI"/>
-              </a:rPr>
-              <a:t>​</a:t>
-            </a:r>
-          </a:p>
-          <a:p>
-            <a:pPr>
-              <a:lnSpc>
-                <a:spcPts val="1500"/>
-              </a:lnSpc>
-            </a:pPr>
-            <a:endParaRPr lang="en-US" dirty="0">
-              <a:solidFill>
-                <a:srgbClr val="000000"/>
-              </a:solidFill>
-              <a:latin typeface="Aptos"/>
-              <a:ea typeface="Segoe UI"/>
-              <a:cs typeface="Segoe UI"/>
-            </a:endParaRPr>
-          </a:p>
-          <a:p>
-            <a:pPr>
-              <a:lnSpc>
-                <a:spcPts val="1500"/>
-              </a:lnSpc>
-            </a:pPr>
-            <a:r>
-              <a:rPr lang="pt-PT" dirty="0">
-                <a:solidFill>
-                  <a:srgbClr val="000000"/>
-                </a:solidFill>
-                <a:latin typeface="Aptos"/>
-                <a:ea typeface="Segoe UI"/>
-                <a:cs typeface="Segoe UI"/>
-              </a:rPr>
-              <a:t>Descrição </a:t>
-            </a:r>
-            <a:r>
-              <a:rPr lang="pt-PT" b="0" i="0" u="none" strike="noStrike" baseline="0" dirty="0">
-                <a:solidFill>
-                  <a:srgbClr val="000000"/>
-                </a:solidFill>
-                <a:latin typeface="Aptos"/>
-                <a:ea typeface="Segoe UI"/>
-                <a:cs typeface="Segoe UI"/>
-              </a:rPr>
-              <a:t>da </a:t>
-            </a:r>
-            <a:r>
-              <a:rPr lang="pt-PT" dirty="0">
-                <a:solidFill>
-                  <a:srgbClr val="000000"/>
-                </a:solidFill>
-                <a:latin typeface="Aptos"/>
-                <a:ea typeface="Segoe UI"/>
-                <a:cs typeface="Segoe UI"/>
-              </a:rPr>
-              <a:t>coleção 3</a:t>
-            </a:r>
-            <a:endParaRPr lang="en-US"/>
-          </a:p>
-          <a:p>
-            <a:pPr>
-              <a:lnSpc>
-                <a:spcPts val="1500"/>
-              </a:lnSpc>
-            </a:pPr>
-            <a:endParaRPr lang="pt-PT" dirty="0">
-              <a:solidFill>
-                <a:srgbClr val="000000"/>
-              </a:solidFill>
-              <a:latin typeface="Aptos"/>
-              <a:ea typeface="Segoe UI"/>
-              <a:cs typeface="Segoe UI"/>
-            </a:endParaRPr>
-          </a:p>
-          <a:p>
-            <a:pPr algn="l" rtl="0">
-              <a:lnSpc>
-                <a:spcPts val="1500"/>
-              </a:lnSpc>
-            </a:pPr>
-            <a:r>
-              <a:rPr lang="pt-PT" b="0" i="0" dirty="0">
-                <a:solidFill>
-                  <a:srgbClr val="000000"/>
-                </a:solidFill>
-                <a:latin typeface="Aptos"/>
-                <a:ea typeface="Segoe UI"/>
-                <a:cs typeface="Segoe UI"/>
-              </a:rPr>
-              <a:t>​</a:t>
-            </a:r>
-          </a:p>
-          <a:p>
-            <a:pPr algn="l" rtl="0">
-              <a:lnSpc>
-                <a:spcPts val="1500"/>
-              </a:lnSpc>
-            </a:pPr>
-            <a:r>
-              <a:rPr lang="pt-PT" b="0" i="0" u="none" strike="noStrike" baseline="0" dirty="0">
-                <a:solidFill>
-                  <a:srgbClr val="000000"/>
-                </a:solidFill>
-                <a:latin typeface="Aptos"/>
-                <a:ea typeface="Segoe UI"/>
-                <a:cs typeface="Segoe UI"/>
-              </a:rPr>
-              <a:t> 4 (</a:t>
-            </a:r>
-            <a:r>
-              <a:rPr lang="pt-PT" b="0" i="0" u="none" strike="noStrike" baseline="0" err="1">
-                <a:solidFill>
-                  <a:srgbClr val="000000"/>
-                </a:solidFill>
-                <a:latin typeface="Aptos"/>
-                <a:ea typeface="Segoe UI"/>
-                <a:cs typeface="Segoe UI"/>
-              </a:rPr>
-              <a:t>clicavel</a:t>
-            </a:r>
-            <a:r>
-              <a:rPr lang="pt-PT" b="0" i="0" u="none" strike="noStrike" baseline="0" dirty="0">
-                <a:solidFill>
-                  <a:srgbClr val="000000"/>
-                </a:solidFill>
-                <a:latin typeface="Aptos"/>
-                <a:ea typeface="Segoe UI"/>
-                <a:cs typeface="Segoe UI"/>
-              </a:rPr>
-              <a:t>)</a:t>
-            </a:r>
-            <a:r>
-              <a:rPr lang="en-US" b="0" i="0" dirty="0">
-                <a:solidFill>
-                  <a:srgbClr val="000000"/>
-                </a:solidFill>
-                <a:latin typeface="Aptos"/>
-                <a:ea typeface="Segoe UI"/>
-                <a:cs typeface="Segoe UI"/>
-              </a:rPr>
-              <a:t>​</a:t>
-            </a:r>
-          </a:p>
-          <a:p>
-            <a:pPr>
-              <a:lnSpc>
-                <a:spcPts val="1500"/>
-              </a:lnSpc>
-            </a:pPr>
-            <a:endParaRPr lang="en-US" dirty="0">
-              <a:solidFill>
-                <a:srgbClr val="000000"/>
-              </a:solidFill>
-              <a:latin typeface="Aptos"/>
-              <a:ea typeface="Segoe UI"/>
-              <a:cs typeface="Segoe UI"/>
-            </a:endParaRPr>
-          </a:p>
-          <a:p>
-            <a:pPr>
-              <a:lnSpc>
-                <a:spcPts val="1500"/>
-              </a:lnSpc>
-            </a:pPr>
-            <a:r>
-              <a:rPr lang="pt-PT" dirty="0">
-                <a:solidFill>
-                  <a:srgbClr val="000000"/>
-                </a:solidFill>
-                <a:latin typeface="Aptos"/>
-                <a:ea typeface="Segoe UI"/>
-                <a:cs typeface="Segoe UI"/>
-              </a:rPr>
-              <a:t>Descrição </a:t>
-            </a:r>
-            <a:r>
-              <a:rPr lang="pt-PT" b="0" i="0" u="none" strike="noStrike" baseline="0" dirty="0">
-                <a:solidFill>
-                  <a:srgbClr val="000000"/>
-                </a:solidFill>
-                <a:latin typeface="Aptos"/>
-                <a:ea typeface="Segoe UI"/>
-                <a:cs typeface="Segoe UI"/>
-              </a:rPr>
-              <a:t>da </a:t>
-            </a:r>
-            <a:r>
-              <a:rPr lang="pt-PT" dirty="0">
-                <a:solidFill>
-                  <a:srgbClr val="000000"/>
-                </a:solidFill>
-                <a:latin typeface="Aptos"/>
-                <a:ea typeface="Segoe UI"/>
-                <a:cs typeface="Segoe UI"/>
-              </a:rPr>
-              <a:t>coleção 4</a:t>
-            </a:r>
-            <a:endParaRPr lang="pt-PT" dirty="0"/>
-          </a:p>
-          <a:p>
-            <a:pPr algn="ctr"/>
-            <a:endParaRPr lang="pt-PT"/>
-          </a:p>
-        </p:txBody>
-      </p:sp>
-    </p:spTree>
-    <p:extLst>
-      <p:ext uri="{BB962C8B-B14F-4D97-AF65-F5344CB8AC3E}">
-        <p14:creationId xmlns:p14="http://schemas.microsoft.com/office/powerpoint/2010/main" val="4161652135"/>
       </p:ext>
     </p:extLst>
   </p:cSld>
@@ -12615,6 +12293,850 @@
 </p:sld>
 </file>
 
+<file path=ppt/slides/slide20.xml><?xml version="1.0" encoding="utf-8"?>
+<p:sld xmlns:a="http://schemas.openxmlformats.org/drawingml/2006/main" xmlns:r="http://schemas.openxmlformats.org/officeDocument/2006/relationships" xmlns:p="http://schemas.openxmlformats.org/presentationml/2006/main">
+  <p:cSld>
+    <p:spTree>
+      <p:nvGrpSpPr>
+        <p:cNvPr id="1" name="">
+          <a:extLst>
+            <a:ext uri="{FF2B5EF4-FFF2-40B4-BE49-F238E27FC236}">
+              <a16:creationId xmlns:a16="http://schemas.microsoft.com/office/drawing/2014/main" id="{0A8949C8-4D68-B6B9-B195-6E72B1A50B22}"/>
+            </a:ext>
+          </a:extLst>
+        </p:cNvPr>
+        <p:cNvGrpSpPr/>
+        <p:nvPr/>
+      </p:nvGrpSpPr>
+      <p:grpSpPr>
+        <a:xfrm>
+          <a:off x="0" y="0"/>
+          <a:ext cx="0" cy="0"/>
+          <a:chOff x="0" y="0"/>
+          <a:chExt cx="0" cy="0"/>
+        </a:xfrm>
+      </p:grpSpPr>
+      <p:sp>
+        <p:nvSpPr>
+          <p:cNvPr id="2" name="CaixaDeTexto 1">
+            <a:extLst>
+              <a:ext uri="{FF2B5EF4-FFF2-40B4-BE49-F238E27FC236}">
+                <a16:creationId xmlns:a16="http://schemas.microsoft.com/office/drawing/2014/main" id="{20B2A4F1-21BA-DF15-10E7-CE3E21EA2A86}"/>
+              </a:ext>
+            </a:extLst>
+          </p:cNvPr>
+          <p:cNvSpPr txBox="1"/>
+          <p:nvPr/>
+        </p:nvSpPr>
+        <p:spPr>
+          <a:xfrm>
+            <a:off x="0" y="13418"/>
+            <a:ext cx="12170530" cy="1784653"/>
+          </a:xfrm>
+          <a:prstGeom prst="rect">
+            <a:avLst/>
+          </a:prstGeom>
+          <a:noFill/>
+        </p:spPr>
+        <p:txBody>
+          <a:bodyPr rot="0" spcFirstLastPara="0" vertOverflow="overflow" horzOverflow="overflow" vert="horz" wrap="square" lIns="91440" tIns="45720" rIns="91440" bIns="45720" numCol="1" spcCol="0" rtlCol="0" fromWordArt="0" anchor="t" anchorCtr="0" forceAA="0" compatLnSpc="1">
+            <a:prstTxWarp prst="textNoShape">
+              <a:avLst/>
+            </a:prstTxWarp>
+            <a:spAutoFit/>
+          </a:bodyPr>
+          <a:lstStyle/>
+          <a:p>
+            <a:pPr algn="l"/>
+            <a:endParaRPr lang="pt-PT"/>
+          </a:p>
+        </p:txBody>
+      </p:sp>
+      <p:sp>
+        <p:nvSpPr>
+          <p:cNvPr id="4" name="CaixaDeTexto 3">
+            <a:extLst>
+              <a:ext uri="{FF2B5EF4-FFF2-40B4-BE49-F238E27FC236}">
+                <a16:creationId xmlns:a16="http://schemas.microsoft.com/office/drawing/2014/main" id="{423C1A1E-8006-A038-5F72-74260D0EE2AF}"/>
+              </a:ext>
+            </a:extLst>
+          </p:cNvPr>
+          <p:cNvSpPr txBox="1"/>
+          <p:nvPr/>
+        </p:nvSpPr>
+        <p:spPr>
+          <a:xfrm>
+            <a:off x="1392115" y="1143000"/>
+            <a:ext cx="3839307" cy="1055076"/>
+          </a:xfrm>
+          <a:prstGeom prst="rect">
+            <a:avLst/>
+          </a:prstGeom>
+          <a:noFill/>
+        </p:spPr>
+        <p:txBody>
+          <a:bodyPr rot="0" spcFirstLastPara="0" vertOverflow="overflow" horzOverflow="overflow" vert="horz" wrap="square" lIns="91440" tIns="45720" rIns="91440" bIns="45720" numCol="1" spcCol="0" rtlCol="0" fromWordArt="0" anchor="t" anchorCtr="0" forceAA="0" compatLnSpc="1">
+            <a:prstTxWarp prst="textNoShape">
+              <a:avLst/>
+            </a:prstTxWarp>
+            <a:spAutoFit/>
+          </a:bodyPr>
+          <a:lstStyle/>
+          <a:p>
+            <a:pPr algn="l"/>
+            <a:endParaRPr lang="pt-PT"/>
+          </a:p>
+        </p:txBody>
+      </p:sp>
+      <p:sp>
+        <p:nvSpPr>
+          <p:cNvPr id="6" name="CaixaDeTexto 5">
+            <a:extLst>
+              <a:ext uri="{FF2B5EF4-FFF2-40B4-BE49-F238E27FC236}">
+                <a16:creationId xmlns:a16="http://schemas.microsoft.com/office/drawing/2014/main" id="{0DB63E6D-02C3-CE68-120D-FB2DE4A5AA94}"/>
+              </a:ext>
+            </a:extLst>
+          </p:cNvPr>
+          <p:cNvSpPr txBox="1"/>
+          <p:nvPr/>
+        </p:nvSpPr>
+        <p:spPr>
+          <a:xfrm>
+            <a:off x="-5861" y="14653"/>
+            <a:ext cx="12171483" cy="1107996"/>
+          </a:xfrm>
+          <a:prstGeom prst="rect">
+            <a:avLst/>
+          </a:prstGeom>
+        </p:spPr>
+        <p:style>
+          <a:lnRef idx="2">
+            <a:schemeClr val="dk1"/>
+          </a:lnRef>
+          <a:fillRef idx="1">
+            <a:schemeClr val="lt1"/>
+          </a:fillRef>
+          <a:effectRef idx="0">
+            <a:schemeClr val="dk1"/>
+          </a:effectRef>
+          <a:fontRef idx="minor">
+            <a:schemeClr val="dk1"/>
+          </a:fontRef>
+        </p:style>
+        <p:txBody>
+          <a:bodyPr rot="0" spcFirstLastPara="0" vertOverflow="overflow" horzOverflow="overflow" vert="horz" wrap="square" lIns="91440" tIns="45720" rIns="91440" bIns="45720" numCol="1" spcCol="0" rtlCol="0" fromWordArt="0" anchor="t" anchorCtr="0" forceAA="0" compatLnSpc="1">
+            <a:prstTxWarp prst="textNoShape">
+              <a:avLst/>
+            </a:prstTxWarp>
+            <a:spAutoFit/>
+          </a:bodyPr>
+          <a:lstStyle/>
+          <a:p>
+            <a:endParaRPr lang="pt-PT" sz="2400" dirty="0"/>
+          </a:p>
+          <a:p>
+            <a:r>
+              <a:rPr lang="pt-PT" sz="2400" dirty="0"/>
+              <a:t>      LOGO      BARRA DE PESQUISA      PERFIL</a:t>
+            </a:r>
+            <a:endParaRPr lang="pt-PT" dirty="0"/>
+          </a:p>
+          <a:p>
+            <a:endParaRPr lang="pt-PT" dirty="0"/>
+          </a:p>
+        </p:txBody>
+      </p:sp>
+      <p:sp>
+        <p:nvSpPr>
+          <p:cNvPr id="7" name="CaixaDeTexto 6">
+            <a:extLst>
+              <a:ext uri="{FF2B5EF4-FFF2-40B4-BE49-F238E27FC236}">
+                <a16:creationId xmlns:a16="http://schemas.microsoft.com/office/drawing/2014/main" id="{36FDBDDF-3061-0D17-0FA9-25BE6194178E}"/>
+              </a:ext>
+            </a:extLst>
+          </p:cNvPr>
+          <p:cNvSpPr txBox="1"/>
+          <p:nvPr/>
+        </p:nvSpPr>
+        <p:spPr>
+          <a:xfrm>
+            <a:off x="545901" y="2206839"/>
+            <a:ext cx="5275384" cy="369332"/>
+          </a:xfrm>
+          <a:prstGeom prst="rect">
+            <a:avLst/>
+          </a:prstGeom>
+          <a:noFill/>
+        </p:spPr>
+        <p:txBody>
+          <a:bodyPr rot="0" spcFirstLastPara="0" vertOverflow="overflow" horzOverflow="overflow" vert="horz" wrap="square" lIns="91440" tIns="45720" rIns="91440" bIns="45720" numCol="1" spcCol="0" rtlCol="0" fromWordArt="0" anchor="t" anchorCtr="0" forceAA="0" compatLnSpc="1">
+            <a:prstTxWarp prst="textNoShape">
+              <a:avLst/>
+            </a:prstTxWarp>
+            <a:spAutoFit/>
+          </a:bodyPr>
+          <a:lstStyle/>
+          <a:p>
+            <a:r>
+              <a:rPr lang="pt-PT" dirty="0"/>
+              <a:t>Eventos: </a:t>
+            </a:r>
+          </a:p>
+        </p:txBody>
+      </p:sp>
+      <p:sp>
+        <p:nvSpPr>
+          <p:cNvPr id="11" name="CaixaDeTexto 10">
+            <a:extLst>
+              <a:ext uri="{FF2B5EF4-FFF2-40B4-BE49-F238E27FC236}">
+                <a16:creationId xmlns:a16="http://schemas.microsoft.com/office/drawing/2014/main" id="{0102578D-C306-EA31-6D45-14DD6E5D8615}"/>
+              </a:ext>
+            </a:extLst>
+          </p:cNvPr>
+          <p:cNvSpPr txBox="1"/>
+          <p:nvPr/>
+        </p:nvSpPr>
+        <p:spPr>
+          <a:xfrm>
+            <a:off x="2094" y="1547445"/>
+            <a:ext cx="12177764" cy="461665"/>
+          </a:xfrm>
+          <a:prstGeom prst="rect">
+            <a:avLst/>
+          </a:prstGeom>
+        </p:spPr>
+        <p:style>
+          <a:lnRef idx="2">
+            <a:schemeClr val="dk1"/>
+          </a:lnRef>
+          <a:fillRef idx="1">
+            <a:schemeClr val="lt1"/>
+          </a:fillRef>
+          <a:effectRef idx="0">
+            <a:schemeClr val="dk1"/>
+          </a:effectRef>
+          <a:fontRef idx="minor">
+            <a:schemeClr val="dk1"/>
+          </a:fontRef>
+        </p:style>
+        <p:txBody>
+          <a:bodyPr rot="0" spcFirstLastPara="0" vertOverflow="overflow" horzOverflow="overflow" vert="horz" wrap="square" lIns="91440" tIns="45720" rIns="91440" bIns="45720" numCol="1" spcCol="0" rtlCol="0" fromWordArt="0" anchor="t" anchorCtr="0" forceAA="0" compatLnSpc="1">
+            <a:prstTxWarp prst="textNoShape">
+              <a:avLst/>
+            </a:prstTxWarp>
+            <a:spAutoFit/>
+          </a:bodyPr>
+          <a:lstStyle/>
+          <a:p>
+            <a:pPr algn="ctr"/>
+            <a:r>
+              <a:rPr lang="pt-PT" sz="2400" dirty="0"/>
+              <a:t>Cartas   Veículos   Livros   Bonecos Miniatura   Militares  Eventos</a:t>
+            </a:r>
+          </a:p>
+        </p:txBody>
+      </p:sp>
+      <p:sp>
+        <p:nvSpPr>
+          <p:cNvPr id="5" name="CaixaDeTexto 4">
+            <a:extLst>
+              <a:ext uri="{FF2B5EF4-FFF2-40B4-BE49-F238E27FC236}">
+                <a16:creationId xmlns:a16="http://schemas.microsoft.com/office/drawing/2014/main" id="{784C0ADA-9665-969D-BD34-973D7055B676}"/>
+              </a:ext>
+            </a:extLst>
+          </p:cNvPr>
+          <p:cNvSpPr txBox="1"/>
+          <p:nvPr/>
+        </p:nvSpPr>
+        <p:spPr>
+          <a:xfrm>
+            <a:off x="-3769" y="6490817"/>
+            <a:ext cx="12181115" cy="369332"/>
+          </a:xfrm>
+          <a:prstGeom prst="rect">
+            <a:avLst/>
+          </a:prstGeom>
+        </p:spPr>
+        <p:style>
+          <a:lnRef idx="2">
+            <a:schemeClr val="dk1"/>
+          </a:lnRef>
+          <a:fillRef idx="1">
+            <a:schemeClr val="lt1"/>
+          </a:fillRef>
+          <a:effectRef idx="0">
+            <a:schemeClr val="dk1"/>
+          </a:effectRef>
+          <a:fontRef idx="minor">
+            <a:schemeClr val="dk1"/>
+          </a:fontRef>
+        </p:style>
+        <p:txBody>
+          <a:bodyPr rot="0" spcFirstLastPara="0" vertOverflow="overflow" horzOverflow="overflow" vert="horz" wrap="square" lIns="91440" tIns="45720" rIns="91440" bIns="45720" numCol="1" spcCol="0" rtlCol="0" fromWordArt="0" anchor="t" anchorCtr="0" forceAA="0" compatLnSpc="1">
+            <a:prstTxWarp prst="textNoShape">
+              <a:avLst/>
+            </a:prstTxWarp>
+            <a:spAutoFit/>
+          </a:bodyPr>
+          <a:lstStyle/>
+          <a:p>
+            <a:pPr algn="ctr"/>
+            <a:r>
+              <a:rPr lang="pt-PT" dirty="0"/>
+              <a:t>Desenvolvedores</a:t>
+            </a:r>
+          </a:p>
+        </p:txBody>
+      </p:sp>
+      <p:sp>
+        <p:nvSpPr>
+          <p:cNvPr id="17" name="CaixaDeTexto 16">
+            <a:extLst>
+              <a:ext uri="{FF2B5EF4-FFF2-40B4-BE49-F238E27FC236}">
+                <a16:creationId xmlns:a16="http://schemas.microsoft.com/office/drawing/2014/main" id="{F17E658F-0624-260E-06E5-7982B75D11A2}"/>
+              </a:ext>
+            </a:extLst>
+          </p:cNvPr>
+          <p:cNvSpPr txBox="1"/>
+          <p:nvPr/>
+        </p:nvSpPr>
+        <p:spPr>
+          <a:xfrm>
+            <a:off x="8670695" y="2473900"/>
+            <a:ext cx="2743200" cy="365760"/>
+          </a:xfrm>
+          <a:prstGeom prst="rect">
+            <a:avLst/>
+          </a:prstGeom>
+        </p:spPr>
+        <p:style>
+          <a:lnRef idx="2">
+            <a:schemeClr val="dk1"/>
+          </a:lnRef>
+          <a:fillRef idx="1">
+            <a:schemeClr val="lt1"/>
+          </a:fillRef>
+          <a:effectRef idx="0">
+            <a:schemeClr val="dk1"/>
+          </a:effectRef>
+          <a:fontRef idx="minor">
+            <a:schemeClr val="dk1"/>
+          </a:fontRef>
+        </p:style>
+        <p:txBody>
+          <a:bodyPr rot="0" spcFirstLastPara="0" vertOverflow="overflow" horzOverflow="overflow" vert="horz" wrap="square" lIns="91440" tIns="45720" rIns="91440" bIns="45720" numCol="1" spcCol="0" rtlCol="0" fromWordArt="0" anchor="t" anchorCtr="0" forceAA="0" compatLnSpc="1">
+            <a:prstTxWarp prst="textNoShape">
+              <a:avLst/>
+            </a:prstTxWarp>
+            <a:spAutoFit/>
+          </a:bodyPr>
+          <a:lstStyle/>
+          <a:p>
+            <a:pPr algn="ctr"/>
+            <a:r>
+              <a:rPr lang="pt-PT" dirty="0"/>
+              <a:t>Adicionar evento</a:t>
+            </a:r>
+          </a:p>
+        </p:txBody>
+      </p:sp>
+      <p:sp>
+        <p:nvSpPr>
+          <p:cNvPr id="18" name="CaixaDeTexto 17">
+            <a:extLst>
+              <a:ext uri="{FF2B5EF4-FFF2-40B4-BE49-F238E27FC236}">
+                <a16:creationId xmlns:a16="http://schemas.microsoft.com/office/drawing/2014/main" id="{2A37F4DC-59A5-9B17-0CBE-C841C2D4DA52}"/>
+              </a:ext>
+            </a:extLst>
+          </p:cNvPr>
+          <p:cNvSpPr txBox="1"/>
+          <p:nvPr/>
+        </p:nvSpPr>
+        <p:spPr>
+          <a:xfrm>
+            <a:off x="912254" y="2656268"/>
+            <a:ext cx="7759521" cy="3831818"/>
+          </a:xfrm>
+          <a:prstGeom prst="rect">
+            <a:avLst/>
+          </a:prstGeom>
+          <a:noFill/>
+        </p:spPr>
+        <p:txBody>
+          <a:bodyPr rot="0" spcFirstLastPara="0" vertOverflow="overflow" horzOverflow="overflow" vert="horz" wrap="square" lIns="91440" tIns="45720" rIns="91440" bIns="45720" numCol="1" spcCol="0" rtlCol="0" fromWordArt="0" anchor="t" anchorCtr="0" forceAA="0" compatLnSpc="1">
+            <a:prstTxWarp prst="textNoShape">
+              <a:avLst/>
+            </a:prstTxWarp>
+            <a:spAutoFit/>
+          </a:bodyPr>
+          <a:lstStyle/>
+          <a:p>
+            <a:pPr algn="l" rtl="0">
+              <a:lnSpc>
+                <a:spcPts val="1500"/>
+              </a:lnSpc>
+            </a:pPr>
+            <a:r>
+              <a:rPr lang="pt-PT" b="0" i="0" u="none" strike="noStrike" baseline="0" dirty="0">
+                <a:solidFill>
+                  <a:srgbClr val="000000"/>
+                </a:solidFill>
+                <a:latin typeface="Aptos"/>
+                <a:ea typeface="Segoe UI"/>
+                <a:cs typeface="Segoe UI"/>
+              </a:rPr>
+              <a:t> 1 (</a:t>
+            </a:r>
+            <a:r>
+              <a:rPr lang="pt-PT" b="0" i="0" u="none" strike="noStrike" baseline="0" err="1">
+                <a:solidFill>
+                  <a:srgbClr val="000000"/>
+                </a:solidFill>
+                <a:latin typeface="Aptos"/>
+                <a:ea typeface="Segoe UI"/>
+                <a:cs typeface="Segoe UI"/>
+              </a:rPr>
+              <a:t>clicavel</a:t>
+            </a:r>
+            <a:r>
+              <a:rPr lang="pt-PT" b="0" i="0" u="none" strike="noStrike" baseline="0" dirty="0">
+                <a:solidFill>
+                  <a:srgbClr val="000000"/>
+                </a:solidFill>
+                <a:latin typeface="Aptos"/>
+                <a:ea typeface="Segoe UI"/>
+                <a:cs typeface="Segoe UI"/>
+              </a:rPr>
+              <a:t>)</a:t>
+            </a:r>
+            <a:r>
+              <a:rPr lang="en-US" b="0" i="0" dirty="0">
+                <a:solidFill>
+                  <a:srgbClr val="000000"/>
+                </a:solidFill>
+                <a:latin typeface="Aptos"/>
+                <a:ea typeface="Segoe UI"/>
+                <a:cs typeface="Segoe UI"/>
+              </a:rPr>
+              <a:t>​</a:t>
+            </a:r>
+          </a:p>
+          <a:p>
+            <a:pPr>
+              <a:lnSpc>
+                <a:spcPts val="1500"/>
+              </a:lnSpc>
+            </a:pPr>
+            <a:endParaRPr lang="en-US" dirty="0">
+              <a:solidFill>
+                <a:srgbClr val="000000"/>
+              </a:solidFill>
+              <a:latin typeface="Aptos"/>
+              <a:ea typeface="Segoe UI"/>
+              <a:cs typeface="Segoe UI"/>
+            </a:endParaRPr>
+          </a:p>
+          <a:p>
+            <a:pPr>
+              <a:lnSpc>
+                <a:spcPts val="1500"/>
+              </a:lnSpc>
+            </a:pPr>
+            <a:r>
+              <a:rPr lang="pt-PT" dirty="0">
+                <a:solidFill>
+                  <a:srgbClr val="000000"/>
+                </a:solidFill>
+                <a:latin typeface="Aptos"/>
+                <a:ea typeface="Segoe UI"/>
+                <a:cs typeface="Segoe UI"/>
+              </a:rPr>
+              <a:t>Descrição do evento 1</a:t>
+            </a:r>
+            <a:endParaRPr lang="pt-PT" b="0" i="0" dirty="0">
+              <a:solidFill>
+                <a:srgbClr val="000000"/>
+              </a:solidFill>
+              <a:latin typeface="Aptos"/>
+              <a:ea typeface="Segoe UI"/>
+              <a:cs typeface="Segoe UI"/>
+            </a:endParaRPr>
+          </a:p>
+          <a:p>
+            <a:pPr>
+              <a:lnSpc>
+                <a:spcPts val="1500"/>
+              </a:lnSpc>
+            </a:pPr>
+            <a:endParaRPr lang="pt-PT" dirty="0">
+              <a:solidFill>
+                <a:srgbClr val="000000"/>
+              </a:solidFill>
+              <a:latin typeface="Aptos"/>
+              <a:ea typeface="Segoe UI"/>
+              <a:cs typeface="Segoe UI"/>
+            </a:endParaRPr>
+          </a:p>
+          <a:p>
+            <a:pPr algn="l" rtl="0">
+              <a:lnSpc>
+                <a:spcPts val="1500"/>
+              </a:lnSpc>
+            </a:pPr>
+            <a:r>
+              <a:rPr lang="pt-PT" b="0" i="0" dirty="0">
+                <a:solidFill>
+                  <a:srgbClr val="000000"/>
+                </a:solidFill>
+                <a:latin typeface="Aptos"/>
+                <a:ea typeface="Segoe UI"/>
+                <a:cs typeface="Segoe UI"/>
+              </a:rPr>
+              <a:t>​</a:t>
+            </a:r>
+          </a:p>
+          <a:p>
+            <a:pPr algn="l" rtl="0">
+              <a:lnSpc>
+                <a:spcPts val="1500"/>
+              </a:lnSpc>
+            </a:pPr>
+            <a:r>
+              <a:rPr lang="pt-PT" b="0" i="0" u="none" strike="noStrike" baseline="0" dirty="0">
+                <a:solidFill>
+                  <a:srgbClr val="000000"/>
+                </a:solidFill>
+                <a:latin typeface="Aptos"/>
+                <a:ea typeface="Segoe UI"/>
+                <a:cs typeface="Segoe UI"/>
+              </a:rPr>
+              <a:t> 2 (</a:t>
+            </a:r>
+            <a:r>
+              <a:rPr lang="pt-PT" b="0" i="0" u="none" strike="noStrike" baseline="0" err="1">
+                <a:solidFill>
+                  <a:srgbClr val="000000"/>
+                </a:solidFill>
+                <a:latin typeface="Aptos"/>
+                <a:ea typeface="Segoe UI"/>
+                <a:cs typeface="Segoe UI"/>
+              </a:rPr>
+              <a:t>clicavel</a:t>
+            </a:r>
+            <a:r>
+              <a:rPr lang="pt-PT" b="0" i="0" u="none" strike="noStrike" baseline="0" dirty="0">
+                <a:solidFill>
+                  <a:srgbClr val="000000"/>
+                </a:solidFill>
+                <a:latin typeface="Aptos"/>
+                <a:ea typeface="Segoe UI"/>
+                <a:cs typeface="Segoe UI"/>
+              </a:rPr>
+              <a:t>)</a:t>
+            </a:r>
+            <a:r>
+              <a:rPr lang="en-US" b="0" i="0" dirty="0">
+                <a:solidFill>
+                  <a:srgbClr val="000000"/>
+                </a:solidFill>
+                <a:latin typeface="Aptos"/>
+                <a:ea typeface="Segoe UI"/>
+                <a:cs typeface="Segoe UI"/>
+              </a:rPr>
+              <a:t>​</a:t>
+            </a:r>
+          </a:p>
+          <a:p>
+            <a:pPr>
+              <a:lnSpc>
+                <a:spcPts val="1500"/>
+              </a:lnSpc>
+            </a:pPr>
+            <a:endParaRPr lang="en-US" dirty="0">
+              <a:solidFill>
+                <a:srgbClr val="000000"/>
+              </a:solidFill>
+              <a:latin typeface="Aptos"/>
+              <a:ea typeface="Segoe UI"/>
+              <a:cs typeface="Segoe UI"/>
+            </a:endParaRPr>
+          </a:p>
+          <a:p>
+            <a:pPr>
+              <a:lnSpc>
+                <a:spcPts val="1500"/>
+              </a:lnSpc>
+            </a:pPr>
+            <a:r>
+              <a:rPr lang="pt-PT" dirty="0">
+                <a:solidFill>
+                  <a:srgbClr val="000000"/>
+                </a:solidFill>
+                <a:latin typeface="Aptos"/>
+                <a:ea typeface="Segoe UI"/>
+                <a:cs typeface="Segoe UI"/>
+              </a:rPr>
+              <a:t>Descrição do evento 2</a:t>
+            </a:r>
+            <a:endParaRPr lang="en-US" dirty="0">
+              <a:cs typeface="Segoe UI"/>
+            </a:endParaRPr>
+          </a:p>
+          <a:p>
+            <a:pPr>
+              <a:lnSpc>
+                <a:spcPts val="1500"/>
+              </a:lnSpc>
+            </a:pPr>
+            <a:endParaRPr lang="pt-PT" dirty="0">
+              <a:solidFill>
+                <a:srgbClr val="000000"/>
+              </a:solidFill>
+              <a:latin typeface="Aptos"/>
+              <a:ea typeface="Segoe UI"/>
+              <a:cs typeface="Segoe UI"/>
+            </a:endParaRPr>
+          </a:p>
+          <a:p>
+            <a:pPr algn="l" rtl="0">
+              <a:lnSpc>
+                <a:spcPts val="1500"/>
+              </a:lnSpc>
+            </a:pPr>
+            <a:r>
+              <a:rPr lang="pt-PT" b="0" i="0" dirty="0">
+                <a:solidFill>
+                  <a:srgbClr val="000000"/>
+                </a:solidFill>
+                <a:latin typeface="Aptos"/>
+                <a:ea typeface="Segoe UI"/>
+                <a:cs typeface="Segoe UI"/>
+              </a:rPr>
+              <a:t>​</a:t>
+            </a:r>
+          </a:p>
+          <a:p>
+            <a:pPr algn="l" rtl="0">
+              <a:lnSpc>
+                <a:spcPts val="1500"/>
+              </a:lnSpc>
+            </a:pPr>
+            <a:r>
+              <a:rPr lang="pt-PT" b="0" i="0" u="none" strike="noStrike" baseline="0" dirty="0">
+                <a:solidFill>
+                  <a:srgbClr val="000000"/>
+                </a:solidFill>
+                <a:latin typeface="Aptos"/>
+                <a:ea typeface="Segoe UI"/>
+                <a:cs typeface="Segoe UI"/>
+              </a:rPr>
+              <a:t> 3 (</a:t>
+            </a:r>
+            <a:r>
+              <a:rPr lang="pt-PT" b="0" i="0" u="none" strike="noStrike" baseline="0" err="1">
+                <a:solidFill>
+                  <a:srgbClr val="000000"/>
+                </a:solidFill>
+                <a:latin typeface="Aptos"/>
+                <a:ea typeface="Segoe UI"/>
+                <a:cs typeface="Segoe UI"/>
+              </a:rPr>
+              <a:t>clicavel</a:t>
+            </a:r>
+            <a:r>
+              <a:rPr lang="pt-PT" b="0" i="0" u="none" strike="noStrike" baseline="0" dirty="0">
+                <a:solidFill>
+                  <a:srgbClr val="000000"/>
+                </a:solidFill>
+                <a:latin typeface="Aptos"/>
+                <a:ea typeface="Segoe UI"/>
+                <a:cs typeface="Segoe UI"/>
+              </a:rPr>
+              <a:t>)</a:t>
+            </a:r>
+            <a:r>
+              <a:rPr lang="en-US" b="0" i="0" dirty="0">
+                <a:solidFill>
+                  <a:srgbClr val="000000"/>
+                </a:solidFill>
+                <a:latin typeface="Aptos"/>
+                <a:ea typeface="Segoe UI"/>
+                <a:cs typeface="Segoe UI"/>
+              </a:rPr>
+              <a:t>​</a:t>
+            </a:r>
+          </a:p>
+          <a:p>
+            <a:pPr>
+              <a:lnSpc>
+                <a:spcPts val="1500"/>
+              </a:lnSpc>
+            </a:pPr>
+            <a:endParaRPr lang="en-US" dirty="0">
+              <a:solidFill>
+                <a:srgbClr val="000000"/>
+              </a:solidFill>
+              <a:latin typeface="Aptos"/>
+              <a:ea typeface="Segoe UI"/>
+              <a:cs typeface="Segoe UI"/>
+            </a:endParaRPr>
+          </a:p>
+          <a:p>
+            <a:pPr>
+              <a:lnSpc>
+                <a:spcPts val="1500"/>
+              </a:lnSpc>
+            </a:pPr>
+            <a:r>
+              <a:rPr lang="pt-PT" dirty="0">
+                <a:solidFill>
+                  <a:srgbClr val="000000"/>
+                </a:solidFill>
+                <a:latin typeface="Aptos"/>
+                <a:ea typeface="Segoe UI"/>
+                <a:cs typeface="Segoe UI"/>
+              </a:rPr>
+              <a:t>Descrição do evento 3</a:t>
+            </a:r>
+            <a:endParaRPr lang="en-US" dirty="0"/>
+          </a:p>
+          <a:p>
+            <a:pPr>
+              <a:lnSpc>
+                <a:spcPts val="1500"/>
+              </a:lnSpc>
+            </a:pPr>
+            <a:endParaRPr lang="pt-PT" dirty="0">
+              <a:solidFill>
+                <a:srgbClr val="000000"/>
+              </a:solidFill>
+              <a:latin typeface="Aptos"/>
+              <a:ea typeface="Segoe UI"/>
+              <a:cs typeface="Segoe UI"/>
+            </a:endParaRPr>
+          </a:p>
+          <a:p>
+            <a:pPr algn="l" rtl="0">
+              <a:lnSpc>
+                <a:spcPts val="1500"/>
+              </a:lnSpc>
+            </a:pPr>
+            <a:r>
+              <a:rPr lang="pt-PT" b="0" i="0" dirty="0">
+                <a:solidFill>
+                  <a:srgbClr val="000000"/>
+                </a:solidFill>
+                <a:latin typeface="Aptos"/>
+                <a:ea typeface="Segoe UI"/>
+                <a:cs typeface="Segoe UI"/>
+              </a:rPr>
+              <a:t>​</a:t>
+            </a:r>
+          </a:p>
+          <a:p>
+            <a:pPr algn="l" rtl="0">
+              <a:lnSpc>
+                <a:spcPts val="1500"/>
+              </a:lnSpc>
+            </a:pPr>
+            <a:r>
+              <a:rPr lang="pt-PT" b="0" i="0" u="none" strike="noStrike" baseline="0" dirty="0">
+                <a:solidFill>
+                  <a:srgbClr val="000000"/>
+                </a:solidFill>
+                <a:latin typeface="Aptos"/>
+                <a:ea typeface="Segoe UI"/>
+                <a:cs typeface="Segoe UI"/>
+              </a:rPr>
+              <a:t> 4 (</a:t>
+            </a:r>
+            <a:r>
+              <a:rPr lang="pt-PT" b="0" i="0" u="none" strike="noStrike" baseline="0" err="1">
+                <a:solidFill>
+                  <a:srgbClr val="000000"/>
+                </a:solidFill>
+                <a:latin typeface="Aptos"/>
+                <a:ea typeface="Segoe UI"/>
+                <a:cs typeface="Segoe UI"/>
+              </a:rPr>
+              <a:t>clicavel</a:t>
+            </a:r>
+            <a:r>
+              <a:rPr lang="pt-PT" b="0" i="0" u="none" strike="noStrike" baseline="0" dirty="0">
+                <a:solidFill>
+                  <a:srgbClr val="000000"/>
+                </a:solidFill>
+                <a:latin typeface="Aptos"/>
+                <a:ea typeface="Segoe UI"/>
+                <a:cs typeface="Segoe UI"/>
+              </a:rPr>
+              <a:t>)</a:t>
+            </a:r>
+            <a:r>
+              <a:rPr lang="en-US" b="0" i="0" dirty="0">
+                <a:solidFill>
+                  <a:srgbClr val="000000"/>
+                </a:solidFill>
+                <a:latin typeface="Aptos"/>
+                <a:ea typeface="Segoe UI"/>
+                <a:cs typeface="Segoe UI"/>
+              </a:rPr>
+              <a:t>​</a:t>
+            </a:r>
+          </a:p>
+          <a:p>
+            <a:pPr>
+              <a:lnSpc>
+                <a:spcPts val="1500"/>
+              </a:lnSpc>
+            </a:pPr>
+            <a:endParaRPr lang="en-US" dirty="0">
+              <a:solidFill>
+                <a:srgbClr val="000000"/>
+              </a:solidFill>
+              <a:latin typeface="Aptos"/>
+              <a:ea typeface="Segoe UI"/>
+              <a:cs typeface="Segoe UI"/>
+            </a:endParaRPr>
+          </a:p>
+          <a:p>
+            <a:pPr>
+              <a:lnSpc>
+                <a:spcPts val="1500"/>
+              </a:lnSpc>
+            </a:pPr>
+            <a:r>
+              <a:rPr lang="pt-PT" dirty="0">
+                <a:solidFill>
+                  <a:srgbClr val="000000"/>
+                </a:solidFill>
+                <a:latin typeface="Aptos"/>
+                <a:ea typeface="Segoe UI"/>
+                <a:cs typeface="Segoe UI"/>
+              </a:rPr>
+              <a:t>Descrição do evento 4</a:t>
+            </a:r>
+            <a:endParaRPr lang="pt-PT" dirty="0"/>
+          </a:p>
+          <a:p>
+            <a:pPr algn="ctr"/>
+            <a:endParaRPr lang="pt-PT"/>
+          </a:p>
+        </p:txBody>
+      </p:sp>
+    </p:spTree>
+    <p:extLst>
+      <p:ext uri="{BB962C8B-B14F-4D97-AF65-F5344CB8AC3E}">
+        <p14:creationId xmlns:p14="http://schemas.microsoft.com/office/powerpoint/2010/main" val="1562712173"/>
+      </p:ext>
+    </p:extLst>
+  </p:cSld>
+  <p:clrMapOvr>
+    <a:masterClrMapping/>
+  </p:clrMapOvr>
+</p:sld>
+</file>
+
 <file path=ppt/slides/slide3.xml><?xml version="1.0" encoding="utf-8"?>
 <p:sld xmlns:a="http://schemas.openxmlformats.org/drawingml/2006/main" xmlns:r="http://schemas.openxmlformats.org/officeDocument/2006/relationships" xmlns:p="http://schemas.openxmlformats.org/presentationml/2006/main">
   <p:cSld>
@@ -16040,7 +16562,7 @@
         <p:cNvPr id="1" name="">
           <a:extLst>
             <a:ext uri="{FF2B5EF4-FFF2-40B4-BE49-F238E27FC236}">
-              <a16:creationId xmlns:a16="http://schemas.microsoft.com/office/drawing/2014/main" id="{7874D93A-343E-8A04-DBEC-AF5F04B139B4}"/>
+              <a16:creationId xmlns:a16="http://schemas.microsoft.com/office/drawing/2014/main" id="{054CD630-93B9-4DE8-1534-5B06324B09E9}"/>
             </a:ext>
           </a:extLst>
         </p:cNvPr>
@@ -16060,7 +16582,7 @@
           <p:cNvPr id="2" name="CaixaDeTexto 1">
             <a:extLst>
               <a:ext uri="{FF2B5EF4-FFF2-40B4-BE49-F238E27FC236}">
-                <a16:creationId xmlns:a16="http://schemas.microsoft.com/office/drawing/2014/main" id="{DD7BF89E-CAB8-0D36-A8BB-35B4F9D17CC8}"/>
+                <a16:creationId xmlns:a16="http://schemas.microsoft.com/office/drawing/2014/main" id="{4139ABB5-3B7F-6DC7-B8E0-CB2CCC82A5F9}"/>
               </a:ext>
             </a:extLst>
           </p:cNvPr>
@@ -16096,7 +16618,7 @@
           <p:cNvPr id="4" name="CaixaDeTexto 3">
             <a:extLst>
               <a:ext uri="{FF2B5EF4-FFF2-40B4-BE49-F238E27FC236}">
-                <a16:creationId xmlns:a16="http://schemas.microsoft.com/office/drawing/2014/main" id="{0C183124-B0FA-BE60-524E-B40081AD4863}"/>
+                <a16:creationId xmlns:a16="http://schemas.microsoft.com/office/drawing/2014/main" id="{7E08AF39-32D4-B3AB-E320-A35B78EA1147}"/>
               </a:ext>
             </a:extLst>
           </p:cNvPr>
@@ -16132,7 +16654,7 @@
           <p:cNvPr id="6" name="CaixaDeTexto 5">
             <a:extLst>
               <a:ext uri="{FF2B5EF4-FFF2-40B4-BE49-F238E27FC236}">
-                <a16:creationId xmlns:a16="http://schemas.microsoft.com/office/drawing/2014/main" id="{026C32DB-AF07-F5B0-7ADE-5A1354035BE0}"/>
+                <a16:creationId xmlns:a16="http://schemas.microsoft.com/office/drawing/2014/main" id="{E1D1306E-09AD-E813-4C9E-BDA7EE6226A0}"/>
               </a:ext>
             </a:extLst>
           </p:cNvPr>
@@ -16190,16 +16712,16 @@
           <p:cNvPr id="7" name="CaixaDeTexto 6">
             <a:extLst>
               <a:ext uri="{FF2B5EF4-FFF2-40B4-BE49-F238E27FC236}">
-                <a16:creationId xmlns:a16="http://schemas.microsoft.com/office/drawing/2014/main" id="{E4C40829-AE86-0F56-D41F-0E178EA703AA}"/>
-              </a:ext>
-            </a:extLst>
-          </p:cNvPr>
-          <p:cNvSpPr txBox="1"/>
-          <p:nvPr/>
-        </p:nvSpPr>
-        <p:spPr>
-          <a:xfrm>
-            <a:off x="717619" y="2292698"/>
+                <a16:creationId xmlns:a16="http://schemas.microsoft.com/office/drawing/2014/main" id="{57A6906F-3ECC-04FA-90DF-97FBDDF7CFE4}"/>
+              </a:ext>
+            </a:extLst>
+          </p:cNvPr>
+          <p:cNvSpPr txBox="1"/>
+          <p:nvPr/>
+        </p:nvSpPr>
+        <p:spPr>
+          <a:xfrm>
+            <a:off x="545901" y="2206839"/>
             <a:ext cx="5275384" cy="369332"/>
           </a:xfrm>
           <a:prstGeom prst="rect">
@@ -16218,7 +16740,7 @@
           <a:p>
             <a:r>
               <a:rPr lang="pt-PT" dirty="0"/>
-              <a:t>Coleção X: </a:t>
+              <a:t>Minhas coleções: </a:t>
             </a:r>
           </a:p>
         </p:txBody>
@@ -16228,7 +16750,7 @@
           <p:cNvPr id="11" name="CaixaDeTexto 10">
             <a:extLst>
               <a:ext uri="{FF2B5EF4-FFF2-40B4-BE49-F238E27FC236}">
-                <a16:creationId xmlns:a16="http://schemas.microsoft.com/office/drawing/2014/main" id="{F9526789-71C9-490D-E5AC-9E5AE471B567}"/>
+                <a16:creationId xmlns:a16="http://schemas.microsoft.com/office/drawing/2014/main" id="{AE739B7B-9086-C093-63E2-5170592BD095}"/>
               </a:ext>
             </a:extLst>
           </p:cNvPr>
@@ -16280,7 +16802,7 @@
           <p:cNvPr id="5" name="CaixaDeTexto 4">
             <a:extLst>
               <a:ext uri="{FF2B5EF4-FFF2-40B4-BE49-F238E27FC236}">
-                <a16:creationId xmlns:a16="http://schemas.microsoft.com/office/drawing/2014/main" id="{095724F0-F029-C3ED-D6BF-D88544301C4B}"/>
+                <a16:creationId xmlns:a16="http://schemas.microsoft.com/office/drawing/2014/main" id="{C7CEE07F-FA78-AEF9-6450-4E50A9F7F38A}"/>
               </a:ext>
             </a:extLst>
           </p:cNvPr>
@@ -16329,19 +16851,19 @@
       </p:sp>
       <p:sp>
         <p:nvSpPr>
-          <p:cNvPr id="9" name="CaixaDeTexto 8">
-            <a:extLst>
-              <a:ext uri="{FF2B5EF4-FFF2-40B4-BE49-F238E27FC236}">
-                <a16:creationId xmlns:a16="http://schemas.microsoft.com/office/drawing/2014/main" id="{155A9143-EF1E-EE6A-CC86-F0755F55F11F}"/>
-              </a:ext>
-            </a:extLst>
-          </p:cNvPr>
-          <p:cNvSpPr txBox="1"/>
-          <p:nvPr/>
-        </p:nvSpPr>
-        <p:spPr>
-          <a:xfrm>
-            <a:off x="8659963" y="5575562"/>
+          <p:cNvPr id="17" name="CaixaDeTexto 16">
+            <a:extLst>
+              <a:ext uri="{FF2B5EF4-FFF2-40B4-BE49-F238E27FC236}">
+                <a16:creationId xmlns:a16="http://schemas.microsoft.com/office/drawing/2014/main" id="{0D91D661-9E35-0CFA-4B22-C100FB864F27}"/>
+              </a:ext>
+            </a:extLst>
+          </p:cNvPr>
+          <p:cNvSpPr txBox="1"/>
+          <p:nvPr/>
+        </p:nvSpPr>
+        <p:spPr>
+          <a:xfrm>
+            <a:off x="8670695" y="2473900"/>
             <a:ext cx="2743200" cy="365760"/>
           </a:xfrm>
           <a:prstGeom prst="rect">
@@ -16374,27 +16896,27 @@
             <a:pPr algn="ctr"/>
             <a:r>
               <a:rPr lang="pt-PT" dirty="0"/>
-              <a:t>Adicionar item à coleção</a:t>
-            </a:r>
-          </a:p>
-        </p:txBody>
-      </p:sp>
-      <p:sp>
-        <p:nvSpPr>
-          <p:cNvPr id="8" name="CaixaDeTexto 7">
-            <a:extLst>
-              <a:ext uri="{FF2B5EF4-FFF2-40B4-BE49-F238E27FC236}">
-                <a16:creationId xmlns:a16="http://schemas.microsoft.com/office/drawing/2014/main" id="{D49E4153-365D-4C44-68AC-6FF76D532A8F}"/>
-              </a:ext>
-            </a:extLst>
-          </p:cNvPr>
-          <p:cNvSpPr txBox="1"/>
-          <p:nvPr/>
-        </p:nvSpPr>
-        <p:spPr>
-          <a:xfrm>
-            <a:off x="925872" y="3059405"/>
-            <a:ext cx="4025533" cy="2585323"/>
+              <a:t>Adicionar coleção</a:t>
+            </a:r>
+          </a:p>
+        </p:txBody>
+      </p:sp>
+      <p:sp>
+        <p:nvSpPr>
+          <p:cNvPr id="18" name="CaixaDeTexto 17">
+            <a:extLst>
+              <a:ext uri="{FF2B5EF4-FFF2-40B4-BE49-F238E27FC236}">
+                <a16:creationId xmlns:a16="http://schemas.microsoft.com/office/drawing/2014/main" id="{4635A197-FC8D-7DFC-6980-1798265425BC}"/>
+              </a:ext>
+            </a:extLst>
+          </p:cNvPr>
+          <p:cNvSpPr txBox="1"/>
+          <p:nvPr/>
+        </p:nvSpPr>
+        <p:spPr>
+          <a:xfrm>
+            <a:off x="912254" y="2656268"/>
+            <a:ext cx="7759521" cy="3831818"/>
           </a:xfrm>
           <a:prstGeom prst="rect">
             <a:avLst/>
@@ -16410,158 +16932,529 @@
           </a:bodyPr>
           <a:lstStyle/>
           <a:p>
-            <a:r>
-              <a:rPr lang="pt-PT" dirty="0"/>
-              <a:t>Nome: </a:t>
-            </a:r>
-          </a:p>
-          <a:p>
-            <a:pPr algn="l"/>
+            <a:pPr algn="l" rtl="0">
+              <a:lnSpc>
+                <a:spcPts val="1500"/>
+              </a:lnSpc>
+            </a:pPr>
+            <a:r>
+              <a:rPr lang="pt-PT" b="0" i="0" u="none" strike="noStrike" baseline="0" dirty="0">
+                <a:solidFill>
+                  <a:srgbClr val="000000"/>
+                </a:solidFill>
+                <a:latin typeface="Aptos"/>
+                <a:ea typeface="Segoe UI"/>
+                <a:cs typeface="Segoe UI"/>
+              </a:rPr>
+              <a:t> 1 (</a:t>
+            </a:r>
+            <a:r>
+              <a:rPr lang="pt-PT" b="0" i="0" u="none" strike="noStrike" baseline="0" err="1">
+                <a:solidFill>
+                  <a:srgbClr val="000000"/>
+                </a:solidFill>
+                <a:latin typeface="Aptos"/>
+                <a:ea typeface="Segoe UI"/>
+                <a:cs typeface="Segoe UI"/>
+              </a:rPr>
+              <a:t>clicavel</a:t>
+            </a:r>
+            <a:r>
+              <a:rPr lang="pt-PT" b="0" i="0" u="none" strike="noStrike" baseline="0" dirty="0">
+                <a:solidFill>
+                  <a:srgbClr val="000000"/>
+                </a:solidFill>
+                <a:latin typeface="Aptos"/>
+                <a:ea typeface="Segoe UI"/>
+                <a:cs typeface="Segoe UI"/>
+              </a:rPr>
+              <a:t>)</a:t>
+            </a:r>
+            <a:r>
+              <a:rPr lang="en-US" b="0" i="0" dirty="0">
+                <a:solidFill>
+                  <a:srgbClr val="000000"/>
+                </a:solidFill>
+                <a:latin typeface="Aptos"/>
+                <a:ea typeface="Segoe UI"/>
+                <a:cs typeface="Segoe UI"/>
+              </a:rPr>
+              <a:t>​</a:t>
+            </a:r>
+          </a:p>
+          <a:p>
+            <a:pPr>
+              <a:lnSpc>
+                <a:spcPts val="1500"/>
+              </a:lnSpc>
+            </a:pPr>
+            <a:endParaRPr lang="en-US" dirty="0">
+              <a:solidFill>
+                <a:srgbClr val="000000"/>
+              </a:solidFill>
+              <a:latin typeface="Aptos"/>
+              <a:ea typeface="Segoe UI"/>
+              <a:cs typeface="Segoe UI"/>
+            </a:endParaRPr>
+          </a:p>
+          <a:p>
+            <a:pPr>
+              <a:lnSpc>
+                <a:spcPts val="1500"/>
+              </a:lnSpc>
+            </a:pPr>
+            <a:r>
+              <a:rPr lang="pt-PT" dirty="0">
+                <a:solidFill>
+                  <a:srgbClr val="000000"/>
+                </a:solidFill>
+                <a:latin typeface="Aptos"/>
+                <a:ea typeface="Segoe UI"/>
+                <a:cs typeface="Segoe UI"/>
+              </a:rPr>
+              <a:t>Descrição da coleção 1</a:t>
+            </a:r>
+            <a:endParaRPr lang="pt-PT" b="0" i="0" dirty="0">
+              <a:solidFill>
+                <a:srgbClr val="000000"/>
+              </a:solidFill>
+              <a:latin typeface="Aptos"/>
+              <a:ea typeface="Segoe UI"/>
+              <a:cs typeface="Segoe UI"/>
+            </a:endParaRPr>
+          </a:p>
+          <a:p>
+            <a:pPr>
+              <a:lnSpc>
+                <a:spcPts val="1500"/>
+              </a:lnSpc>
+            </a:pPr>
+            <a:endParaRPr lang="pt-PT" dirty="0">
+              <a:solidFill>
+                <a:srgbClr val="000000"/>
+              </a:solidFill>
+              <a:latin typeface="Aptos"/>
+              <a:ea typeface="Segoe UI"/>
+              <a:cs typeface="Segoe UI"/>
+            </a:endParaRPr>
+          </a:p>
+          <a:p>
+            <a:pPr algn="l" rtl="0">
+              <a:lnSpc>
+                <a:spcPts val="1500"/>
+              </a:lnSpc>
+            </a:pPr>
+            <a:r>
+              <a:rPr lang="pt-PT" b="0" i="0" dirty="0">
+                <a:solidFill>
+                  <a:srgbClr val="000000"/>
+                </a:solidFill>
+                <a:latin typeface="Aptos"/>
+                <a:ea typeface="Segoe UI"/>
+                <a:cs typeface="Segoe UI"/>
+              </a:rPr>
+              <a:t>​</a:t>
+            </a:r>
+          </a:p>
+          <a:p>
+            <a:pPr algn="l" rtl="0">
+              <a:lnSpc>
+                <a:spcPts val="1500"/>
+              </a:lnSpc>
+            </a:pPr>
+            <a:r>
+              <a:rPr lang="pt-PT" b="0" i="0" u="none" strike="noStrike" baseline="0" dirty="0">
+                <a:solidFill>
+                  <a:srgbClr val="000000"/>
+                </a:solidFill>
+                <a:latin typeface="Aptos"/>
+                <a:ea typeface="Segoe UI"/>
+                <a:cs typeface="Segoe UI"/>
+              </a:rPr>
+              <a:t> 2 (</a:t>
+            </a:r>
+            <a:r>
+              <a:rPr lang="pt-PT" b="0" i="0" u="none" strike="noStrike" baseline="0" err="1">
+                <a:solidFill>
+                  <a:srgbClr val="000000"/>
+                </a:solidFill>
+                <a:latin typeface="Aptos"/>
+                <a:ea typeface="Segoe UI"/>
+                <a:cs typeface="Segoe UI"/>
+              </a:rPr>
+              <a:t>clicavel</a:t>
+            </a:r>
+            <a:r>
+              <a:rPr lang="pt-PT" b="0" i="0" u="none" strike="noStrike" baseline="0" dirty="0">
+                <a:solidFill>
+                  <a:srgbClr val="000000"/>
+                </a:solidFill>
+                <a:latin typeface="Aptos"/>
+                <a:ea typeface="Segoe UI"/>
+                <a:cs typeface="Segoe UI"/>
+              </a:rPr>
+              <a:t>)</a:t>
+            </a:r>
+            <a:r>
+              <a:rPr lang="en-US" b="0" i="0" dirty="0">
+                <a:solidFill>
+                  <a:srgbClr val="000000"/>
+                </a:solidFill>
+                <a:latin typeface="Aptos"/>
+                <a:ea typeface="Segoe UI"/>
+                <a:cs typeface="Segoe UI"/>
+              </a:rPr>
+              <a:t>​</a:t>
+            </a:r>
+          </a:p>
+          <a:p>
+            <a:pPr>
+              <a:lnSpc>
+                <a:spcPts val="1500"/>
+              </a:lnSpc>
+            </a:pPr>
+            <a:endParaRPr lang="en-US" dirty="0">
+              <a:solidFill>
+                <a:srgbClr val="000000"/>
+              </a:solidFill>
+              <a:latin typeface="Aptos"/>
+              <a:ea typeface="Segoe UI"/>
+              <a:cs typeface="Segoe UI"/>
+            </a:endParaRPr>
+          </a:p>
+          <a:p>
+            <a:pPr>
+              <a:lnSpc>
+                <a:spcPts val="1500"/>
+              </a:lnSpc>
+            </a:pPr>
+            <a:r>
+              <a:rPr lang="pt-PT" dirty="0">
+                <a:solidFill>
+                  <a:srgbClr val="000000"/>
+                </a:solidFill>
+                <a:latin typeface="Aptos"/>
+                <a:ea typeface="Segoe UI"/>
+                <a:cs typeface="Segoe UI"/>
+              </a:rPr>
+              <a:t>Descrição </a:t>
+            </a:r>
+            <a:r>
+              <a:rPr lang="pt-PT" b="0" i="0" u="none" strike="noStrike" baseline="0" dirty="0">
+                <a:solidFill>
+                  <a:srgbClr val="000000"/>
+                </a:solidFill>
+                <a:latin typeface="Aptos"/>
+                <a:ea typeface="Segoe UI"/>
+                <a:cs typeface="Segoe UI"/>
+              </a:rPr>
+              <a:t>da </a:t>
+            </a:r>
+            <a:r>
+              <a:rPr lang="pt-PT" dirty="0">
+                <a:solidFill>
+                  <a:srgbClr val="000000"/>
+                </a:solidFill>
+                <a:latin typeface="Aptos"/>
+                <a:ea typeface="Segoe UI"/>
+                <a:cs typeface="Segoe UI"/>
+              </a:rPr>
+              <a:t>coleção 2</a:t>
+            </a:r>
+            <a:endParaRPr lang="en-US">
+              <a:cs typeface="Segoe UI"/>
+            </a:endParaRPr>
+          </a:p>
+          <a:p>
+            <a:pPr>
+              <a:lnSpc>
+                <a:spcPts val="1500"/>
+              </a:lnSpc>
+            </a:pPr>
+            <a:endParaRPr lang="pt-PT" dirty="0">
+              <a:solidFill>
+                <a:srgbClr val="000000"/>
+              </a:solidFill>
+              <a:latin typeface="Aptos"/>
+              <a:ea typeface="Segoe UI"/>
+              <a:cs typeface="Segoe UI"/>
+            </a:endParaRPr>
+          </a:p>
+          <a:p>
+            <a:pPr algn="l" rtl="0">
+              <a:lnSpc>
+                <a:spcPts val="1500"/>
+              </a:lnSpc>
+            </a:pPr>
+            <a:r>
+              <a:rPr lang="pt-PT" b="0" i="0" dirty="0">
+                <a:solidFill>
+                  <a:srgbClr val="000000"/>
+                </a:solidFill>
+                <a:latin typeface="Aptos"/>
+                <a:ea typeface="Segoe UI"/>
+                <a:cs typeface="Segoe UI"/>
+              </a:rPr>
+              <a:t>​</a:t>
+            </a:r>
+          </a:p>
+          <a:p>
+            <a:pPr algn="l" rtl="0">
+              <a:lnSpc>
+                <a:spcPts val="1500"/>
+              </a:lnSpc>
+            </a:pPr>
+            <a:r>
+              <a:rPr lang="pt-PT" b="0" i="0" u="none" strike="noStrike" baseline="0" dirty="0">
+                <a:solidFill>
+                  <a:srgbClr val="000000"/>
+                </a:solidFill>
+                <a:latin typeface="Aptos"/>
+                <a:ea typeface="Segoe UI"/>
+                <a:cs typeface="Segoe UI"/>
+              </a:rPr>
+              <a:t> 3 (</a:t>
+            </a:r>
+            <a:r>
+              <a:rPr lang="pt-PT" b="0" i="0" u="none" strike="noStrike" baseline="0" err="1">
+                <a:solidFill>
+                  <a:srgbClr val="000000"/>
+                </a:solidFill>
+                <a:latin typeface="Aptos"/>
+                <a:ea typeface="Segoe UI"/>
+                <a:cs typeface="Segoe UI"/>
+              </a:rPr>
+              <a:t>clicavel</a:t>
+            </a:r>
+            <a:r>
+              <a:rPr lang="pt-PT" b="0" i="0" u="none" strike="noStrike" baseline="0" dirty="0">
+                <a:solidFill>
+                  <a:srgbClr val="000000"/>
+                </a:solidFill>
+                <a:latin typeface="Aptos"/>
+                <a:ea typeface="Segoe UI"/>
+                <a:cs typeface="Segoe UI"/>
+              </a:rPr>
+              <a:t>)</a:t>
+            </a:r>
+            <a:r>
+              <a:rPr lang="en-US" b="0" i="0" dirty="0">
+                <a:solidFill>
+                  <a:srgbClr val="000000"/>
+                </a:solidFill>
+                <a:latin typeface="Aptos"/>
+                <a:ea typeface="Segoe UI"/>
+                <a:cs typeface="Segoe UI"/>
+              </a:rPr>
+              <a:t>​</a:t>
+            </a:r>
+          </a:p>
+          <a:p>
+            <a:pPr>
+              <a:lnSpc>
+                <a:spcPts val="1500"/>
+              </a:lnSpc>
+            </a:pPr>
+            <a:endParaRPr lang="en-US" dirty="0">
+              <a:solidFill>
+                <a:srgbClr val="000000"/>
+              </a:solidFill>
+              <a:latin typeface="Aptos"/>
+              <a:ea typeface="Segoe UI"/>
+              <a:cs typeface="Segoe UI"/>
+            </a:endParaRPr>
+          </a:p>
+          <a:p>
+            <a:pPr>
+              <a:lnSpc>
+                <a:spcPts val="1500"/>
+              </a:lnSpc>
+            </a:pPr>
+            <a:r>
+              <a:rPr lang="pt-PT" dirty="0">
+                <a:solidFill>
+                  <a:srgbClr val="000000"/>
+                </a:solidFill>
+                <a:latin typeface="Aptos"/>
+                <a:ea typeface="Segoe UI"/>
+                <a:cs typeface="Segoe UI"/>
+              </a:rPr>
+              <a:t>Descrição </a:t>
+            </a:r>
+            <a:r>
+              <a:rPr lang="pt-PT" b="0" i="0" u="none" strike="noStrike" baseline="0" dirty="0">
+                <a:solidFill>
+                  <a:srgbClr val="000000"/>
+                </a:solidFill>
+                <a:latin typeface="Aptos"/>
+                <a:ea typeface="Segoe UI"/>
+                <a:cs typeface="Segoe UI"/>
+              </a:rPr>
+              <a:t>da </a:t>
+            </a:r>
+            <a:r>
+              <a:rPr lang="pt-PT" dirty="0">
+                <a:solidFill>
+                  <a:srgbClr val="000000"/>
+                </a:solidFill>
+                <a:latin typeface="Aptos"/>
+                <a:ea typeface="Segoe UI"/>
+                <a:cs typeface="Segoe UI"/>
+              </a:rPr>
+              <a:t>coleção 3</a:t>
+            </a:r>
+            <a:endParaRPr lang="en-US"/>
+          </a:p>
+          <a:p>
+            <a:pPr>
+              <a:lnSpc>
+                <a:spcPts val="1500"/>
+              </a:lnSpc>
+            </a:pPr>
+            <a:endParaRPr lang="pt-PT" dirty="0">
+              <a:solidFill>
+                <a:srgbClr val="000000"/>
+              </a:solidFill>
+              <a:latin typeface="Aptos"/>
+              <a:ea typeface="Segoe UI"/>
+              <a:cs typeface="Segoe UI"/>
+            </a:endParaRPr>
+          </a:p>
+          <a:p>
+            <a:pPr algn="l" rtl="0">
+              <a:lnSpc>
+                <a:spcPts val="1500"/>
+              </a:lnSpc>
+            </a:pPr>
+            <a:r>
+              <a:rPr lang="pt-PT" b="0" i="0" dirty="0">
+                <a:solidFill>
+                  <a:srgbClr val="000000"/>
+                </a:solidFill>
+                <a:latin typeface="Aptos"/>
+                <a:ea typeface="Segoe UI"/>
+                <a:cs typeface="Segoe UI"/>
+              </a:rPr>
+              <a:t>​</a:t>
+            </a:r>
+          </a:p>
+          <a:p>
+            <a:pPr algn="l" rtl="0">
+              <a:lnSpc>
+                <a:spcPts val="1500"/>
+              </a:lnSpc>
+            </a:pPr>
+            <a:r>
+              <a:rPr lang="pt-PT" b="0" i="0" u="none" strike="noStrike" baseline="0" dirty="0">
+                <a:solidFill>
+                  <a:srgbClr val="000000"/>
+                </a:solidFill>
+                <a:latin typeface="Aptos"/>
+                <a:ea typeface="Segoe UI"/>
+                <a:cs typeface="Segoe UI"/>
+              </a:rPr>
+              <a:t> 4 (</a:t>
+            </a:r>
+            <a:r>
+              <a:rPr lang="pt-PT" b="0" i="0" u="none" strike="noStrike" baseline="0" err="1">
+                <a:solidFill>
+                  <a:srgbClr val="000000"/>
+                </a:solidFill>
+                <a:latin typeface="Aptos"/>
+                <a:ea typeface="Segoe UI"/>
+                <a:cs typeface="Segoe UI"/>
+              </a:rPr>
+              <a:t>clicavel</a:t>
+            </a:r>
+            <a:r>
+              <a:rPr lang="pt-PT" b="0" i="0" u="none" strike="noStrike" baseline="0" dirty="0">
+                <a:solidFill>
+                  <a:srgbClr val="000000"/>
+                </a:solidFill>
+                <a:latin typeface="Aptos"/>
+                <a:ea typeface="Segoe UI"/>
+                <a:cs typeface="Segoe UI"/>
+              </a:rPr>
+              <a:t>)</a:t>
+            </a:r>
+            <a:r>
+              <a:rPr lang="en-US" b="0" i="0" dirty="0">
+                <a:solidFill>
+                  <a:srgbClr val="000000"/>
+                </a:solidFill>
+                <a:latin typeface="Aptos"/>
+                <a:ea typeface="Segoe UI"/>
+                <a:cs typeface="Segoe UI"/>
+              </a:rPr>
+              <a:t>​</a:t>
+            </a:r>
+          </a:p>
+          <a:p>
+            <a:pPr>
+              <a:lnSpc>
+                <a:spcPts val="1500"/>
+              </a:lnSpc>
+            </a:pPr>
+            <a:endParaRPr lang="en-US" dirty="0">
+              <a:solidFill>
+                <a:srgbClr val="000000"/>
+              </a:solidFill>
+              <a:latin typeface="Aptos"/>
+              <a:ea typeface="Segoe UI"/>
+              <a:cs typeface="Segoe UI"/>
+            </a:endParaRPr>
+          </a:p>
+          <a:p>
+            <a:pPr>
+              <a:lnSpc>
+                <a:spcPts val="1500"/>
+              </a:lnSpc>
+            </a:pPr>
+            <a:r>
+              <a:rPr lang="pt-PT" dirty="0">
+                <a:solidFill>
+                  <a:srgbClr val="000000"/>
+                </a:solidFill>
+                <a:latin typeface="Aptos"/>
+                <a:ea typeface="Segoe UI"/>
+                <a:cs typeface="Segoe UI"/>
+              </a:rPr>
+              <a:t>Descrição </a:t>
+            </a:r>
+            <a:r>
+              <a:rPr lang="pt-PT" b="0" i="0" u="none" strike="noStrike" baseline="0" dirty="0">
+                <a:solidFill>
+                  <a:srgbClr val="000000"/>
+                </a:solidFill>
+                <a:latin typeface="Aptos"/>
+                <a:ea typeface="Segoe UI"/>
+                <a:cs typeface="Segoe UI"/>
+              </a:rPr>
+              <a:t>da </a:t>
+            </a:r>
+            <a:r>
+              <a:rPr lang="pt-PT" dirty="0">
+                <a:solidFill>
+                  <a:srgbClr val="000000"/>
+                </a:solidFill>
+                <a:latin typeface="Aptos"/>
+                <a:ea typeface="Segoe UI"/>
+                <a:cs typeface="Segoe UI"/>
+              </a:rPr>
+              <a:t>coleção 4</a:t>
+            </a:r>
             <a:endParaRPr lang="pt-PT" dirty="0"/>
           </a:p>
           <a:p>
-            <a:r>
-              <a:rPr lang="pt-PT" dirty="0"/>
-              <a:t>Data de criação:</a:t>
-            </a:r>
-          </a:p>
-          <a:p>
-            <a:endParaRPr lang="pt-PT" dirty="0"/>
-          </a:p>
-          <a:p>
-            <a:r>
-              <a:rPr lang="pt-PT" dirty="0"/>
-              <a:t>Tipo:</a:t>
-            </a:r>
-          </a:p>
-          <a:p>
-            <a:endParaRPr lang="pt-PT" dirty="0"/>
-          </a:p>
-          <a:p>
-            <a:r>
-              <a:rPr lang="pt-PT" dirty="0"/>
-              <a:t>Número de itens:</a:t>
-            </a:r>
-          </a:p>
-          <a:p>
-            <a:endParaRPr lang="pt-PT" dirty="0"/>
-          </a:p>
-          <a:p>
-            <a:r>
-              <a:rPr lang="pt-PT" dirty="0"/>
-              <a:t>Descrição:</a:t>
-            </a:r>
-          </a:p>
-        </p:txBody>
-      </p:sp>
-      <p:sp>
-        <p:nvSpPr>
-          <p:cNvPr id="10" name="CaixaDeTexto 9">
-            <a:extLst>
-              <a:ext uri="{FF2B5EF4-FFF2-40B4-BE49-F238E27FC236}">
-                <a16:creationId xmlns:a16="http://schemas.microsoft.com/office/drawing/2014/main" id="{1AD02113-FBF5-395A-09D9-D53C96BA8FFB}"/>
-              </a:ext>
-            </a:extLst>
-          </p:cNvPr>
-          <p:cNvSpPr txBox="1"/>
-          <p:nvPr/>
-        </p:nvSpPr>
-        <p:spPr>
-          <a:xfrm>
-            <a:off x="8654897" y="4971626"/>
-            <a:ext cx="2743200" cy="365760"/>
-          </a:xfrm>
-          <a:prstGeom prst="rect">
-            <a:avLst/>
-          </a:prstGeom>
-        </p:spPr>
-        <p:style>
-          <a:lnRef idx="2">
-            <a:schemeClr val="dk1"/>
-          </a:lnRef>
-          <a:fillRef idx="1">
-            <a:schemeClr val="lt1"/>
-          </a:fillRef>
-          <a:effectRef idx="0">
-            <a:schemeClr val="dk1"/>
-          </a:effectRef>
-          <a:fontRef idx="minor">
-            <a:schemeClr val="dk1"/>
-          </a:fontRef>
-        </p:style>
-        <p:txBody>
-          <a:bodyPr rot="0" spcFirstLastPara="0" vertOverflow="overflow" horzOverflow="overflow" vert="horz" wrap="square" lIns="91440" tIns="45720" rIns="91440" bIns="45720" numCol="1" spcCol="0" rtlCol="0" fromWordArt="0" anchor="t" anchorCtr="0" forceAA="0" compatLnSpc="1">
-            <a:prstTxWarp prst="textNoShape">
-              <a:avLst/>
-            </a:prstTxWarp>
-            <a:spAutoFit/>
-          </a:bodyPr>
-          <a:lstStyle/>
-          <a:p>
             <a:pPr algn="ctr"/>
-            <a:r>
-              <a:rPr lang="pt-PT" dirty="0"/>
-              <a:t>Eliminar coleção</a:t>
-            </a:r>
-          </a:p>
-        </p:txBody>
-      </p:sp>
-      <p:sp>
-        <p:nvSpPr>
-          <p:cNvPr id="12" name="CaixaDeTexto 11">
-            <a:extLst>
-              <a:ext uri="{FF2B5EF4-FFF2-40B4-BE49-F238E27FC236}">
-                <a16:creationId xmlns:a16="http://schemas.microsoft.com/office/drawing/2014/main" id="{1F3639DF-690A-CFD0-5752-940C08C93F58}"/>
-              </a:ext>
-            </a:extLst>
-          </p:cNvPr>
-          <p:cNvSpPr txBox="1"/>
-          <p:nvPr/>
-        </p:nvSpPr>
-        <p:spPr>
-          <a:xfrm>
-            <a:off x="8644164" y="4349147"/>
-            <a:ext cx="2743200" cy="365760"/>
-          </a:xfrm>
-          <a:prstGeom prst="rect">
-            <a:avLst/>
-          </a:prstGeom>
-        </p:spPr>
-        <p:style>
-          <a:lnRef idx="2">
-            <a:schemeClr val="dk1"/>
-          </a:lnRef>
-          <a:fillRef idx="1">
-            <a:schemeClr val="lt1"/>
-          </a:fillRef>
-          <a:effectRef idx="0">
-            <a:schemeClr val="dk1"/>
-          </a:effectRef>
-          <a:fontRef idx="minor">
-            <a:schemeClr val="dk1"/>
-          </a:fontRef>
-        </p:style>
-        <p:txBody>
-          <a:bodyPr rot="0" spcFirstLastPara="0" vertOverflow="overflow" horzOverflow="overflow" vert="horz" wrap="square" lIns="91440" tIns="45720" rIns="91440" bIns="45720" numCol="1" spcCol="0" rtlCol="0" fromWordArt="0" anchor="t" anchorCtr="0" forceAA="0" compatLnSpc="1">
-            <a:prstTxWarp prst="textNoShape">
-              <a:avLst/>
-            </a:prstTxWarp>
-            <a:spAutoFit/>
-          </a:bodyPr>
-          <a:lstStyle/>
-          <a:p>
-            <a:pPr algn="ctr"/>
-            <a:r>
-              <a:rPr lang="pt-PT" dirty="0"/>
-              <a:t>Editar coleção</a:t>
-            </a:r>
+            <a:endParaRPr lang="pt-PT"/>
           </a:p>
         </p:txBody>
       </p:sp>
     </p:spTree>
     <p:extLst>
       <p:ext uri="{BB962C8B-B14F-4D97-AF65-F5344CB8AC3E}">
-        <p14:creationId xmlns:p14="http://schemas.microsoft.com/office/powerpoint/2010/main" val="338144412"/>
+        <p14:creationId xmlns:p14="http://schemas.microsoft.com/office/powerpoint/2010/main" val="4161652135"/>
       </p:ext>
     </p:extLst>
   </p:cSld>
